--- a/React.pptx
+++ b/React.pptx
@@ -321,7 +321,7 @@
           <a:p>
             <a:fld id="{05408900-6234-440B-A027-38F10FF7E2F1}" type="datetimeFigureOut">
               <a:rPr lang="de-DE" smtClean="0"/>
-              <a:t>15.11.2018</a:t>
+              <a:t>16.11.2018</a:t>
             </a:fld>
             <a:endParaRPr lang="de-DE"/>
           </a:p>
@@ -897,6 +897,10 @@
               <a:rPr lang="en-US" baseline="0" dirty="0" err="1"/>
               <a:t>benutzen</a:t>
             </a:r>
+            <a:r>
+              <a:rPr lang="en-US" baseline="0" dirty="0"/>
+              <a:t/>
+            </a:r>
             <a:br>
               <a:rPr lang="en-US" baseline="0" dirty="0"/>
             </a:br>
@@ -3028,7 +3032,7 @@
           <a:p>
             <a:fld id="{3B23B96D-9616-4176-AEF6-AF1317711023}" type="datetime1">
               <a:rPr lang="de-DE" smtClean="0"/>
-              <a:t>15.11.2018</a:t>
+              <a:t>16.11.2018</a:t>
             </a:fld>
             <a:endParaRPr lang="de-DE"/>
           </a:p>
@@ -3206,7 +3210,7 @@
           <a:p>
             <a:fld id="{0D71886E-8C9D-4E97-9EB5-D99BA89A8533}" type="datetime1">
               <a:rPr lang="de-DE" smtClean="0"/>
-              <a:t>15.11.2018</a:t>
+              <a:t>16.11.2018</a:t>
             </a:fld>
             <a:endParaRPr lang="de-DE"/>
           </a:p>
@@ -3347,7 +3351,7 @@
           <a:p>
             <a:fld id="{8DBF69B3-62E3-4AF4-971E-1AB7F9FB69DD}" type="datetime1">
               <a:rPr lang="de-DE" smtClean="0"/>
-              <a:t>15.11.2018</a:t>
+              <a:t>16.11.2018</a:t>
             </a:fld>
             <a:endParaRPr lang="de-DE"/>
           </a:p>
@@ -3631,7 +3635,7 @@
           <a:p>
             <a:fld id="{F898127A-2E85-486B-8AA5-E90E3CCEC0E9}" type="datetime1">
               <a:rPr lang="de-DE" smtClean="0"/>
-              <a:t>15.11.2018</a:t>
+              <a:t>16.11.2018</a:t>
             </a:fld>
             <a:endParaRPr lang="de-DE"/>
           </a:p>
@@ -4269,7 +4273,7 @@
           <a:p>
             <a:fld id="{A4FEDFCE-8709-4D76-8036-EE5278C2237F}" type="datetime1">
               <a:rPr lang="de-DE" smtClean="0"/>
-              <a:t>15.11.2018</a:t>
+              <a:t>16.11.2018</a:t>
             </a:fld>
             <a:endParaRPr lang="de-DE"/>
           </a:p>
@@ -4403,7 +4407,7 @@
           <a:p>
             <a:fld id="{48352B5A-167D-4ED6-B7C9-BDA647A8BA51}" type="datetime1">
               <a:rPr lang="de-DE" smtClean="0"/>
-              <a:t>15.11.2018</a:t>
+              <a:t>16.11.2018</a:t>
             </a:fld>
             <a:endParaRPr lang="de-DE"/>
           </a:p>
@@ -4593,7 +4597,7 @@
           <a:p>
             <a:fld id="{F782B8C6-A2A3-4B66-A839-DF7B16517350}" type="datetime1">
               <a:rPr lang="de-DE" smtClean="0"/>
-              <a:t>15.11.2018</a:t>
+              <a:t>16.11.2018</a:t>
             </a:fld>
             <a:endParaRPr lang="de-DE"/>
           </a:p>
@@ -4984,7 +4988,7 @@
           <a:p>
             <a:fld id="{649D13A7-6296-4A54-8C64-66A02EB71342}" type="datetime1">
               <a:rPr lang="de-DE" smtClean="0"/>
-              <a:t>15.11.2018</a:t>
+              <a:t>16.11.2018</a:t>
             </a:fld>
             <a:endParaRPr lang="de-DE"/>
           </a:p>
@@ -5523,7 +5527,7 @@
           <a:p>
             <a:fld id="{ED7E8129-6AB0-4316-89DD-05AD9ABD1F9D}" type="datetime1">
               <a:rPr lang="de-DE" smtClean="0"/>
-              <a:t>15.11.2018</a:t>
+              <a:t>16.11.2018</a:t>
             </a:fld>
             <a:endParaRPr lang="de-DE"/>
           </a:p>
@@ -5640,7 +5644,7 @@
           <a:p>
             <a:fld id="{4FD0AE75-8AA0-449D-989F-B1E818A5B67A}" type="datetime1">
               <a:rPr lang="de-DE" smtClean="0"/>
-              <a:t>15.11.2018</a:t>
+              <a:t>16.11.2018</a:t>
             </a:fld>
             <a:endParaRPr lang="de-DE"/>
           </a:p>
@@ -5735,7 +5739,7 @@
           <a:p>
             <a:fld id="{455D07A7-0ED1-4138-9FBD-0F4825E4365D}" type="datetime1">
               <a:rPr lang="de-DE" smtClean="0"/>
-              <a:t>15.11.2018</a:t>
+              <a:t>16.11.2018</a:t>
             </a:fld>
             <a:endParaRPr lang="de-DE"/>
           </a:p>
@@ -5830,7 +5834,7 @@
           <a:p>
             <a:fld id="{6A743ADA-15EC-46F2-B124-7B3EABB341FC}" type="datetime1">
               <a:rPr lang="de-DE" smtClean="0"/>
-              <a:t>15.11.2018</a:t>
+              <a:t>16.11.2018</a:t>
             </a:fld>
             <a:endParaRPr lang="de-DE"/>
           </a:p>
@@ -6249,7 +6253,7 @@
           <a:p>
             <a:fld id="{34F16289-DF57-4F0A-9158-80987495B444}" type="datetime1">
               <a:rPr lang="de-DE" smtClean="0"/>
-              <a:t>15.11.2018</a:t>
+              <a:t>16.11.2018</a:t>
             </a:fld>
             <a:endParaRPr lang="de-DE"/>
           </a:p>
@@ -6485,7 +6489,7 @@
           <a:p>
             <a:fld id="{30694A65-3AA1-42B9-B750-09273D0D99B8}" type="datetime1">
               <a:rPr lang="de-DE" smtClean="0"/>
-              <a:t>15.11.2018</a:t>
+              <a:t>16.11.2018</a:t>
             </a:fld>
             <a:endParaRPr lang="de-DE"/>
           </a:p>
@@ -7154,7 +7158,7 @@
           <p:cNvPr id="1026" name="Picture 2" descr="Bildergebnis fÃ¼r react">
             <a:extLst>
               <a:ext uri="{FF2B5EF4-FFF2-40B4-BE49-F238E27FC236}">
-                <a16:creationId xmlns:a16="http://schemas.microsoft.com/office/drawing/2014/main" id="{829FFD09-EFA1-4ACA-886F-A45FA7CD87D4}"/>
+                <a16:creationId xmlns:a16="http://schemas.microsoft.com/office/drawing/2014/main" xmlns="" id="{829FFD09-EFA1-4ACA-886F-A45FA7CD87D4}"/>
               </a:ext>
             </a:extLst>
           </p:cNvPr>
@@ -7201,7 +7205,7 @@
           <p:cNvPr id="1030" name="Picture 6" descr="Bildergebnis fÃ¼r react materialize">
             <a:extLst>
               <a:ext uri="{FF2B5EF4-FFF2-40B4-BE49-F238E27FC236}">
-                <a16:creationId xmlns:a16="http://schemas.microsoft.com/office/drawing/2014/main" id="{8C0A3339-03B8-4017-9609-4DC76A731DE0}"/>
+                <a16:creationId xmlns:a16="http://schemas.microsoft.com/office/drawing/2014/main" xmlns="" id="{8C0A3339-03B8-4017-9609-4DC76A731DE0}"/>
               </a:ext>
             </a:extLst>
           </p:cNvPr>
@@ -7248,7 +7252,7 @@
           <p:cNvPr id="1032" name="Picture 8" descr="Bildergebnis fÃ¼r materialize">
             <a:extLst>
               <a:ext uri="{FF2B5EF4-FFF2-40B4-BE49-F238E27FC236}">
-                <a16:creationId xmlns:a16="http://schemas.microsoft.com/office/drawing/2014/main" id="{6B3A1825-2670-4778-8FC5-43386939DBE3}"/>
+                <a16:creationId xmlns:a16="http://schemas.microsoft.com/office/drawing/2014/main" xmlns="" id="{6B3A1825-2670-4778-8FC5-43386939DBE3}"/>
               </a:ext>
             </a:extLst>
           </p:cNvPr>
@@ -7295,7 +7299,7 @@
           <p:cNvPr id="1034" name="Picture 10" descr="Bildergebnis fÃ¼r rxjs">
             <a:extLst>
               <a:ext uri="{FF2B5EF4-FFF2-40B4-BE49-F238E27FC236}">
-                <a16:creationId xmlns:a16="http://schemas.microsoft.com/office/drawing/2014/main" id="{FF2589F7-8232-43CB-9B06-B819D249AC90}"/>
+                <a16:creationId xmlns:a16="http://schemas.microsoft.com/office/drawing/2014/main" xmlns="" id="{FF2589F7-8232-43CB-9B06-B819D249AC90}"/>
               </a:ext>
             </a:extLst>
           </p:cNvPr>
@@ -7372,7 +7376,7 @@
           <p:cNvPr id="2" name="Titel 1">
             <a:extLst>
               <a:ext uri="{FF2B5EF4-FFF2-40B4-BE49-F238E27FC236}">
-                <a16:creationId xmlns:a16="http://schemas.microsoft.com/office/drawing/2014/main" id="{BA34701A-BEAC-49CD-BE66-3678A5922648}"/>
+                <a16:creationId xmlns:a16="http://schemas.microsoft.com/office/drawing/2014/main" xmlns="" id="{BA34701A-BEAC-49CD-BE66-3678A5922648}"/>
               </a:ext>
             </a:extLst>
           </p:cNvPr>
@@ -7400,7 +7404,7 @@
           <p:cNvPr id="3" name="Datumsplatzhalter 2">
             <a:extLst>
               <a:ext uri="{FF2B5EF4-FFF2-40B4-BE49-F238E27FC236}">
-                <a16:creationId xmlns:a16="http://schemas.microsoft.com/office/drawing/2014/main" id="{A98B22DE-91CA-4FD7-9560-30BC27F3C26D}"/>
+                <a16:creationId xmlns:a16="http://schemas.microsoft.com/office/drawing/2014/main" xmlns="" id="{A98B22DE-91CA-4FD7-9560-30BC27F3C26D}"/>
               </a:ext>
             </a:extLst>
           </p:cNvPr>
@@ -7418,7 +7422,7 @@
           <a:p>
             <a:fld id="{48352B5A-167D-4ED6-B7C9-BDA647A8BA51}" type="datetime1">
               <a:rPr lang="de-DE" smtClean="0"/>
-              <a:t>15.11.2018</a:t>
+              <a:t>16.11.2018</a:t>
             </a:fld>
             <a:endParaRPr lang="de-DE"/>
           </a:p>
@@ -7429,7 +7433,7 @@
           <p:cNvPr id="4" name="Fußzeilenplatzhalter 3">
             <a:extLst>
               <a:ext uri="{FF2B5EF4-FFF2-40B4-BE49-F238E27FC236}">
-                <a16:creationId xmlns:a16="http://schemas.microsoft.com/office/drawing/2014/main" id="{391BBEE9-CD7F-4B7C-B0BA-020F00E6EF6F}"/>
+                <a16:creationId xmlns:a16="http://schemas.microsoft.com/office/drawing/2014/main" xmlns="" id="{391BBEE9-CD7F-4B7C-B0BA-020F00E6EF6F}"/>
               </a:ext>
             </a:extLst>
           </p:cNvPr>
@@ -7458,7 +7462,7 @@
           <p:cNvPr id="5" name="Foliennummernplatzhalter 4">
             <a:extLst>
               <a:ext uri="{FF2B5EF4-FFF2-40B4-BE49-F238E27FC236}">
-                <a16:creationId xmlns:a16="http://schemas.microsoft.com/office/drawing/2014/main" id="{B876E68C-B4E2-47B9-9FBD-9F8AFF68225E}"/>
+                <a16:creationId xmlns:a16="http://schemas.microsoft.com/office/drawing/2014/main" xmlns="" id="{B876E68C-B4E2-47B9-9FBD-9F8AFF68225E}"/>
               </a:ext>
             </a:extLst>
           </p:cNvPr>
@@ -7487,7 +7491,7 @@
           <p:cNvPr id="6" name="Inhaltsplatzhalter 5">
             <a:extLst>
               <a:ext uri="{FF2B5EF4-FFF2-40B4-BE49-F238E27FC236}">
-                <a16:creationId xmlns:a16="http://schemas.microsoft.com/office/drawing/2014/main" id="{AEBB1BB3-98D3-4463-AEE3-F6E5690771E9}"/>
+                <a16:creationId xmlns:a16="http://schemas.microsoft.com/office/drawing/2014/main" xmlns="" id="{AEBB1BB3-98D3-4463-AEE3-F6E5690771E9}"/>
               </a:ext>
             </a:extLst>
           </p:cNvPr>
@@ -7611,7 +7615,7 @@
           <p:cNvPr id="2" name="Titel 1">
             <a:extLst>
               <a:ext uri="{FF2B5EF4-FFF2-40B4-BE49-F238E27FC236}">
-                <a16:creationId xmlns:a16="http://schemas.microsoft.com/office/drawing/2014/main" id="{738C37EF-4C5F-4AA5-99A0-0F366D81A037}"/>
+                <a16:creationId xmlns:a16="http://schemas.microsoft.com/office/drawing/2014/main" xmlns="" id="{738C37EF-4C5F-4AA5-99A0-0F366D81A037}"/>
               </a:ext>
             </a:extLst>
           </p:cNvPr>
@@ -7639,7 +7643,7 @@
           <p:cNvPr id="3" name="Datumsplatzhalter 2">
             <a:extLst>
               <a:ext uri="{FF2B5EF4-FFF2-40B4-BE49-F238E27FC236}">
-                <a16:creationId xmlns:a16="http://schemas.microsoft.com/office/drawing/2014/main" id="{E1C0CD2F-49CF-42A9-8438-801CE1CBBA71}"/>
+                <a16:creationId xmlns:a16="http://schemas.microsoft.com/office/drawing/2014/main" xmlns="" id="{E1C0CD2F-49CF-42A9-8438-801CE1CBBA71}"/>
               </a:ext>
             </a:extLst>
           </p:cNvPr>
@@ -7657,7 +7661,7 @@
           <a:p>
             <a:fld id="{48352B5A-167D-4ED6-B7C9-BDA647A8BA51}" type="datetime1">
               <a:rPr lang="de-DE" smtClean="0"/>
-              <a:t>15.11.2018</a:t>
+              <a:t>16.11.2018</a:t>
             </a:fld>
             <a:endParaRPr lang="de-DE"/>
           </a:p>
@@ -7668,7 +7672,7 @@
           <p:cNvPr id="4" name="Fußzeilenplatzhalter 3">
             <a:extLst>
               <a:ext uri="{FF2B5EF4-FFF2-40B4-BE49-F238E27FC236}">
-                <a16:creationId xmlns:a16="http://schemas.microsoft.com/office/drawing/2014/main" id="{7F57B273-F13C-4F69-89F8-68317B43542F}"/>
+                <a16:creationId xmlns:a16="http://schemas.microsoft.com/office/drawing/2014/main" xmlns="" id="{7F57B273-F13C-4F69-89F8-68317B43542F}"/>
               </a:ext>
             </a:extLst>
           </p:cNvPr>
@@ -7697,7 +7701,7 @@
           <p:cNvPr id="5" name="Foliennummernplatzhalter 4">
             <a:extLst>
               <a:ext uri="{FF2B5EF4-FFF2-40B4-BE49-F238E27FC236}">
-                <a16:creationId xmlns:a16="http://schemas.microsoft.com/office/drawing/2014/main" id="{835CFF78-1AAA-4EF5-9E9A-24C4BBBDE859}"/>
+                <a16:creationId xmlns:a16="http://schemas.microsoft.com/office/drawing/2014/main" xmlns="" id="{835CFF78-1AAA-4EF5-9E9A-24C4BBBDE859}"/>
               </a:ext>
             </a:extLst>
           </p:cNvPr>
@@ -7726,7 +7730,7 @@
           <p:cNvPr id="7" name="Inhaltsplatzhalter 6">
             <a:extLst>
               <a:ext uri="{FF2B5EF4-FFF2-40B4-BE49-F238E27FC236}">
-                <a16:creationId xmlns:a16="http://schemas.microsoft.com/office/drawing/2014/main" id="{43CE9483-8950-486B-B41D-7A66F10224C7}"/>
+                <a16:creationId xmlns:a16="http://schemas.microsoft.com/office/drawing/2014/main" xmlns="" id="{43CE9483-8950-486B-B41D-7A66F10224C7}"/>
               </a:ext>
             </a:extLst>
           </p:cNvPr>
@@ -7788,7 +7792,7 @@
           <p:cNvPr id="2" name="Titel 1">
             <a:extLst>
               <a:ext uri="{FF2B5EF4-FFF2-40B4-BE49-F238E27FC236}">
-                <a16:creationId xmlns:a16="http://schemas.microsoft.com/office/drawing/2014/main" id="{E6CF5AC9-4037-40B1-9918-570F8D4A5BC8}"/>
+                <a16:creationId xmlns:a16="http://schemas.microsoft.com/office/drawing/2014/main" xmlns="" id="{E6CF5AC9-4037-40B1-9918-570F8D4A5BC8}"/>
               </a:ext>
             </a:extLst>
           </p:cNvPr>
@@ -7820,7 +7824,7 @@
           <p:cNvPr id="3" name="Datumsplatzhalter 2">
             <a:extLst>
               <a:ext uri="{FF2B5EF4-FFF2-40B4-BE49-F238E27FC236}">
-                <a16:creationId xmlns:a16="http://schemas.microsoft.com/office/drawing/2014/main" id="{A705C0B8-C520-4633-A9A6-72F6195A5A9E}"/>
+                <a16:creationId xmlns:a16="http://schemas.microsoft.com/office/drawing/2014/main" xmlns="" id="{A705C0B8-C520-4633-A9A6-72F6195A5A9E}"/>
               </a:ext>
             </a:extLst>
           </p:cNvPr>
@@ -7838,7 +7842,7 @@
           <a:p>
             <a:fld id="{48352B5A-167D-4ED6-B7C9-BDA647A8BA51}" type="datetime1">
               <a:rPr lang="de-DE" smtClean="0"/>
-              <a:t>15.11.2018</a:t>
+              <a:t>16.11.2018</a:t>
             </a:fld>
             <a:endParaRPr lang="de-DE"/>
           </a:p>
@@ -7849,7 +7853,7 @@
           <p:cNvPr id="4" name="Fußzeilenplatzhalter 3">
             <a:extLst>
               <a:ext uri="{FF2B5EF4-FFF2-40B4-BE49-F238E27FC236}">
-                <a16:creationId xmlns:a16="http://schemas.microsoft.com/office/drawing/2014/main" id="{B466A057-EB10-46B8-97E0-99320985902F}"/>
+                <a16:creationId xmlns:a16="http://schemas.microsoft.com/office/drawing/2014/main" xmlns="" id="{B466A057-EB10-46B8-97E0-99320985902F}"/>
               </a:ext>
             </a:extLst>
           </p:cNvPr>
@@ -7878,7 +7882,7 @@
           <p:cNvPr id="5" name="Foliennummernplatzhalter 4">
             <a:extLst>
               <a:ext uri="{FF2B5EF4-FFF2-40B4-BE49-F238E27FC236}">
-                <a16:creationId xmlns:a16="http://schemas.microsoft.com/office/drawing/2014/main" id="{9673468D-A9D3-4D74-BE6E-8B5ECEB59B48}"/>
+                <a16:creationId xmlns:a16="http://schemas.microsoft.com/office/drawing/2014/main" xmlns="" id="{9673468D-A9D3-4D74-BE6E-8B5ECEB59B48}"/>
               </a:ext>
             </a:extLst>
           </p:cNvPr>
@@ -7907,7 +7911,7 @@
           <p:cNvPr id="6" name="Inhaltsplatzhalter 5">
             <a:extLst>
               <a:ext uri="{FF2B5EF4-FFF2-40B4-BE49-F238E27FC236}">
-                <a16:creationId xmlns:a16="http://schemas.microsoft.com/office/drawing/2014/main" id="{D821D71A-5EC1-4867-9139-31BF6502F1B6}"/>
+                <a16:creationId xmlns:a16="http://schemas.microsoft.com/office/drawing/2014/main" xmlns="" id="{D821D71A-5EC1-4867-9139-31BF6502F1B6}"/>
               </a:ext>
             </a:extLst>
           </p:cNvPr>
@@ -8001,6 +8005,10 @@
                 <a:spcPts val="0"/>
               </a:spcBef>
             </a:pPr>
+            <a:r>
+              <a:rPr lang="de-CH" dirty="0"/>
+              <a:t/>
+            </a:r>
             <a:br>
               <a:rPr lang="de-CH" dirty="0"/>
             </a:br>
@@ -8094,7 +8102,7 @@
           <p:cNvPr id="2" name="Titel 1">
             <a:extLst>
               <a:ext uri="{FF2B5EF4-FFF2-40B4-BE49-F238E27FC236}">
-                <a16:creationId xmlns:a16="http://schemas.microsoft.com/office/drawing/2014/main" id="{2D7D460E-0B2B-44FD-B746-194A16BD830D}"/>
+                <a16:creationId xmlns:a16="http://schemas.microsoft.com/office/drawing/2014/main" xmlns="" id="{2D7D460E-0B2B-44FD-B746-194A16BD830D}"/>
               </a:ext>
             </a:extLst>
           </p:cNvPr>
@@ -8123,7 +8131,7 @@
           <p:cNvPr id="3" name="Datumsplatzhalter 2">
             <a:extLst>
               <a:ext uri="{FF2B5EF4-FFF2-40B4-BE49-F238E27FC236}">
-                <a16:creationId xmlns:a16="http://schemas.microsoft.com/office/drawing/2014/main" id="{828DC8B8-5366-41F8-8AFA-7871829A0908}"/>
+                <a16:creationId xmlns:a16="http://schemas.microsoft.com/office/drawing/2014/main" xmlns="" id="{828DC8B8-5366-41F8-8AFA-7871829A0908}"/>
               </a:ext>
             </a:extLst>
           </p:cNvPr>
@@ -8141,7 +8149,7 @@
           <a:p>
             <a:fld id="{48352B5A-167D-4ED6-B7C9-BDA647A8BA51}" type="datetime1">
               <a:rPr lang="de-DE" smtClean="0"/>
-              <a:t>15.11.2018</a:t>
+              <a:t>16.11.2018</a:t>
             </a:fld>
             <a:endParaRPr lang="de-DE"/>
           </a:p>
@@ -8152,7 +8160,7 @@
           <p:cNvPr id="4" name="Fußzeilenplatzhalter 3">
             <a:extLst>
               <a:ext uri="{FF2B5EF4-FFF2-40B4-BE49-F238E27FC236}">
-                <a16:creationId xmlns:a16="http://schemas.microsoft.com/office/drawing/2014/main" id="{BD971EBA-44D6-4477-93E3-1B788DADD575}"/>
+                <a16:creationId xmlns:a16="http://schemas.microsoft.com/office/drawing/2014/main" xmlns="" id="{BD971EBA-44D6-4477-93E3-1B788DADD575}"/>
               </a:ext>
             </a:extLst>
           </p:cNvPr>
@@ -8181,7 +8189,7 @@
           <p:cNvPr id="5" name="Foliennummernplatzhalter 4">
             <a:extLst>
               <a:ext uri="{FF2B5EF4-FFF2-40B4-BE49-F238E27FC236}">
-                <a16:creationId xmlns:a16="http://schemas.microsoft.com/office/drawing/2014/main" id="{91167899-16A0-4E9B-9BB8-2EC81AE3C4A3}"/>
+                <a16:creationId xmlns:a16="http://schemas.microsoft.com/office/drawing/2014/main" xmlns="" id="{91167899-16A0-4E9B-9BB8-2EC81AE3C4A3}"/>
               </a:ext>
             </a:extLst>
           </p:cNvPr>
@@ -8210,7 +8218,7 @@
           <p:cNvPr id="6" name="Inhaltsplatzhalter 5">
             <a:extLst>
               <a:ext uri="{FF2B5EF4-FFF2-40B4-BE49-F238E27FC236}">
-                <a16:creationId xmlns:a16="http://schemas.microsoft.com/office/drawing/2014/main" id="{C2EAF9B5-C30D-4536-A717-867AA1D17456}"/>
+                <a16:creationId xmlns:a16="http://schemas.microsoft.com/office/drawing/2014/main" xmlns="" id="{C2EAF9B5-C30D-4536-A717-867AA1D17456}"/>
               </a:ext>
             </a:extLst>
           </p:cNvPr>
@@ -8418,7 +8426,7 @@
           <p:cNvPr id="2" name="Titel 1">
             <a:extLst>
               <a:ext uri="{FF2B5EF4-FFF2-40B4-BE49-F238E27FC236}">
-                <a16:creationId xmlns:a16="http://schemas.microsoft.com/office/drawing/2014/main" id="{CC5FCD01-D151-4722-B663-67C4B09833C6}"/>
+                <a16:creationId xmlns:a16="http://schemas.microsoft.com/office/drawing/2014/main" xmlns="" id="{CC5FCD01-D151-4722-B663-67C4B09833C6}"/>
               </a:ext>
             </a:extLst>
           </p:cNvPr>
@@ -8450,7 +8458,7 @@
           <p:cNvPr id="3" name="Datumsplatzhalter 2">
             <a:extLst>
               <a:ext uri="{FF2B5EF4-FFF2-40B4-BE49-F238E27FC236}">
-                <a16:creationId xmlns:a16="http://schemas.microsoft.com/office/drawing/2014/main" id="{6F5E496F-46F7-40D4-8DF1-34867D27C2A8}"/>
+                <a16:creationId xmlns:a16="http://schemas.microsoft.com/office/drawing/2014/main" xmlns="" id="{6F5E496F-46F7-40D4-8DF1-34867D27C2A8}"/>
               </a:ext>
             </a:extLst>
           </p:cNvPr>
@@ -8468,7 +8476,7 @@
           <a:p>
             <a:fld id="{48352B5A-167D-4ED6-B7C9-BDA647A8BA51}" type="datetime1">
               <a:rPr lang="de-DE" smtClean="0"/>
-              <a:t>15.11.2018</a:t>
+              <a:t>16.11.2018</a:t>
             </a:fld>
             <a:endParaRPr lang="de-DE"/>
           </a:p>
@@ -8479,7 +8487,7 @@
           <p:cNvPr id="4" name="Fußzeilenplatzhalter 3">
             <a:extLst>
               <a:ext uri="{FF2B5EF4-FFF2-40B4-BE49-F238E27FC236}">
-                <a16:creationId xmlns:a16="http://schemas.microsoft.com/office/drawing/2014/main" id="{C33CAF55-8754-4CFB-95A7-9C9B82305AAD}"/>
+                <a16:creationId xmlns:a16="http://schemas.microsoft.com/office/drawing/2014/main" xmlns="" id="{C33CAF55-8754-4CFB-95A7-9C9B82305AAD}"/>
               </a:ext>
             </a:extLst>
           </p:cNvPr>
@@ -8508,7 +8516,7 @@
           <p:cNvPr id="5" name="Foliennummernplatzhalter 4">
             <a:extLst>
               <a:ext uri="{FF2B5EF4-FFF2-40B4-BE49-F238E27FC236}">
-                <a16:creationId xmlns:a16="http://schemas.microsoft.com/office/drawing/2014/main" id="{EA1DA399-D052-4008-BB2B-6404DF71964D}"/>
+                <a16:creationId xmlns:a16="http://schemas.microsoft.com/office/drawing/2014/main" xmlns="" id="{EA1DA399-D052-4008-BB2B-6404DF71964D}"/>
               </a:ext>
             </a:extLst>
           </p:cNvPr>
@@ -8537,7 +8545,7 @@
           <p:cNvPr id="6" name="Inhaltsplatzhalter 5">
             <a:extLst>
               <a:ext uri="{FF2B5EF4-FFF2-40B4-BE49-F238E27FC236}">
-                <a16:creationId xmlns:a16="http://schemas.microsoft.com/office/drawing/2014/main" id="{A424F6E6-7EE3-42CE-986A-0D3257FB18D1}"/>
+                <a16:creationId xmlns:a16="http://schemas.microsoft.com/office/drawing/2014/main" xmlns="" id="{A424F6E6-7EE3-42CE-986A-0D3257FB18D1}"/>
               </a:ext>
             </a:extLst>
           </p:cNvPr>
@@ -9006,7 +9014,7 @@
           <p:cNvPr id="2" name="Titel 1">
             <a:extLst>
               <a:ext uri="{FF2B5EF4-FFF2-40B4-BE49-F238E27FC236}">
-                <a16:creationId xmlns:a16="http://schemas.microsoft.com/office/drawing/2014/main" id="{8EFFCF8E-A530-400B-B812-958F5DB05ADA}"/>
+                <a16:creationId xmlns:a16="http://schemas.microsoft.com/office/drawing/2014/main" xmlns="" id="{8EFFCF8E-A530-400B-B812-958F5DB05ADA}"/>
               </a:ext>
             </a:extLst>
           </p:cNvPr>
@@ -9035,7 +9043,7 @@
           <p:cNvPr id="3" name="Datumsplatzhalter 2">
             <a:extLst>
               <a:ext uri="{FF2B5EF4-FFF2-40B4-BE49-F238E27FC236}">
-                <a16:creationId xmlns:a16="http://schemas.microsoft.com/office/drawing/2014/main" id="{8A2ACF77-5D94-4A87-859F-F880C8049340}"/>
+                <a16:creationId xmlns:a16="http://schemas.microsoft.com/office/drawing/2014/main" xmlns="" id="{8A2ACF77-5D94-4A87-859F-F880C8049340}"/>
               </a:ext>
             </a:extLst>
           </p:cNvPr>
@@ -9053,7 +9061,7 @@
           <a:p>
             <a:fld id="{48352B5A-167D-4ED6-B7C9-BDA647A8BA51}" type="datetime1">
               <a:rPr lang="de-DE" smtClean="0"/>
-              <a:t>15.11.2018</a:t>
+              <a:t>16.11.2018</a:t>
             </a:fld>
             <a:endParaRPr lang="de-DE"/>
           </a:p>
@@ -9064,7 +9072,7 @@
           <p:cNvPr id="4" name="Fußzeilenplatzhalter 3">
             <a:extLst>
               <a:ext uri="{FF2B5EF4-FFF2-40B4-BE49-F238E27FC236}">
-                <a16:creationId xmlns:a16="http://schemas.microsoft.com/office/drawing/2014/main" id="{BCE989C0-DCC8-4DE1-8016-5BDAC15115EB}"/>
+                <a16:creationId xmlns:a16="http://schemas.microsoft.com/office/drawing/2014/main" xmlns="" id="{BCE989C0-DCC8-4DE1-8016-5BDAC15115EB}"/>
               </a:ext>
             </a:extLst>
           </p:cNvPr>
@@ -9093,7 +9101,7 @@
           <p:cNvPr id="5" name="Foliennummernplatzhalter 4">
             <a:extLst>
               <a:ext uri="{FF2B5EF4-FFF2-40B4-BE49-F238E27FC236}">
-                <a16:creationId xmlns:a16="http://schemas.microsoft.com/office/drawing/2014/main" id="{E0AE29E5-FDEA-4EBC-A598-E69E4995CB24}"/>
+                <a16:creationId xmlns:a16="http://schemas.microsoft.com/office/drawing/2014/main" xmlns="" id="{E0AE29E5-FDEA-4EBC-A598-E69E4995CB24}"/>
               </a:ext>
             </a:extLst>
           </p:cNvPr>
@@ -9122,7 +9130,7 @@
           <p:cNvPr id="6" name="Inhaltsplatzhalter 5">
             <a:extLst>
               <a:ext uri="{FF2B5EF4-FFF2-40B4-BE49-F238E27FC236}">
-                <a16:creationId xmlns:a16="http://schemas.microsoft.com/office/drawing/2014/main" id="{E16E596C-A5F8-47FA-9BFB-EBB60E45B8F1}"/>
+                <a16:creationId xmlns:a16="http://schemas.microsoft.com/office/drawing/2014/main" xmlns="" id="{E16E596C-A5F8-47FA-9BFB-EBB60E45B8F1}"/>
               </a:ext>
             </a:extLst>
           </p:cNvPr>
@@ -9567,7 +9575,7 @@
           <p:cNvPr id="2" name="Titel 1">
             <a:extLst>
               <a:ext uri="{FF2B5EF4-FFF2-40B4-BE49-F238E27FC236}">
-                <a16:creationId xmlns:a16="http://schemas.microsoft.com/office/drawing/2014/main" id="{BA34701A-BEAC-49CD-BE66-3678A5922648}"/>
+                <a16:creationId xmlns:a16="http://schemas.microsoft.com/office/drawing/2014/main" xmlns="" id="{BA34701A-BEAC-49CD-BE66-3678A5922648}"/>
               </a:ext>
             </a:extLst>
           </p:cNvPr>
@@ -9595,7 +9603,7 @@
           <p:cNvPr id="3" name="Datumsplatzhalter 2">
             <a:extLst>
               <a:ext uri="{FF2B5EF4-FFF2-40B4-BE49-F238E27FC236}">
-                <a16:creationId xmlns:a16="http://schemas.microsoft.com/office/drawing/2014/main" id="{A98B22DE-91CA-4FD7-9560-30BC27F3C26D}"/>
+                <a16:creationId xmlns:a16="http://schemas.microsoft.com/office/drawing/2014/main" xmlns="" id="{A98B22DE-91CA-4FD7-9560-30BC27F3C26D}"/>
               </a:ext>
             </a:extLst>
           </p:cNvPr>
@@ -9613,7 +9621,7 @@
           <a:p>
             <a:fld id="{48352B5A-167D-4ED6-B7C9-BDA647A8BA51}" type="datetime1">
               <a:rPr lang="de-DE" smtClean="0"/>
-              <a:t>15.11.2018</a:t>
+              <a:t>16.11.2018</a:t>
             </a:fld>
             <a:endParaRPr lang="de-DE"/>
           </a:p>
@@ -9624,7 +9632,7 @@
           <p:cNvPr id="4" name="Fußzeilenplatzhalter 3">
             <a:extLst>
               <a:ext uri="{FF2B5EF4-FFF2-40B4-BE49-F238E27FC236}">
-                <a16:creationId xmlns:a16="http://schemas.microsoft.com/office/drawing/2014/main" id="{391BBEE9-CD7F-4B7C-B0BA-020F00E6EF6F}"/>
+                <a16:creationId xmlns:a16="http://schemas.microsoft.com/office/drawing/2014/main" xmlns="" id="{391BBEE9-CD7F-4B7C-B0BA-020F00E6EF6F}"/>
               </a:ext>
             </a:extLst>
           </p:cNvPr>
@@ -9653,7 +9661,7 @@
           <p:cNvPr id="5" name="Foliennummernplatzhalter 4">
             <a:extLst>
               <a:ext uri="{FF2B5EF4-FFF2-40B4-BE49-F238E27FC236}">
-                <a16:creationId xmlns:a16="http://schemas.microsoft.com/office/drawing/2014/main" id="{B876E68C-B4E2-47B9-9FBD-9F8AFF68225E}"/>
+                <a16:creationId xmlns:a16="http://schemas.microsoft.com/office/drawing/2014/main" xmlns="" id="{B876E68C-B4E2-47B9-9FBD-9F8AFF68225E}"/>
               </a:ext>
             </a:extLst>
           </p:cNvPr>
@@ -9682,7 +9690,7 @@
           <p:cNvPr id="6" name="Inhaltsplatzhalter 5">
             <a:extLst>
               <a:ext uri="{FF2B5EF4-FFF2-40B4-BE49-F238E27FC236}">
-                <a16:creationId xmlns:a16="http://schemas.microsoft.com/office/drawing/2014/main" id="{AEBB1BB3-98D3-4463-AEE3-F6E5690771E9}"/>
+                <a16:creationId xmlns:a16="http://schemas.microsoft.com/office/drawing/2014/main" xmlns="" id="{AEBB1BB3-98D3-4463-AEE3-F6E5690771E9}"/>
               </a:ext>
             </a:extLst>
           </p:cNvPr>
@@ -9904,7 +9912,7 @@
           <a:p>
             <a:fld id="{48352B5A-167D-4ED6-B7C9-BDA647A8BA51}" type="datetime1">
               <a:rPr lang="de-DE" smtClean="0"/>
-              <a:t>15.11.2018</a:t>
+              <a:t>16.11.2018</a:t>
             </a:fld>
             <a:endParaRPr lang="de-DE"/>
           </a:p>
@@ -10049,6 +10057,10 @@
               <a:rPr lang="en-US" dirty="0" err="1"/>
               <a:t>werden</a:t>
             </a:r>
+            <a:r>
+              <a:rPr lang="en-US" dirty="0"/>
+              <a:t/>
+            </a:r>
             <a:br>
               <a:rPr lang="en-US" dirty="0"/>
             </a:br>
@@ -10120,6 +10132,10 @@
             <a:r>
               <a:rPr lang="en-US" dirty="0" err="1"/>
               <a:t>werden</a:t>
+            </a:r>
+            <a:r>
+              <a:rPr lang="en-US" dirty="0"/>
+              <a:t/>
             </a:r>
             <a:br>
               <a:rPr lang="en-US" dirty="0"/>
@@ -10175,7 +10191,7 @@
           <p:cNvPr id="2" name="Titel 1">
             <a:extLst>
               <a:ext uri="{FF2B5EF4-FFF2-40B4-BE49-F238E27FC236}">
-                <a16:creationId xmlns:a16="http://schemas.microsoft.com/office/drawing/2014/main" id="{2D7D460E-0B2B-44FD-B746-194A16BD830D}"/>
+                <a16:creationId xmlns:a16="http://schemas.microsoft.com/office/drawing/2014/main" xmlns="" id="{2D7D460E-0B2B-44FD-B746-194A16BD830D}"/>
               </a:ext>
             </a:extLst>
           </p:cNvPr>
@@ -10203,7 +10219,7 @@
           <p:cNvPr id="3" name="Datumsplatzhalter 2">
             <a:extLst>
               <a:ext uri="{FF2B5EF4-FFF2-40B4-BE49-F238E27FC236}">
-                <a16:creationId xmlns:a16="http://schemas.microsoft.com/office/drawing/2014/main" id="{828DC8B8-5366-41F8-8AFA-7871829A0908}"/>
+                <a16:creationId xmlns:a16="http://schemas.microsoft.com/office/drawing/2014/main" xmlns="" id="{828DC8B8-5366-41F8-8AFA-7871829A0908}"/>
               </a:ext>
             </a:extLst>
           </p:cNvPr>
@@ -10221,7 +10237,7 @@
           <a:p>
             <a:fld id="{48352B5A-167D-4ED6-B7C9-BDA647A8BA51}" type="datetime1">
               <a:rPr lang="de-DE" smtClean="0"/>
-              <a:t>15.11.2018</a:t>
+              <a:t>16.11.2018</a:t>
             </a:fld>
             <a:endParaRPr lang="de-DE"/>
           </a:p>
@@ -10232,7 +10248,7 @@
           <p:cNvPr id="4" name="Fußzeilenplatzhalter 3">
             <a:extLst>
               <a:ext uri="{FF2B5EF4-FFF2-40B4-BE49-F238E27FC236}">
-                <a16:creationId xmlns:a16="http://schemas.microsoft.com/office/drawing/2014/main" id="{BD971EBA-44D6-4477-93E3-1B788DADD575}"/>
+                <a16:creationId xmlns:a16="http://schemas.microsoft.com/office/drawing/2014/main" xmlns="" id="{BD971EBA-44D6-4477-93E3-1B788DADD575}"/>
               </a:ext>
             </a:extLst>
           </p:cNvPr>
@@ -10261,7 +10277,7 @@
           <p:cNvPr id="5" name="Foliennummernplatzhalter 4">
             <a:extLst>
               <a:ext uri="{FF2B5EF4-FFF2-40B4-BE49-F238E27FC236}">
-                <a16:creationId xmlns:a16="http://schemas.microsoft.com/office/drawing/2014/main" id="{91167899-16A0-4E9B-9BB8-2EC81AE3C4A3}"/>
+                <a16:creationId xmlns:a16="http://schemas.microsoft.com/office/drawing/2014/main" xmlns="" id="{91167899-16A0-4E9B-9BB8-2EC81AE3C4A3}"/>
               </a:ext>
             </a:extLst>
           </p:cNvPr>
@@ -10290,7 +10306,7 @@
           <p:cNvPr id="6" name="Inhaltsplatzhalter 5">
             <a:extLst>
               <a:ext uri="{FF2B5EF4-FFF2-40B4-BE49-F238E27FC236}">
-                <a16:creationId xmlns:a16="http://schemas.microsoft.com/office/drawing/2014/main" id="{C2EAF9B5-C30D-4536-A717-867AA1D17456}"/>
+                <a16:creationId xmlns:a16="http://schemas.microsoft.com/office/drawing/2014/main" xmlns="" id="{C2EAF9B5-C30D-4536-A717-867AA1D17456}"/>
               </a:ext>
             </a:extLst>
           </p:cNvPr>
@@ -10405,7 +10421,7 @@
           <p:cNvPr id="2" name="Titel 1">
             <a:extLst>
               <a:ext uri="{FF2B5EF4-FFF2-40B4-BE49-F238E27FC236}">
-                <a16:creationId xmlns:a16="http://schemas.microsoft.com/office/drawing/2014/main" id="{8114A889-83B6-40F0-B935-DCD9702CEACD}"/>
+                <a16:creationId xmlns:a16="http://schemas.microsoft.com/office/drawing/2014/main" xmlns="" id="{8114A889-83B6-40F0-B935-DCD9702CEACD}"/>
               </a:ext>
             </a:extLst>
           </p:cNvPr>
@@ -10433,7 +10449,7 @@
           <p:cNvPr id="3" name="Datumsplatzhalter 2">
             <a:extLst>
               <a:ext uri="{FF2B5EF4-FFF2-40B4-BE49-F238E27FC236}">
-                <a16:creationId xmlns:a16="http://schemas.microsoft.com/office/drawing/2014/main" id="{F89389F1-AFAC-4D9A-9486-7B3544E4FF6D}"/>
+                <a16:creationId xmlns:a16="http://schemas.microsoft.com/office/drawing/2014/main" xmlns="" id="{F89389F1-AFAC-4D9A-9486-7B3544E4FF6D}"/>
               </a:ext>
             </a:extLst>
           </p:cNvPr>
@@ -10451,7 +10467,7 @@
           <a:p>
             <a:fld id="{48352B5A-167D-4ED6-B7C9-BDA647A8BA51}" type="datetime1">
               <a:rPr lang="de-DE" smtClean="0"/>
-              <a:t>15.11.2018</a:t>
+              <a:t>16.11.2018</a:t>
             </a:fld>
             <a:endParaRPr lang="de-DE"/>
           </a:p>
@@ -10462,7 +10478,7 @@
           <p:cNvPr id="4" name="Fußzeilenplatzhalter 3">
             <a:extLst>
               <a:ext uri="{FF2B5EF4-FFF2-40B4-BE49-F238E27FC236}">
-                <a16:creationId xmlns:a16="http://schemas.microsoft.com/office/drawing/2014/main" id="{9F17CDFF-C508-4955-98A7-5D2E28C34B42}"/>
+                <a16:creationId xmlns:a16="http://schemas.microsoft.com/office/drawing/2014/main" xmlns="" id="{9F17CDFF-C508-4955-98A7-5D2E28C34B42}"/>
               </a:ext>
             </a:extLst>
           </p:cNvPr>
@@ -10491,7 +10507,7 @@
           <p:cNvPr id="5" name="Foliennummernplatzhalter 4">
             <a:extLst>
               <a:ext uri="{FF2B5EF4-FFF2-40B4-BE49-F238E27FC236}">
-                <a16:creationId xmlns:a16="http://schemas.microsoft.com/office/drawing/2014/main" id="{810D8EC7-F317-4347-B4EE-CB89484C6E86}"/>
+                <a16:creationId xmlns:a16="http://schemas.microsoft.com/office/drawing/2014/main" xmlns="" id="{810D8EC7-F317-4347-B4EE-CB89484C6E86}"/>
               </a:ext>
             </a:extLst>
           </p:cNvPr>
@@ -10520,7 +10536,7 @@
           <p:cNvPr id="6" name="Inhaltsplatzhalter 5">
             <a:extLst>
               <a:ext uri="{FF2B5EF4-FFF2-40B4-BE49-F238E27FC236}">
-                <a16:creationId xmlns:a16="http://schemas.microsoft.com/office/drawing/2014/main" id="{2664D975-EAE2-4ADB-A844-D88FA8C3AAB5}"/>
+                <a16:creationId xmlns:a16="http://schemas.microsoft.com/office/drawing/2014/main" xmlns="" id="{2664D975-EAE2-4ADB-A844-D88FA8C3AAB5}"/>
               </a:ext>
             </a:extLst>
           </p:cNvPr>
@@ -10626,7 +10642,7 @@
           <p:cNvPr id="2" name="Titel 1">
             <a:extLst>
               <a:ext uri="{FF2B5EF4-FFF2-40B4-BE49-F238E27FC236}">
-                <a16:creationId xmlns:a16="http://schemas.microsoft.com/office/drawing/2014/main" id="{9045F3A0-10BD-46BB-A599-99C99D083471}"/>
+                <a16:creationId xmlns:a16="http://schemas.microsoft.com/office/drawing/2014/main" xmlns="" id="{9045F3A0-10BD-46BB-A599-99C99D083471}"/>
               </a:ext>
             </a:extLst>
           </p:cNvPr>
@@ -10654,7 +10670,7 @@
           <p:cNvPr id="3" name="Datumsplatzhalter 2">
             <a:extLst>
               <a:ext uri="{FF2B5EF4-FFF2-40B4-BE49-F238E27FC236}">
-                <a16:creationId xmlns:a16="http://schemas.microsoft.com/office/drawing/2014/main" id="{CE9F0A6B-49CE-4AD7-BF97-45CE42D685C7}"/>
+                <a16:creationId xmlns:a16="http://schemas.microsoft.com/office/drawing/2014/main" xmlns="" id="{CE9F0A6B-49CE-4AD7-BF97-45CE42D685C7}"/>
               </a:ext>
             </a:extLst>
           </p:cNvPr>
@@ -10672,7 +10688,7 @@
           <a:p>
             <a:fld id="{48352B5A-167D-4ED6-B7C9-BDA647A8BA51}" type="datetime1">
               <a:rPr lang="de-DE" smtClean="0"/>
-              <a:t>15.11.2018</a:t>
+              <a:t>16.11.2018</a:t>
             </a:fld>
             <a:endParaRPr lang="de-DE"/>
           </a:p>
@@ -10683,7 +10699,7 @@
           <p:cNvPr id="4" name="Fußzeilenplatzhalter 3">
             <a:extLst>
               <a:ext uri="{FF2B5EF4-FFF2-40B4-BE49-F238E27FC236}">
-                <a16:creationId xmlns:a16="http://schemas.microsoft.com/office/drawing/2014/main" id="{E6903670-E149-44F7-B376-AD678C4A47C4}"/>
+                <a16:creationId xmlns:a16="http://schemas.microsoft.com/office/drawing/2014/main" xmlns="" id="{E6903670-E149-44F7-B376-AD678C4A47C4}"/>
               </a:ext>
             </a:extLst>
           </p:cNvPr>
@@ -10712,7 +10728,7 @@
           <p:cNvPr id="5" name="Foliennummernplatzhalter 4">
             <a:extLst>
               <a:ext uri="{FF2B5EF4-FFF2-40B4-BE49-F238E27FC236}">
-                <a16:creationId xmlns:a16="http://schemas.microsoft.com/office/drawing/2014/main" id="{8AD18758-662B-449F-A0E9-6DFE7F50233D}"/>
+                <a16:creationId xmlns:a16="http://schemas.microsoft.com/office/drawing/2014/main" xmlns="" id="{8AD18758-662B-449F-A0E9-6DFE7F50233D}"/>
               </a:ext>
             </a:extLst>
           </p:cNvPr>
@@ -10741,7 +10757,7 @@
           <p:cNvPr id="6" name="Inhaltsplatzhalter 5">
             <a:extLst>
               <a:ext uri="{FF2B5EF4-FFF2-40B4-BE49-F238E27FC236}">
-                <a16:creationId xmlns:a16="http://schemas.microsoft.com/office/drawing/2014/main" id="{06BD01D8-02D5-427E-8BC7-18B2822F01C0}"/>
+                <a16:creationId xmlns:a16="http://schemas.microsoft.com/office/drawing/2014/main" xmlns="" id="{06BD01D8-02D5-427E-8BC7-18B2822F01C0}"/>
               </a:ext>
             </a:extLst>
           </p:cNvPr>
@@ -10827,24 +10843,21 @@
           <a:p>
             <a:r>
               <a:rPr lang="de-CH" dirty="0"/>
-              <a:t>https://github.com/</a:t>
-            </a:r>
-            <a:r>
-              <a:rPr lang="de-CH" dirty="0" err="1"/>
-              <a:t>markusborer</a:t>
-            </a:r>
-            <a:r>
-              <a:rPr lang="de-CH" dirty="0"/>
-              <a:t>/</a:t>
-            </a:r>
-            <a:r>
-              <a:rPr lang="de-CH" dirty="0" err="1"/>
-              <a:t>ReactKurs</a:t>
-            </a:r>
-            <a:r>
-              <a:rPr lang="de-CH" dirty="0"/>
-              <a:t>...</a:t>
-            </a:r>
+              <a:t>https</a:t>
+            </a:r>
+            <a:r>
+              <a:rPr lang="de-CH"/>
+              <a:t>://</a:t>
+            </a:r>
+            <a:r>
+              <a:rPr lang="de-CH" smtClean="0"/>
+              <a:t>github.com/markusborer/ReactKurs</a:t>
+            </a:r>
+            <a:r>
+              <a:rPr lang="de-CH" smtClean="0"/>
+              <a:t>Zuerich</a:t>
+            </a:r>
+            <a:endParaRPr lang="de-CH" dirty="0"/>
           </a:p>
         </p:txBody>
       </p:sp>
@@ -10883,7 +10896,7 @@
           <p:cNvPr id="2" name="Titel 1">
             <a:extLst>
               <a:ext uri="{FF2B5EF4-FFF2-40B4-BE49-F238E27FC236}">
-                <a16:creationId xmlns:a16="http://schemas.microsoft.com/office/drawing/2014/main" id="{8114A889-83B6-40F0-B935-DCD9702CEACD}"/>
+                <a16:creationId xmlns:a16="http://schemas.microsoft.com/office/drawing/2014/main" xmlns="" id="{8114A889-83B6-40F0-B935-DCD9702CEACD}"/>
               </a:ext>
             </a:extLst>
           </p:cNvPr>
@@ -10911,7 +10924,7 @@
           <p:cNvPr id="3" name="Datumsplatzhalter 2">
             <a:extLst>
               <a:ext uri="{FF2B5EF4-FFF2-40B4-BE49-F238E27FC236}">
-                <a16:creationId xmlns:a16="http://schemas.microsoft.com/office/drawing/2014/main" id="{F89389F1-AFAC-4D9A-9486-7B3544E4FF6D}"/>
+                <a16:creationId xmlns:a16="http://schemas.microsoft.com/office/drawing/2014/main" xmlns="" id="{F89389F1-AFAC-4D9A-9486-7B3544E4FF6D}"/>
               </a:ext>
             </a:extLst>
           </p:cNvPr>
@@ -10929,7 +10942,7 @@
           <a:p>
             <a:fld id="{48352B5A-167D-4ED6-B7C9-BDA647A8BA51}" type="datetime1">
               <a:rPr lang="de-DE" smtClean="0"/>
-              <a:t>15.11.2018</a:t>
+              <a:t>16.11.2018</a:t>
             </a:fld>
             <a:endParaRPr lang="de-DE"/>
           </a:p>
@@ -10940,7 +10953,7 @@
           <p:cNvPr id="4" name="Fußzeilenplatzhalter 3">
             <a:extLst>
               <a:ext uri="{FF2B5EF4-FFF2-40B4-BE49-F238E27FC236}">
-                <a16:creationId xmlns:a16="http://schemas.microsoft.com/office/drawing/2014/main" id="{9F17CDFF-C508-4955-98A7-5D2E28C34B42}"/>
+                <a16:creationId xmlns:a16="http://schemas.microsoft.com/office/drawing/2014/main" xmlns="" id="{9F17CDFF-C508-4955-98A7-5D2E28C34B42}"/>
               </a:ext>
             </a:extLst>
           </p:cNvPr>
@@ -10969,7 +10982,7 @@
           <p:cNvPr id="5" name="Foliennummernplatzhalter 4">
             <a:extLst>
               <a:ext uri="{FF2B5EF4-FFF2-40B4-BE49-F238E27FC236}">
-                <a16:creationId xmlns:a16="http://schemas.microsoft.com/office/drawing/2014/main" id="{810D8EC7-F317-4347-B4EE-CB89484C6E86}"/>
+                <a16:creationId xmlns:a16="http://schemas.microsoft.com/office/drawing/2014/main" xmlns="" id="{810D8EC7-F317-4347-B4EE-CB89484C6E86}"/>
               </a:ext>
             </a:extLst>
           </p:cNvPr>
@@ -10998,7 +11011,7 @@
           <p:cNvPr id="6" name="Inhaltsplatzhalter 5">
             <a:extLst>
               <a:ext uri="{FF2B5EF4-FFF2-40B4-BE49-F238E27FC236}">
-                <a16:creationId xmlns:a16="http://schemas.microsoft.com/office/drawing/2014/main" id="{2664D975-EAE2-4ADB-A844-D88FA8C3AAB5}"/>
+                <a16:creationId xmlns:a16="http://schemas.microsoft.com/office/drawing/2014/main" xmlns="" id="{2664D975-EAE2-4ADB-A844-D88FA8C3AAB5}"/>
               </a:ext>
             </a:extLst>
           </p:cNvPr>
@@ -11111,7 +11124,7 @@
           <p:cNvPr id="2" name="Titel 1">
             <a:extLst>
               <a:ext uri="{FF2B5EF4-FFF2-40B4-BE49-F238E27FC236}">
-                <a16:creationId xmlns:a16="http://schemas.microsoft.com/office/drawing/2014/main" id="{FA5F42C6-C15B-4AB1-AC38-87A61B061B0B}"/>
+                <a16:creationId xmlns:a16="http://schemas.microsoft.com/office/drawing/2014/main" xmlns="" id="{FA5F42C6-C15B-4AB1-AC38-87A61B061B0B}"/>
               </a:ext>
             </a:extLst>
           </p:cNvPr>
@@ -11139,7 +11152,7 @@
           <p:cNvPr id="3" name="Datumsplatzhalter 2">
             <a:extLst>
               <a:ext uri="{FF2B5EF4-FFF2-40B4-BE49-F238E27FC236}">
-                <a16:creationId xmlns:a16="http://schemas.microsoft.com/office/drawing/2014/main" id="{4E6255DE-0A56-4109-ACC5-BA5C4F79D8DE}"/>
+                <a16:creationId xmlns:a16="http://schemas.microsoft.com/office/drawing/2014/main" xmlns="" id="{4E6255DE-0A56-4109-ACC5-BA5C4F79D8DE}"/>
               </a:ext>
             </a:extLst>
           </p:cNvPr>
@@ -11157,7 +11170,7 @@
           <a:p>
             <a:fld id="{48352B5A-167D-4ED6-B7C9-BDA647A8BA51}" type="datetime1">
               <a:rPr lang="de-DE" smtClean="0"/>
-              <a:t>15.11.2018</a:t>
+              <a:t>16.11.2018</a:t>
             </a:fld>
             <a:endParaRPr lang="de-DE"/>
           </a:p>
@@ -11168,7 +11181,7 @@
           <p:cNvPr id="4" name="Fußzeilenplatzhalter 3">
             <a:extLst>
               <a:ext uri="{FF2B5EF4-FFF2-40B4-BE49-F238E27FC236}">
-                <a16:creationId xmlns:a16="http://schemas.microsoft.com/office/drawing/2014/main" id="{CEA3FD5D-A34C-4841-A301-FFBE7EFCDC67}"/>
+                <a16:creationId xmlns:a16="http://schemas.microsoft.com/office/drawing/2014/main" xmlns="" id="{CEA3FD5D-A34C-4841-A301-FFBE7EFCDC67}"/>
               </a:ext>
             </a:extLst>
           </p:cNvPr>
@@ -11197,7 +11210,7 @@
           <p:cNvPr id="5" name="Foliennummernplatzhalter 4">
             <a:extLst>
               <a:ext uri="{FF2B5EF4-FFF2-40B4-BE49-F238E27FC236}">
-                <a16:creationId xmlns:a16="http://schemas.microsoft.com/office/drawing/2014/main" id="{0821F331-1B94-4270-896F-3B1091A91C6D}"/>
+                <a16:creationId xmlns:a16="http://schemas.microsoft.com/office/drawing/2014/main" xmlns="" id="{0821F331-1B94-4270-896F-3B1091A91C6D}"/>
               </a:ext>
             </a:extLst>
           </p:cNvPr>
@@ -11226,7 +11239,7 @@
           <p:cNvPr id="6" name="Inhaltsplatzhalter 5">
             <a:extLst>
               <a:ext uri="{FF2B5EF4-FFF2-40B4-BE49-F238E27FC236}">
-                <a16:creationId xmlns:a16="http://schemas.microsoft.com/office/drawing/2014/main" id="{82760570-9908-40F7-993E-62534B26D7BF}"/>
+                <a16:creationId xmlns:a16="http://schemas.microsoft.com/office/drawing/2014/main" xmlns="" id="{82760570-9908-40F7-993E-62534B26D7BF}"/>
               </a:ext>
             </a:extLst>
           </p:cNvPr>
@@ -11263,7 +11276,7 @@
           <p:cNvPr id="1028" name="Picture 4" descr="Mockup">
             <a:extLst>
               <a:ext uri="{FF2B5EF4-FFF2-40B4-BE49-F238E27FC236}">
-                <a16:creationId xmlns:a16="http://schemas.microsoft.com/office/drawing/2014/main" id="{8B33C41F-8E00-48F0-8932-C9E1FA4DA62B}"/>
+                <a16:creationId xmlns:a16="http://schemas.microsoft.com/office/drawing/2014/main" xmlns="" id="{8B33C41F-8E00-48F0-8932-C9E1FA4DA62B}"/>
               </a:ext>
             </a:extLst>
           </p:cNvPr>
@@ -11310,7 +11323,7 @@
           <p:cNvPr id="1030" name="Picture 6" descr="Component diagram">
             <a:extLst>
               <a:ext uri="{FF2B5EF4-FFF2-40B4-BE49-F238E27FC236}">
-                <a16:creationId xmlns:a16="http://schemas.microsoft.com/office/drawing/2014/main" id="{38DEA208-EA46-43A6-B459-0CDD64DF25B5}"/>
+                <a16:creationId xmlns:a16="http://schemas.microsoft.com/office/drawing/2014/main" xmlns="" id="{38DEA208-EA46-43A6-B459-0CDD64DF25B5}"/>
               </a:ext>
             </a:extLst>
           </p:cNvPr>
@@ -11387,7 +11400,7 @@
           <p:cNvPr id="2" name="Titel 1">
             <a:extLst>
               <a:ext uri="{FF2B5EF4-FFF2-40B4-BE49-F238E27FC236}">
-                <a16:creationId xmlns:a16="http://schemas.microsoft.com/office/drawing/2014/main" id="{60445BEB-B600-4E73-BA54-81023233D665}"/>
+                <a16:creationId xmlns:a16="http://schemas.microsoft.com/office/drawing/2014/main" xmlns="" id="{60445BEB-B600-4E73-BA54-81023233D665}"/>
               </a:ext>
             </a:extLst>
           </p:cNvPr>
@@ -11415,7 +11428,7 @@
           <p:cNvPr id="3" name="Datumsplatzhalter 2">
             <a:extLst>
               <a:ext uri="{FF2B5EF4-FFF2-40B4-BE49-F238E27FC236}">
-                <a16:creationId xmlns:a16="http://schemas.microsoft.com/office/drawing/2014/main" id="{D8B3BFA1-DD7E-4145-83C0-686491EC7620}"/>
+                <a16:creationId xmlns:a16="http://schemas.microsoft.com/office/drawing/2014/main" xmlns="" id="{D8B3BFA1-DD7E-4145-83C0-686491EC7620}"/>
               </a:ext>
             </a:extLst>
           </p:cNvPr>
@@ -11433,7 +11446,7 @@
           <a:p>
             <a:fld id="{48352B5A-167D-4ED6-B7C9-BDA647A8BA51}" type="datetime1">
               <a:rPr lang="de-DE" smtClean="0"/>
-              <a:t>15.11.2018</a:t>
+              <a:t>16.11.2018</a:t>
             </a:fld>
             <a:endParaRPr lang="de-DE"/>
           </a:p>
@@ -11444,7 +11457,7 @@
           <p:cNvPr id="4" name="Fußzeilenplatzhalter 3">
             <a:extLst>
               <a:ext uri="{FF2B5EF4-FFF2-40B4-BE49-F238E27FC236}">
-                <a16:creationId xmlns:a16="http://schemas.microsoft.com/office/drawing/2014/main" id="{0167984B-7CFC-4FC8-8B6E-A6C9B0BE23A9}"/>
+                <a16:creationId xmlns:a16="http://schemas.microsoft.com/office/drawing/2014/main" xmlns="" id="{0167984B-7CFC-4FC8-8B6E-A6C9B0BE23A9}"/>
               </a:ext>
             </a:extLst>
           </p:cNvPr>
@@ -11473,7 +11486,7 @@
           <p:cNvPr id="5" name="Foliennummernplatzhalter 4">
             <a:extLst>
               <a:ext uri="{FF2B5EF4-FFF2-40B4-BE49-F238E27FC236}">
-                <a16:creationId xmlns:a16="http://schemas.microsoft.com/office/drawing/2014/main" id="{B5F602B5-61AD-4317-BEDB-62E6B8CD0F7B}"/>
+                <a16:creationId xmlns:a16="http://schemas.microsoft.com/office/drawing/2014/main" xmlns="" id="{B5F602B5-61AD-4317-BEDB-62E6B8CD0F7B}"/>
               </a:ext>
             </a:extLst>
           </p:cNvPr>
@@ -11502,7 +11515,7 @@
           <p:cNvPr id="6" name="Inhaltsplatzhalter 5">
             <a:extLst>
               <a:ext uri="{FF2B5EF4-FFF2-40B4-BE49-F238E27FC236}">
-                <a16:creationId xmlns:a16="http://schemas.microsoft.com/office/drawing/2014/main" id="{493D623C-F8B1-42CA-BF0E-ED66943C91EF}"/>
+                <a16:creationId xmlns:a16="http://schemas.microsoft.com/office/drawing/2014/main" xmlns="" id="{493D623C-F8B1-42CA-BF0E-ED66943C91EF}"/>
               </a:ext>
             </a:extLst>
           </p:cNvPr>
@@ -11574,7 +11587,7 @@
           <p:cNvPr id="2" name="Titel 1">
             <a:extLst>
               <a:ext uri="{FF2B5EF4-FFF2-40B4-BE49-F238E27FC236}">
-                <a16:creationId xmlns:a16="http://schemas.microsoft.com/office/drawing/2014/main" id="{60445BEB-B600-4E73-BA54-81023233D665}"/>
+                <a16:creationId xmlns:a16="http://schemas.microsoft.com/office/drawing/2014/main" xmlns="" id="{60445BEB-B600-4E73-BA54-81023233D665}"/>
               </a:ext>
             </a:extLst>
           </p:cNvPr>
@@ -11602,7 +11615,7 @@
           <p:cNvPr id="3" name="Datumsplatzhalter 2">
             <a:extLst>
               <a:ext uri="{FF2B5EF4-FFF2-40B4-BE49-F238E27FC236}">
-                <a16:creationId xmlns:a16="http://schemas.microsoft.com/office/drawing/2014/main" id="{D8B3BFA1-DD7E-4145-83C0-686491EC7620}"/>
+                <a16:creationId xmlns:a16="http://schemas.microsoft.com/office/drawing/2014/main" xmlns="" id="{D8B3BFA1-DD7E-4145-83C0-686491EC7620}"/>
               </a:ext>
             </a:extLst>
           </p:cNvPr>
@@ -11620,7 +11633,7 @@
           <a:p>
             <a:fld id="{48352B5A-167D-4ED6-B7C9-BDA647A8BA51}" type="datetime1">
               <a:rPr lang="de-DE" smtClean="0"/>
-              <a:t>15.11.2018</a:t>
+              <a:t>16.11.2018</a:t>
             </a:fld>
             <a:endParaRPr lang="de-DE"/>
           </a:p>
@@ -11631,7 +11644,7 @@
           <p:cNvPr id="4" name="Fußzeilenplatzhalter 3">
             <a:extLst>
               <a:ext uri="{FF2B5EF4-FFF2-40B4-BE49-F238E27FC236}">
-                <a16:creationId xmlns:a16="http://schemas.microsoft.com/office/drawing/2014/main" id="{0167984B-7CFC-4FC8-8B6E-A6C9B0BE23A9}"/>
+                <a16:creationId xmlns:a16="http://schemas.microsoft.com/office/drawing/2014/main" xmlns="" id="{0167984B-7CFC-4FC8-8B6E-A6C9B0BE23A9}"/>
               </a:ext>
             </a:extLst>
           </p:cNvPr>
@@ -11660,7 +11673,7 @@
           <p:cNvPr id="5" name="Foliennummernplatzhalter 4">
             <a:extLst>
               <a:ext uri="{FF2B5EF4-FFF2-40B4-BE49-F238E27FC236}">
-                <a16:creationId xmlns:a16="http://schemas.microsoft.com/office/drawing/2014/main" id="{B5F602B5-61AD-4317-BEDB-62E6B8CD0F7B}"/>
+                <a16:creationId xmlns:a16="http://schemas.microsoft.com/office/drawing/2014/main" xmlns="" id="{B5F602B5-61AD-4317-BEDB-62E6B8CD0F7B}"/>
               </a:ext>
             </a:extLst>
           </p:cNvPr>
@@ -11689,7 +11702,7 @@
           <p:cNvPr id="6" name="Inhaltsplatzhalter 5">
             <a:extLst>
               <a:ext uri="{FF2B5EF4-FFF2-40B4-BE49-F238E27FC236}">
-                <a16:creationId xmlns:a16="http://schemas.microsoft.com/office/drawing/2014/main" id="{493D623C-F8B1-42CA-BF0E-ED66943C91EF}"/>
+                <a16:creationId xmlns:a16="http://schemas.microsoft.com/office/drawing/2014/main" xmlns="" id="{493D623C-F8B1-42CA-BF0E-ED66943C91EF}"/>
               </a:ext>
             </a:extLst>
           </p:cNvPr>
@@ -11818,7 +11831,7 @@
           <p:cNvPr id="2" name="Titel 1">
             <a:extLst>
               <a:ext uri="{FF2B5EF4-FFF2-40B4-BE49-F238E27FC236}">
-                <a16:creationId xmlns:a16="http://schemas.microsoft.com/office/drawing/2014/main" id="{60445BEB-B600-4E73-BA54-81023233D665}"/>
+                <a16:creationId xmlns:a16="http://schemas.microsoft.com/office/drawing/2014/main" xmlns="" id="{60445BEB-B600-4E73-BA54-81023233D665}"/>
               </a:ext>
             </a:extLst>
           </p:cNvPr>
@@ -11851,7 +11864,7 @@
           <p:cNvPr id="3" name="Datumsplatzhalter 2">
             <a:extLst>
               <a:ext uri="{FF2B5EF4-FFF2-40B4-BE49-F238E27FC236}">
-                <a16:creationId xmlns:a16="http://schemas.microsoft.com/office/drawing/2014/main" id="{D8B3BFA1-DD7E-4145-83C0-686491EC7620}"/>
+                <a16:creationId xmlns:a16="http://schemas.microsoft.com/office/drawing/2014/main" xmlns="" id="{D8B3BFA1-DD7E-4145-83C0-686491EC7620}"/>
               </a:ext>
             </a:extLst>
           </p:cNvPr>
@@ -11869,7 +11882,7 @@
           <a:p>
             <a:fld id="{48352B5A-167D-4ED6-B7C9-BDA647A8BA51}" type="datetime1">
               <a:rPr lang="de-DE" smtClean="0"/>
-              <a:t>15.11.2018</a:t>
+              <a:t>16.11.2018</a:t>
             </a:fld>
             <a:endParaRPr lang="de-DE"/>
           </a:p>
@@ -11880,7 +11893,7 @@
           <p:cNvPr id="4" name="Fußzeilenplatzhalter 3">
             <a:extLst>
               <a:ext uri="{FF2B5EF4-FFF2-40B4-BE49-F238E27FC236}">
-                <a16:creationId xmlns:a16="http://schemas.microsoft.com/office/drawing/2014/main" id="{0167984B-7CFC-4FC8-8B6E-A6C9B0BE23A9}"/>
+                <a16:creationId xmlns:a16="http://schemas.microsoft.com/office/drawing/2014/main" xmlns="" id="{0167984B-7CFC-4FC8-8B6E-A6C9B0BE23A9}"/>
               </a:ext>
             </a:extLst>
           </p:cNvPr>
@@ -11909,7 +11922,7 @@
           <p:cNvPr id="5" name="Foliennummernplatzhalter 4">
             <a:extLst>
               <a:ext uri="{FF2B5EF4-FFF2-40B4-BE49-F238E27FC236}">
-                <a16:creationId xmlns:a16="http://schemas.microsoft.com/office/drawing/2014/main" id="{B5F602B5-61AD-4317-BEDB-62E6B8CD0F7B}"/>
+                <a16:creationId xmlns:a16="http://schemas.microsoft.com/office/drawing/2014/main" xmlns="" id="{B5F602B5-61AD-4317-BEDB-62E6B8CD0F7B}"/>
               </a:ext>
             </a:extLst>
           </p:cNvPr>
@@ -11938,7 +11951,7 @@
           <p:cNvPr id="6" name="Inhaltsplatzhalter 5">
             <a:extLst>
               <a:ext uri="{FF2B5EF4-FFF2-40B4-BE49-F238E27FC236}">
-                <a16:creationId xmlns:a16="http://schemas.microsoft.com/office/drawing/2014/main" id="{493D623C-F8B1-42CA-BF0E-ED66943C91EF}"/>
+                <a16:creationId xmlns:a16="http://schemas.microsoft.com/office/drawing/2014/main" xmlns="" id="{493D623C-F8B1-42CA-BF0E-ED66943C91EF}"/>
               </a:ext>
             </a:extLst>
           </p:cNvPr>
@@ -12172,7 +12185,7 @@
           <p:cNvPr id="2" name="Titel 1">
             <a:extLst>
               <a:ext uri="{FF2B5EF4-FFF2-40B4-BE49-F238E27FC236}">
-                <a16:creationId xmlns:a16="http://schemas.microsoft.com/office/drawing/2014/main" id="{1965F34C-A37F-4A07-B422-E02148B3CF68}"/>
+                <a16:creationId xmlns:a16="http://schemas.microsoft.com/office/drawing/2014/main" xmlns="" id="{1965F34C-A37F-4A07-B422-E02148B3CF68}"/>
               </a:ext>
             </a:extLst>
           </p:cNvPr>
@@ -12204,7 +12217,7 @@
           <p:cNvPr id="3" name="Datumsplatzhalter 2">
             <a:extLst>
               <a:ext uri="{FF2B5EF4-FFF2-40B4-BE49-F238E27FC236}">
-                <a16:creationId xmlns:a16="http://schemas.microsoft.com/office/drawing/2014/main" id="{B4CE55F6-D463-4FA0-B8CB-BB9A5B8026CA}"/>
+                <a16:creationId xmlns:a16="http://schemas.microsoft.com/office/drawing/2014/main" xmlns="" id="{B4CE55F6-D463-4FA0-B8CB-BB9A5B8026CA}"/>
               </a:ext>
             </a:extLst>
           </p:cNvPr>
@@ -12222,7 +12235,7 @@
           <a:p>
             <a:fld id="{48352B5A-167D-4ED6-B7C9-BDA647A8BA51}" type="datetime1">
               <a:rPr lang="de-DE" smtClean="0"/>
-              <a:t>15.11.2018</a:t>
+              <a:t>16.11.2018</a:t>
             </a:fld>
             <a:endParaRPr lang="de-DE"/>
           </a:p>
@@ -12233,7 +12246,7 @@
           <p:cNvPr id="4" name="Fußzeilenplatzhalter 3">
             <a:extLst>
               <a:ext uri="{FF2B5EF4-FFF2-40B4-BE49-F238E27FC236}">
-                <a16:creationId xmlns:a16="http://schemas.microsoft.com/office/drawing/2014/main" id="{86811DE6-7668-4BF4-B8AB-FFE31BE96BBA}"/>
+                <a16:creationId xmlns:a16="http://schemas.microsoft.com/office/drawing/2014/main" xmlns="" id="{86811DE6-7668-4BF4-B8AB-FFE31BE96BBA}"/>
               </a:ext>
             </a:extLst>
           </p:cNvPr>
@@ -12262,7 +12275,7 @@
           <p:cNvPr id="5" name="Foliennummernplatzhalter 4">
             <a:extLst>
               <a:ext uri="{FF2B5EF4-FFF2-40B4-BE49-F238E27FC236}">
-                <a16:creationId xmlns:a16="http://schemas.microsoft.com/office/drawing/2014/main" id="{FB6E3806-A2BB-4703-A959-FD9EDBDC7569}"/>
+                <a16:creationId xmlns:a16="http://schemas.microsoft.com/office/drawing/2014/main" xmlns="" id="{FB6E3806-A2BB-4703-A959-FD9EDBDC7569}"/>
               </a:ext>
             </a:extLst>
           </p:cNvPr>
@@ -12291,7 +12304,7 @@
           <p:cNvPr id="6" name="Inhaltsplatzhalter 5">
             <a:extLst>
               <a:ext uri="{FF2B5EF4-FFF2-40B4-BE49-F238E27FC236}">
-                <a16:creationId xmlns:a16="http://schemas.microsoft.com/office/drawing/2014/main" id="{8F986CC3-59F8-4C03-ADEE-82E24430968D}"/>
+                <a16:creationId xmlns:a16="http://schemas.microsoft.com/office/drawing/2014/main" xmlns="" id="{8F986CC3-59F8-4C03-ADEE-82E24430968D}"/>
               </a:ext>
             </a:extLst>
           </p:cNvPr>
@@ -12424,7 +12437,7 @@
           <p:cNvPr id="2" name="Titel 1">
             <a:extLst>
               <a:ext uri="{FF2B5EF4-FFF2-40B4-BE49-F238E27FC236}">
-                <a16:creationId xmlns:a16="http://schemas.microsoft.com/office/drawing/2014/main" id="{DCB7235A-BAC6-49B0-AEDE-E3B8B4622E3F}"/>
+                <a16:creationId xmlns:a16="http://schemas.microsoft.com/office/drawing/2014/main" xmlns="" id="{DCB7235A-BAC6-49B0-AEDE-E3B8B4622E3F}"/>
               </a:ext>
             </a:extLst>
           </p:cNvPr>
@@ -12452,7 +12465,7 @@
           <p:cNvPr id="3" name="Datumsplatzhalter 2">
             <a:extLst>
               <a:ext uri="{FF2B5EF4-FFF2-40B4-BE49-F238E27FC236}">
-                <a16:creationId xmlns:a16="http://schemas.microsoft.com/office/drawing/2014/main" id="{0CB49738-F632-4907-8E92-AD776493516C}"/>
+                <a16:creationId xmlns:a16="http://schemas.microsoft.com/office/drawing/2014/main" xmlns="" id="{0CB49738-F632-4907-8E92-AD776493516C}"/>
               </a:ext>
             </a:extLst>
           </p:cNvPr>
@@ -12470,7 +12483,7 @@
           <a:p>
             <a:fld id="{48352B5A-167D-4ED6-B7C9-BDA647A8BA51}" type="datetime1">
               <a:rPr lang="de-DE" smtClean="0"/>
-              <a:t>15.11.2018</a:t>
+              <a:t>16.11.2018</a:t>
             </a:fld>
             <a:endParaRPr lang="de-DE"/>
           </a:p>
@@ -12481,7 +12494,7 @@
           <p:cNvPr id="4" name="Fußzeilenplatzhalter 3">
             <a:extLst>
               <a:ext uri="{FF2B5EF4-FFF2-40B4-BE49-F238E27FC236}">
-                <a16:creationId xmlns:a16="http://schemas.microsoft.com/office/drawing/2014/main" id="{4DF40370-9183-4666-8FF7-9C999A902F4E}"/>
+                <a16:creationId xmlns:a16="http://schemas.microsoft.com/office/drawing/2014/main" xmlns="" id="{4DF40370-9183-4666-8FF7-9C999A902F4E}"/>
               </a:ext>
             </a:extLst>
           </p:cNvPr>
@@ -12510,7 +12523,7 @@
           <p:cNvPr id="5" name="Foliennummernplatzhalter 4">
             <a:extLst>
               <a:ext uri="{FF2B5EF4-FFF2-40B4-BE49-F238E27FC236}">
-                <a16:creationId xmlns:a16="http://schemas.microsoft.com/office/drawing/2014/main" id="{D91484F6-BA96-4C29-BDA8-61210E9AD368}"/>
+                <a16:creationId xmlns:a16="http://schemas.microsoft.com/office/drawing/2014/main" xmlns="" id="{D91484F6-BA96-4C29-BDA8-61210E9AD368}"/>
               </a:ext>
             </a:extLst>
           </p:cNvPr>
@@ -12539,7 +12552,7 @@
           <p:cNvPr id="6" name="Inhaltsplatzhalter 5">
             <a:extLst>
               <a:ext uri="{FF2B5EF4-FFF2-40B4-BE49-F238E27FC236}">
-                <a16:creationId xmlns:a16="http://schemas.microsoft.com/office/drawing/2014/main" id="{2C7CE1A3-A239-4DAF-A9DD-B2206F7DD54A}"/>
+                <a16:creationId xmlns:a16="http://schemas.microsoft.com/office/drawing/2014/main" xmlns="" id="{2C7CE1A3-A239-4DAF-A9DD-B2206F7DD54A}"/>
               </a:ext>
             </a:extLst>
           </p:cNvPr>
@@ -12629,7 +12642,7 @@
           <p:cNvPr id="2" name="Titel 1">
             <a:extLst>
               <a:ext uri="{FF2B5EF4-FFF2-40B4-BE49-F238E27FC236}">
-                <a16:creationId xmlns:a16="http://schemas.microsoft.com/office/drawing/2014/main" id="{6B8A5EBB-8FB9-439E-B5A5-F96794C00D3A}"/>
+                <a16:creationId xmlns:a16="http://schemas.microsoft.com/office/drawing/2014/main" xmlns="" id="{6B8A5EBB-8FB9-439E-B5A5-F96794C00D3A}"/>
               </a:ext>
             </a:extLst>
           </p:cNvPr>
@@ -12665,7 +12678,7 @@
           <p:cNvPr id="3" name="Datumsplatzhalter 2">
             <a:extLst>
               <a:ext uri="{FF2B5EF4-FFF2-40B4-BE49-F238E27FC236}">
-                <a16:creationId xmlns:a16="http://schemas.microsoft.com/office/drawing/2014/main" id="{3522AF67-7FB9-4350-9E6B-26E058BF03A3}"/>
+                <a16:creationId xmlns:a16="http://schemas.microsoft.com/office/drawing/2014/main" xmlns="" id="{3522AF67-7FB9-4350-9E6B-26E058BF03A3}"/>
               </a:ext>
             </a:extLst>
           </p:cNvPr>
@@ -12683,7 +12696,7 @@
           <a:p>
             <a:fld id="{48352B5A-167D-4ED6-B7C9-BDA647A8BA51}" type="datetime1">
               <a:rPr lang="de-DE" smtClean="0"/>
-              <a:t>15.11.2018</a:t>
+              <a:t>16.11.2018</a:t>
             </a:fld>
             <a:endParaRPr lang="de-DE"/>
           </a:p>
@@ -12694,7 +12707,7 @@
           <p:cNvPr id="4" name="Fußzeilenplatzhalter 3">
             <a:extLst>
               <a:ext uri="{FF2B5EF4-FFF2-40B4-BE49-F238E27FC236}">
-                <a16:creationId xmlns:a16="http://schemas.microsoft.com/office/drawing/2014/main" id="{CAC3D92B-7B14-4158-8275-1B69DB5EB42F}"/>
+                <a16:creationId xmlns:a16="http://schemas.microsoft.com/office/drawing/2014/main" xmlns="" id="{CAC3D92B-7B14-4158-8275-1B69DB5EB42F}"/>
               </a:ext>
             </a:extLst>
           </p:cNvPr>
@@ -12723,7 +12736,7 @@
           <p:cNvPr id="5" name="Foliennummernplatzhalter 4">
             <a:extLst>
               <a:ext uri="{FF2B5EF4-FFF2-40B4-BE49-F238E27FC236}">
-                <a16:creationId xmlns:a16="http://schemas.microsoft.com/office/drawing/2014/main" id="{D2A0D301-7423-491D-B88A-00284B5CDA01}"/>
+                <a16:creationId xmlns:a16="http://schemas.microsoft.com/office/drawing/2014/main" xmlns="" id="{D2A0D301-7423-491D-B88A-00284B5CDA01}"/>
               </a:ext>
             </a:extLst>
           </p:cNvPr>
@@ -12752,7 +12765,7 @@
           <p:cNvPr id="6" name="Inhaltsplatzhalter 5">
             <a:extLst>
               <a:ext uri="{FF2B5EF4-FFF2-40B4-BE49-F238E27FC236}">
-                <a16:creationId xmlns:a16="http://schemas.microsoft.com/office/drawing/2014/main" id="{BF43011D-4F7C-459A-9721-FCA2C94E49ED}"/>
+                <a16:creationId xmlns:a16="http://schemas.microsoft.com/office/drawing/2014/main" xmlns="" id="{BF43011D-4F7C-459A-9721-FCA2C94E49ED}"/>
               </a:ext>
             </a:extLst>
           </p:cNvPr>
@@ -12903,7 +12916,7 @@
           <p:cNvPr id="2" name="Titel 1">
             <a:extLst>
               <a:ext uri="{FF2B5EF4-FFF2-40B4-BE49-F238E27FC236}">
-                <a16:creationId xmlns:a16="http://schemas.microsoft.com/office/drawing/2014/main" id="{CCA05B1B-E1C2-4E9F-B6DA-CE4B98CEC947}"/>
+                <a16:creationId xmlns:a16="http://schemas.microsoft.com/office/drawing/2014/main" xmlns="" id="{CCA05B1B-E1C2-4E9F-B6DA-CE4B98CEC947}"/>
               </a:ext>
             </a:extLst>
           </p:cNvPr>
@@ -12932,7 +12945,7 @@
           <p:cNvPr id="3" name="Datumsplatzhalter 2">
             <a:extLst>
               <a:ext uri="{FF2B5EF4-FFF2-40B4-BE49-F238E27FC236}">
-                <a16:creationId xmlns:a16="http://schemas.microsoft.com/office/drawing/2014/main" id="{A1AEC51A-A8E5-4C20-8CCD-3E7462159340}"/>
+                <a16:creationId xmlns:a16="http://schemas.microsoft.com/office/drawing/2014/main" xmlns="" id="{A1AEC51A-A8E5-4C20-8CCD-3E7462159340}"/>
               </a:ext>
             </a:extLst>
           </p:cNvPr>
@@ -12950,7 +12963,7 @@
           <a:p>
             <a:fld id="{48352B5A-167D-4ED6-B7C9-BDA647A8BA51}" type="datetime1">
               <a:rPr lang="de-DE" smtClean="0"/>
-              <a:t>15.11.2018</a:t>
+              <a:t>16.11.2018</a:t>
             </a:fld>
             <a:endParaRPr lang="de-DE"/>
           </a:p>
@@ -12961,7 +12974,7 @@
           <p:cNvPr id="4" name="Fußzeilenplatzhalter 3">
             <a:extLst>
               <a:ext uri="{FF2B5EF4-FFF2-40B4-BE49-F238E27FC236}">
-                <a16:creationId xmlns:a16="http://schemas.microsoft.com/office/drawing/2014/main" id="{C58DE1F8-A56E-4272-937F-4EBCD7C5A773}"/>
+                <a16:creationId xmlns:a16="http://schemas.microsoft.com/office/drawing/2014/main" xmlns="" id="{C58DE1F8-A56E-4272-937F-4EBCD7C5A773}"/>
               </a:ext>
             </a:extLst>
           </p:cNvPr>
@@ -12990,7 +13003,7 @@
           <p:cNvPr id="5" name="Foliennummernplatzhalter 4">
             <a:extLst>
               <a:ext uri="{FF2B5EF4-FFF2-40B4-BE49-F238E27FC236}">
-                <a16:creationId xmlns:a16="http://schemas.microsoft.com/office/drawing/2014/main" id="{9661B9BC-E21D-4BDF-89FB-988166B5DD10}"/>
+                <a16:creationId xmlns:a16="http://schemas.microsoft.com/office/drawing/2014/main" xmlns="" id="{9661B9BC-E21D-4BDF-89FB-988166B5DD10}"/>
               </a:ext>
             </a:extLst>
           </p:cNvPr>
@@ -13019,7 +13032,7 @@
           <p:cNvPr id="6" name="Inhaltsplatzhalter 5">
             <a:extLst>
               <a:ext uri="{FF2B5EF4-FFF2-40B4-BE49-F238E27FC236}">
-                <a16:creationId xmlns:a16="http://schemas.microsoft.com/office/drawing/2014/main" id="{FD4182D0-A7EC-4DAA-A304-CBEF38E9CCCD}"/>
+                <a16:creationId xmlns:a16="http://schemas.microsoft.com/office/drawing/2014/main" xmlns="" id="{FD4182D0-A7EC-4DAA-A304-CBEF38E9CCCD}"/>
               </a:ext>
             </a:extLst>
           </p:cNvPr>
@@ -13475,7 +13488,7 @@
           <p:cNvPr id="2" name="Titel 1">
             <a:extLst>
               <a:ext uri="{FF2B5EF4-FFF2-40B4-BE49-F238E27FC236}">
-                <a16:creationId xmlns:a16="http://schemas.microsoft.com/office/drawing/2014/main" id="{4DD1A517-2153-47AD-B381-44E3461F919C}"/>
+                <a16:creationId xmlns:a16="http://schemas.microsoft.com/office/drawing/2014/main" xmlns="" id="{4DD1A517-2153-47AD-B381-44E3461F919C}"/>
               </a:ext>
             </a:extLst>
           </p:cNvPr>
@@ -13503,7 +13516,7 @@
           <p:cNvPr id="3" name="Datumsplatzhalter 2">
             <a:extLst>
               <a:ext uri="{FF2B5EF4-FFF2-40B4-BE49-F238E27FC236}">
-                <a16:creationId xmlns:a16="http://schemas.microsoft.com/office/drawing/2014/main" id="{2084E62A-4B7D-4721-B9B8-855809566781}"/>
+                <a16:creationId xmlns:a16="http://schemas.microsoft.com/office/drawing/2014/main" xmlns="" id="{2084E62A-4B7D-4721-B9B8-855809566781}"/>
               </a:ext>
             </a:extLst>
           </p:cNvPr>
@@ -13521,7 +13534,7 @@
           <a:p>
             <a:fld id="{48352B5A-167D-4ED6-B7C9-BDA647A8BA51}" type="datetime1">
               <a:rPr lang="de-DE" smtClean="0"/>
-              <a:t>15.11.2018</a:t>
+              <a:t>16.11.2018</a:t>
             </a:fld>
             <a:endParaRPr lang="de-DE"/>
           </a:p>
@@ -13532,7 +13545,7 @@
           <p:cNvPr id="4" name="Fußzeilenplatzhalter 3">
             <a:extLst>
               <a:ext uri="{FF2B5EF4-FFF2-40B4-BE49-F238E27FC236}">
-                <a16:creationId xmlns:a16="http://schemas.microsoft.com/office/drawing/2014/main" id="{756ED2BE-EEA0-46D0-B68B-FDA9D1F8BB5B}"/>
+                <a16:creationId xmlns:a16="http://schemas.microsoft.com/office/drawing/2014/main" xmlns="" id="{756ED2BE-EEA0-46D0-B68B-FDA9D1F8BB5B}"/>
               </a:ext>
             </a:extLst>
           </p:cNvPr>
@@ -13561,7 +13574,7 @@
           <p:cNvPr id="5" name="Foliennummernplatzhalter 4">
             <a:extLst>
               <a:ext uri="{FF2B5EF4-FFF2-40B4-BE49-F238E27FC236}">
-                <a16:creationId xmlns:a16="http://schemas.microsoft.com/office/drawing/2014/main" id="{5B806AB8-19DE-49A2-9336-B72C363851F3}"/>
+                <a16:creationId xmlns:a16="http://schemas.microsoft.com/office/drawing/2014/main" xmlns="" id="{5B806AB8-19DE-49A2-9336-B72C363851F3}"/>
               </a:ext>
             </a:extLst>
           </p:cNvPr>
@@ -13590,7 +13603,7 @@
           <p:cNvPr id="6" name="Inhaltsplatzhalter 5">
             <a:extLst>
               <a:ext uri="{FF2B5EF4-FFF2-40B4-BE49-F238E27FC236}">
-                <a16:creationId xmlns:a16="http://schemas.microsoft.com/office/drawing/2014/main" id="{F5428315-4404-44E6-B96A-F577554B8540}"/>
+                <a16:creationId xmlns:a16="http://schemas.microsoft.com/office/drawing/2014/main" xmlns="" id="{F5428315-4404-44E6-B96A-F577554B8540}"/>
               </a:ext>
             </a:extLst>
           </p:cNvPr>
@@ -13738,7 +13751,7 @@
           <p:cNvPr id="2" name="Titel 1">
             <a:extLst>
               <a:ext uri="{FF2B5EF4-FFF2-40B4-BE49-F238E27FC236}">
-                <a16:creationId xmlns:a16="http://schemas.microsoft.com/office/drawing/2014/main" id="{0C0DB3E2-4658-409F-B031-17E1A0B0F337}"/>
+                <a16:creationId xmlns:a16="http://schemas.microsoft.com/office/drawing/2014/main" xmlns="" id="{0C0DB3E2-4658-409F-B031-17E1A0B0F337}"/>
               </a:ext>
             </a:extLst>
           </p:cNvPr>
@@ -13795,7 +13808,7 @@
           <p:cNvPr id="3" name="Datumsplatzhalter 2">
             <a:extLst>
               <a:ext uri="{FF2B5EF4-FFF2-40B4-BE49-F238E27FC236}">
-                <a16:creationId xmlns:a16="http://schemas.microsoft.com/office/drawing/2014/main" id="{780E1921-AE6D-41E3-A590-2E62A1F457D8}"/>
+                <a16:creationId xmlns:a16="http://schemas.microsoft.com/office/drawing/2014/main" xmlns="" id="{780E1921-AE6D-41E3-A590-2E62A1F457D8}"/>
               </a:ext>
             </a:extLst>
           </p:cNvPr>
@@ -13813,7 +13826,7 @@
           <a:p>
             <a:fld id="{48352B5A-167D-4ED6-B7C9-BDA647A8BA51}" type="datetime1">
               <a:rPr lang="de-DE" smtClean="0"/>
-              <a:t>15.11.2018</a:t>
+              <a:t>16.11.2018</a:t>
             </a:fld>
             <a:endParaRPr lang="de-DE"/>
           </a:p>
@@ -13824,7 +13837,7 @@
           <p:cNvPr id="4" name="Fußzeilenplatzhalter 3">
             <a:extLst>
               <a:ext uri="{FF2B5EF4-FFF2-40B4-BE49-F238E27FC236}">
-                <a16:creationId xmlns:a16="http://schemas.microsoft.com/office/drawing/2014/main" id="{6A8CDA32-906C-4021-8502-E9D836DB1471}"/>
+                <a16:creationId xmlns:a16="http://schemas.microsoft.com/office/drawing/2014/main" xmlns="" id="{6A8CDA32-906C-4021-8502-E9D836DB1471}"/>
               </a:ext>
             </a:extLst>
           </p:cNvPr>
@@ -13853,7 +13866,7 @@
           <p:cNvPr id="5" name="Foliennummernplatzhalter 4">
             <a:extLst>
               <a:ext uri="{FF2B5EF4-FFF2-40B4-BE49-F238E27FC236}">
-                <a16:creationId xmlns:a16="http://schemas.microsoft.com/office/drawing/2014/main" id="{2ACACBEF-72CB-446C-8EC8-42019FF03A7E}"/>
+                <a16:creationId xmlns:a16="http://schemas.microsoft.com/office/drawing/2014/main" xmlns="" id="{2ACACBEF-72CB-446C-8EC8-42019FF03A7E}"/>
               </a:ext>
             </a:extLst>
           </p:cNvPr>
@@ -13882,7 +13895,7 @@
           <p:cNvPr id="6" name="Inhaltsplatzhalter 5">
             <a:extLst>
               <a:ext uri="{FF2B5EF4-FFF2-40B4-BE49-F238E27FC236}">
-                <a16:creationId xmlns:a16="http://schemas.microsoft.com/office/drawing/2014/main" id="{905A3F6F-EEE0-400F-98F9-C2A6B8C37984}"/>
+                <a16:creationId xmlns:a16="http://schemas.microsoft.com/office/drawing/2014/main" xmlns="" id="{905A3F6F-EEE0-400F-98F9-C2A6B8C37984}"/>
               </a:ext>
             </a:extLst>
           </p:cNvPr>
@@ -14025,7 +14038,7 @@
           <p:cNvPr id="2" name="Titel 1">
             <a:extLst>
               <a:ext uri="{FF2B5EF4-FFF2-40B4-BE49-F238E27FC236}">
-                <a16:creationId xmlns:a16="http://schemas.microsoft.com/office/drawing/2014/main" id="{9533BD00-316B-40FA-977C-893D5D393A76}"/>
+                <a16:creationId xmlns:a16="http://schemas.microsoft.com/office/drawing/2014/main" xmlns="" id="{9533BD00-316B-40FA-977C-893D5D393A76}"/>
               </a:ext>
             </a:extLst>
           </p:cNvPr>
@@ -14053,7 +14066,7 @@
           <p:cNvPr id="3" name="Datumsplatzhalter 2">
             <a:extLst>
               <a:ext uri="{FF2B5EF4-FFF2-40B4-BE49-F238E27FC236}">
-                <a16:creationId xmlns:a16="http://schemas.microsoft.com/office/drawing/2014/main" id="{6EBC6BBC-72FB-4DA9-83A3-BCEC3C0AECB3}"/>
+                <a16:creationId xmlns:a16="http://schemas.microsoft.com/office/drawing/2014/main" xmlns="" id="{6EBC6BBC-72FB-4DA9-83A3-BCEC3C0AECB3}"/>
               </a:ext>
             </a:extLst>
           </p:cNvPr>
@@ -14071,7 +14084,7 @@
           <a:p>
             <a:fld id="{48352B5A-167D-4ED6-B7C9-BDA647A8BA51}" type="datetime1">
               <a:rPr lang="de-DE" smtClean="0"/>
-              <a:t>15.11.2018</a:t>
+              <a:t>16.11.2018</a:t>
             </a:fld>
             <a:endParaRPr lang="de-DE"/>
           </a:p>
@@ -14082,7 +14095,7 @@
           <p:cNvPr id="4" name="Fußzeilenplatzhalter 3">
             <a:extLst>
               <a:ext uri="{FF2B5EF4-FFF2-40B4-BE49-F238E27FC236}">
-                <a16:creationId xmlns:a16="http://schemas.microsoft.com/office/drawing/2014/main" id="{C5F02BA4-B103-41B2-B9F3-2934F1261141}"/>
+                <a16:creationId xmlns:a16="http://schemas.microsoft.com/office/drawing/2014/main" xmlns="" id="{C5F02BA4-B103-41B2-B9F3-2934F1261141}"/>
               </a:ext>
             </a:extLst>
           </p:cNvPr>
@@ -14111,7 +14124,7 @@
           <p:cNvPr id="5" name="Foliennummernplatzhalter 4">
             <a:extLst>
               <a:ext uri="{FF2B5EF4-FFF2-40B4-BE49-F238E27FC236}">
-                <a16:creationId xmlns:a16="http://schemas.microsoft.com/office/drawing/2014/main" id="{015305BA-6C1B-447C-B141-8E67770F3F86}"/>
+                <a16:creationId xmlns:a16="http://schemas.microsoft.com/office/drawing/2014/main" xmlns="" id="{015305BA-6C1B-447C-B141-8E67770F3F86}"/>
               </a:ext>
             </a:extLst>
           </p:cNvPr>
@@ -14140,7 +14153,7 @@
           <p:cNvPr id="6" name="Inhaltsplatzhalter 5">
             <a:extLst>
               <a:ext uri="{FF2B5EF4-FFF2-40B4-BE49-F238E27FC236}">
-                <a16:creationId xmlns:a16="http://schemas.microsoft.com/office/drawing/2014/main" id="{413DFB83-345C-4C3B-A1B6-E0902922A307}"/>
+                <a16:creationId xmlns:a16="http://schemas.microsoft.com/office/drawing/2014/main" xmlns="" id="{413DFB83-345C-4C3B-A1B6-E0902922A307}"/>
               </a:ext>
             </a:extLst>
           </p:cNvPr>
@@ -14225,7 +14238,7 @@
           <p:cNvPr id="2" name="Titel 1">
             <a:extLst>
               <a:ext uri="{FF2B5EF4-FFF2-40B4-BE49-F238E27FC236}">
-                <a16:creationId xmlns:a16="http://schemas.microsoft.com/office/drawing/2014/main" id="{30A540A0-C8A6-46EA-8802-C4C8D5242D8D}"/>
+                <a16:creationId xmlns:a16="http://schemas.microsoft.com/office/drawing/2014/main" xmlns="" id="{30A540A0-C8A6-46EA-8802-C4C8D5242D8D}"/>
               </a:ext>
             </a:extLst>
           </p:cNvPr>
@@ -14254,7 +14267,7 @@
           <p:cNvPr id="3" name="Datumsplatzhalter 2">
             <a:extLst>
               <a:ext uri="{FF2B5EF4-FFF2-40B4-BE49-F238E27FC236}">
-                <a16:creationId xmlns:a16="http://schemas.microsoft.com/office/drawing/2014/main" id="{F3710C85-F4FD-4A17-984A-CECC517D32F7}"/>
+                <a16:creationId xmlns:a16="http://schemas.microsoft.com/office/drawing/2014/main" xmlns="" id="{F3710C85-F4FD-4A17-984A-CECC517D32F7}"/>
               </a:ext>
             </a:extLst>
           </p:cNvPr>
@@ -14272,7 +14285,7 @@
           <a:p>
             <a:fld id="{48352B5A-167D-4ED6-B7C9-BDA647A8BA51}" type="datetime1">
               <a:rPr lang="de-DE" smtClean="0"/>
-              <a:t>15.11.2018</a:t>
+              <a:t>16.11.2018</a:t>
             </a:fld>
             <a:endParaRPr lang="de-DE"/>
           </a:p>
@@ -14283,7 +14296,7 @@
           <p:cNvPr id="4" name="Fußzeilenplatzhalter 3">
             <a:extLst>
               <a:ext uri="{FF2B5EF4-FFF2-40B4-BE49-F238E27FC236}">
-                <a16:creationId xmlns:a16="http://schemas.microsoft.com/office/drawing/2014/main" id="{2544BC0C-039F-4A6F-BD17-236D6C97C710}"/>
+                <a16:creationId xmlns:a16="http://schemas.microsoft.com/office/drawing/2014/main" xmlns="" id="{2544BC0C-039F-4A6F-BD17-236D6C97C710}"/>
               </a:ext>
             </a:extLst>
           </p:cNvPr>
@@ -14312,7 +14325,7 @@
           <p:cNvPr id="5" name="Foliennummernplatzhalter 4">
             <a:extLst>
               <a:ext uri="{FF2B5EF4-FFF2-40B4-BE49-F238E27FC236}">
-                <a16:creationId xmlns:a16="http://schemas.microsoft.com/office/drawing/2014/main" id="{71734ADA-FA6A-4C87-BB3E-EEE4AF141F43}"/>
+                <a16:creationId xmlns:a16="http://schemas.microsoft.com/office/drawing/2014/main" xmlns="" id="{71734ADA-FA6A-4C87-BB3E-EEE4AF141F43}"/>
               </a:ext>
             </a:extLst>
           </p:cNvPr>
@@ -14341,7 +14354,7 @@
           <p:cNvPr id="6" name="Inhaltsplatzhalter 5">
             <a:extLst>
               <a:ext uri="{FF2B5EF4-FFF2-40B4-BE49-F238E27FC236}">
-                <a16:creationId xmlns:a16="http://schemas.microsoft.com/office/drawing/2014/main" id="{10BF290A-0581-4BFE-80A9-84AECB370DBF}"/>
+                <a16:creationId xmlns:a16="http://schemas.microsoft.com/office/drawing/2014/main" xmlns="" id="{10BF290A-0581-4BFE-80A9-84AECB370DBF}"/>
               </a:ext>
             </a:extLst>
           </p:cNvPr>
@@ -14455,7 +14468,7 @@
           <p:cNvPr id="2" name="Titel 1">
             <a:extLst>
               <a:ext uri="{FF2B5EF4-FFF2-40B4-BE49-F238E27FC236}">
-                <a16:creationId xmlns:a16="http://schemas.microsoft.com/office/drawing/2014/main" id="{277D5125-1CDF-4B89-92F2-B5700CF89541}"/>
+                <a16:creationId xmlns:a16="http://schemas.microsoft.com/office/drawing/2014/main" xmlns="" id="{277D5125-1CDF-4B89-92F2-B5700CF89541}"/>
               </a:ext>
             </a:extLst>
           </p:cNvPr>
@@ -14483,7 +14496,7 @@
           <p:cNvPr id="3" name="Datumsplatzhalter 2">
             <a:extLst>
               <a:ext uri="{FF2B5EF4-FFF2-40B4-BE49-F238E27FC236}">
-                <a16:creationId xmlns:a16="http://schemas.microsoft.com/office/drawing/2014/main" id="{69914CF5-DFA4-4959-9A4F-60788B72D493}"/>
+                <a16:creationId xmlns:a16="http://schemas.microsoft.com/office/drawing/2014/main" xmlns="" id="{69914CF5-DFA4-4959-9A4F-60788B72D493}"/>
               </a:ext>
             </a:extLst>
           </p:cNvPr>
@@ -14501,7 +14514,7 @@
           <a:p>
             <a:fld id="{48352B5A-167D-4ED6-B7C9-BDA647A8BA51}" type="datetime1">
               <a:rPr lang="de-DE" smtClean="0"/>
-              <a:t>15.11.2018</a:t>
+              <a:t>16.11.2018</a:t>
             </a:fld>
             <a:endParaRPr lang="de-DE"/>
           </a:p>
@@ -14512,7 +14525,7 @@
           <p:cNvPr id="4" name="Fußzeilenplatzhalter 3">
             <a:extLst>
               <a:ext uri="{FF2B5EF4-FFF2-40B4-BE49-F238E27FC236}">
-                <a16:creationId xmlns:a16="http://schemas.microsoft.com/office/drawing/2014/main" id="{9645914B-8D7E-459B-B671-C63BD11EC31F}"/>
+                <a16:creationId xmlns:a16="http://schemas.microsoft.com/office/drawing/2014/main" xmlns="" id="{9645914B-8D7E-459B-B671-C63BD11EC31F}"/>
               </a:ext>
             </a:extLst>
           </p:cNvPr>
@@ -14541,7 +14554,7 @@
           <p:cNvPr id="5" name="Foliennummernplatzhalter 4">
             <a:extLst>
               <a:ext uri="{FF2B5EF4-FFF2-40B4-BE49-F238E27FC236}">
-                <a16:creationId xmlns:a16="http://schemas.microsoft.com/office/drawing/2014/main" id="{C5C4F5C6-296E-4E85-A8AB-353D72F30178}"/>
+                <a16:creationId xmlns:a16="http://schemas.microsoft.com/office/drawing/2014/main" xmlns="" id="{C5C4F5C6-296E-4E85-A8AB-353D72F30178}"/>
               </a:ext>
             </a:extLst>
           </p:cNvPr>
@@ -14570,7 +14583,7 @@
           <p:cNvPr id="6" name="Inhaltsplatzhalter 5">
             <a:extLst>
               <a:ext uri="{FF2B5EF4-FFF2-40B4-BE49-F238E27FC236}">
-                <a16:creationId xmlns:a16="http://schemas.microsoft.com/office/drawing/2014/main" id="{B9B1320D-DC29-4B11-985D-CF9752F11BAA}"/>
+                <a16:creationId xmlns:a16="http://schemas.microsoft.com/office/drawing/2014/main" xmlns="" id="{B9B1320D-DC29-4B11-985D-CF9752F11BAA}"/>
               </a:ext>
             </a:extLst>
           </p:cNvPr>
@@ -14658,7 +14671,7 @@
           <p:cNvPr id="2" name="Titel 1">
             <a:extLst>
               <a:ext uri="{FF2B5EF4-FFF2-40B4-BE49-F238E27FC236}">
-                <a16:creationId xmlns:a16="http://schemas.microsoft.com/office/drawing/2014/main" id="{16FC8DF1-C9D7-46E3-83D6-5072C1A46605}"/>
+                <a16:creationId xmlns:a16="http://schemas.microsoft.com/office/drawing/2014/main" xmlns="" id="{16FC8DF1-C9D7-46E3-83D6-5072C1A46605}"/>
               </a:ext>
             </a:extLst>
           </p:cNvPr>
@@ -14687,7 +14700,7 @@
           <p:cNvPr id="3" name="Datumsplatzhalter 2">
             <a:extLst>
               <a:ext uri="{FF2B5EF4-FFF2-40B4-BE49-F238E27FC236}">
-                <a16:creationId xmlns:a16="http://schemas.microsoft.com/office/drawing/2014/main" id="{3D29B4A2-9112-46E2-AA35-B3CB5AFF7FB6}"/>
+                <a16:creationId xmlns:a16="http://schemas.microsoft.com/office/drawing/2014/main" xmlns="" id="{3D29B4A2-9112-46E2-AA35-B3CB5AFF7FB6}"/>
               </a:ext>
             </a:extLst>
           </p:cNvPr>
@@ -14705,7 +14718,7 @@
           <a:p>
             <a:fld id="{48352B5A-167D-4ED6-B7C9-BDA647A8BA51}" type="datetime1">
               <a:rPr lang="de-DE" smtClean="0"/>
-              <a:t>15.11.2018</a:t>
+              <a:t>16.11.2018</a:t>
             </a:fld>
             <a:endParaRPr lang="de-DE"/>
           </a:p>
@@ -14716,7 +14729,7 @@
           <p:cNvPr id="4" name="Fußzeilenplatzhalter 3">
             <a:extLst>
               <a:ext uri="{FF2B5EF4-FFF2-40B4-BE49-F238E27FC236}">
-                <a16:creationId xmlns:a16="http://schemas.microsoft.com/office/drawing/2014/main" id="{1F00B392-37C3-409D-917C-7E7A0603372C}"/>
+                <a16:creationId xmlns:a16="http://schemas.microsoft.com/office/drawing/2014/main" xmlns="" id="{1F00B392-37C3-409D-917C-7E7A0603372C}"/>
               </a:ext>
             </a:extLst>
           </p:cNvPr>
@@ -14745,7 +14758,7 @@
           <p:cNvPr id="5" name="Foliennummernplatzhalter 4">
             <a:extLst>
               <a:ext uri="{FF2B5EF4-FFF2-40B4-BE49-F238E27FC236}">
-                <a16:creationId xmlns:a16="http://schemas.microsoft.com/office/drawing/2014/main" id="{69765797-2376-47D0-ABE6-C28137DD464F}"/>
+                <a16:creationId xmlns:a16="http://schemas.microsoft.com/office/drawing/2014/main" xmlns="" id="{69765797-2376-47D0-ABE6-C28137DD464F}"/>
               </a:ext>
             </a:extLst>
           </p:cNvPr>
@@ -14774,7 +14787,7 @@
           <p:cNvPr id="6" name="Inhaltsplatzhalter 5">
             <a:extLst>
               <a:ext uri="{FF2B5EF4-FFF2-40B4-BE49-F238E27FC236}">
-                <a16:creationId xmlns:a16="http://schemas.microsoft.com/office/drawing/2014/main" id="{F9AC3082-6207-4087-95E7-935FE808DBE8}"/>
+                <a16:creationId xmlns:a16="http://schemas.microsoft.com/office/drawing/2014/main" xmlns="" id="{F9AC3082-6207-4087-95E7-935FE808DBE8}"/>
               </a:ext>
             </a:extLst>
           </p:cNvPr>
@@ -14802,7 +14815,7 @@
           <p:cNvPr id="7" name="Picture 6" descr="Bildergebnis fÃ¼r react materialize">
             <a:extLst>
               <a:ext uri="{FF2B5EF4-FFF2-40B4-BE49-F238E27FC236}">
-                <a16:creationId xmlns:a16="http://schemas.microsoft.com/office/drawing/2014/main" id="{C0CAFA2A-AE5B-40CE-8397-6FBCA589B343}"/>
+                <a16:creationId xmlns:a16="http://schemas.microsoft.com/office/drawing/2014/main" xmlns="" id="{C0CAFA2A-AE5B-40CE-8397-6FBCA589B343}"/>
               </a:ext>
             </a:extLst>
           </p:cNvPr>
@@ -14849,7 +14862,7 @@
           <p:cNvPr id="8" name="Picture 8" descr="Bildergebnis fÃ¼r materialize">
             <a:extLst>
               <a:ext uri="{FF2B5EF4-FFF2-40B4-BE49-F238E27FC236}">
-                <a16:creationId xmlns:a16="http://schemas.microsoft.com/office/drawing/2014/main" id="{B892D75F-C42F-4019-BCA1-3C83CB54BA7E}"/>
+                <a16:creationId xmlns:a16="http://schemas.microsoft.com/office/drawing/2014/main" xmlns="" id="{B892D75F-C42F-4019-BCA1-3C83CB54BA7E}"/>
               </a:ext>
             </a:extLst>
           </p:cNvPr>
@@ -14926,7 +14939,7 @@
           <p:cNvPr id="2" name="Titel 1">
             <a:extLst>
               <a:ext uri="{FF2B5EF4-FFF2-40B4-BE49-F238E27FC236}">
-                <a16:creationId xmlns:a16="http://schemas.microsoft.com/office/drawing/2014/main" id="{1A25A864-1786-4EAE-83DC-AD86345D66E2}"/>
+                <a16:creationId xmlns:a16="http://schemas.microsoft.com/office/drawing/2014/main" xmlns="" id="{1A25A864-1786-4EAE-83DC-AD86345D66E2}"/>
               </a:ext>
             </a:extLst>
           </p:cNvPr>
@@ -14955,7 +14968,7 @@
           <p:cNvPr id="3" name="Datumsplatzhalter 2">
             <a:extLst>
               <a:ext uri="{FF2B5EF4-FFF2-40B4-BE49-F238E27FC236}">
-                <a16:creationId xmlns:a16="http://schemas.microsoft.com/office/drawing/2014/main" id="{8DA016BA-19C7-4468-ABCD-518C3F0BD787}"/>
+                <a16:creationId xmlns:a16="http://schemas.microsoft.com/office/drawing/2014/main" xmlns="" id="{8DA016BA-19C7-4468-ABCD-518C3F0BD787}"/>
               </a:ext>
             </a:extLst>
           </p:cNvPr>
@@ -14973,7 +14986,7 @@
           <a:p>
             <a:fld id="{48352B5A-167D-4ED6-B7C9-BDA647A8BA51}" type="datetime1">
               <a:rPr lang="de-DE" smtClean="0"/>
-              <a:t>15.11.2018</a:t>
+              <a:t>16.11.2018</a:t>
             </a:fld>
             <a:endParaRPr lang="de-DE"/>
           </a:p>
@@ -14984,7 +14997,7 @@
           <p:cNvPr id="4" name="Fußzeilenplatzhalter 3">
             <a:extLst>
               <a:ext uri="{FF2B5EF4-FFF2-40B4-BE49-F238E27FC236}">
-                <a16:creationId xmlns:a16="http://schemas.microsoft.com/office/drawing/2014/main" id="{373631AC-2D09-4E6D-A934-48A22CD70B6E}"/>
+                <a16:creationId xmlns:a16="http://schemas.microsoft.com/office/drawing/2014/main" xmlns="" id="{373631AC-2D09-4E6D-A934-48A22CD70B6E}"/>
               </a:ext>
             </a:extLst>
           </p:cNvPr>
@@ -15013,7 +15026,7 @@
           <p:cNvPr id="5" name="Foliennummernplatzhalter 4">
             <a:extLst>
               <a:ext uri="{FF2B5EF4-FFF2-40B4-BE49-F238E27FC236}">
-                <a16:creationId xmlns:a16="http://schemas.microsoft.com/office/drawing/2014/main" id="{16434493-4DEC-4E9D-B3BD-BA4B31CFD913}"/>
+                <a16:creationId xmlns:a16="http://schemas.microsoft.com/office/drawing/2014/main" xmlns="" id="{16434493-4DEC-4E9D-B3BD-BA4B31CFD913}"/>
               </a:ext>
             </a:extLst>
           </p:cNvPr>
@@ -15042,7 +15055,7 @@
           <p:cNvPr id="6" name="Inhaltsplatzhalter 5">
             <a:extLst>
               <a:ext uri="{FF2B5EF4-FFF2-40B4-BE49-F238E27FC236}">
-                <a16:creationId xmlns:a16="http://schemas.microsoft.com/office/drawing/2014/main" id="{7FF67B39-8F9A-47D2-8D82-0D3EE900B7EA}"/>
+                <a16:creationId xmlns:a16="http://schemas.microsoft.com/office/drawing/2014/main" xmlns="" id="{7FF67B39-8F9A-47D2-8D82-0D3EE900B7EA}"/>
               </a:ext>
             </a:extLst>
           </p:cNvPr>
@@ -15074,6 +15087,10 @@
               <a:rPr lang="de-CH" dirty="0" err="1"/>
               <a:t>Materialize</a:t>
             </a:r>
+            <a:r>
+              <a:rPr lang="de-CH" dirty="0"/>
+              <a:t/>
+            </a:r>
             <a:br>
               <a:rPr lang="de-CH" dirty="0"/>
             </a:br>
@@ -15084,6 +15101,10 @@
             <a:r>
               <a:rPr lang="de-CH" dirty="0" err="1"/>
               <a:t>Materialize</a:t>
+            </a:r>
+            <a:r>
+              <a:rPr lang="de-CH" dirty="0"/>
+              <a:t/>
             </a:r>
             <a:br>
               <a:rPr lang="de-CH" dirty="0"/>
@@ -15104,6 +15125,10 @@
             <a:r>
               <a:rPr lang="de-CH" dirty="0" err="1"/>
               <a:t>Materialize</a:t>
+            </a:r>
+            <a:r>
+              <a:rPr lang="de-CH" dirty="0"/>
+              <a:t/>
             </a:r>
             <a:br>
               <a:rPr lang="de-CH" dirty="0"/>
@@ -15153,7 +15178,7 @@
           <p:cNvPr id="2" name="Titel 1">
             <a:extLst>
               <a:ext uri="{FF2B5EF4-FFF2-40B4-BE49-F238E27FC236}">
-                <a16:creationId xmlns:a16="http://schemas.microsoft.com/office/drawing/2014/main" id="{62B5B1FC-38B6-4AAF-A0D4-8343E72B8BB2}"/>
+                <a16:creationId xmlns:a16="http://schemas.microsoft.com/office/drawing/2014/main" xmlns="" id="{62B5B1FC-38B6-4AAF-A0D4-8343E72B8BB2}"/>
               </a:ext>
             </a:extLst>
           </p:cNvPr>
@@ -15181,7 +15206,7 @@
           <p:cNvPr id="3" name="Datumsplatzhalter 2">
             <a:extLst>
               <a:ext uri="{FF2B5EF4-FFF2-40B4-BE49-F238E27FC236}">
-                <a16:creationId xmlns:a16="http://schemas.microsoft.com/office/drawing/2014/main" id="{35FE2A4F-14D1-453C-8962-28768FDAA94C}"/>
+                <a16:creationId xmlns:a16="http://schemas.microsoft.com/office/drawing/2014/main" xmlns="" id="{35FE2A4F-14D1-453C-8962-28768FDAA94C}"/>
               </a:ext>
             </a:extLst>
           </p:cNvPr>
@@ -15199,7 +15224,7 @@
           <a:p>
             <a:fld id="{48352B5A-167D-4ED6-B7C9-BDA647A8BA51}" type="datetime1">
               <a:rPr lang="de-DE" smtClean="0"/>
-              <a:t>15.11.2018</a:t>
+              <a:t>16.11.2018</a:t>
             </a:fld>
             <a:endParaRPr lang="de-DE"/>
           </a:p>
@@ -15210,7 +15235,7 @@
           <p:cNvPr id="4" name="Fußzeilenplatzhalter 3">
             <a:extLst>
               <a:ext uri="{FF2B5EF4-FFF2-40B4-BE49-F238E27FC236}">
-                <a16:creationId xmlns:a16="http://schemas.microsoft.com/office/drawing/2014/main" id="{69FE2911-271E-4781-8E8D-C6FD249EA02E}"/>
+                <a16:creationId xmlns:a16="http://schemas.microsoft.com/office/drawing/2014/main" xmlns="" id="{69FE2911-271E-4781-8E8D-C6FD249EA02E}"/>
               </a:ext>
             </a:extLst>
           </p:cNvPr>
@@ -15239,7 +15264,7 @@
           <p:cNvPr id="5" name="Foliennummernplatzhalter 4">
             <a:extLst>
               <a:ext uri="{FF2B5EF4-FFF2-40B4-BE49-F238E27FC236}">
-                <a16:creationId xmlns:a16="http://schemas.microsoft.com/office/drawing/2014/main" id="{7974A4C8-7622-4904-A311-5A2D3F872085}"/>
+                <a16:creationId xmlns:a16="http://schemas.microsoft.com/office/drawing/2014/main" xmlns="" id="{7974A4C8-7622-4904-A311-5A2D3F872085}"/>
               </a:ext>
             </a:extLst>
           </p:cNvPr>
@@ -15268,7 +15293,7 @@
           <p:cNvPr id="6" name="Inhaltsplatzhalter 5">
             <a:extLst>
               <a:ext uri="{FF2B5EF4-FFF2-40B4-BE49-F238E27FC236}">
-                <a16:creationId xmlns:a16="http://schemas.microsoft.com/office/drawing/2014/main" id="{8506262F-A1F1-43B6-BB5D-766A37FB0DDF}"/>
+                <a16:creationId xmlns:a16="http://schemas.microsoft.com/office/drawing/2014/main" xmlns="" id="{8506262F-A1F1-43B6-BB5D-766A37FB0DDF}"/>
               </a:ext>
             </a:extLst>
           </p:cNvPr>
@@ -15397,7 +15422,7 @@
           <p:cNvPr id="2" name="Titel 1">
             <a:extLst>
               <a:ext uri="{FF2B5EF4-FFF2-40B4-BE49-F238E27FC236}">
-                <a16:creationId xmlns:a16="http://schemas.microsoft.com/office/drawing/2014/main" id="{0A1A6049-CD7F-4D8C-A11D-F46161BD0A61}"/>
+                <a16:creationId xmlns:a16="http://schemas.microsoft.com/office/drawing/2014/main" xmlns="" id="{0A1A6049-CD7F-4D8C-A11D-F46161BD0A61}"/>
               </a:ext>
             </a:extLst>
           </p:cNvPr>
@@ -15430,7 +15455,7 @@
           <p:cNvPr id="3" name="Datumsplatzhalter 2">
             <a:extLst>
               <a:ext uri="{FF2B5EF4-FFF2-40B4-BE49-F238E27FC236}">
-                <a16:creationId xmlns:a16="http://schemas.microsoft.com/office/drawing/2014/main" id="{C3E5D1B8-CD55-4D78-A71B-0EFAD8E431E8}"/>
+                <a16:creationId xmlns:a16="http://schemas.microsoft.com/office/drawing/2014/main" xmlns="" id="{C3E5D1B8-CD55-4D78-A71B-0EFAD8E431E8}"/>
               </a:ext>
             </a:extLst>
           </p:cNvPr>
@@ -15448,7 +15473,7 @@
           <a:p>
             <a:fld id="{48352B5A-167D-4ED6-B7C9-BDA647A8BA51}" type="datetime1">
               <a:rPr lang="de-DE" smtClean="0"/>
-              <a:t>15.11.2018</a:t>
+              <a:t>16.11.2018</a:t>
             </a:fld>
             <a:endParaRPr lang="de-DE"/>
           </a:p>
@@ -15459,7 +15484,7 @@
           <p:cNvPr id="4" name="Fußzeilenplatzhalter 3">
             <a:extLst>
               <a:ext uri="{FF2B5EF4-FFF2-40B4-BE49-F238E27FC236}">
-                <a16:creationId xmlns:a16="http://schemas.microsoft.com/office/drawing/2014/main" id="{CC69CD03-791F-46AA-BBED-D1E057D848A0}"/>
+                <a16:creationId xmlns:a16="http://schemas.microsoft.com/office/drawing/2014/main" xmlns="" id="{CC69CD03-791F-46AA-BBED-D1E057D848A0}"/>
               </a:ext>
             </a:extLst>
           </p:cNvPr>
@@ -15488,7 +15513,7 @@
           <p:cNvPr id="5" name="Foliennummernplatzhalter 4">
             <a:extLst>
               <a:ext uri="{FF2B5EF4-FFF2-40B4-BE49-F238E27FC236}">
-                <a16:creationId xmlns:a16="http://schemas.microsoft.com/office/drawing/2014/main" id="{F4D3FB05-A4EF-447C-B998-F59D03904616}"/>
+                <a16:creationId xmlns:a16="http://schemas.microsoft.com/office/drawing/2014/main" xmlns="" id="{F4D3FB05-A4EF-447C-B998-F59D03904616}"/>
               </a:ext>
             </a:extLst>
           </p:cNvPr>
@@ -15517,7 +15542,7 @@
           <p:cNvPr id="6" name="Inhaltsplatzhalter 5">
             <a:extLst>
               <a:ext uri="{FF2B5EF4-FFF2-40B4-BE49-F238E27FC236}">
-                <a16:creationId xmlns:a16="http://schemas.microsoft.com/office/drawing/2014/main" id="{B543C937-A1EB-4404-B13C-FE733E7C6AB0}"/>
+                <a16:creationId xmlns:a16="http://schemas.microsoft.com/office/drawing/2014/main" xmlns="" id="{B543C937-A1EB-4404-B13C-FE733E7C6AB0}"/>
               </a:ext>
             </a:extLst>
           </p:cNvPr>
@@ -15595,6 +15620,10 @@
               <a:rPr lang="de-CH" dirty="0" err="1"/>
               <a:t>Javascript</a:t>
             </a:r>
+            <a:r>
+              <a:rPr lang="de-CH" dirty="0"/>
+              <a:t/>
+            </a:r>
             <a:br>
               <a:rPr lang="de-CH" dirty="0"/>
             </a:br>
@@ -15639,6 +15668,10 @@
             <a:r>
               <a:rPr lang="de-CH" dirty="0" err="1"/>
               <a:t>Materialize</a:t>
+            </a:r>
+            <a:r>
+              <a:rPr lang="de-CH" dirty="0"/>
+              <a:t/>
             </a:r>
             <a:br>
               <a:rPr lang="de-CH" dirty="0"/>
@@ -15705,7 +15738,7 @@
           <p:cNvPr id="2" name="Titel 1">
             <a:extLst>
               <a:ext uri="{FF2B5EF4-FFF2-40B4-BE49-F238E27FC236}">
-                <a16:creationId xmlns:a16="http://schemas.microsoft.com/office/drawing/2014/main" id="{46B71E06-6B08-43AE-A9C8-F9B142FB28CB}"/>
+                <a16:creationId xmlns:a16="http://schemas.microsoft.com/office/drawing/2014/main" xmlns="" id="{46B71E06-6B08-43AE-A9C8-F9B142FB28CB}"/>
               </a:ext>
             </a:extLst>
           </p:cNvPr>
@@ -15733,7 +15766,7 @@
           <p:cNvPr id="3" name="Datumsplatzhalter 2">
             <a:extLst>
               <a:ext uri="{FF2B5EF4-FFF2-40B4-BE49-F238E27FC236}">
-                <a16:creationId xmlns:a16="http://schemas.microsoft.com/office/drawing/2014/main" id="{7DA43725-4CCB-4CF7-B561-C2455E37B695}"/>
+                <a16:creationId xmlns:a16="http://schemas.microsoft.com/office/drawing/2014/main" xmlns="" id="{7DA43725-4CCB-4CF7-B561-C2455E37B695}"/>
               </a:ext>
             </a:extLst>
           </p:cNvPr>
@@ -15751,7 +15784,7 @@
           <a:p>
             <a:fld id="{48352B5A-167D-4ED6-B7C9-BDA647A8BA51}" type="datetime1">
               <a:rPr lang="de-DE" smtClean="0"/>
-              <a:t>15.11.2018</a:t>
+              <a:t>16.11.2018</a:t>
             </a:fld>
             <a:endParaRPr lang="de-DE"/>
           </a:p>
@@ -15762,7 +15795,7 @@
           <p:cNvPr id="4" name="Fußzeilenplatzhalter 3">
             <a:extLst>
               <a:ext uri="{FF2B5EF4-FFF2-40B4-BE49-F238E27FC236}">
-                <a16:creationId xmlns:a16="http://schemas.microsoft.com/office/drawing/2014/main" id="{10B0C594-04E2-4D69-B149-A140EDB73CB9}"/>
+                <a16:creationId xmlns:a16="http://schemas.microsoft.com/office/drawing/2014/main" xmlns="" id="{10B0C594-04E2-4D69-B149-A140EDB73CB9}"/>
               </a:ext>
             </a:extLst>
           </p:cNvPr>
@@ -15791,7 +15824,7 @@
           <p:cNvPr id="5" name="Foliennummernplatzhalter 4">
             <a:extLst>
               <a:ext uri="{FF2B5EF4-FFF2-40B4-BE49-F238E27FC236}">
-                <a16:creationId xmlns:a16="http://schemas.microsoft.com/office/drawing/2014/main" id="{CB7B5591-8305-4064-885D-68FF19B8D5AF}"/>
+                <a16:creationId xmlns:a16="http://schemas.microsoft.com/office/drawing/2014/main" xmlns="" id="{CB7B5591-8305-4064-885D-68FF19B8D5AF}"/>
               </a:ext>
             </a:extLst>
           </p:cNvPr>
@@ -15820,7 +15853,7 @@
           <p:cNvPr id="6" name="Inhaltsplatzhalter 5">
             <a:extLst>
               <a:ext uri="{FF2B5EF4-FFF2-40B4-BE49-F238E27FC236}">
-                <a16:creationId xmlns:a16="http://schemas.microsoft.com/office/drawing/2014/main" id="{7804FF59-5423-4D10-A437-717C62ABF253}"/>
+                <a16:creationId xmlns:a16="http://schemas.microsoft.com/office/drawing/2014/main" xmlns="" id="{7804FF59-5423-4D10-A437-717C62ABF253}"/>
               </a:ext>
             </a:extLst>
           </p:cNvPr>
@@ -16033,6 +16066,14 @@
                 </a:highlight>
               </a:rPr>
               <a:t>="stylesheet"&gt;</a:t>
+            </a:r>
+            <a:r>
+              <a:rPr lang="de-CH" sz="1400" dirty="0">
+                <a:highlight>
+                  <a:srgbClr val="FFFF00"/>
+                </a:highlight>
+              </a:rPr>
+              <a:t/>
             </a:r>
             <a:br>
               <a:rPr lang="de-CH" sz="1400" dirty="0">
@@ -16352,7 +16393,7 @@
           <p:cNvPr id="2" name="Titel 1">
             <a:extLst>
               <a:ext uri="{FF2B5EF4-FFF2-40B4-BE49-F238E27FC236}">
-                <a16:creationId xmlns:a16="http://schemas.microsoft.com/office/drawing/2014/main" id="{8042B2D6-B688-4F1D-84D9-EDA826C78953}"/>
+                <a16:creationId xmlns:a16="http://schemas.microsoft.com/office/drawing/2014/main" xmlns="" id="{8042B2D6-B688-4F1D-84D9-EDA826C78953}"/>
               </a:ext>
             </a:extLst>
           </p:cNvPr>
@@ -16380,7 +16421,7 @@
           <p:cNvPr id="3" name="Datumsplatzhalter 2">
             <a:extLst>
               <a:ext uri="{FF2B5EF4-FFF2-40B4-BE49-F238E27FC236}">
-                <a16:creationId xmlns:a16="http://schemas.microsoft.com/office/drawing/2014/main" id="{3ACE59C4-9F78-442E-B097-940CD623DDA4}"/>
+                <a16:creationId xmlns:a16="http://schemas.microsoft.com/office/drawing/2014/main" xmlns="" id="{3ACE59C4-9F78-442E-B097-940CD623DDA4}"/>
               </a:ext>
             </a:extLst>
           </p:cNvPr>
@@ -16398,7 +16439,7 @@
           <a:p>
             <a:fld id="{48352B5A-167D-4ED6-B7C9-BDA647A8BA51}" type="datetime1">
               <a:rPr lang="de-DE" smtClean="0"/>
-              <a:t>15.11.2018</a:t>
+              <a:t>16.11.2018</a:t>
             </a:fld>
             <a:endParaRPr lang="de-DE"/>
           </a:p>
@@ -16409,7 +16450,7 @@
           <p:cNvPr id="4" name="Fußzeilenplatzhalter 3">
             <a:extLst>
               <a:ext uri="{FF2B5EF4-FFF2-40B4-BE49-F238E27FC236}">
-                <a16:creationId xmlns:a16="http://schemas.microsoft.com/office/drawing/2014/main" id="{F52C1658-D4C8-4A3A-B9BC-86F6FBA0F7D1}"/>
+                <a16:creationId xmlns:a16="http://schemas.microsoft.com/office/drawing/2014/main" xmlns="" id="{F52C1658-D4C8-4A3A-B9BC-86F6FBA0F7D1}"/>
               </a:ext>
             </a:extLst>
           </p:cNvPr>
@@ -16438,7 +16479,7 @@
           <p:cNvPr id="5" name="Foliennummernplatzhalter 4">
             <a:extLst>
               <a:ext uri="{FF2B5EF4-FFF2-40B4-BE49-F238E27FC236}">
-                <a16:creationId xmlns:a16="http://schemas.microsoft.com/office/drawing/2014/main" id="{F43F19DB-E8A2-43A6-AC7E-DCD86348DAC2}"/>
+                <a16:creationId xmlns:a16="http://schemas.microsoft.com/office/drawing/2014/main" xmlns="" id="{F43F19DB-E8A2-43A6-AC7E-DCD86348DAC2}"/>
               </a:ext>
             </a:extLst>
           </p:cNvPr>
@@ -16467,7 +16508,7 @@
           <p:cNvPr id="6" name="Inhaltsplatzhalter 5">
             <a:extLst>
               <a:ext uri="{FF2B5EF4-FFF2-40B4-BE49-F238E27FC236}">
-                <a16:creationId xmlns:a16="http://schemas.microsoft.com/office/drawing/2014/main" id="{E0F22198-5871-4C94-93BB-9B27AED95ADE}"/>
+                <a16:creationId xmlns:a16="http://schemas.microsoft.com/office/drawing/2014/main" xmlns="" id="{E0F22198-5871-4C94-93BB-9B27AED95ADE}"/>
               </a:ext>
             </a:extLst>
           </p:cNvPr>
@@ -16593,7 +16634,7 @@
           <p:cNvPr id="2" name="Titel 1">
             <a:extLst>
               <a:ext uri="{FF2B5EF4-FFF2-40B4-BE49-F238E27FC236}">
-                <a16:creationId xmlns:a16="http://schemas.microsoft.com/office/drawing/2014/main" id="{13093AFF-9982-4D9C-9691-6A5C95B724A4}"/>
+                <a16:creationId xmlns:a16="http://schemas.microsoft.com/office/drawing/2014/main" xmlns="" id="{13093AFF-9982-4D9C-9691-6A5C95B724A4}"/>
               </a:ext>
             </a:extLst>
           </p:cNvPr>
@@ -16621,7 +16662,7 @@
           <p:cNvPr id="3" name="Datumsplatzhalter 2">
             <a:extLst>
               <a:ext uri="{FF2B5EF4-FFF2-40B4-BE49-F238E27FC236}">
-                <a16:creationId xmlns:a16="http://schemas.microsoft.com/office/drawing/2014/main" id="{05E33F24-E000-4573-8CB2-9728D363B7A7}"/>
+                <a16:creationId xmlns:a16="http://schemas.microsoft.com/office/drawing/2014/main" xmlns="" id="{05E33F24-E000-4573-8CB2-9728D363B7A7}"/>
               </a:ext>
             </a:extLst>
           </p:cNvPr>
@@ -16639,7 +16680,7 @@
           <a:p>
             <a:fld id="{48352B5A-167D-4ED6-B7C9-BDA647A8BA51}" type="datetime1">
               <a:rPr lang="de-DE" smtClean="0"/>
-              <a:t>15.11.2018</a:t>
+              <a:t>16.11.2018</a:t>
             </a:fld>
             <a:endParaRPr lang="de-DE"/>
           </a:p>
@@ -16650,7 +16691,7 @@
           <p:cNvPr id="4" name="Fußzeilenplatzhalter 3">
             <a:extLst>
               <a:ext uri="{FF2B5EF4-FFF2-40B4-BE49-F238E27FC236}">
-                <a16:creationId xmlns:a16="http://schemas.microsoft.com/office/drawing/2014/main" id="{000A925A-FD0A-4D78-AC6A-542A4745A732}"/>
+                <a16:creationId xmlns:a16="http://schemas.microsoft.com/office/drawing/2014/main" xmlns="" id="{000A925A-FD0A-4D78-AC6A-542A4745A732}"/>
               </a:ext>
             </a:extLst>
           </p:cNvPr>
@@ -16679,7 +16720,7 @@
           <p:cNvPr id="5" name="Foliennummernplatzhalter 4">
             <a:extLst>
               <a:ext uri="{FF2B5EF4-FFF2-40B4-BE49-F238E27FC236}">
-                <a16:creationId xmlns:a16="http://schemas.microsoft.com/office/drawing/2014/main" id="{FA2E024D-F892-4351-926C-DB54CEF5947F}"/>
+                <a16:creationId xmlns:a16="http://schemas.microsoft.com/office/drawing/2014/main" xmlns="" id="{FA2E024D-F892-4351-926C-DB54CEF5947F}"/>
               </a:ext>
             </a:extLst>
           </p:cNvPr>
@@ -16708,7 +16749,7 @@
           <p:cNvPr id="6" name="Inhaltsplatzhalter 5">
             <a:extLst>
               <a:ext uri="{FF2B5EF4-FFF2-40B4-BE49-F238E27FC236}">
-                <a16:creationId xmlns:a16="http://schemas.microsoft.com/office/drawing/2014/main" id="{8E1140B5-A34B-4D01-ABD5-596BE1B079E2}"/>
+                <a16:creationId xmlns:a16="http://schemas.microsoft.com/office/drawing/2014/main" xmlns="" id="{8E1140B5-A34B-4D01-ABD5-596BE1B079E2}"/>
               </a:ext>
             </a:extLst>
           </p:cNvPr>
@@ -16772,7 +16813,7 @@
           <p:cNvPr id="2" name="Titel 1">
             <a:extLst>
               <a:ext uri="{FF2B5EF4-FFF2-40B4-BE49-F238E27FC236}">
-                <a16:creationId xmlns:a16="http://schemas.microsoft.com/office/drawing/2014/main" id="{E9B35454-1B7A-4569-83B8-3FB8AD200E0A}"/>
+                <a16:creationId xmlns:a16="http://schemas.microsoft.com/office/drawing/2014/main" xmlns="" id="{E9B35454-1B7A-4569-83B8-3FB8AD200E0A}"/>
               </a:ext>
             </a:extLst>
           </p:cNvPr>
@@ -16800,7 +16841,7 @@
           <p:cNvPr id="3" name="Datumsplatzhalter 2">
             <a:extLst>
               <a:ext uri="{FF2B5EF4-FFF2-40B4-BE49-F238E27FC236}">
-                <a16:creationId xmlns:a16="http://schemas.microsoft.com/office/drawing/2014/main" id="{6E1A6C03-37BC-4379-8658-907529B6B3EC}"/>
+                <a16:creationId xmlns:a16="http://schemas.microsoft.com/office/drawing/2014/main" xmlns="" id="{6E1A6C03-37BC-4379-8658-907529B6B3EC}"/>
               </a:ext>
             </a:extLst>
           </p:cNvPr>
@@ -16818,7 +16859,7 @@
           <a:p>
             <a:fld id="{48352B5A-167D-4ED6-B7C9-BDA647A8BA51}" type="datetime1">
               <a:rPr lang="de-DE" smtClean="0"/>
-              <a:t>15.11.2018</a:t>
+              <a:t>16.11.2018</a:t>
             </a:fld>
             <a:endParaRPr lang="de-DE"/>
           </a:p>
@@ -16829,7 +16870,7 @@
           <p:cNvPr id="4" name="Fußzeilenplatzhalter 3">
             <a:extLst>
               <a:ext uri="{FF2B5EF4-FFF2-40B4-BE49-F238E27FC236}">
-                <a16:creationId xmlns:a16="http://schemas.microsoft.com/office/drawing/2014/main" id="{A5217030-2252-4148-A2CE-3B187F8FEFBF}"/>
+                <a16:creationId xmlns:a16="http://schemas.microsoft.com/office/drawing/2014/main" xmlns="" id="{A5217030-2252-4148-A2CE-3B187F8FEFBF}"/>
               </a:ext>
             </a:extLst>
           </p:cNvPr>
@@ -16858,7 +16899,7 @@
           <p:cNvPr id="5" name="Foliennummernplatzhalter 4">
             <a:extLst>
               <a:ext uri="{FF2B5EF4-FFF2-40B4-BE49-F238E27FC236}">
-                <a16:creationId xmlns:a16="http://schemas.microsoft.com/office/drawing/2014/main" id="{1C505F7D-B47C-4579-8695-2FFC1C43940A}"/>
+                <a16:creationId xmlns:a16="http://schemas.microsoft.com/office/drawing/2014/main" xmlns="" id="{1C505F7D-B47C-4579-8695-2FFC1C43940A}"/>
               </a:ext>
             </a:extLst>
           </p:cNvPr>
@@ -16887,7 +16928,7 @@
           <p:cNvPr id="6" name="Inhaltsplatzhalter 5">
             <a:extLst>
               <a:ext uri="{FF2B5EF4-FFF2-40B4-BE49-F238E27FC236}">
-                <a16:creationId xmlns:a16="http://schemas.microsoft.com/office/drawing/2014/main" id="{184380C6-5408-4921-A602-0EC77F90E7B8}"/>
+                <a16:creationId xmlns:a16="http://schemas.microsoft.com/office/drawing/2014/main" xmlns="" id="{184380C6-5408-4921-A602-0EC77F90E7B8}"/>
               </a:ext>
             </a:extLst>
           </p:cNvPr>
@@ -16987,7 +17028,7 @@
           <p:cNvPr id="2" name="Titel 1">
             <a:extLst>
               <a:ext uri="{FF2B5EF4-FFF2-40B4-BE49-F238E27FC236}">
-                <a16:creationId xmlns:a16="http://schemas.microsoft.com/office/drawing/2014/main" id="{FB3D4AA2-6BD9-4FAA-BD20-ACECFEE17743}"/>
+                <a16:creationId xmlns:a16="http://schemas.microsoft.com/office/drawing/2014/main" xmlns="" id="{FB3D4AA2-6BD9-4FAA-BD20-ACECFEE17743}"/>
               </a:ext>
             </a:extLst>
           </p:cNvPr>
@@ -17016,7 +17057,7 @@
           <p:cNvPr id="3" name="Datumsplatzhalter 2">
             <a:extLst>
               <a:ext uri="{FF2B5EF4-FFF2-40B4-BE49-F238E27FC236}">
-                <a16:creationId xmlns:a16="http://schemas.microsoft.com/office/drawing/2014/main" id="{ADE5015B-EB6F-4AE0-9B1D-F5BAD3EA3B7F}"/>
+                <a16:creationId xmlns:a16="http://schemas.microsoft.com/office/drawing/2014/main" xmlns="" id="{ADE5015B-EB6F-4AE0-9B1D-F5BAD3EA3B7F}"/>
               </a:ext>
             </a:extLst>
           </p:cNvPr>
@@ -17034,7 +17075,7 @@
           <a:p>
             <a:fld id="{48352B5A-167D-4ED6-B7C9-BDA647A8BA51}" type="datetime1">
               <a:rPr lang="de-DE" smtClean="0"/>
-              <a:t>15.11.2018</a:t>
+              <a:t>16.11.2018</a:t>
             </a:fld>
             <a:endParaRPr lang="de-DE"/>
           </a:p>
@@ -17045,7 +17086,7 @@
           <p:cNvPr id="4" name="Fußzeilenplatzhalter 3">
             <a:extLst>
               <a:ext uri="{FF2B5EF4-FFF2-40B4-BE49-F238E27FC236}">
-                <a16:creationId xmlns:a16="http://schemas.microsoft.com/office/drawing/2014/main" id="{CCF7C28A-F2DB-4863-8F13-4477C4B7C84C}"/>
+                <a16:creationId xmlns:a16="http://schemas.microsoft.com/office/drawing/2014/main" xmlns="" id="{CCF7C28A-F2DB-4863-8F13-4477C4B7C84C}"/>
               </a:ext>
             </a:extLst>
           </p:cNvPr>
@@ -17074,7 +17115,7 @@
           <p:cNvPr id="5" name="Foliennummernplatzhalter 4">
             <a:extLst>
               <a:ext uri="{FF2B5EF4-FFF2-40B4-BE49-F238E27FC236}">
-                <a16:creationId xmlns:a16="http://schemas.microsoft.com/office/drawing/2014/main" id="{1097CC81-6880-47A7-9EE7-930694B470BE}"/>
+                <a16:creationId xmlns:a16="http://schemas.microsoft.com/office/drawing/2014/main" xmlns="" id="{1097CC81-6880-47A7-9EE7-930694B470BE}"/>
               </a:ext>
             </a:extLst>
           </p:cNvPr>
@@ -17103,7 +17144,7 @@
           <p:cNvPr id="10" name="Picture 10" descr="Bildergebnis fÃ¼r rxjs">
             <a:extLst>
               <a:ext uri="{FF2B5EF4-FFF2-40B4-BE49-F238E27FC236}">
-                <a16:creationId xmlns:a16="http://schemas.microsoft.com/office/drawing/2014/main" id="{9D988982-CD7A-4A00-A911-4E9132A2F7C0}"/>
+                <a16:creationId xmlns:a16="http://schemas.microsoft.com/office/drawing/2014/main" xmlns="" id="{9D988982-CD7A-4A00-A911-4E9132A2F7C0}"/>
               </a:ext>
             </a:extLst>
           </p:cNvPr>
@@ -17182,7 +17223,7 @@
           <p:cNvPr id="2" name="Titel 1">
             <a:extLst>
               <a:ext uri="{FF2B5EF4-FFF2-40B4-BE49-F238E27FC236}">
-                <a16:creationId xmlns:a16="http://schemas.microsoft.com/office/drawing/2014/main" id="{1EC1F6A3-D60E-48E5-9AA4-4E872481BC05}"/>
+                <a16:creationId xmlns:a16="http://schemas.microsoft.com/office/drawing/2014/main" xmlns="" id="{1EC1F6A3-D60E-48E5-9AA4-4E872481BC05}"/>
               </a:ext>
             </a:extLst>
           </p:cNvPr>
@@ -17210,7 +17251,7 @@
           <p:cNvPr id="3" name="Datumsplatzhalter 2">
             <a:extLst>
               <a:ext uri="{FF2B5EF4-FFF2-40B4-BE49-F238E27FC236}">
-                <a16:creationId xmlns:a16="http://schemas.microsoft.com/office/drawing/2014/main" id="{3DFFD4F3-1638-466E-AACB-ABDE62105A15}"/>
+                <a16:creationId xmlns:a16="http://schemas.microsoft.com/office/drawing/2014/main" xmlns="" id="{3DFFD4F3-1638-466E-AACB-ABDE62105A15}"/>
               </a:ext>
             </a:extLst>
           </p:cNvPr>
@@ -17228,7 +17269,7 @@
           <a:p>
             <a:fld id="{48352B5A-167D-4ED6-B7C9-BDA647A8BA51}" type="datetime1">
               <a:rPr lang="de-DE" smtClean="0"/>
-              <a:t>15.11.2018</a:t>
+              <a:t>16.11.2018</a:t>
             </a:fld>
             <a:endParaRPr lang="de-DE"/>
           </a:p>
@@ -17239,7 +17280,7 @@
           <p:cNvPr id="4" name="Fußzeilenplatzhalter 3">
             <a:extLst>
               <a:ext uri="{FF2B5EF4-FFF2-40B4-BE49-F238E27FC236}">
-                <a16:creationId xmlns:a16="http://schemas.microsoft.com/office/drawing/2014/main" id="{9AB1FFA2-EA78-4D6E-9262-7A4B584827ED}"/>
+                <a16:creationId xmlns:a16="http://schemas.microsoft.com/office/drawing/2014/main" xmlns="" id="{9AB1FFA2-EA78-4D6E-9262-7A4B584827ED}"/>
               </a:ext>
             </a:extLst>
           </p:cNvPr>
@@ -17268,7 +17309,7 @@
           <p:cNvPr id="5" name="Foliennummernplatzhalter 4">
             <a:extLst>
               <a:ext uri="{FF2B5EF4-FFF2-40B4-BE49-F238E27FC236}">
-                <a16:creationId xmlns:a16="http://schemas.microsoft.com/office/drawing/2014/main" id="{28EF831B-FEE4-49A2-B7D8-22E4A667F8B7}"/>
+                <a16:creationId xmlns:a16="http://schemas.microsoft.com/office/drawing/2014/main" xmlns="" id="{28EF831B-FEE4-49A2-B7D8-22E4A667F8B7}"/>
               </a:ext>
             </a:extLst>
           </p:cNvPr>
@@ -17297,7 +17338,7 @@
           <p:cNvPr id="6" name="Inhaltsplatzhalter 5">
             <a:extLst>
               <a:ext uri="{FF2B5EF4-FFF2-40B4-BE49-F238E27FC236}">
-                <a16:creationId xmlns:a16="http://schemas.microsoft.com/office/drawing/2014/main" id="{48BC2F46-4D0A-48ED-8F41-F0736182EC8F}"/>
+                <a16:creationId xmlns:a16="http://schemas.microsoft.com/office/drawing/2014/main" xmlns="" id="{48BC2F46-4D0A-48ED-8F41-F0736182EC8F}"/>
               </a:ext>
             </a:extLst>
           </p:cNvPr>
@@ -17430,7 +17471,7 @@
           <p:cNvPr id="2" name="Titel 1">
             <a:extLst>
               <a:ext uri="{FF2B5EF4-FFF2-40B4-BE49-F238E27FC236}">
-                <a16:creationId xmlns:a16="http://schemas.microsoft.com/office/drawing/2014/main" id="{5493C864-B4B9-4F72-A5D1-F65D4A81C2B0}"/>
+                <a16:creationId xmlns:a16="http://schemas.microsoft.com/office/drawing/2014/main" xmlns="" id="{5493C864-B4B9-4F72-A5D1-F65D4A81C2B0}"/>
               </a:ext>
             </a:extLst>
           </p:cNvPr>
@@ -17466,7 +17507,7 @@
           <p:cNvPr id="3" name="Datumsplatzhalter 2">
             <a:extLst>
               <a:ext uri="{FF2B5EF4-FFF2-40B4-BE49-F238E27FC236}">
-                <a16:creationId xmlns:a16="http://schemas.microsoft.com/office/drawing/2014/main" id="{E91327A1-5FF2-4162-9433-E4A9AD0AB1D8}"/>
+                <a16:creationId xmlns:a16="http://schemas.microsoft.com/office/drawing/2014/main" xmlns="" id="{E91327A1-5FF2-4162-9433-E4A9AD0AB1D8}"/>
               </a:ext>
             </a:extLst>
           </p:cNvPr>
@@ -17484,7 +17525,7 @@
           <a:p>
             <a:fld id="{48352B5A-167D-4ED6-B7C9-BDA647A8BA51}" type="datetime1">
               <a:rPr lang="de-DE" smtClean="0"/>
-              <a:t>15.11.2018</a:t>
+              <a:t>16.11.2018</a:t>
             </a:fld>
             <a:endParaRPr lang="de-DE"/>
           </a:p>
@@ -17495,7 +17536,7 @@
           <p:cNvPr id="4" name="Fußzeilenplatzhalter 3">
             <a:extLst>
               <a:ext uri="{FF2B5EF4-FFF2-40B4-BE49-F238E27FC236}">
-                <a16:creationId xmlns:a16="http://schemas.microsoft.com/office/drawing/2014/main" id="{5D4980EE-C21A-4B7F-BC44-95D7CC9C35E2}"/>
+                <a16:creationId xmlns:a16="http://schemas.microsoft.com/office/drawing/2014/main" xmlns="" id="{5D4980EE-C21A-4B7F-BC44-95D7CC9C35E2}"/>
               </a:ext>
             </a:extLst>
           </p:cNvPr>
@@ -17524,7 +17565,7 @@
           <p:cNvPr id="5" name="Foliennummernplatzhalter 4">
             <a:extLst>
               <a:ext uri="{FF2B5EF4-FFF2-40B4-BE49-F238E27FC236}">
-                <a16:creationId xmlns:a16="http://schemas.microsoft.com/office/drawing/2014/main" id="{43F570F3-D7A2-4F32-9AF2-B0E110754C4A}"/>
+                <a16:creationId xmlns:a16="http://schemas.microsoft.com/office/drawing/2014/main" xmlns="" id="{43F570F3-D7A2-4F32-9AF2-B0E110754C4A}"/>
               </a:ext>
             </a:extLst>
           </p:cNvPr>
@@ -17553,7 +17594,7 @@
           <p:cNvPr id="6" name="Inhaltsplatzhalter 5">
             <a:extLst>
               <a:ext uri="{FF2B5EF4-FFF2-40B4-BE49-F238E27FC236}">
-                <a16:creationId xmlns:a16="http://schemas.microsoft.com/office/drawing/2014/main" id="{E8BBDEE2-A1D6-4ED4-A0D4-9BDA25857ECB}"/>
+                <a16:creationId xmlns:a16="http://schemas.microsoft.com/office/drawing/2014/main" xmlns="" id="{E8BBDEE2-A1D6-4ED4-A0D4-9BDA25857ECB}"/>
               </a:ext>
             </a:extLst>
           </p:cNvPr>
@@ -17715,7 +17756,7 @@
           <p:cNvPr id="2" name="Titel 1">
             <a:extLst>
               <a:ext uri="{FF2B5EF4-FFF2-40B4-BE49-F238E27FC236}">
-                <a16:creationId xmlns:a16="http://schemas.microsoft.com/office/drawing/2014/main" id="{A956DF2D-9DFB-4045-A6BB-F0750051A097}"/>
+                <a16:creationId xmlns:a16="http://schemas.microsoft.com/office/drawing/2014/main" xmlns="" id="{A956DF2D-9DFB-4045-A6BB-F0750051A097}"/>
               </a:ext>
             </a:extLst>
           </p:cNvPr>
@@ -17743,7 +17784,7 @@
           <p:cNvPr id="3" name="Datumsplatzhalter 2">
             <a:extLst>
               <a:ext uri="{FF2B5EF4-FFF2-40B4-BE49-F238E27FC236}">
-                <a16:creationId xmlns:a16="http://schemas.microsoft.com/office/drawing/2014/main" id="{8291FF45-07B6-4F55-8B9B-5BDE48170F89}"/>
+                <a16:creationId xmlns:a16="http://schemas.microsoft.com/office/drawing/2014/main" xmlns="" id="{8291FF45-07B6-4F55-8B9B-5BDE48170F89}"/>
               </a:ext>
             </a:extLst>
           </p:cNvPr>
@@ -17761,7 +17802,7 @@
           <a:p>
             <a:fld id="{48352B5A-167D-4ED6-B7C9-BDA647A8BA51}" type="datetime1">
               <a:rPr lang="de-DE" smtClean="0"/>
-              <a:t>15.11.2018</a:t>
+              <a:t>16.11.2018</a:t>
             </a:fld>
             <a:endParaRPr lang="de-DE"/>
           </a:p>
@@ -17772,7 +17813,7 @@
           <p:cNvPr id="4" name="Fußzeilenplatzhalter 3">
             <a:extLst>
               <a:ext uri="{FF2B5EF4-FFF2-40B4-BE49-F238E27FC236}">
-                <a16:creationId xmlns:a16="http://schemas.microsoft.com/office/drawing/2014/main" id="{8619D27E-B93C-4701-9A84-02AA58BDC899}"/>
+                <a16:creationId xmlns:a16="http://schemas.microsoft.com/office/drawing/2014/main" xmlns="" id="{8619D27E-B93C-4701-9A84-02AA58BDC899}"/>
               </a:ext>
             </a:extLst>
           </p:cNvPr>
@@ -17801,7 +17842,7 @@
           <p:cNvPr id="5" name="Foliennummernplatzhalter 4">
             <a:extLst>
               <a:ext uri="{FF2B5EF4-FFF2-40B4-BE49-F238E27FC236}">
-                <a16:creationId xmlns:a16="http://schemas.microsoft.com/office/drawing/2014/main" id="{8664D8E7-A42C-464E-9B7F-76B706DD6B67}"/>
+                <a16:creationId xmlns:a16="http://schemas.microsoft.com/office/drawing/2014/main" xmlns="" id="{8664D8E7-A42C-464E-9B7F-76B706DD6B67}"/>
               </a:ext>
             </a:extLst>
           </p:cNvPr>
@@ -17830,7 +17871,7 @@
           <p:cNvPr id="6" name="Inhaltsplatzhalter 5">
             <a:extLst>
               <a:ext uri="{FF2B5EF4-FFF2-40B4-BE49-F238E27FC236}">
-                <a16:creationId xmlns:a16="http://schemas.microsoft.com/office/drawing/2014/main" id="{81BB93A8-BC51-435F-8D7C-F98C8F80D605}"/>
+                <a16:creationId xmlns:a16="http://schemas.microsoft.com/office/drawing/2014/main" xmlns="" id="{81BB93A8-BC51-435F-8D7C-F98C8F80D605}"/>
               </a:ext>
             </a:extLst>
           </p:cNvPr>
@@ -17993,7 +18034,7 @@
           <p:cNvPr id="2" name="Titel 1">
             <a:extLst>
               <a:ext uri="{FF2B5EF4-FFF2-40B4-BE49-F238E27FC236}">
-                <a16:creationId xmlns:a16="http://schemas.microsoft.com/office/drawing/2014/main" id="{3D9E3DB6-E079-4155-89D5-D19C3244F995}"/>
+                <a16:creationId xmlns:a16="http://schemas.microsoft.com/office/drawing/2014/main" xmlns="" id="{3D9E3DB6-E079-4155-89D5-D19C3244F995}"/>
               </a:ext>
             </a:extLst>
           </p:cNvPr>
@@ -18021,7 +18062,7 @@
           <p:cNvPr id="3" name="Datumsplatzhalter 2">
             <a:extLst>
               <a:ext uri="{FF2B5EF4-FFF2-40B4-BE49-F238E27FC236}">
-                <a16:creationId xmlns:a16="http://schemas.microsoft.com/office/drawing/2014/main" id="{DCB6844D-F535-4539-88F3-C4117BF62275}"/>
+                <a16:creationId xmlns:a16="http://schemas.microsoft.com/office/drawing/2014/main" xmlns="" id="{DCB6844D-F535-4539-88F3-C4117BF62275}"/>
               </a:ext>
             </a:extLst>
           </p:cNvPr>
@@ -18039,7 +18080,7 @@
           <a:p>
             <a:fld id="{48352B5A-167D-4ED6-B7C9-BDA647A8BA51}" type="datetime1">
               <a:rPr lang="de-DE" smtClean="0"/>
-              <a:t>15.11.2018</a:t>
+              <a:t>16.11.2018</a:t>
             </a:fld>
             <a:endParaRPr lang="de-DE"/>
           </a:p>
@@ -18050,7 +18091,7 @@
           <p:cNvPr id="4" name="Fußzeilenplatzhalter 3">
             <a:extLst>
               <a:ext uri="{FF2B5EF4-FFF2-40B4-BE49-F238E27FC236}">
-                <a16:creationId xmlns:a16="http://schemas.microsoft.com/office/drawing/2014/main" id="{746D5D54-CC5C-46C6-B201-B8FB7846A6C2}"/>
+                <a16:creationId xmlns:a16="http://schemas.microsoft.com/office/drawing/2014/main" xmlns="" id="{746D5D54-CC5C-46C6-B201-B8FB7846A6C2}"/>
               </a:ext>
             </a:extLst>
           </p:cNvPr>
@@ -18079,7 +18120,7 @@
           <p:cNvPr id="5" name="Foliennummernplatzhalter 4">
             <a:extLst>
               <a:ext uri="{FF2B5EF4-FFF2-40B4-BE49-F238E27FC236}">
-                <a16:creationId xmlns:a16="http://schemas.microsoft.com/office/drawing/2014/main" id="{02A68321-6735-447E-BFEB-F6BAD059A0BB}"/>
+                <a16:creationId xmlns:a16="http://schemas.microsoft.com/office/drawing/2014/main" xmlns="" id="{02A68321-6735-447E-BFEB-F6BAD059A0BB}"/>
               </a:ext>
             </a:extLst>
           </p:cNvPr>
@@ -18108,7 +18149,7 @@
           <p:cNvPr id="6" name="Inhaltsplatzhalter 5">
             <a:extLst>
               <a:ext uri="{FF2B5EF4-FFF2-40B4-BE49-F238E27FC236}">
-                <a16:creationId xmlns:a16="http://schemas.microsoft.com/office/drawing/2014/main" id="{C3CF6BD0-1B5A-4AC1-B6BD-184F310F4BD8}"/>
+                <a16:creationId xmlns:a16="http://schemas.microsoft.com/office/drawing/2014/main" xmlns="" id="{C3CF6BD0-1B5A-4AC1-B6BD-184F310F4BD8}"/>
               </a:ext>
             </a:extLst>
           </p:cNvPr>
@@ -18627,7 +18668,7 @@
           <p:cNvPr id="2" name="Titel 1">
             <a:extLst>
               <a:ext uri="{FF2B5EF4-FFF2-40B4-BE49-F238E27FC236}">
-                <a16:creationId xmlns:a16="http://schemas.microsoft.com/office/drawing/2014/main" id="{ED2502C0-07E1-4EF7-8B9F-7CC88DD45A42}"/>
+                <a16:creationId xmlns:a16="http://schemas.microsoft.com/office/drawing/2014/main" xmlns="" id="{ED2502C0-07E1-4EF7-8B9F-7CC88DD45A42}"/>
               </a:ext>
             </a:extLst>
           </p:cNvPr>
@@ -18656,7 +18697,7 @@
           <p:cNvPr id="3" name="Datumsplatzhalter 2">
             <a:extLst>
               <a:ext uri="{FF2B5EF4-FFF2-40B4-BE49-F238E27FC236}">
-                <a16:creationId xmlns:a16="http://schemas.microsoft.com/office/drawing/2014/main" id="{21B703D7-08E5-4A11-BE2A-3D91F63A4D2F}"/>
+                <a16:creationId xmlns:a16="http://schemas.microsoft.com/office/drawing/2014/main" xmlns="" id="{21B703D7-08E5-4A11-BE2A-3D91F63A4D2F}"/>
               </a:ext>
             </a:extLst>
           </p:cNvPr>
@@ -18674,7 +18715,7 @@
           <a:p>
             <a:fld id="{48352B5A-167D-4ED6-B7C9-BDA647A8BA51}" type="datetime1">
               <a:rPr lang="de-DE" smtClean="0"/>
-              <a:t>15.11.2018</a:t>
+              <a:t>16.11.2018</a:t>
             </a:fld>
             <a:endParaRPr lang="de-DE"/>
           </a:p>
@@ -18685,7 +18726,7 @@
           <p:cNvPr id="4" name="Fußzeilenplatzhalter 3">
             <a:extLst>
               <a:ext uri="{FF2B5EF4-FFF2-40B4-BE49-F238E27FC236}">
-                <a16:creationId xmlns:a16="http://schemas.microsoft.com/office/drawing/2014/main" id="{2799829B-12F3-499F-8EFF-EBEADA63D668}"/>
+                <a16:creationId xmlns:a16="http://schemas.microsoft.com/office/drawing/2014/main" xmlns="" id="{2799829B-12F3-499F-8EFF-EBEADA63D668}"/>
               </a:ext>
             </a:extLst>
           </p:cNvPr>
@@ -18714,7 +18755,7 @@
           <p:cNvPr id="5" name="Foliennummernplatzhalter 4">
             <a:extLst>
               <a:ext uri="{FF2B5EF4-FFF2-40B4-BE49-F238E27FC236}">
-                <a16:creationId xmlns:a16="http://schemas.microsoft.com/office/drawing/2014/main" id="{13FBF7CA-0F71-4E12-818C-DAB213A78389}"/>
+                <a16:creationId xmlns:a16="http://schemas.microsoft.com/office/drawing/2014/main" xmlns="" id="{13FBF7CA-0F71-4E12-818C-DAB213A78389}"/>
               </a:ext>
             </a:extLst>
           </p:cNvPr>
@@ -18743,7 +18784,7 @@
           <p:cNvPr id="6" name="Inhaltsplatzhalter 5">
             <a:extLst>
               <a:ext uri="{FF2B5EF4-FFF2-40B4-BE49-F238E27FC236}">
-                <a16:creationId xmlns:a16="http://schemas.microsoft.com/office/drawing/2014/main" id="{652C66CB-1B0F-48B3-A59F-0EA6FE9A8A90}"/>
+                <a16:creationId xmlns:a16="http://schemas.microsoft.com/office/drawing/2014/main" xmlns="" id="{652C66CB-1B0F-48B3-A59F-0EA6FE9A8A90}"/>
               </a:ext>
             </a:extLst>
           </p:cNvPr>
@@ -18860,7 +18901,7 @@
           <a:p>
             <a:fld id="{48352B5A-167D-4ED6-B7C9-BDA647A8BA51}" type="datetime1">
               <a:rPr lang="de-DE" smtClean="0"/>
-              <a:t>15.11.2018</a:t>
+              <a:t>16.11.2018</a:t>
             </a:fld>
             <a:endParaRPr lang="de-DE"/>
           </a:p>
@@ -19249,7 +19290,7 @@
           <a:p>
             <a:fld id="{48352B5A-167D-4ED6-B7C9-BDA647A8BA51}" type="datetime1">
               <a:rPr lang="de-DE" smtClean="0"/>
-              <a:t>15.11.2018</a:t>
+              <a:t>16.11.2018</a:t>
             </a:fld>
             <a:endParaRPr lang="de-DE"/>
           </a:p>
@@ -19516,7 +19557,7 @@
           <p:cNvPr id="2" name="Titel 1">
             <a:extLst>
               <a:ext uri="{FF2B5EF4-FFF2-40B4-BE49-F238E27FC236}">
-                <a16:creationId xmlns:a16="http://schemas.microsoft.com/office/drawing/2014/main" id="{BA34701A-BEAC-49CD-BE66-3678A5922648}"/>
+                <a16:creationId xmlns:a16="http://schemas.microsoft.com/office/drawing/2014/main" xmlns="" id="{BA34701A-BEAC-49CD-BE66-3678A5922648}"/>
               </a:ext>
             </a:extLst>
           </p:cNvPr>
@@ -19544,7 +19585,7 @@
           <p:cNvPr id="3" name="Datumsplatzhalter 2">
             <a:extLst>
               <a:ext uri="{FF2B5EF4-FFF2-40B4-BE49-F238E27FC236}">
-                <a16:creationId xmlns:a16="http://schemas.microsoft.com/office/drawing/2014/main" id="{A98B22DE-91CA-4FD7-9560-30BC27F3C26D}"/>
+                <a16:creationId xmlns:a16="http://schemas.microsoft.com/office/drawing/2014/main" xmlns="" id="{A98B22DE-91CA-4FD7-9560-30BC27F3C26D}"/>
               </a:ext>
             </a:extLst>
           </p:cNvPr>
@@ -19562,7 +19603,7 @@
           <a:p>
             <a:fld id="{48352B5A-167D-4ED6-B7C9-BDA647A8BA51}" type="datetime1">
               <a:rPr lang="de-DE" smtClean="0"/>
-              <a:t>15.11.2018</a:t>
+              <a:t>16.11.2018</a:t>
             </a:fld>
             <a:endParaRPr lang="de-DE"/>
           </a:p>
@@ -19573,7 +19614,7 @@
           <p:cNvPr id="4" name="Fußzeilenplatzhalter 3">
             <a:extLst>
               <a:ext uri="{FF2B5EF4-FFF2-40B4-BE49-F238E27FC236}">
-                <a16:creationId xmlns:a16="http://schemas.microsoft.com/office/drawing/2014/main" id="{391BBEE9-CD7F-4B7C-B0BA-020F00E6EF6F}"/>
+                <a16:creationId xmlns:a16="http://schemas.microsoft.com/office/drawing/2014/main" xmlns="" id="{391BBEE9-CD7F-4B7C-B0BA-020F00E6EF6F}"/>
               </a:ext>
             </a:extLst>
           </p:cNvPr>
@@ -19602,7 +19643,7 @@
           <p:cNvPr id="5" name="Foliennummernplatzhalter 4">
             <a:extLst>
               <a:ext uri="{FF2B5EF4-FFF2-40B4-BE49-F238E27FC236}">
-                <a16:creationId xmlns:a16="http://schemas.microsoft.com/office/drawing/2014/main" id="{B876E68C-B4E2-47B9-9FBD-9F8AFF68225E}"/>
+                <a16:creationId xmlns:a16="http://schemas.microsoft.com/office/drawing/2014/main" xmlns="" id="{B876E68C-B4E2-47B9-9FBD-9F8AFF68225E}"/>
               </a:ext>
             </a:extLst>
           </p:cNvPr>
@@ -19631,7 +19672,7 @@
           <p:cNvPr id="6" name="Inhaltsplatzhalter 5">
             <a:extLst>
               <a:ext uri="{FF2B5EF4-FFF2-40B4-BE49-F238E27FC236}">
-                <a16:creationId xmlns:a16="http://schemas.microsoft.com/office/drawing/2014/main" id="{AEBB1BB3-98D3-4463-AEE3-F6E5690771E9}"/>
+                <a16:creationId xmlns:a16="http://schemas.microsoft.com/office/drawing/2014/main" xmlns="" id="{AEBB1BB3-98D3-4463-AEE3-F6E5690771E9}"/>
               </a:ext>
             </a:extLst>
           </p:cNvPr>
@@ -19794,7 +19835,7 @@
           <p:cNvPr id="2" name="Titel 1">
             <a:extLst>
               <a:ext uri="{FF2B5EF4-FFF2-40B4-BE49-F238E27FC236}">
-                <a16:creationId xmlns:a16="http://schemas.microsoft.com/office/drawing/2014/main" id="{BA34701A-BEAC-49CD-BE66-3678A5922648}"/>
+                <a16:creationId xmlns:a16="http://schemas.microsoft.com/office/drawing/2014/main" xmlns="" id="{BA34701A-BEAC-49CD-BE66-3678A5922648}"/>
               </a:ext>
             </a:extLst>
           </p:cNvPr>
@@ -19822,7 +19863,7 @@
           <p:cNvPr id="3" name="Datumsplatzhalter 2">
             <a:extLst>
               <a:ext uri="{FF2B5EF4-FFF2-40B4-BE49-F238E27FC236}">
-                <a16:creationId xmlns:a16="http://schemas.microsoft.com/office/drawing/2014/main" id="{A98B22DE-91CA-4FD7-9560-30BC27F3C26D}"/>
+                <a16:creationId xmlns:a16="http://schemas.microsoft.com/office/drawing/2014/main" xmlns="" id="{A98B22DE-91CA-4FD7-9560-30BC27F3C26D}"/>
               </a:ext>
             </a:extLst>
           </p:cNvPr>
@@ -19840,7 +19881,7 @@
           <a:p>
             <a:fld id="{48352B5A-167D-4ED6-B7C9-BDA647A8BA51}" type="datetime1">
               <a:rPr lang="de-DE" smtClean="0"/>
-              <a:t>15.11.2018</a:t>
+              <a:t>16.11.2018</a:t>
             </a:fld>
             <a:endParaRPr lang="de-DE"/>
           </a:p>
@@ -19851,7 +19892,7 @@
           <p:cNvPr id="4" name="Fußzeilenplatzhalter 3">
             <a:extLst>
               <a:ext uri="{FF2B5EF4-FFF2-40B4-BE49-F238E27FC236}">
-                <a16:creationId xmlns:a16="http://schemas.microsoft.com/office/drawing/2014/main" id="{391BBEE9-CD7F-4B7C-B0BA-020F00E6EF6F}"/>
+                <a16:creationId xmlns:a16="http://schemas.microsoft.com/office/drawing/2014/main" xmlns="" id="{391BBEE9-CD7F-4B7C-B0BA-020F00E6EF6F}"/>
               </a:ext>
             </a:extLst>
           </p:cNvPr>
@@ -19880,7 +19921,7 @@
           <p:cNvPr id="5" name="Foliennummernplatzhalter 4">
             <a:extLst>
               <a:ext uri="{FF2B5EF4-FFF2-40B4-BE49-F238E27FC236}">
-                <a16:creationId xmlns:a16="http://schemas.microsoft.com/office/drawing/2014/main" id="{B876E68C-B4E2-47B9-9FBD-9F8AFF68225E}"/>
+                <a16:creationId xmlns:a16="http://schemas.microsoft.com/office/drawing/2014/main" xmlns="" id="{B876E68C-B4E2-47B9-9FBD-9F8AFF68225E}"/>
               </a:ext>
             </a:extLst>
           </p:cNvPr>
@@ -19909,7 +19950,7 @@
           <p:cNvPr id="6" name="Inhaltsplatzhalter 5">
             <a:extLst>
               <a:ext uri="{FF2B5EF4-FFF2-40B4-BE49-F238E27FC236}">
-                <a16:creationId xmlns:a16="http://schemas.microsoft.com/office/drawing/2014/main" id="{AEBB1BB3-98D3-4463-AEE3-F6E5690771E9}"/>
+                <a16:creationId xmlns:a16="http://schemas.microsoft.com/office/drawing/2014/main" xmlns="" id="{AEBB1BB3-98D3-4463-AEE3-F6E5690771E9}"/>
               </a:ext>
             </a:extLst>
           </p:cNvPr>
@@ -20033,7 +20074,7 @@
           <p:cNvPr id="2" name="Titel 1">
             <a:extLst>
               <a:ext uri="{FF2B5EF4-FFF2-40B4-BE49-F238E27FC236}">
-                <a16:creationId xmlns:a16="http://schemas.microsoft.com/office/drawing/2014/main" id="{71B70DF6-1D5A-4021-BBA4-93A076BA4C39}"/>
+                <a16:creationId xmlns:a16="http://schemas.microsoft.com/office/drawing/2014/main" xmlns="" id="{71B70DF6-1D5A-4021-BBA4-93A076BA4C39}"/>
               </a:ext>
             </a:extLst>
           </p:cNvPr>
@@ -20061,7 +20102,7 @@
           <p:cNvPr id="3" name="Datumsplatzhalter 2">
             <a:extLst>
               <a:ext uri="{FF2B5EF4-FFF2-40B4-BE49-F238E27FC236}">
-                <a16:creationId xmlns:a16="http://schemas.microsoft.com/office/drawing/2014/main" id="{083857BC-A23E-45C2-8967-CF0BE36D0720}"/>
+                <a16:creationId xmlns:a16="http://schemas.microsoft.com/office/drawing/2014/main" xmlns="" id="{083857BC-A23E-45C2-8967-CF0BE36D0720}"/>
               </a:ext>
             </a:extLst>
           </p:cNvPr>
@@ -20079,7 +20120,7 @@
           <a:p>
             <a:fld id="{48352B5A-167D-4ED6-B7C9-BDA647A8BA51}" type="datetime1">
               <a:rPr lang="de-DE" smtClean="0"/>
-              <a:t>15.11.2018</a:t>
+              <a:t>16.11.2018</a:t>
             </a:fld>
             <a:endParaRPr lang="de-DE"/>
           </a:p>
@@ -20090,7 +20131,7 @@
           <p:cNvPr id="4" name="Fußzeilenplatzhalter 3">
             <a:extLst>
               <a:ext uri="{FF2B5EF4-FFF2-40B4-BE49-F238E27FC236}">
-                <a16:creationId xmlns:a16="http://schemas.microsoft.com/office/drawing/2014/main" id="{153CECAC-5EE5-45E6-8061-D8AAF9F27440}"/>
+                <a16:creationId xmlns:a16="http://schemas.microsoft.com/office/drawing/2014/main" xmlns="" id="{153CECAC-5EE5-45E6-8061-D8AAF9F27440}"/>
               </a:ext>
             </a:extLst>
           </p:cNvPr>
@@ -20119,7 +20160,7 @@
           <p:cNvPr id="5" name="Foliennummernplatzhalter 4">
             <a:extLst>
               <a:ext uri="{FF2B5EF4-FFF2-40B4-BE49-F238E27FC236}">
-                <a16:creationId xmlns:a16="http://schemas.microsoft.com/office/drawing/2014/main" id="{7D7BA7DF-07D9-4172-A3A9-8DB27B19F9B0}"/>
+                <a16:creationId xmlns:a16="http://schemas.microsoft.com/office/drawing/2014/main" xmlns="" id="{7D7BA7DF-07D9-4172-A3A9-8DB27B19F9B0}"/>
               </a:ext>
             </a:extLst>
           </p:cNvPr>
@@ -20148,7 +20189,7 @@
           <p:cNvPr id="6" name="Inhaltsplatzhalter 5">
             <a:extLst>
               <a:ext uri="{FF2B5EF4-FFF2-40B4-BE49-F238E27FC236}">
-                <a16:creationId xmlns:a16="http://schemas.microsoft.com/office/drawing/2014/main" id="{C1267438-BD90-451C-A230-CC7E3660375A}"/>
+                <a16:creationId xmlns:a16="http://schemas.microsoft.com/office/drawing/2014/main" xmlns="" id="{C1267438-BD90-451C-A230-CC7E3660375A}"/>
               </a:ext>
             </a:extLst>
           </p:cNvPr>
@@ -20238,6 +20279,10 @@
             <a:r>
               <a:rPr lang="en-US" dirty="0" err="1"/>
               <a:t>werden</a:t>
+            </a:r>
+            <a:r>
+              <a:rPr lang="en-US" dirty="0"/>
+              <a:t/>
             </a:r>
             <a:br>
               <a:rPr lang="en-US" dirty="0"/>

--- a/React.pptx
+++ b/React.pptx
@@ -7,6 +7,9 @@
   <p:notesMasterIdLst>
     <p:notesMasterId r:id="rId47"/>
   </p:notesMasterIdLst>
+  <p:handoutMasterIdLst>
+    <p:handoutMasterId r:id="rId48"/>
+  </p:handoutMasterIdLst>
   <p:sldIdLst>
     <p:sldId id="256" r:id="rId2"/>
     <p:sldId id="258" r:id="rId3"/>
@@ -55,7 +58,7 @@
     <p:sldId id="298" r:id="rId46"/>
   </p:sldIdLst>
   <p:sldSz cx="11522075" cy="6480175"/>
-  <p:notesSz cx="6858000" cy="9144000"/>
+  <p:notesSz cx="6797675" cy="9874250"/>
   <p:defaultTextStyle>
     <a:defPPr>
       <a:defRPr lang="de-DE"/>
@@ -223,12 +226,12 @@
     </p:ext>
     <p:ext uri="{2D200454-40CA-4A62-9FC3-DE9A4176ACB9}">
       <p15:notesGuideLst xmlns:p15="http://schemas.microsoft.com/office/powerpoint/2012/main">
-        <p15:guide id="1" orient="horz" pos="2880">
+        <p15:guide id="1" orient="horz" pos="3110" userDrawn="1">
           <p15:clr>
             <a:srgbClr val="A4A3A4"/>
           </p15:clr>
         </p15:guide>
-        <p15:guide id="2" pos="2160">
+        <p15:guide id="2" pos="2141" userDrawn="1">
           <p15:clr>
             <a:srgbClr val="A4A3A4"/>
           </p15:clr>
@@ -237,6 +240,171 @@
     </p:ext>
   </p:extLst>
 </p:presentation>
+</file>
+
+<file path=ppt/handoutMasters/handoutMaster1.xml><?xml version="1.0" encoding="utf-8"?>
+<p:handoutMaster xmlns:a="http://schemas.openxmlformats.org/drawingml/2006/main" xmlns:r="http://schemas.openxmlformats.org/officeDocument/2006/relationships" xmlns:p="http://schemas.openxmlformats.org/presentationml/2006/main">
+  <p:cSld>
+    <p:bg>
+      <p:bgRef idx="1001">
+        <a:schemeClr val="bg1"/>
+      </p:bgRef>
+    </p:bg>
+    <p:spTree>
+      <p:nvGrpSpPr>
+        <p:cNvPr id="1" name=""/>
+        <p:cNvGrpSpPr/>
+        <p:nvPr/>
+      </p:nvGrpSpPr>
+      <p:grpSpPr>
+        <a:xfrm>
+          <a:off x="0" y="0"/>
+          <a:ext cx="0" cy="0"/>
+          <a:chOff x="0" y="0"/>
+          <a:chExt cx="0" cy="0"/>
+        </a:xfrm>
+      </p:grpSpPr>
+      <p:sp>
+        <p:nvSpPr>
+          <p:cNvPr id="2" name="Kopfzeilenplatzhalter 1"/>
+          <p:cNvSpPr>
+            <a:spLocks noGrp="1"/>
+          </p:cNvSpPr>
+          <p:nvPr>
+            <p:ph type="hdr" sz="quarter"/>
+          </p:nvPr>
+        </p:nvSpPr>
+        <p:spPr>
+          <a:xfrm>
+            <a:off x="0" y="1"/>
+            <a:ext cx="2945659" cy="495427"/>
+          </a:xfrm>
+          <a:prstGeom prst="rect">
+            <a:avLst/>
+          </a:prstGeom>
+        </p:spPr>
+        <p:txBody>
+          <a:bodyPr vert="horz" lIns="91440" tIns="45720" rIns="91440" bIns="45720" rtlCol="0"/>
+          <a:lstStyle>
+            <a:lvl1pPr algn="l">
+              <a:defRPr sz="1200"/>
+            </a:lvl1pPr>
+          </a:lstStyle>
+          <a:p>
+            <a:endParaRPr lang="de-CH"/>
+          </a:p>
+        </p:txBody>
+      </p:sp>
+      <p:sp>
+        <p:nvSpPr>
+          <p:cNvPr id="3" name="Datumsplatzhalter 2"/>
+          <p:cNvSpPr>
+            <a:spLocks noGrp="1"/>
+          </p:cNvSpPr>
+          <p:nvPr>
+            <p:ph type="dt" sz="quarter" idx="1"/>
+          </p:nvPr>
+        </p:nvSpPr>
+        <p:spPr>
+          <a:xfrm>
+            <a:off x="3850443" y="1"/>
+            <a:ext cx="2945659" cy="495427"/>
+          </a:xfrm>
+          <a:prstGeom prst="rect">
+            <a:avLst/>
+          </a:prstGeom>
+        </p:spPr>
+        <p:txBody>
+          <a:bodyPr vert="horz" lIns="91440" tIns="45720" rIns="91440" bIns="45720" rtlCol="0"/>
+          <a:lstStyle>
+            <a:lvl1pPr algn="r">
+              <a:defRPr sz="1200"/>
+            </a:lvl1pPr>
+          </a:lstStyle>
+          <a:p>
+            <a:fld id="{F11DBC1A-B3EC-448B-B617-B612703AFFD5}" type="datetimeFigureOut">
+              <a:rPr lang="de-CH" smtClean="0"/>
+              <a:t>19.11.2018</a:t>
+            </a:fld>
+            <a:endParaRPr lang="de-CH"/>
+          </a:p>
+        </p:txBody>
+      </p:sp>
+      <p:sp>
+        <p:nvSpPr>
+          <p:cNvPr id="4" name="Fußzeilenplatzhalter 3"/>
+          <p:cNvSpPr>
+            <a:spLocks noGrp="1"/>
+          </p:cNvSpPr>
+          <p:nvPr>
+            <p:ph type="ftr" sz="quarter" idx="2"/>
+          </p:nvPr>
+        </p:nvSpPr>
+        <p:spPr>
+          <a:xfrm>
+            <a:off x="0" y="9378825"/>
+            <a:ext cx="2945659" cy="495425"/>
+          </a:xfrm>
+          <a:prstGeom prst="rect">
+            <a:avLst/>
+          </a:prstGeom>
+        </p:spPr>
+        <p:txBody>
+          <a:bodyPr vert="horz" lIns="91440" tIns="45720" rIns="91440" bIns="45720" rtlCol="0" anchor="b"/>
+          <a:lstStyle>
+            <a:lvl1pPr algn="l">
+              <a:defRPr sz="1200"/>
+            </a:lvl1pPr>
+          </a:lstStyle>
+          <a:p>
+            <a:endParaRPr lang="de-CH"/>
+          </a:p>
+        </p:txBody>
+      </p:sp>
+      <p:sp>
+        <p:nvSpPr>
+          <p:cNvPr id="5" name="Foliennummernplatzhalter 4"/>
+          <p:cNvSpPr>
+            <a:spLocks noGrp="1"/>
+          </p:cNvSpPr>
+          <p:nvPr>
+            <p:ph type="sldNum" sz="quarter" idx="3"/>
+          </p:nvPr>
+        </p:nvSpPr>
+        <p:spPr>
+          <a:xfrm>
+            <a:off x="3850443" y="9378825"/>
+            <a:ext cx="2945659" cy="495425"/>
+          </a:xfrm>
+          <a:prstGeom prst="rect">
+            <a:avLst/>
+          </a:prstGeom>
+        </p:spPr>
+        <p:txBody>
+          <a:bodyPr vert="horz" lIns="91440" tIns="45720" rIns="91440" bIns="45720" rtlCol="0" anchor="b"/>
+          <a:lstStyle>
+            <a:lvl1pPr algn="r">
+              <a:defRPr sz="1200"/>
+            </a:lvl1pPr>
+          </a:lstStyle>
+          <a:p>
+            <a:fld id="{E364EE47-9B0E-4197-9D48-F6F3ED28CA83}" type="slidenum">
+              <a:rPr lang="de-CH" smtClean="0"/>
+              <a:t>‹Nr.›</a:t>
+            </a:fld>
+            <a:endParaRPr lang="de-CH"/>
+          </a:p>
+        </p:txBody>
+      </p:sp>
+    </p:spTree>
+    <p:extLst>
+      <p:ext uri="{BB962C8B-B14F-4D97-AF65-F5344CB8AC3E}">
+        <p14:creationId xmlns:p14="http://schemas.microsoft.com/office/powerpoint/2010/main" val="3418621009"/>
+      </p:ext>
+    </p:extLst>
+  </p:cSld>
+  <p:clrMap bg1="lt1" tx1="dk1" bg2="lt2" tx2="dk2" accent1="accent1" accent2="accent2" accent3="accent3" accent4="accent4" accent5="accent5" accent6="accent6" hlink="hlink" folHlink="folHlink"/>
+</p:handoutMaster>
 </file>
 
 <file path=ppt/notesMasters/notesMaster1.xml><?xml version="1.0" encoding="utf-8"?>
@@ -274,7 +442,7 @@
         <p:spPr>
           <a:xfrm>
             <a:off x="0" y="0"/>
-            <a:ext cx="2971800" cy="457200"/>
+            <a:ext cx="2945659" cy="493713"/>
           </a:xfrm>
           <a:prstGeom prst="rect">
             <a:avLst/>
@@ -304,8 +472,8 @@
         </p:nvSpPr>
         <p:spPr>
           <a:xfrm>
-            <a:off x="3884613" y="0"/>
-            <a:ext cx="2971800" cy="457200"/>
+            <a:off x="3850443" y="0"/>
+            <a:ext cx="2945659" cy="493713"/>
           </a:xfrm>
           <a:prstGeom prst="rect">
             <a:avLst/>
@@ -321,7 +489,7 @@
           <a:p>
             <a:fld id="{05408900-6234-440B-A027-38F10FF7E2F1}" type="datetimeFigureOut">
               <a:rPr lang="de-DE" smtClean="0"/>
-              <a:t>16.11.2018</a:t>
+              <a:t>19.11.2018</a:t>
             </a:fld>
             <a:endParaRPr lang="de-DE"/>
           </a:p>
@@ -339,8 +507,8 @@
         </p:nvSpPr>
         <p:spPr>
           <a:xfrm>
-            <a:off x="381000" y="685800"/>
-            <a:ext cx="6096000" cy="3429000"/>
+            <a:off x="106363" y="739775"/>
+            <a:ext cx="6584950" cy="3703638"/>
           </a:xfrm>
           <a:prstGeom prst="rect">
             <a:avLst/>
@@ -372,8 +540,8 @@
         </p:nvSpPr>
         <p:spPr>
           <a:xfrm>
-            <a:off x="685800" y="4343400"/>
-            <a:ext cx="5486400" cy="4114800"/>
+            <a:off x="679768" y="4690269"/>
+            <a:ext cx="5438140" cy="4443413"/>
           </a:xfrm>
           <a:prstGeom prst="rect">
             <a:avLst/>
@@ -431,8 +599,8 @@
         </p:nvSpPr>
         <p:spPr>
           <a:xfrm>
-            <a:off x="0" y="8685213"/>
-            <a:ext cx="2971800" cy="457200"/>
+            <a:off x="0" y="9378824"/>
+            <a:ext cx="2945659" cy="493713"/>
           </a:xfrm>
           <a:prstGeom prst="rect">
             <a:avLst/>
@@ -462,8 +630,8 @@
         </p:nvSpPr>
         <p:spPr>
           <a:xfrm>
-            <a:off x="3884613" y="8685213"/>
-            <a:ext cx="2971800" cy="457200"/>
+            <a:off x="3850443" y="9378824"/>
+            <a:ext cx="2945659" cy="493713"/>
           </a:xfrm>
           <a:prstGeom prst="rect">
             <a:avLst/>
@@ -636,19 +804,7 @@
           <a:bodyPr/>
           <a:lstStyle/>
           <a:p>
-            <a:r>
-              <a:rPr lang="en-US" dirty="0" err="1"/>
-              <a:t>Applikation</a:t>
-            </a:r>
-            <a:r>
-              <a:rPr lang="en-US" dirty="0"/>
-              <a:t> </a:t>
-            </a:r>
-            <a:r>
-              <a:rPr lang="en-US" dirty="0" err="1"/>
-              <a:t>zeigen</a:t>
-            </a:r>
-            <a:endParaRPr lang="de-CH" dirty="0"/>
+            <a:endParaRPr lang="de-CH"/>
           </a:p>
         </p:txBody>
       </p:sp>
@@ -669,7 +825,7 @@
           <a:p>
             <a:fld id="{112C3873-BA08-40A5-BDCC-B6406E6CD40B}" type="slidenum">
               <a:rPr lang="de-DE" smtClean="0"/>
-              <a:t>2</a:t>
+              <a:t>1</a:t>
             </a:fld>
             <a:endParaRPr lang="de-DE"/>
           </a:p>
@@ -678,7 +834,7 @@
     </p:spTree>
     <p:extLst>
       <p:ext uri="{BB962C8B-B14F-4D97-AF65-F5344CB8AC3E}">
-        <p14:creationId xmlns:p14="http://schemas.microsoft.com/office/powerpoint/2010/main" val="3010399255"/>
+        <p14:creationId xmlns:p14="http://schemas.microsoft.com/office/powerpoint/2010/main" val="2522987476"/>
       </p:ext>
     </p:extLst>
   </p:cSld>
@@ -732,197 +888,6 @@
           <a:bodyPr/>
           <a:lstStyle/>
           <a:p>
-            <a:pPr marL="0" marR="0" lvl="0" indent="0" algn="l" defTabSz="914400" rtl="0" eaLnBrk="1" fontAlgn="auto" latinLnBrk="0" hangingPunct="1">
-              <a:lnSpc>
-                <a:spcPct val="100000"/>
-              </a:lnSpc>
-              <a:spcBef>
-                <a:spcPts val="0"/>
-              </a:spcBef>
-              <a:spcAft>
-                <a:spcPts val="0"/>
-              </a:spcAft>
-              <a:buClrTx/>
-              <a:buSzTx/>
-              <a:buFontTx/>
-              <a:buNone/>
-              <a:tabLst/>
-              <a:defRPr/>
-            </a:pPr>
-            <a:r>
-              <a:rPr lang="en-US" dirty="0" err="1"/>
-              <a:t>Problematik</a:t>
-            </a:r>
-            <a:r>
-              <a:rPr lang="en-US" baseline="0" dirty="0"/>
-              <a:t> </a:t>
-            </a:r>
-            <a:r>
-              <a:rPr lang="en-US" baseline="0" dirty="0" err="1"/>
-              <a:t>mit</a:t>
-            </a:r>
-            <a:r>
-              <a:rPr lang="en-US" baseline="0" dirty="0"/>
-              <a:t> this</a:t>
-            </a:r>
-          </a:p>
-          <a:p>
-            <a:pPr marL="0" marR="0" lvl="0" indent="0" algn="l" defTabSz="914400" rtl="0" eaLnBrk="1" fontAlgn="auto" latinLnBrk="0" hangingPunct="1">
-              <a:lnSpc>
-                <a:spcPct val="100000"/>
-              </a:lnSpc>
-              <a:spcBef>
-                <a:spcPts val="0"/>
-              </a:spcBef>
-              <a:spcAft>
-                <a:spcPts val="0"/>
-              </a:spcAft>
-              <a:buClrTx/>
-              <a:buSzTx/>
-              <a:buFontTx/>
-              <a:buNone/>
-              <a:tabLst/>
-              <a:defRPr/>
-            </a:pPr>
-            <a:endParaRPr lang="en-US" baseline="0" dirty="0"/>
-          </a:p>
-          <a:p>
-            <a:pPr marL="0" marR="0" lvl="0" indent="0" algn="l" defTabSz="914400" rtl="0" eaLnBrk="1" fontAlgn="auto" latinLnBrk="0" hangingPunct="1">
-              <a:lnSpc>
-                <a:spcPct val="100000"/>
-              </a:lnSpc>
-              <a:spcBef>
-                <a:spcPts val="0"/>
-              </a:spcBef>
-              <a:spcAft>
-                <a:spcPts val="0"/>
-              </a:spcAft>
-              <a:buClrTx/>
-              <a:buSzTx/>
-              <a:buFontTx/>
-              <a:buNone/>
-              <a:tabLst/>
-              <a:defRPr/>
-            </a:pPr>
-            <a:r>
-              <a:rPr lang="en-US" baseline="0" dirty="0" err="1"/>
-              <a:t>Lösungen</a:t>
-            </a:r>
-            <a:r>
-              <a:rPr lang="en-US" baseline="0" dirty="0"/>
-              <a:t>:</a:t>
-            </a:r>
-          </a:p>
-          <a:p>
-            <a:pPr marL="0" marR="0" lvl="0" indent="0" algn="l" defTabSz="914400" rtl="0" eaLnBrk="1" fontAlgn="auto" latinLnBrk="0" hangingPunct="1">
-              <a:lnSpc>
-                <a:spcPct val="100000"/>
-              </a:lnSpc>
-              <a:spcBef>
-                <a:spcPts val="0"/>
-              </a:spcBef>
-              <a:spcAft>
-                <a:spcPts val="0"/>
-              </a:spcAft>
-              <a:buClrTx/>
-              <a:buSzTx/>
-              <a:buFontTx/>
-              <a:buNone/>
-              <a:tabLst/>
-              <a:defRPr/>
-            </a:pPr>
-            <a:endParaRPr lang="en-US" baseline="0" dirty="0"/>
-          </a:p>
-          <a:p>
-            <a:pPr marL="285750" marR="0" lvl="0" indent="-285750" algn="l" defTabSz="914400" rtl="0" eaLnBrk="1" fontAlgn="auto" latinLnBrk="0" hangingPunct="1">
-              <a:lnSpc>
-                <a:spcPct val="100000"/>
-              </a:lnSpc>
-              <a:spcBef>
-                <a:spcPts val="0"/>
-              </a:spcBef>
-              <a:spcAft>
-                <a:spcPts val="0"/>
-              </a:spcAft>
-              <a:buClrTx/>
-              <a:buSzTx/>
-              <a:buFont typeface="Arial" panose="020B0604020202020204" pitchFamily="34" charset="0"/>
-              <a:buChar char="•"/>
-              <a:tabLst/>
-              <a:defRPr/>
-            </a:pPr>
-            <a:r>
-              <a:rPr lang="en-US" baseline="0" dirty="0"/>
-              <a:t>ES6-Syntax</a:t>
-            </a:r>
-            <a:br>
-              <a:rPr lang="en-US" baseline="0" dirty="0"/>
-            </a:br>
-            <a:r>
-              <a:rPr lang="en-US" baseline="0" dirty="0" err="1"/>
-              <a:t>onClick</a:t>
-            </a:r>
-            <a:r>
-              <a:rPr lang="en-US" baseline="0" dirty="0"/>
-              <a:t> = (event) =&gt; {}</a:t>
-            </a:r>
-          </a:p>
-          <a:p>
-            <a:pPr marL="285750" marR="0" lvl="0" indent="-285750" algn="l" defTabSz="914400" rtl="0" eaLnBrk="1" fontAlgn="auto" latinLnBrk="0" hangingPunct="1">
-              <a:lnSpc>
-                <a:spcPct val="100000"/>
-              </a:lnSpc>
-              <a:spcBef>
-                <a:spcPts val="0"/>
-              </a:spcBef>
-              <a:spcAft>
-                <a:spcPts val="0"/>
-              </a:spcAft>
-              <a:buClrTx/>
-              <a:buSzTx/>
-              <a:buFont typeface="Arial" panose="020B0604020202020204" pitchFamily="34" charset="0"/>
-              <a:buChar char="•"/>
-              <a:tabLst/>
-              <a:defRPr/>
-            </a:pPr>
-            <a:r>
-              <a:rPr lang="en-US" baseline="0" dirty="0" err="1"/>
-              <a:t>Im</a:t>
-            </a:r>
-            <a:r>
-              <a:rPr lang="en-US" baseline="0" dirty="0"/>
-              <a:t> Constructor bind </a:t>
-            </a:r>
-            <a:r>
-              <a:rPr lang="en-US" baseline="0" dirty="0" err="1"/>
-              <a:t>benutzen</a:t>
-            </a:r>
-            <a:r>
-              <a:rPr lang="en-US" baseline="0" dirty="0"/>
-              <a:t/>
-            </a:r>
-            <a:br>
-              <a:rPr lang="en-US" baseline="0" dirty="0"/>
-            </a:br>
-            <a:r>
-              <a:rPr lang="en-US" dirty="0" err="1"/>
-              <a:t>this.onClick</a:t>
-            </a:r>
-            <a:r>
-              <a:rPr lang="en-US" dirty="0"/>
-              <a:t> = </a:t>
-            </a:r>
-            <a:r>
-              <a:rPr lang="en-US" dirty="0" err="1"/>
-              <a:t>this.onClick.bind</a:t>
-            </a:r>
-            <a:r>
-              <a:rPr lang="en-US" dirty="0"/>
-              <a:t>(this);</a:t>
-            </a:r>
-            <a:endParaRPr lang="de-CH" dirty="0"/>
-          </a:p>
-          <a:p>
             <a:endParaRPr lang="de-CH" dirty="0"/>
           </a:p>
         </p:txBody>
@@ -944,7 +909,7 @@
           <a:p>
             <a:fld id="{112C3873-BA08-40A5-BDCC-B6406E6CD40B}" type="slidenum">
               <a:rPr lang="de-DE" smtClean="0"/>
-              <a:t>18</a:t>
+              <a:t>10</a:t>
             </a:fld>
             <a:endParaRPr lang="de-DE"/>
           </a:p>
@@ -953,7 +918,7 @@
     </p:spTree>
     <p:extLst>
       <p:ext uri="{BB962C8B-B14F-4D97-AF65-F5344CB8AC3E}">
-        <p14:creationId xmlns:p14="http://schemas.microsoft.com/office/powerpoint/2010/main" val="3198591742"/>
+        <p14:creationId xmlns:p14="http://schemas.microsoft.com/office/powerpoint/2010/main" val="1696525970"/>
       </p:ext>
     </p:extLst>
   </p:cSld>
@@ -1007,192 +972,7 @@
           <a:bodyPr/>
           <a:lstStyle/>
           <a:p>
-            <a:r>
-              <a:rPr lang="en-US" dirty="0" err="1"/>
-              <a:t>Starte</a:t>
-            </a:r>
-            <a:r>
-              <a:rPr lang="en-US" dirty="0"/>
-              <a:t> </a:t>
-            </a:r>
-            <a:r>
-              <a:rPr lang="en-US" dirty="0" err="1"/>
-              <a:t>mit</a:t>
-            </a:r>
-            <a:r>
-              <a:rPr lang="en-US" dirty="0"/>
-              <a:t> </a:t>
-            </a:r>
-            <a:r>
-              <a:rPr lang="en-US" dirty="0" err="1"/>
-              <a:t>PersonSearchPanel</a:t>
-            </a:r>
-            <a:endParaRPr lang="en-US" dirty="0"/>
-          </a:p>
-          <a:p>
-            <a:r>
-              <a:rPr lang="en-US" dirty="0" err="1"/>
-              <a:t>Baue</a:t>
-            </a:r>
-            <a:r>
-              <a:rPr lang="en-US" dirty="0"/>
-              <a:t> die </a:t>
-            </a:r>
-            <a:r>
-              <a:rPr lang="en-US" dirty="0" err="1"/>
-              <a:t>Logik</a:t>
-            </a:r>
-            <a:r>
-              <a:rPr lang="en-US" dirty="0"/>
-              <a:t> </a:t>
-            </a:r>
-            <a:r>
-              <a:rPr lang="en-US" dirty="0" err="1"/>
-              <a:t>ein</a:t>
-            </a:r>
-            <a:endParaRPr lang="en-US" dirty="0"/>
-          </a:p>
-          <a:p>
-            <a:r>
-              <a:rPr lang="en-US" dirty="0" err="1"/>
-              <a:t>Splitte</a:t>
-            </a:r>
-            <a:r>
-              <a:rPr lang="en-US" dirty="0"/>
-              <a:t> die </a:t>
-            </a:r>
-            <a:r>
-              <a:rPr lang="en-US" dirty="0" err="1"/>
-              <a:t>Komponenten</a:t>
-            </a:r>
-            <a:endParaRPr lang="en-US" dirty="0"/>
-          </a:p>
-          <a:p>
-            <a:endParaRPr lang="en-US" dirty="0"/>
-          </a:p>
-          <a:p>
-            <a:r>
-              <a:rPr lang="en-US" dirty="0" err="1"/>
-              <a:t>Spezialitäten</a:t>
-            </a:r>
-            <a:r>
-              <a:rPr lang="en-US" dirty="0"/>
-              <a:t> </a:t>
-            </a:r>
-            <a:r>
-              <a:rPr lang="en-US" dirty="0" err="1"/>
-              <a:t>aufzeigen</a:t>
-            </a:r>
-            <a:endParaRPr lang="en-US" dirty="0"/>
-          </a:p>
-          <a:p>
-            <a:pPr marL="285750" indent="-285750">
-              <a:buFont typeface="Arial" panose="020B0604020202020204" pitchFamily="34" charset="0"/>
-              <a:buChar char="•"/>
-            </a:pPr>
-            <a:r>
-              <a:rPr lang="en-US" dirty="0" err="1"/>
-              <a:t>forEach</a:t>
-            </a:r>
-            <a:r>
-              <a:rPr lang="en-US" dirty="0"/>
-              <a:t> versus map</a:t>
-            </a:r>
-          </a:p>
-          <a:p>
-            <a:pPr marL="285750" indent="-285750">
-              <a:buFont typeface="Arial" panose="020B0604020202020204" pitchFamily="34" charset="0"/>
-              <a:buChar char="•"/>
-            </a:pPr>
-            <a:r>
-              <a:rPr lang="de-CH" sz="1400" b="1" kern="1200" dirty="0" err="1">
-                <a:solidFill>
-                  <a:schemeClr val="tx1"/>
-                </a:solidFill>
-                <a:effectLst/>
-                <a:latin typeface="Open Sans Semibold" panose="020B0706030804020204" pitchFamily="34" charset="0"/>
-                <a:ea typeface="Open Sans Semibold" panose="020B0706030804020204" pitchFamily="34" charset="0"/>
-                <a:cs typeface="Open Sans Semibold" panose="020B0706030804020204" pitchFamily="34" charset="0"/>
-              </a:rPr>
-              <a:t>function</a:t>
-            </a:r>
-            <a:r>
-              <a:rPr lang="de-CH" sz="1400" b="1" kern="1200" dirty="0">
-                <a:solidFill>
-                  <a:schemeClr val="tx1"/>
-                </a:solidFill>
-                <a:effectLst/>
-                <a:latin typeface="Open Sans Semibold" panose="020B0706030804020204" pitchFamily="34" charset="0"/>
-                <a:ea typeface="Open Sans Semibold" panose="020B0706030804020204" pitchFamily="34" charset="0"/>
-                <a:cs typeface="Open Sans Semibold" panose="020B0706030804020204" pitchFamily="34" charset="0"/>
-              </a:rPr>
-              <a:t> </a:t>
-            </a:r>
-            <a:r>
-              <a:rPr lang="de-CH" i="1" dirty="0" err="1">
-                <a:effectLst/>
-              </a:rPr>
-              <a:t>PersonHeader</a:t>
-            </a:r>
-            <a:r>
-              <a:rPr lang="de-CH" dirty="0"/>
-              <a:t>() {</a:t>
-            </a:r>
-          </a:p>
-          <a:p>
-            <a:pPr marL="285750" indent="-285750">
-              <a:buFont typeface="Arial" panose="020B0604020202020204" pitchFamily="34" charset="0"/>
-              <a:buChar char="•"/>
-            </a:pPr>
-            <a:r>
-              <a:rPr lang="de-CH" sz="1400" b="1" kern="1200" dirty="0" err="1">
-                <a:solidFill>
-                  <a:schemeClr val="tx1"/>
-                </a:solidFill>
-                <a:effectLst/>
-                <a:latin typeface="Open Sans Semibold" panose="020B0706030804020204" pitchFamily="34" charset="0"/>
-                <a:ea typeface="Open Sans Semibold" panose="020B0706030804020204" pitchFamily="34" charset="0"/>
-                <a:cs typeface="Open Sans Semibold" panose="020B0706030804020204" pitchFamily="34" charset="0"/>
-              </a:rPr>
-              <a:t>const</a:t>
-            </a:r>
-            <a:r>
-              <a:rPr lang="de-CH" sz="1400" b="1" kern="1200" dirty="0">
-                <a:solidFill>
-                  <a:schemeClr val="tx1"/>
-                </a:solidFill>
-                <a:effectLst/>
-                <a:latin typeface="Open Sans Semibold" panose="020B0706030804020204" pitchFamily="34" charset="0"/>
-                <a:ea typeface="Open Sans Semibold" panose="020B0706030804020204" pitchFamily="34" charset="0"/>
-                <a:cs typeface="Open Sans Semibold" panose="020B0706030804020204" pitchFamily="34" charset="0"/>
-              </a:rPr>
-              <a:t> </a:t>
-            </a:r>
-            <a:r>
-              <a:rPr lang="de-CH" i="1" dirty="0" err="1">
-                <a:effectLst/>
-              </a:rPr>
-              <a:t>PersonRow</a:t>
-            </a:r>
-            <a:r>
-              <a:rPr lang="de-CH" i="1" dirty="0">
-                <a:effectLst/>
-              </a:rPr>
-              <a:t> </a:t>
-            </a:r>
-            <a:r>
-              <a:rPr lang="de-CH" dirty="0"/>
-              <a:t>= (</a:t>
-            </a:r>
-            <a:r>
-              <a:rPr lang="de-CH" dirty="0" err="1"/>
-              <a:t>props</a:t>
-            </a:r>
-            <a:r>
-              <a:rPr lang="de-CH"/>
-              <a:t>) =&gt; {</a:t>
-            </a:r>
-            <a:endParaRPr lang="de-CH" dirty="0"/>
+            <a:endParaRPr lang="de-CH"/>
           </a:p>
         </p:txBody>
       </p:sp>
@@ -1213,7 +993,7 @@
           <a:p>
             <a:fld id="{112C3873-BA08-40A5-BDCC-B6406E6CD40B}" type="slidenum">
               <a:rPr lang="de-DE" smtClean="0"/>
-              <a:t>26</a:t>
+              <a:t>11</a:t>
             </a:fld>
             <a:endParaRPr lang="de-DE"/>
           </a:p>
@@ -1222,7 +1002,7 @@
     </p:spTree>
     <p:extLst>
       <p:ext uri="{BB962C8B-B14F-4D97-AF65-F5344CB8AC3E}">
-        <p14:creationId xmlns:p14="http://schemas.microsoft.com/office/powerpoint/2010/main" val="1046332241"/>
+        <p14:creationId xmlns:p14="http://schemas.microsoft.com/office/powerpoint/2010/main" val="2353091711"/>
       </p:ext>
     </p:extLst>
   </p:cSld>
@@ -1276,111 +1056,7 @@
           <a:bodyPr/>
           <a:lstStyle/>
           <a:p>
-            <a:r>
-              <a:rPr lang="de-CH" dirty="0" err="1"/>
-              <a:t>React</a:t>
-            </a:r>
-            <a:r>
-              <a:rPr lang="de-CH" dirty="0"/>
-              <a:t> </a:t>
-            </a:r>
-            <a:r>
-              <a:rPr lang="de-CH" dirty="0" err="1"/>
-              <a:t>Materialize</a:t>
-            </a:r>
-            <a:endParaRPr lang="de-CH" dirty="0"/>
-          </a:p>
-          <a:p>
-            <a:pPr marL="285750" indent="-285750">
-              <a:buFont typeface="Arial" panose="020B0604020202020204" pitchFamily="34" charset="0"/>
-              <a:buChar char="•"/>
-            </a:pPr>
-            <a:r>
-              <a:rPr lang="de-CH" dirty="0"/>
-              <a:t>Nächste Folien</a:t>
-            </a:r>
-          </a:p>
-          <a:p>
-            <a:pPr marL="285750" indent="-285750">
-              <a:buFont typeface="Arial" panose="020B0604020202020204" pitchFamily="34" charset="0"/>
-              <a:buChar char="•"/>
-            </a:pPr>
-            <a:endParaRPr lang="de-CH" dirty="0"/>
-          </a:p>
-          <a:p>
-            <a:pPr marL="0" indent="0">
-              <a:buFont typeface="Arial" panose="020B0604020202020204" pitchFamily="34" charset="0"/>
-              <a:buNone/>
-            </a:pPr>
-            <a:r>
-              <a:rPr lang="de-CH" dirty="0" err="1"/>
-              <a:t>Materialize</a:t>
-            </a:r>
-            <a:endParaRPr lang="de-CH" dirty="0"/>
-          </a:p>
-          <a:p>
-            <a:pPr marL="285750" indent="-285750">
-              <a:buFont typeface="Arial" panose="020B0604020202020204" pitchFamily="34" charset="0"/>
-              <a:buChar char="•"/>
-            </a:pPr>
-            <a:r>
-              <a:rPr lang="de-CH" dirty="0"/>
-              <a:t>Von Google</a:t>
-            </a:r>
-          </a:p>
-          <a:p>
-            <a:pPr marL="285750" indent="-285750">
-              <a:buFont typeface="Arial" panose="020B0604020202020204" pitchFamily="34" charset="0"/>
-              <a:buChar char="•"/>
-            </a:pPr>
-            <a:r>
-              <a:rPr lang="de-CH" dirty="0"/>
-              <a:t>CSS -&gt; Color</a:t>
-            </a:r>
-            <a:br>
-              <a:rPr lang="de-CH" dirty="0"/>
-            </a:br>
-            <a:r>
-              <a:rPr lang="en-US" sz="1400" b="0" i="0" kern="1200" dirty="0">
-                <a:solidFill>
-                  <a:schemeClr val="tx1"/>
-                </a:solidFill>
-                <a:effectLst/>
-                <a:latin typeface="Open Sans Semibold" panose="020B0706030804020204" pitchFamily="34" charset="0"/>
-                <a:ea typeface="Open Sans Semibold" panose="020B0706030804020204" pitchFamily="34" charset="0"/>
-                <a:cs typeface="Open Sans Semibold" panose="020B0706030804020204" pitchFamily="34" charset="0"/>
-              </a:rPr>
-              <a:t>To apply a text color, just append </a:t>
-            </a:r>
-            <a:r>
-              <a:rPr lang="en-US" dirty="0"/>
-              <a:t>-text</a:t>
-            </a:r>
-            <a:r>
-              <a:rPr lang="en-US" sz="1400" b="0" i="0" kern="1200" dirty="0">
-                <a:solidFill>
-                  <a:schemeClr val="tx1"/>
-                </a:solidFill>
-                <a:effectLst/>
-                <a:latin typeface="Open Sans Semibold" panose="020B0706030804020204" pitchFamily="34" charset="0"/>
-                <a:ea typeface="Open Sans Semibold" panose="020B0706030804020204" pitchFamily="34" charset="0"/>
-                <a:cs typeface="Open Sans Semibold" panose="020B0706030804020204" pitchFamily="34" charset="0"/>
-              </a:rPr>
-              <a:t> to the color class</a:t>
-            </a:r>
-          </a:p>
-          <a:p>
-            <a:pPr marL="285750" indent="-285750">
-              <a:buFont typeface="Arial" panose="020B0604020202020204" pitchFamily="34" charset="0"/>
-              <a:buChar char="•"/>
-            </a:pPr>
-            <a:r>
-              <a:rPr lang="de-CH" dirty="0"/>
-              <a:t>CSS -&gt; Helpers</a:t>
-            </a:r>
-          </a:p>
-          <a:p>
-            <a:endParaRPr lang="de-CH" dirty="0"/>
+            <a:endParaRPr lang="de-CH"/>
           </a:p>
         </p:txBody>
       </p:sp>
@@ -1391,7 +1067,7 @@
             <a:spLocks noGrp="1"/>
           </p:cNvSpPr>
           <p:nvPr>
-            <p:ph type="sldNum" sz="quarter" idx="5"/>
+            <p:ph type="sldNum" sz="quarter" idx="10"/>
           </p:nvPr>
         </p:nvSpPr>
         <p:spPr/>
@@ -1401,7 +1077,7 @@
           <a:p>
             <a:fld id="{112C3873-BA08-40A5-BDCC-B6406E6CD40B}" type="slidenum">
               <a:rPr lang="de-DE" smtClean="0"/>
-              <a:t>34</a:t>
+              <a:t>12</a:t>
             </a:fld>
             <a:endParaRPr lang="de-DE"/>
           </a:p>
@@ -1410,7 +1086,7 @@
     </p:spTree>
     <p:extLst>
       <p:ext uri="{BB962C8B-B14F-4D97-AF65-F5344CB8AC3E}">
-        <p14:creationId xmlns:p14="http://schemas.microsoft.com/office/powerpoint/2010/main" val="3330508288"/>
+        <p14:creationId xmlns:p14="http://schemas.microsoft.com/office/powerpoint/2010/main" val="338431514"/>
       </p:ext>
     </p:extLst>
   </p:cSld>
@@ -1464,34 +1140,532 @@
           <a:bodyPr/>
           <a:lstStyle/>
           <a:p>
-            <a:pPr marL="285750" indent="-285750">
-              <a:buFont typeface="Arial" panose="020B0604020202020204" pitchFamily="34" charset="0"/>
-              <a:buChar char="•"/>
+            <a:endParaRPr lang="en-US" dirty="0"/>
+          </a:p>
+          <a:p>
+            <a:endParaRPr lang="en-US" dirty="0"/>
+          </a:p>
+          <a:p>
+            <a:endParaRPr lang="de-CH" dirty="0"/>
+          </a:p>
+        </p:txBody>
+      </p:sp>
+      <p:sp>
+        <p:nvSpPr>
+          <p:cNvPr id="4" name="Foliennummernplatzhalter 3"/>
+          <p:cNvSpPr>
+            <a:spLocks noGrp="1"/>
+          </p:cNvSpPr>
+          <p:nvPr>
+            <p:ph type="sldNum" sz="quarter" idx="10"/>
+          </p:nvPr>
+        </p:nvSpPr>
+        <p:spPr/>
+        <p:txBody>
+          <a:bodyPr/>
+          <a:lstStyle/>
+          <a:p>
+            <a:fld id="{112C3873-BA08-40A5-BDCC-B6406E6CD40B}" type="slidenum">
+              <a:rPr lang="de-DE" smtClean="0"/>
+              <a:t>13</a:t>
+            </a:fld>
+            <a:endParaRPr lang="de-DE"/>
+          </a:p>
+        </p:txBody>
+      </p:sp>
+    </p:spTree>
+    <p:extLst>
+      <p:ext uri="{BB962C8B-B14F-4D97-AF65-F5344CB8AC3E}">
+        <p14:creationId xmlns:p14="http://schemas.microsoft.com/office/powerpoint/2010/main" val="4067862726"/>
+      </p:ext>
+    </p:extLst>
+  </p:cSld>
+  <p:clrMapOvr>
+    <a:masterClrMapping/>
+  </p:clrMapOvr>
+</p:notes>
+</file>
+
+<file path=ppt/notesSlides/notesSlide14.xml><?xml version="1.0" encoding="utf-8"?>
+<p:notes xmlns:a="http://schemas.openxmlformats.org/drawingml/2006/main" xmlns:r="http://schemas.openxmlformats.org/officeDocument/2006/relationships" xmlns:p="http://schemas.openxmlformats.org/presentationml/2006/main">
+  <p:cSld>
+    <p:spTree>
+      <p:nvGrpSpPr>
+        <p:cNvPr id="1" name=""/>
+        <p:cNvGrpSpPr/>
+        <p:nvPr/>
+      </p:nvGrpSpPr>
+      <p:grpSpPr>
+        <a:xfrm>
+          <a:off x="0" y="0"/>
+          <a:ext cx="0" cy="0"/>
+          <a:chOff x="0" y="0"/>
+          <a:chExt cx="0" cy="0"/>
+        </a:xfrm>
+      </p:grpSpPr>
+      <p:sp>
+        <p:nvSpPr>
+          <p:cNvPr id="2" name="Folienbildplatzhalter 1"/>
+          <p:cNvSpPr>
+            <a:spLocks noGrp="1" noRot="1" noChangeAspect="1"/>
+          </p:cNvSpPr>
+          <p:nvPr>
+            <p:ph type="sldImg"/>
+          </p:nvPr>
+        </p:nvSpPr>
+        <p:spPr/>
+      </p:sp>
+      <p:sp>
+        <p:nvSpPr>
+          <p:cNvPr id="3" name="Notizenplatzhalter 2"/>
+          <p:cNvSpPr>
+            <a:spLocks noGrp="1"/>
+          </p:cNvSpPr>
+          <p:nvPr>
+            <p:ph type="body" idx="1"/>
+          </p:nvPr>
+        </p:nvSpPr>
+        <p:spPr/>
+        <p:txBody>
+          <a:bodyPr/>
+          <a:lstStyle/>
+          <a:p>
+            <a:endParaRPr lang="de-CH" dirty="0"/>
+          </a:p>
+        </p:txBody>
+      </p:sp>
+      <p:sp>
+        <p:nvSpPr>
+          <p:cNvPr id="4" name="Foliennummernplatzhalter 3"/>
+          <p:cNvSpPr>
+            <a:spLocks noGrp="1"/>
+          </p:cNvSpPr>
+          <p:nvPr>
+            <p:ph type="sldNum" sz="quarter" idx="10"/>
+          </p:nvPr>
+        </p:nvSpPr>
+        <p:spPr/>
+        <p:txBody>
+          <a:bodyPr/>
+          <a:lstStyle/>
+          <a:p>
+            <a:fld id="{112C3873-BA08-40A5-BDCC-B6406E6CD40B}" type="slidenum">
+              <a:rPr lang="de-DE" smtClean="0"/>
+              <a:t>14</a:t>
+            </a:fld>
+            <a:endParaRPr lang="de-DE"/>
+          </a:p>
+        </p:txBody>
+      </p:sp>
+    </p:spTree>
+    <p:extLst>
+      <p:ext uri="{BB962C8B-B14F-4D97-AF65-F5344CB8AC3E}">
+        <p14:creationId xmlns:p14="http://schemas.microsoft.com/office/powerpoint/2010/main" val="2914502647"/>
+      </p:ext>
+    </p:extLst>
+  </p:cSld>
+  <p:clrMapOvr>
+    <a:masterClrMapping/>
+  </p:clrMapOvr>
+</p:notes>
+</file>
+
+<file path=ppt/notesSlides/notesSlide15.xml><?xml version="1.0" encoding="utf-8"?>
+<p:notes xmlns:a="http://schemas.openxmlformats.org/drawingml/2006/main" xmlns:r="http://schemas.openxmlformats.org/officeDocument/2006/relationships" xmlns:p="http://schemas.openxmlformats.org/presentationml/2006/main">
+  <p:cSld>
+    <p:spTree>
+      <p:nvGrpSpPr>
+        <p:cNvPr id="1" name=""/>
+        <p:cNvGrpSpPr/>
+        <p:nvPr/>
+      </p:nvGrpSpPr>
+      <p:grpSpPr>
+        <a:xfrm>
+          <a:off x="0" y="0"/>
+          <a:ext cx="0" cy="0"/>
+          <a:chOff x="0" y="0"/>
+          <a:chExt cx="0" cy="0"/>
+        </a:xfrm>
+      </p:grpSpPr>
+      <p:sp>
+        <p:nvSpPr>
+          <p:cNvPr id="2" name="Folienbildplatzhalter 1"/>
+          <p:cNvSpPr>
+            <a:spLocks noGrp="1" noRot="1" noChangeAspect="1"/>
+          </p:cNvSpPr>
+          <p:nvPr>
+            <p:ph type="sldImg"/>
+          </p:nvPr>
+        </p:nvSpPr>
+        <p:spPr/>
+      </p:sp>
+      <p:sp>
+        <p:nvSpPr>
+          <p:cNvPr id="3" name="Notizenplatzhalter 2"/>
+          <p:cNvSpPr>
+            <a:spLocks noGrp="1"/>
+          </p:cNvSpPr>
+          <p:nvPr>
+            <p:ph type="body" idx="1"/>
+          </p:nvPr>
+        </p:nvSpPr>
+        <p:spPr/>
+        <p:txBody>
+          <a:bodyPr/>
+          <a:lstStyle/>
+          <a:p>
+            <a:endParaRPr lang="de-CH"/>
+          </a:p>
+        </p:txBody>
+      </p:sp>
+      <p:sp>
+        <p:nvSpPr>
+          <p:cNvPr id="4" name="Foliennummernplatzhalter 3"/>
+          <p:cNvSpPr>
+            <a:spLocks noGrp="1"/>
+          </p:cNvSpPr>
+          <p:nvPr>
+            <p:ph type="sldNum" sz="quarter" idx="10"/>
+          </p:nvPr>
+        </p:nvSpPr>
+        <p:spPr/>
+        <p:txBody>
+          <a:bodyPr/>
+          <a:lstStyle/>
+          <a:p>
+            <a:fld id="{112C3873-BA08-40A5-BDCC-B6406E6CD40B}" type="slidenum">
+              <a:rPr lang="de-DE" smtClean="0"/>
+              <a:t>15</a:t>
+            </a:fld>
+            <a:endParaRPr lang="de-DE"/>
+          </a:p>
+        </p:txBody>
+      </p:sp>
+    </p:spTree>
+    <p:extLst>
+      <p:ext uri="{BB962C8B-B14F-4D97-AF65-F5344CB8AC3E}">
+        <p14:creationId xmlns:p14="http://schemas.microsoft.com/office/powerpoint/2010/main" val="2848352706"/>
+      </p:ext>
+    </p:extLst>
+  </p:cSld>
+  <p:clrMapOvr>
+    <a:masterClrMapping/>
+  </p:clrMapOvr>
+</p:notes>
+</file>
+
+<file path=ppt/notesSlides/notesSlide16.xml><?xml version="1.0" encoding="utf-8"?>
+<p:notes xmlns:a="http://schemas.openxmlformats.org/drawingml/2006/main" xmlns:r="http://schemas.openxmlformats.org/officeDocument/2006/relationships" xmlns:p="http://schemas.openxmlformats.org/presentationml/2006/main">
+  <p:cSld>
+    <p:spTree>
+      <p:nvGrpSpPr>
+        <p:cNvPr id="1" name=""/>
+        <p:cNvGrpSpPr/>
+        <p:nvPr/>
+      </p:nvGrpSpPr>
+      <p:grpSpPr>
+        <a:xfrm>
+          <a:off x="0" y="0"/>
+          <a:ext cx="0" cy="0"/>
+          <a:chOff x="0" y="0"/>
+          <a:chExt cx="0" cy="0"/>
+        </a:xfrm>
+      </p:grpSpPr>
+      <p:sp>
+        <p:nvSpPr>
+          <p:cNvPr id="2" name="Folienbildplatzhalter 1"/>
+          <p:cNvSpPr>
+            <a:spLocks noGrp="1" noRot="1" noChangeAspect="1"/>
+          </p:cNvSpPr>
+          <p:nvPr>
+            <p:ph type="sldImg"/>
+          </p:nvPr>
+        </p:nvSpPr>
+        <p:spPr/>
+      </p:sp>
+      <p:sp>
+        <p:nvSpPr>
+          <p:cNvPr id="3" name="Notizenplatzhalter 2"/>
+          <p:cNvSpPr>
+            <a:spLocks noGrp="1"/>
+          </p:cNvSpPr>
+          <p:nvPr>
+            <p:ph type="body" idx="1"/>
+          </p:nvPr>
+        </p:nvSpPr>
+        <p:spPr/>
+        <p:txBody>
+          <a:bodyPr/>
+          <a:lstStyle/>
+          <a:p>
+            <a:endParaRPr lang="de-CH"/>
+          </a:p>
+        </p:txBody>
+      </p:sp>
+      <p:sp>
+        <p:nvSpPr>
+          <p:cNvPr id="4" name="Foliennummernplatzhalter 3"/>
+          <p:cNvSpPr>
+            <a:spLocks noGrp="1"/>
+          </p:cNvSpPr>
+          <p:nvPr>
+            <p:ph type="sldNum" sz="quarter" idx="10"/>
+          </p:nvPr>
+        </p:nvSpPr>
+        <p:spPr/>
+        <p:txBody>
+          <a:bodyPr/>
+          <a:lstStyle/>
+          <a:p>
+            <a:fld id="{112C3873-BA08-40A5-BDCC-B6406E6CD40B}" type="slidenum">
+              <a:rPr lang="de-DE" smtClean="0"/>
+              <a:t>16</a:t>
+            </a:fld>
+            <a:endParaRPr lang="de-DE"/>
+          </a:p>
+        </p:txBody>
+      </p:sp>
+    </p:spTree>
+    <p:extLst>
+      <p:ext uri="{BB962C8B-B14F-4D97-AF65-F5344CB8AC3E}">
+        <p14:creationId xmlns:p14="http://schemas.microsoft.com/office/powerpoint/2010/main" val="2456246144"/>
+      </p:ext>
+    </p:extLst>
+  </p:cSld>
+  <p:clrMapOvr>
+    <a:masterClrMapping/>
+  </p:clrMapOvr>
+</p:notes>
+</file>
+
+<file path=ppt/notesSlides/notesSlide17.xml><?xml version="1.0" encoding="utf-8"?>
+<p:notes xmlns:a="http://schemas.openxmlformats.org/drawingml/2006/main" xmlns:r="http://schemas.openxmlformats.org/officeDocument/2006/relationships" xmlns:p="http://schemas.openxmlformats.org/presentationml/2006/main">
+  <p:cSld>
+    <p:spTree>
+      <p:nvGrpSpPr>
+        <p:cNvPr id="1" name=""/>
+        <p:cNvGrpSpPr/>
+        <p:nvPr/>
+      </p:nvGrpSpPr>
+      <p:grpSpPr>
+        <a:xfrm>
+          <a:off x="0" y="0"/>
+          <a:ext cx="0" cy="0"/>
+          <a:chOff x="0" y="0"/>
+          <a:chExt cx="0" cy="0"/>
+        </a:xfrm>
+      </p:grpSpPr>
+      <p:sp>
+        <p:nvSpPr>
+          <p:cNvPr id="2" name="Folienbildplatzhalter 1"/>
+          <p:cNvSpPr>
+            <a:spLocks noGrp="1" noRot="1" noChangeAspect="1"/>
+          </p:cNvSpPr>
+          <p:nvPr>
+            <p:ph type="sldImg"/>
+          </p:nvPr>
+        </p:nvSpPr>
+        <p:spPr/>
+      </p:sp>
+      <p:sp>
+        <p:nvSpPr>
+          <p:cNvPr id="3" name="Notizenplatzhalter 2"/>
+          <p:cNvSpPr>
+            <a:spLocks noGrp="1"/>
+          </p:cNvSpPr>
+          <p:nvPr>
+            <p:ph type="body" idx="1"/>
+          </p:nvPr>
+        </p:nvSpPr>
+        <p:spPr/>
+        <p:txBody>
+          <a:bodyPr/>
+          <a:lstStyle/>
+          <a:p>
+            <a:endParaRPr lang="de-CH"/>
+          </a:p>
+        </p:txBody>
+      </p:sp>
+      <p:sp>
+        <p:nvSpPr>
+          <p:cNvPr id="4" name="Foliennummernplatzhalter 3"/>
+          <p:cNvSpPr>
+            <a:spLocks noGrp="1"/>
+          </p:cNvSpPr>
+          <p:nvPr>
+            <p:ph type="sldNum" sz="quarter" idx="10"/>
+          </p:nvPr>
+        </p:nvSpPr>
+        <p:spPr/>
+        <p:txBody>
+          <a:bodyPr/>
+          <a:lstStyle/>
+          <a:p>
+            <a:fld id="{112C3873-BA08-40A5-BDCC-B6406E6CD40B}" type="slidenum">
+              <a:rPr lang="de-DE" smtClean="0"/>
+              <a:t>17</a:t>
+            </a:fld>
+            <a:endParaRPr lang="de-DE"/>
+          </a:p>
+        </p:txBody>
+      </p:sp>
+    </p:spTree>
+    <p:extLst>
+      <p:ext uri="{BB962C8B-B14F-4D97-AF65-F5344CB8AC3E}">
+        <p14:creationId xmlns:p14="http://schemas.microsoft.com/office/powerpoint/2010/main" val="999348908"/>
+      </p:ext>
+    </p:extLst>
+  </p:cSld>
+  <p:clrMapOvr>
+    <a:masterClrMapping/>
+  </p:clrMapOvr>
+</p:notes>
+</file>
+
+<file path=ppt/notesSlides/notesSlide18.xml><?xml version="1.0" encoding="utf-8"?>
+<p:notes xmlns:a="http://schemas.openxmlformats.org/drawingml/2006/main" xmlns:r="http://schemas.openxmlformats.org/officeDocument/2006/relationships" xmlns:p="http://schemas.openxmlformats.org/presentationml/2006/main">
+  <p:cSld>
+    <p:spTree>
+      <p:nvGrpSpPr>
+        <p:cNvPr id="1" name=""/>
+        <p:cNvGrpSpPr/>
+        <p:nvPr/>
+      </p:nvGrpSpPr>
+      <p:grpSpPr>
+        <a:xfrm>
+          <a:off x="0" y="0"/>
+          <a:ext cx="0" cy="0"/>
+          <a:chOff x="0" y="0"/>
+          <a:chExt cx="0" cy="0"/>
+        </a:xfrm>
+      </p:grpSpPr>
+      <p:sp>
+        <p:nvSpPr>
+          <p:cNvPr id="2" name="Folienbildplatzhalter 1"/>
+          <p:cNvSpPr>
+            <a:spLocks noGrp="1" noRot="1" noChangeAspect="1"/>
+          </p:cNvSpPr>
+          <p:nvPr>
+            <p:ph type="sldImg"/>
+          </p:nvPr>
+        </p:nvSpPr>
+        <p:spPr/>
+      </p:sp>
+      <p:sp>
+        <p:nvSpPr>
+          <p:cNvPr id="3" name="Notizenplatzhalter 2"/>
+          <p:cNvSpPr>
+            <a:spLocks noGrp="1"/>
+          </p:cNvSpPr>
+          <p:nvPr>
+            <p:ph type="body" idx="1"/>
+          </p:nvPr>
+        </p:nvSpPr>
+        <p:spPr/>
+        <p:txBody>
+          <a:bodyPr/>
+          <a:lstStyle/>
+          <a:p>
+            <a:pPr marL="0" marR="0" lvl="0" indent="0" algn="l" defTabSz="914400" rtl="0" eaLnBrk="1" fontAlgn="auto" latinLnBrk="0" hangingPunct="1">
+              <a:lnSpc>
+                <a:spcPct val="100000"/>
+              </a:lnSpc>
+              <a:spcBef>
+                <a:spcPts val="0"/>
+              </a:spcBef>
+              <a:spcAft>
+                <a:spcPts val="0"/>
+              </a:spcAft>
+              <a:buClrTx/>
+              <a:buSzTx/>
+              <a:buFontTx/>
+              <a:buNone/>
+              <a:tabLst/>
+              <a:defRPr/>
             </a:pPr>
             <a:r>
-              <a:rPr lang="de-CH" dirty="0"/>
-              <a:t>Überholende Responses (</a:t>
-            </a:r>
-            <a:r>
-              <a:rPr lang="de-CH" dirty="0" err="1"/>
-              <a:t>switchMap</a:t>
-            </a:r>
-            <a:r>
-              <a:rPr lang="de-CH" dirty="0"/>
-              <a:t>)</a:t>
-            </a:r>
-            <a:br>
-              <a:rPr lang="de-CH" dirty="0"/>
-            </a:br>
-            <a:r>
-              <a:rPr lang="de-CH" dirty="0"/>
-              <a:t>Zeigen in </a:t>
-            </a:r>
-            <a:r>
-              <a:rPr lang="de-CH" dirty="0" err="1"/>
-              <a:t>Developerkonsole</a:t>
-            </a:r>
-            <a:endParaRPr lang="de-CH" dirty="0"/>
+              <a:rPr lang="en-US" dirty="0" err="1"/>
+              <a:t>Problematik</a:t>
+            </a:r>
+            <a:r>
+              <a:rPr lang="en-US" baseline="0" dirty="0"/>
+              <a:t> </a:t>
+            </a:r>
+            <a:r>
+              <a:rPr lang="en-US" baseline="0" dirty="0" err="1"/>
+              <a:t>mit</a:t>
+            </a:r>
+            <a:r>
+              <a:rPr lang="en-US" baseline="0" dirty="0"/>
+              <a:t> this</a:t>
+            </a:r>
+          </a:p>
+          <a:p>
+            <a:pPr marL="0" marR="0" lvl="0" indent="0" algn="l" defTabSz="914400" rtl="0" eaLnBrk="1" fontAlgn="auto" latinLnBrk="0" hangingPunct="1">
+              <a:lnSpc>
+                <a:spcPct val="100000"/>
+              </a:lnSpc>
+              <a:spcBef>
+                <a:spcPts val="0"/>
+              </a:spcBef>
+              <a:spcAft>
+                <a:spcPts val="0"/>
+              </a:spcAft>
+              <a:buClrTx/>
+              <a:buSzTx/>
+              <a:buFontTx/>
+              <a:buNone/>
+              <a:tabLst/>
+              <a:defRPr/>
+            </a:pPr>
+            <a:endParaRPr lang="en-US" baseline="0" dirty="0"/>
+          </a:p>
+          <a:p>
+            <a:pPr marL="0" marR="0" lvl="0" indent="0" algn="l" defTabSz="914400" rtl="0" eaLnBrk="1" fontAlgn="auto" latinLnBrk="0" hangingPunct="1">
+              <a:lnSpc>
+                <a:spcPct val="100000"/>
+              </a:lnSpc>
+              <a:spcBef>
+                <a:spcPts val="0"/>
+              </a:spcBef>
+              <a:spcAft>
+                <a:spcPts val="0"/>
+              </a:spcAft>
+              <a:buClrTx/>
+              <a:buSzTx/>
+              <a:buFontTx/>
+              <a:buNone/>
+              <a:tabLst/>
+              <a:defRPr/>
+            </a:pPr>
+            <a:r>
+              <a:rPr lang="en-US" baseline="0" dirty="0" err="1"/>
+              <a:t>Lösungen</a:t>
+            </a:r>
+            <a:r>
+              <a:rPr lang="en-US" baseline="0" dirty="0"/>
+              <a:t>:</a:t>
+            </a:r>
+          </a:p>
+          <a:p>
+            <a:pPr marL="0" marR="0" lvl="0" indent="0" algn="l" defTabSz="914400" rtl="0" eaLnBrk="1" fontAlgn="auto" latinLnBrk="0" hangingPunct="1">
+              <a:lnSpc>
+                <a:spcPct val="100000"/>
+              </a:lnSpc>
+              <a:spcBef>
+                <a:spcPts val="0"/>
+              </a:spcBef>
+              <a:spcAft>
+                <a:spcPts val="0"/>
+              </a:spcAft>
+              <a:buClrTx/>
+              <a:buSzTx/>
+              <a:buFontTx/>
+              <a:buNone/>
+              <a:tabLst/>
+              <a:defRPr/>
+            </a:pPr>
+            <a:endParaRPr lang="en-US" baseline="0" dirty="0"/>
           </a:p>
           <a:p>
             <a:pPr marL="285750" marR="0" lvl="0" indent="-285750" algn="l" defTabSz="914400" rtl="0" eaLnBrk="1" fontAlgn="auto" latinLnBrk="0" hangingPunct="1">
@@ -1512,54 +1686,75 @@
               <a:defRPr/>
             </a:pPr>
             <a:r>
-              <a:rPr lang="de-CH" dirty="0"/>
-              <a:t>Eingabe entprellen (</a:t>
-            </a:r>
-            <a:r>
-              <a:rPr lang="de-CH" dirty="0" err="1"/>
-              <a:t>debounceTime</a:t>
-            </a:r>
-            <a:r>
-              <a:rPr lang="de-CH" dirty="0"/>
-              <a:t>)</a:t>
+              <a:rPr lang="en-US" baseline="0" dirty="0"/>
+              <a:t>ES6-Syntax</a:t>
             </a:r>
             <a:br>
-              <a:rPr lang="de-CH" dirty="0"/>
+              <a:rPr lang="en-US" baseline="0" dirty="0"/>
             </a:br>
             <a:r>
-              <a:rPr lang="de-CH" dirty="0"/>
-              <a:t>Zeigen in </a:t>
-            </a:r>
-            <a:r>
-              <a:rPr lang="de-CH"/>
-              <a:t>Developerkonsole</a:t>
-            </a:r>
-            <a:endParaRPr lang="de-CH" dirty="0"/>
-          </a:p>
-          <a:p>
-            <a:pPr marL="285750" indent="-285750">
+              <a:rPr lang="en-US" baseline="0" dirty="0" err="1"/>
+              <a:t>onClick</a:t>
+            </a:r>
+            <a:r>
+              <a:rPr lang="en-US" baseline="0" dirty="0"/>
+              <a:t> = (event) =&gt; {}</a:t>
+            </a:r>
+          </a:p>
+          <a:p>
+            <a:pPr marL="285750" marR="0" lvl="0" indent="-285750" algn="l" defTabSz="914400" rtl="0" eaLnBrk="1" fontAlgn="auto" latinLnBrk="0" hangingPunct="1">
+              <a:lnSpc>
+                <a:spcPct val="100000"/>
+              </a:lnSpc>
+              <a:spcBef>
+                <a:spcPts val="0"/>
+              </a:spcBef>
+              <a:spcAft>
+                <a:spcPts val="0"/>
+              </a:spcAft>
+              <a:buClrTx/>
+              <a:buSzTx/>
               <a:buFont typeface="Arial" panose="020B0604020202020204" pitchFamily="34" charset="0"/>
               <a:buChar char="•"/>
+              <a:tabLst/>
+              <a:defRPr/>
             </a:pPr>
             <a:r>
-              <a:rPr lang="de-CH" dirty="0"/>
-              <a:t>Fehler vom REST-Server abfangen</a:t>
+              <a:rPr lang="en-US" baseline="0" dirty="0" err="1"/>
+              <a:t>Im</a:t>
+            </a:r>
+            <a:r>
+              <a:rPr lang="en-US" baseline="0" dirty="0"/>
+              <a:t> Constructor bind </a:t>
+            </a:r>
+            <a:r>
+              <a:rPr lang="en-US" baseline="0" dirty="0" err="1"/>
+              <a:t>benutzen</a:t>
+            </a:r>
+            <a:r>
+              <a:rPr lang="en-US" baseline="0" dirty="0"/>
+              <a:t/>
             </a:r>
             <a:br>
-              <a:rPr lang="de-CH" dirty="0"/>
+              <a:rPr lang="en-US" baseline="0" dirty="0"/>
             </a:br>
             <a:r>
-              <a:rPr lang="de-CH" dirty="0"/>
-              <a:t>Die Eingabe «</a:t>
-            </a:r>
-            <a:r>
-              <a:rPr lang="de-CH" dirty="0" err="1"/>
-              <a:t>error</a:t>
-            </a:r>
-            <a:r>
-              <a:rPr lang="de-CH" dirty="0"/>
-              <a:t>» erzeugt einen Fehler</a:t>
-            </a:r>
+              <a:rPr lang="en-US" dirty="0" err="1"/>
+              <a:t>this.onClick</a:t>
+            </a:r>
+            <a:r>
+              <a:rPr lang="en-US" dirty="0"/>
+              <a:t> = </a:t>
+            </a:r>
+            <a:r>
+              <a:rPr lang="en-US" dirty="0" err="1"/>
+              <a:t>this.onClick.bind</a:t>
+            </a:r>
+            <a:r>
+              <a:rPr lang="en-US" dirty="0"/>
+              <a:t>(this);</a:t>
+            </a:r>
+            <a:endParaRPr lang="de-CH" dirty="0"/>
           </a:p>
           <a:p>
             <a:endParaRPr lang="de-CH" dirty="0"/>
@@ -1583,7 +1778,7 @@
           <a:p>
             <a:fld id="{112C3873-BA08-40A5-BDCC-B6406E6CD40B}" type="slidenum">
               <a:rPr lang="de-DE" smtClean="0"/>
-              <a:t>39</a:t>
+              <a:t>18</a:t>
             </a:fld>
             <a:endParaRPr lang="de-DE"/>
           </a:p>
@@ -1592,7 +1787,91 @@
     </p:spTree>
     <p:extLst>
       <p:ext uri="{BB962C8B-B14F-4D97-AF65-F5344CB8AC3E}">
-        <p14:creationId xmlns:p14="http://schemas.microsoft.com/office/powerpoint/2010/main" val="639037262"/>
+        <p14:creationId xmlns:p14="http://schemas.microsoft.com/office/powerpoint/2010/main" val="3198591742"/>
+      </p:ext>
+    </p:extLst>
+  </p:cSld>
+  <p:clrMapOvr>
+    <a:masterClrMapping/>
+  </p:clrMapOvr>
+</p:notes>
+</file>
+
+<file path=ppt/notesSlides/notesSlide19.xml><?xml version="1.0" encoding="utf-8"?>
+<p:notes xmlns:a="http://schemas.openxmlformats.org/drawingml/2006/main" xmlns:r="http://schemas.openxmlformats.org/officeDocument/2006/relationships" xmlns:p="http://schemas.openxmlformats.org/presentationml/2006/main">
+  <p:cSld>
+    <p:spTree>
+      <p:nvGrpSpPr>
+        <p:cNvPr id="1" name=""/>
+        <p:cNvGrpSpPr/>
+        <p:nvPr/>
+      </p:nvGrpSpPr>
+      <p:grpSpPr>
+        <a:xfrm>
+          <a:off x="0" y="0"/>
+          <a:ext cx="0" cy="0"/>
+          <a:chOff x="0" y="0"/>
+          <a:chExt cx="0" cy="0"/>
+        </a:xfrm>
+      </p:grpSpPr>
+      <p:sp>
+        <p:nvSpPr>
+          <p:cNvPr id="2" name="Folienbildplatzhalter 1"/>
+          <p:cNvSpPr>
+            <a:spLocks noGrp="1" noRot="1" noChangeAspect="1"/>
+          </p:cNvSpPr>
+          <p:nvPr>
+            <p:ph type="sldImg"/>
+          </p:nvPr>
+        </p:nvSpPr>
+        <p:spPr/>
+      </p:sp>
+      <p:sp>
+        <p:nvSpPr>
+          <p:cNvPr id="3" name="Notizenplatzhalter 2"/>
+          <p:cNvSpPr>
+            <a:spLocks noGrp="1"/>
+          </p:cNvSpPr>
+          <p:nvPr>
+            <p:ph type="body" idx="1"/>
+          </p:nvPr>
+        </p:nvSpPr>
+        <p:spPr/>
+        <p:txBody>
+          <a:bodyPr/>
+          <a:lstStyle/>
+          <a:p>
+            <a:endParaRPr lang="de-CH"/>
+          </a:p>
+        </p:txBody>
+      </p:sp>
+      <p:sp>
+        <p:nvSpPr>
+          <p:cNvPr id="4" name="Foliennummernplatzhalter 3"/>
+          <p:cNvSpPr>
+            <a:spLocks noGrp="1"/>
+          </p:cNvSpPr>
+          <p:nvPr>
+            <p:ph type="sldNum" sz="quarter" idx="10"/>
+          </p:nvPr>
+        </p:nvSpPr>
+        <p:spPr/>
+        <p:txBody>
+          <a:bodyPr/>
+          <a:lstStyle/>
+          <a:p>
+            <a:fld id="{112C3873-BA08-40A5-BDCC-B6406E6CD40B}" type="slidenum">
+              <a:rPr lang="de-DE" smtClean="0"/>
+              <a:t>19</a:t>
+            </a:fld>
+            <a:endParaRPr lang="de-DE"/>
+          </a:p>
+        </p:txBody>
+      </p:sp>
+    </p:spTree>
+    <p:extLst>
+      <p:ext uri="{BB962C8B-B14F-4D97-AF65-F5344CB8AC3E}">
+        <p14:creationId xmlns:p14="http://schemas.microsoft.com/office/powerpoint/2010/main" val="1642564434"/>
       </p:ext>
     </p:extLst>
   </p:cSld>
@@ -1647,12 +1926,8 @@
           <a:lstStyle/>
           <a:p>
             <a:r>
-              <a:rPr lang="en-US" dirty="0"/>
-              <a:t>JSX </a:t>
-            </a:r>
-            <a:r>
               <a:rPr lang="en-US" dirty="0" err="1"/>
-              <a:t>wird</a:t>
+              <a:t>Applikation</a:t>
             </a:r>
             <a:r>
               <a:rPr lang="en-US" dirty="0"/>
@@ -1660,7 +1935,599 @@
             </a:r>
             <a:r>
               <a:rPr lang="en-US" dirty="0" err="1"/>
-              <a:t>zu</a:t>
+              <a:t>zeigen</a:t>
+            </a:r>
+            <a:endParaRPr lang="de-CH" dirty="0"/>
+          </a:p>
+        </p:txBody>
+      </p:sp>
+      <p:sp>
+        <p:nvSpPr>
+          <p:cNvPr id="4" name="Foliennummernplatzhalter 3"/>
+          <p:cNvSpPr>
+            <a:spLocks noGrp="1"/>
+          </p:cNvSpPr>
+          <p:nvPr>
+            <p:ph type="sldNum" sz="quarter" idx="10"/>
+          </p:nvPr>
+        </p:nvSpPr>
+        <p:spPr/>
+        <p:txBody>
+          <a:bodyPr/>
+          <a:lstStyle/>
+          <a:p>
+            <a:fld id="{112C3873-BA08-40A5-BDCC-B6406E6CD40B}" type="slidenum">
+              <a:rPr lang="de-DE" smtClean="0"/>
+              <a:t>2</a:t>
+            </a:fld>
+            <a:endParaRPr lang="de-DE"/>
+          </a:p>
+        </p:txBody>
+      </p:sp>
+    </p:spTree>
+    <p:extLst>
+      <p:ext uri="{BB962C8B-B14F-4D97-AF65-F5344CB8AC3E}">
+        <p14:creationId xmlns:p14="http://schemas.microsoft.com/office/powerpoint/2010/main" val="3010399255"/>
+      </p:ext>
+    </p:extLst>
+  </p:cSld>
+  <p:clrMapOvr>
+    <a:masterClrMapping/>
+  </p:clrMapOvr>
+</p:notes>
+</file>
+
+<file path=ppt/notesSlides/notesSlide20.xml><?xml version="1.0" encoding="utf-8"?>
+<p:notes xmlns:a="http://schemas.openxmlformats.org/drawingml/2006/main" xmlns:r="http://schemas.openxmlformats.org/officeDocument/2006/relationships" xmlns:p="http://schemas.openxmlformats.org/presentationml/2006/main">
+  <p:cSld>
+    <p:spTree>
+      <p:nvGrpSpPr>
+        <p:cNvPr id="1" name=""/>
+        <p:cNvGrpSpPr/>
+        <p:nvPr/>
+      </p:nvGrpSpPr>
+      <p:grpSpPr>
+        <a:xfrm>
+          <a:off x="0" y="0"/>
+          <a:ext cx="0" cy="0"/>
+          <a:chOff x="0" y="0"/>
+          <a:chExt cx="0" cy="0"/>
+        </a:xfrm>
+      </p:grpSpPr>
+      <p:sp>
+        <p:nvSpPr>
+          <p:cNvPr id="2" name="Folienbildplatzhalter 1"/>
+          <p:cNvSpPr>
+            <a:spLocks noGrp="1" noRot="1" noChangeAspect="1"/>
+          </p:cNvSpPr>
+          <p:nvPr>
+            <p:ph type="sldImg"/>
+          </p:nvPr>
+        </p:nvSpPr>
+        <p:spPr/>
+      </p:sp>
+      <p:sp>
+        <p:nvSpPr>
+          <p:cNvPr id="3" name="Notizenplatzhalter 2"/>
+          <p:cNvSpPr>
+            <a:spLocks noGrp="1"/>
+          </p:cNvSpPr>
+          <p:nvPr>
+            <p:ph type="body" idx="1"/>
+          </p:nvPr>
+        </p:nvSpPr>
+        <p:spPr/>
+        <p:txBody>
+          <a:bodyPr/>
+          <a:lstStyle/>
+          <a:p>
+            <a:endParaRPr lang="de-CH"/>
+          </a:p>
+        </p:txBody>
+      </p:sp>
+      <p:sp>
+        <p:nvSpPr>
+          <p:cNvPr id="4" name="Foliennummernplatzhalter 3"/>
+          <p:cNvSpPr>
+            <a:spLocks noGrp="1"/>
+          </p:cNvSpPr>
+          <p:nvPr>
+            <p:ph type="sldNum" sz="quarter" idx="10"/>
+          </p:nvPr>
+        </p:nvSpPr>
+        <p:spPr/>
+        <p:txBody>
+          <a:bodyPr/>
+          <a:lstStyle/>
+          <a:p>
+            <a:fld id="{112C3873-BA08-40A5-BDCC-B6406E6CD40B}" type="slidenum">
+              <a:rPr lang="de-DE" smtClean="0"/>
+              <a:t>20</a:t>
+            </a:fld>
+            <a:endParaRPr lang="de-DE"/>
+          </a:p>
+        </p:txBody>
+      </p:sp>
+    </p:spTree>
+    <p:extLst>
+      <p:ext uri="{BB962C8B-B14F-4D97-AF65-F5344CB8AC3E}">
+        <p14:creationId xmlns:p14="http://schemas.microsoft.com/office/powerpoint/2010/main" val="35820602"/>
+      </p:ext>
+    </p:extLst>
+  </p:cSld>
+  <p:clrMapOvr>
+    <a:masterClrMapping/>
+  </p:clrMapOvr>
+</p:notes>
+</file>
+
+<file path=ppt/notesSlides/notesSlide21.xml><?xml version="1.0" encoding="utf-8"?>
+<p:notes xmlns:a="http://schemas.openxmlformats.org/drawingml/2006/main" xmlns:r="http://schemas.openxmlformats.org/officeDocument/2006/relationships" xmlns:p="http://schemas.openxmlformats.org/presentationml/2006/main">
+  <p:cSld>
+    <p:spTree>
+      <p:nvGrpSpPr>
+        <p:cNvPr id="1" name=""/>
+        <p:cNvGrpSpPr/>
+        <p:nvPr/>
+      </p:nvGrpSpPr>
+      <p:grpSpPr>
+        <a:xfrm>
+          <a:off x="0" y="0"/>
+          <a:ext cx="0" cy="0"/>
+          <a:chOff x="0" y="0"/>
+          <a:chExt cx="0" cy="0"/>
+        </a:xfrm>
+      </p:grpSpPr>
+      <p:sp>
+        <p:nvSpPr>
+          <p:cNvPr id="2" name="Folienbildplatzhalter 1"/>
+          <p:cNvSpPr>
+            <a:spLocks noGrp="1" noRot="1" noChangeAspect="1"/>
+          </p:cNvSpPr>
+          <p:nvPr>
+            <p:ph type="sldImg"/>
+          </p:nvPr>
+        </p:nvSpPr>
+        <p:spPr/>
+      </p:sp>
+      <p:sp>
+        <p:nvSpPr>
+          <p:cNvPr id="3" name="Notizenplatzhalter 2"/>
+          <p:cNvSpPr>
+            <a:spLocks noGrp="1"/>
+          </p:cNvSpPr>
+          <p:nvPr>
+            <p:ph type="body" idx="1"/>
+          </p:nvPr>
+        </p:nvSpPr>
+        <p:spPr/>
+        <p:txBody>
+          <a:bodyPr/>
+          <a:lstStyle/>
+          <a:p>
+            <a:endParaRPr lang="de-CH"/>
+          </a:p>
+        </p:txBody>
+      </p:sp>
+      <p:sp>
+        <p:nvSpPr>
+          <p:cNvPr id="4" name="Foliennummernplatzhalter 3"/>
+          <p:cNvSpPr>
+            <a:spLocks noGrp="1"/>
+          </p:cNvSpPr>
+          <p:nvPr>
+            <p:ph type="sldNum" sz="quarter" idx="10"/>
+          </p:nvPr>
+        </p:nvSpPr>
+        <p:spPr/>
+        <p:txBody>
+          <a:bodyPr/>
+          <a:lstStyle/>
+          <a:p>
+            <a:fld id="{112C3873-BA08-40A5-BDCC-B6406E6CD40B}" type="slidenum">
+              <a:rPr lang="de-DE" smtClean="0"/>
+              <a:t>21</a:t>
+            </a:fld>
+            <a:endParaRPr lang="de-DE"/>
+          </a:p>
+        </p:txBody>
+      </p:sp>
+    </p:spTree>
+    <p:extLst>
+      <p:ext uri="{BB962C8B-B14F-4D97-AF65-F5344CB8AC3E}">
+        <p14:creationId xmlns:p14="http://schemas.microsoft.com/office/powerpoint/2010/main" val="4005422971"/>
+      </p:ext>
+    </p:extLst>
+  </p:cSld>
+  <p:clrMapOvr>
+    <a:masterClrMapping/>
+  </p:clrMapOvr>
+</p:notes>
+</file>
+
+<file path=ppt/notesSlides/notesSlide22.xml><?xml version="1.0" encoding="utf-8"?>
+<p:notes xmlns:a="http://schemas.openxmlformats.org/drawingml/2006/main" xmlns:r="http://schemas.openxmlformats.org/officeDocument/2006/relationships" xmlns:p="http://schemas.openxmlformats.org/presentationml/2006/main">
+  <p:cSld>
+    <p:spTree>
+      <p:nvGrpSpPr>
+        <p:cNvPr id="1" name=""/>
+        <p:cNvGrpSpPr/>
+        <p:nvPr/>
+      </p:nvGrpSpPr>
+      <p:grpSpPr>
+        <a:xfrm>
+          <a:off x="0" y="0"/>
+          <a:ext cx="0" cy="0"/>
+          <a:chOff x="0" y="0"/>
+          <a:chExt cx="0" cy="0"/>
+        </a:xfrm>
+      </p:grpSpPr>
+      <p:sp>
+        <p:nvSpPr>
+          <p:cNvPr id="2" name="Folienbildplatzhalter 1"/>
+          <p:cNvSpPr>
+            <a:spLocks noGrp="1" noRot="1" noChangeAspect="1"/>
+          </p:cNvSpPr>
+          <p:nvPr>
+            <p:ph type="sldImg"/>
+          </p:nvPr>
+        </p:nvSpPr>
+        <p:spPr/>
+      </p:sp>
+      <p:sp>
+        <p:nvSpPr>
+          <p:cNvPr id="3" name="Notizenplatzhalter 2"/>
+          <p:cNvSpPr>
+            <a:spLocks noGrp="1"/>
+          </p:cNvSpPr>
+          <p:nvPr>
+            <p:ph type="body" idx="1"/>
+          </p:nvPr>
+        </p:nvSpPr>
+        <p:spPr/>
+        <p:txBody>
+          <a:bodyPr/>
+          <a:lstStyle/>
+          <a:p>
+            <a:endParaRPr lang="de-CH"/>
+          </a:p>
+        </p:txBody>
+      </p:sp>
+      <p:sp>
+        <p:nvSpPr>
+          <p:cNvPr id="4" name="Foliennummernplatzhalter 3"/>
+          <p:cNvSpPr>
+            <a:spLocks noGrp="1"/>
+          </p:cNvSpPr>
+          <p:nvPr>
+            <p:ph type="sldNum" sz="quarter" idx="10"/>
+          </p:nvPr>
+        </p:nvSpPr>
+        <p:spPr/>
+        <p:txBody>
+          <a:bodyPr/>
+          <a:lstStyle/>
+          <a:p>
+            <a:fld id="{112C3873-BA08-40A5-BDCC-B6406E6CD40B}" type="slidenum">
+              <a:rPr lang="de-DE" smtClean="0"/>
+              <a:t>22</a:t>
+            </a:fld>
+            <a:endParaRPr lang="de-DE"/>
+          </a:p>
+        </p:txBody>
+      </p:sp>
+    </p:spTree>
+    <p:extLst>
+      <p:ext uri="{BB962C8B-B14F-4D97-AF65-F5344CB8AC3E}">
+        <p14:creationId xmlns:p14="http://schemas.microsoft.com/office/powerpoint/2010/main" val="3572393005"/>
+      </p:ext>
+    </p:extLst>
+  </p:cSld>
+  <p:clrMapOvr>
+    <a:masterClrMapping/>
+  </p:clrMapOvr>
+</p:notes>
+</file>
+
+<file path=ppt/notesSlides/notesSlide23.xml><?xml version="1.0" encoding="utf-8"?>
+<p:notes xmlns:a="http://schemas.openxmlformats.org/drawingml/2006/main" xmlns:r="http://schemas.openxmlformats.org/officeDocument/2006/relationships" xmlns:p="http://schemas.openxmlformats.org/presentationml/2006/main">
+  <p:cSld>
+    <p:spTree>
+      <p:nvGrpSpPr>
+        <p:cNvPr id="1" name=""/>
+        <p:cNvGrpSpPr/>
+        <p:nvPr/>
+      </p:nvGrpSpPr>
+      <p:grpSpPr>
+        <a:xfrm>
+          <a:off x="0" y="0"/>
+          <a:ext cx="0" cy="0"/>
+          <a:chOff x="0" y="0"/>
+          <a:chExt cx="0" cy="0"/>
+        </a:xfrm>
+      </p:grpSpPr>
+      <p:sp>
+        <p:nvSpPr>
+          <p:cNvPr id="2" name="Folienbildplatzhalter 1"/>
+          <p:cNvSpPr>
+            <a:spLocks noGrp="1" noRot="1" noChangeAspect="1"/>
+          </p:cNvSpPr>
+          <p:nvPr>
+            <p:ph type="sldImg"/>
+          </p:nvPr>
+        </p:nvSpPr>
+        <p:spPr/>
+      </p:sp>
+      <p:sp>
+        <p:nvSpPr>
+          <p:cNvPr id="3" name="Notizenplatzhalter 2"/>
+          <p:cNvSpPr>
+            <a:spLocks noGrp="1"/>
+          </p:cNvSpPr>
+          <p:nvPr>
+            <p:ph type="body" idx="1"/>
+          </p:nvPr>
+        </p:nvSpPr>
+        <p:spPr/>
+        <p:txBody>
+          <a:bodyPr/>
+          <a:lstStyle/>
+          <a:p>
+            <a:endParaRPr lang="de-CH"/>
+          </a:p>
+        </p:txBody>
+      </p:sp>
+      <p:sp>
+        <p:nvSpPr>
+          <p:cNvPr id="4" name="Foliennummernplatzhalter 3"/>
+          <p:cNvSpPr>
+            <a:spLocks noGrp="1"/>
+          </p:cNvSpPr>
+          <p:nvPr>
+            <p:ph type="sldNum" sz="quarter" idx="10"/>
+          </p:nvPr>
+        </p:nvSpPr>
+        <p:spPr/>
+        <p:txBody>
+          <a:bodyPr/>
+          <a:lstStyle/>
+          <a:p>
+            <a:fld id="{112C3873-BA08-40A5-BDCC-B6406E6CD40B}" type="slidenum">
+              <a:rPr lang="de-DE" smtClean="0"/>
+              <a:t>23</a:t>
+            </a:fld>
+            <a:endParaRPr lang="de-DE"/>
+          </a:p>
+        </p:txBody>
+      </p:sp>
+    </p:spTree>
+    <p:extLst>
+      <p:ext uri="{BB962C8B-B14F-4D97-AF65-F5344CB8AC3E}">
+        <p14:creationId xmlns:p14="http://schemas.microsoft.com/office/powerpoint/2010/main" val="4187939582"/>
+      </p:ext>
+    </p:extLst>
+  </p:cSld>
+  <p:clrMapOvr>
+    <a:masterClrMapping/>
+  </p:clrMapOvr>
+</p:notes>
+</file>
+
+<file path=ppt/notesSlides/notesSlide24.xml><?xml version="1.0" encoding="utf-8"?>
+<p:notes xmlns:a="http://schemas.openxmlformats.org/drawingml/2006/main" xmlns:r="http://schemas.openxmlformats.org/officeDocument/2006/relationships" xmlns:p="http://schemas.openxmlformats.org/presentationml/2006/main">
+  <p:cSld>
+    <p:spTree>
+      <p:nvGrpSpPr>
+        <p:cNvPr id="1" name=""/>
+        <p:cNvGrpSpPr/>
+        <p:nvPr/>
+      </p:nvGrpSpPr>
+      <p:grpSpPr>
+        <a:xfrm>
+          <a:off x="0" y="0"/>
+          <a:ext cx="0" cy="0"/>
+          <a:chOff x="0" y="0"/>
+          <a:chExt cx="0" cy="0"/>
+        </a:xfrm>
+      </p:grpSpPr>
+      <p:sp>
+        <p:nvSpPr>
+          <p:cNvPr id="2" name="Folienbildplatzhalter 1"/>
+          <p:cNvSpPr>
+            <a:spLocks noGrp="1" noRot="1" noChangeAspect="1"/>
+          </p:cNvSpPr>
+          <p:nvPr>
+            <p:ph type="sldImg"/>
+          </p:nvPr>
+        </p:nvSpPr>
+        <p:spPr/>
+      </p:sp>
+      <p:sp>
+        <p:nvSpPr>
+          <p:cNvPr id="3" name="Notizenplatzhalter 2"/>
+          <p:cNvSpPr>
+            <a:spLocks noGrp="1"/>
+          </p:cNvSpPr>
+          <p:nvPr>
+            <p:ph type="body" idx="1"/>
+          </p:nvPr>
+        </p:nvSpPr>
+        <p:spPr/>
+        <p:txBody>
+          <a:bodyPr/>
+          <a:lstStyle/>
+          <a:p>
+            <a:endParaRPr lang="de-CH"/>
+          </a:p>
+        </p:txBody>
+      </p:sp>
+      <p:sp>
+        <p:nvSpPr>
+          <p:cNvPr id="4" name="Foliennummernplatzhalter 3"/>
+          <p:cNvSpPr>
+            <a:spLocks noGrp="1"/>
+          </p:cNvSpPr>
+          <p:nvPr>
+            <p:ph type="sldNum" sz="quarter" idx="10"/>
+          </p:nvPr>
+        </p:nvSpPr>
+        <p:spPr/>
+        <p:txBody>
+          <a:bodyPr/>
+          <a:lstStyle/>
+          <a:p>
+            <a:fld id="{112C3873-BA08-40A5-BDCC-B6406E6CD40B}" type="slidenum">
+              <a:rPr lang="de-DE" smtClean="0"/>
+              <a:t>24</a:t>
+            </a:fld>
+            <a:endParaRPr lang="de-DE"/>
+          </a:p>
+        </p:txBody>
+      </p:sp>
+    </p:spTree>
+    <p:extLst>
+      <p:ext uri="{BB962C8B-B14F-4D97-AF65-F5344CB8AC3E}">
+        <p14:creationId xmlns:p14="http://schemas.microsoft.com/office/powerpoint/2010/main" val="2975690536"/>
+      </p:ext>
+    </p:extLst>
+  </p:cSld>
+  <p:clrMapOvr>
+    <a:masterClrMapping/>
+  </p:clrMapOvr>
+</p:notes>
+</file>
+
+<file path=ppt/notesSlides/notesSlide25.xml><?xml version="1.0" encoding="utf-8"?>
+<p:notes xmlns:a="http://schemas.openxmlformats.org/drawingml/2006/main" xmlns:r="http://schemas.openxmlformats.org/officeDocument/2006/relationships" xmlns:p="http://schemas.openxmlformats.org/presentationml/2006/main">
+  <p:cSld>
+    <p:spTree>
+      <p:nvGrpSpPr>
+        <p:cNvPr id="1" name=""/>
+        <p:cNvGrpSpPr/>
+        <p:nvPr/>
+      </p:nvGrpSpPr>
+      <p:grpSpPr>
+        <a:xfrm>
+          <a:off x="0" y="0"/>
+          <a:ext cx="0" cy="0"/>
+          <a:chOff x="0" y="0"/>
+          <a:chExt cx="0" cy="0"/>
+        </a:xfrm>
+      </p:grpSpPr>
+      <p:sp>
+        <p:nvSpPr>
+          <p:cNvPr id="2" name="Folienbildplatzhalter 1"/>
+          <p:cNvSpPr>
+            <a:spLocks noGrp="1" noRot="1" noChangeAspect="1"/>
+          </p:cNvSpPr>
+          <p:nvPr>
+            <p:ph type="sldImg"/>
+          </p:nvPr>
+        </p:nvSpPr>
+        <p:spPr/>
+      </p:sp>
+      <p:sp>
+        <p:nvSpPr>
+          <p:cNvPr id="3" name="Notizenplatzhalter 2"/>
+          <p:cNvSpPr>
+            <a:spLocks noGrp="1"/>
+          </p:cNvSpPr>
+          <p:nvPr>
+            <p:ph type="body" idx="1"/>
+          </p:nvPr>
+        </p:nvSpPr>
+        <p:spPr/>
+        <p:txBody>
+          <a:bodyPr/>
+          <a:lstStyle/>
+          <a:p>
+            <a:endParaRPr lang="de-CH"/>
+          </a:p>
+        </p:txBody>
+      </p:sp>
+      <p:sp>
+        <p:nvSpPr>
+          <p:cNvPr id="4" name="Foliennummernplatzhalter 3"/>
+          <p:cNvSpPr>
+            <a:spLocks noGrp="1"/>
+          </p:cNvSpPr>
+          <p:nvPr>
+            <p:ph type="sldNum" sz="quarter" idx="10"/>
+          </p:nvPr>
+        </p:nvSpPr>
+        <p:spPr/>
+        <p:txBody>
+          <a:bodyPr/>
+          <a:lstStyle/>
+          <a:p>
+            <a:fld id="{112C3873-BA08-40A5-BDCC-B6406E6CD40B}" type="slidenum">
+              <a:rPr lang="de-DE" smtClean="0"/>
+              <a:t>25</a:t>
+            </a:fld>
+            <a:endParaRPr lang="de-DE"/>
+          </a:p>
+        </p:txBody>
+      </p:sp>
+    </p:spTree>
+    <p:extLst>
+      <p:ext uri="{BB962C8B-B14F-4D97-AF65-F5344CB8AC3E}">
+        <p14:creationId xmlns:p14="http://schemas.microsoft.com/office/powerpoint/2010/main" val="1906429696"/>
+      </p:ext>
+    </p:extLst>
+  </p:cSld>
+  <p:clrMapOvr>
+    <a:masterClrMapping/>
+  </p:clrMapOvr>
+</p:notes>
+</file>
+
+<file path=ppt/notesSlides/notesSlide26.xml><?xml version="1.0" encoding="utf-8"?>
+<p:notes xmlns:a="http://schemas.openxmlformats.org/drawingml/2006/main" xmlns:r="http://schemas.openxmlformats.org/officeDocument/2006/relationships" xmlns:p="http://schemas.openxmlformats.org/presentationml/2006/main">
+  <p:cSld>
+    <p:spTree>
+      <p:nvGrpSpPr>
+        <p:cNvPr id="1" name=""/>
+        <p:cNvGrpSpPr/>
+        <p:nvPr/>
+      </p:nvGrpSpPr>
+      <p:grpSpPr>
+        <a:xfrm>
+          <a:off x="0" y="0"/>
+          <a:ext cx="0" cy="0"/>
+          <a:chOff x="0" y="0"/>
+          <a:chExt cx="0" cy="0"/>
+        </a:xfrm>
+      </p:grpSpPr>
+      <p:sp>
+        <p:nvSpPr>
+          <p:cNvPr id="2" name="Folienbildplatzhalter 1"/>
+          <p:cNvSpPr>
+            <a:spLocks noGrp="1" noRot="1" noChangeAspect="1"/>
+          </p:cNvSpPr>
+          <p:nvPr>
+            <p:ph type="sldImg"/>
+          </p:nvPr>
+        </p:nvSpPr>
+        <p:spPr/>
+      </p:sp>
+      <p:sp>
+        <p:nvSpPr>
+          <p:cNvPr id="3" name="Notizenplatzhalter 2"/>
+          <p:cNvSpPr>
+            <a:spLocks noGrp="1"/>
+          </p:cNvSpPr>
+          <p:nvPr>
+            <p:ph type="body" idx="1"/>
+          </p:nvPr>
+        </p:nvSpPr>
+        <p:spPr/>
+        <p:txBody>
+          <a:bodyPr/>
+          <a:lstStyle/>
+          <a:p>
+            <a:r>
+              <a:rPr lang="en-US" dirty="0" err="1"/>
+              <a:t>Starte</a:t>
             </a:r>
             <a:r>
               <a:rPr lang="en-US" dirty="0"/>
@@ -1668,7 +2535,7 @@
             </a:r>
             <a:r>
               <a:rPr lang="en-US" dirty="0" err="1"/>
-              <a:t>Javascript</a:t>
+              <a:t>mit</a:t>
             </a:r>
             <a:r>
               <a:rPr lang="en-US" dirty="0"/>
@@ -1676,30 +2543,22 @@
             </a:r>
             <a:r>
               <a:rPr lang="en-US" dirty="0" err="1"/>
-              <a:t>übersetzt</a:t>
+              <a:t>PersonSearchPanel</a:t>
             </a:r>
             <a:endParaRPr lang="en-US" dirty="0"/>
           </a:p>
           <a:p>
             <a:r>
-              <a:rPr lang="en-US" dirty="0">
-                <a:sym typeface="Wingdings" panose="05000000000000000000" pitchFamily="2" charset="2"/>
-              </a:rPr>
-              <a:t> </a:t>
-            </a:r>
-            <a:r>
               <a:rPr lang="en-US" dirty="0" err="1"/>
-              <a:t>React.createElement</a:t>
-            </a:r>
-            <a:endParaRPr lang="en-US" dirty="0"/>
-          </a:p>
-          <a:p>
-            <a:endParaRPr lang="en-US" dirty="0"/>
-          </a:p>
-          <a:p>
+              <a:t>Baue</a:t>
+            </a:r>
+            <a:r>
+              <a:rPr lang="en-US" dirty="0"/>
+              <a:t> die </a:t>
+            </a:r>
             <a:r>
               <a:rPr lang="en-US" dirty="0" err="1"/>
-              <a:t>Benötigt</a:t>
+              <a:t>Logik</a:t>
             </a:r>
             <a:r>
               <a:rPr lang="en-US" dirty="0"/>
@@ -1707,13 +2566,64 @@
             </a:r>
             <a:r>
               <a:rPr lang="en-US" dirty="0" err="1"/>
-              <a:t>darum</a:t>
+              <a:t>ein</a:t>
             </a:r>
             <a:endParaRPr lang="en-US" dirty="0"/>
           </a:p>
           <a:p>
             <a:r>
-              <a:rPr lang="en-US" sz="1400" b="1" kern="1200" dirty="0">
+              <a:rPr lang="en-US" dirty="0" err="1"/>
+              <a:t>Splitte</a:t>
+            </a:r>
+            <a:r>
+              <a:rPr lang="en-US" dirty="0"/>
+              <a:t> die </a:t>
+            </a:r>
+            <a:r>
+              <a:rPr lang="en-US" dirty="0" err="1"/>
+              <a:t>Komponenten</a:t>
+            </a:r>
+            <a:endParaRPr lang="en-US" dirty="0"/>
+          </a:p>
+          <a:p>
+            <a:endParaRPr lang="en-US" dirty="0"/>
+          </a:p>
+          <a:p>
+            <a:r>
+              <a:rPr lang="en-US" dirty="0" err="1"/>
+              <a:t>Spezialitäten</a:t>
+            </a:r>
+            <a:r>
+              <a:rPr lang="en-US" dirty="0"/>
+              <a:t> </a:t>
+            </a:r>
+            <a:r>
+              <a:rPr lang="en-US" dirty="0" err="1"/>
+              <a:t>aufzeigen</a:t>
+            </a:r>
+            <a:endParaRPr lang="en-US" dirty="0"/>
+          </a:p>
+          <a:p>
+            <a:pPr marL="285750" indent="-285750">
+              <a:buFont typeface="Arial" panose="020B0604020202020204" pitchFamily="34" charset="0"/>
+              <a:buChar char="•"/>
+            </a:pPr>
+            <a:r>
+              <a:rPr lang="en-US" dirty="0" err="1"/>
+              <a:t>forEach</a:t>
+            </a:r>
+            <a:r>
+              <a:rPr lang="en-US" dirty="0"/>
+              <a:t> versus map</a:t>
+            </a:r>
+          </a:p>
+          <a:p>
+            <a:pPr marL="285750" indent="-285750">
+              <a:buFont typeface="Arial" panose="020B0604020202020204" pitchFamily="34" charset="0"/>
+              <a:buChar char="•"/>
+            </a:pPr>
+            <a:r>
+              <a:rPr lang="de-CH" sz="1400" b="1" kern="1200" dirty="0" err="1">
                 <a:solidFill>
                   <a:schemeClr val="tx1"/>
                 </a:solidFill>
@@ -1722,14 +2632,10 @@
                 <a:ea typeface="Open Sans Semibold" panose="020B0706030804020204" pitchFamily="34" charset="0"/>
                 <a:cs typeface="Open Sans Semibold" panose="020B0706030804020204" pitchFamily="34" charset="0"/>
               </a:rPr>
-              <a:t>import </a:t>
-            </a:r>
-            <a:r>
-              <a:rPr lang="en-US" dirty="0"/>
-              <a:t>React </a:t>
-            </a:r>
-            <a:r>
-              <a:rPr lang="en-US" sz="1400" b="1" kern="1200" dirty="0">
+              <a:t>function</a:t>
+            </a:r>
+            <a:r>
+              <a:rPr lang="de-CH" sz="1400" b="1" kern="1200" dirty="0">
                 <a:solidFill>
                   <a:schemeClr val="tx1"/>
                 </a:solidFill>
@@ -1738,44 +2644,71 @@
                 <a:ea typeface="Open Sans Semibold" panose="020B0706030804020204" pitchFamily="34" charset="0"/>
                 <a:cs typeface="Open Sans Semibold" panose="020B0706030804020204" pitchFamily="34" charset="0"/>
               </a:rPr>
-              <a:t>from 'react'</a:t>
-            </a:r>
-            <a:r>
-              <a:rPr lang="en-US" dirty="0"/>
-              <a:t>;</a:t>
-            </a:r>
-          </a:p>
-          <a:p>
-            <a:endParaRPr lang="en-US" dirty="0"/>
-          </a:p>
-          <a:p>
-            <a:r>
-              <a:rPr lang="en-US" dirty="0" err="1"/>
-              <a:t>Innerhalb</a:t>
-            </a:r>
-            <a:r>
-              <a:rPr lang="en-US" dirty="0"/>
-              <a:t> von {} </a:t>
-            </a:r>
-            <a:r>
-              <a:rPr lang="en-US" dirty="0" err="1"/>
-              <a:t>kann</a:t>
-            </a:r>
-            <a:r>
-              <a:rPr lang="en-US" dirty="0"/>
-              <a:t> man </a:t>
-            </a:r>
-            <a:r>
-              <a:rPr lang="en-US" dirty="0" err="1"/>
-              <a:t>Javascript</a:t>
-            </a:r>
-            <a:r>
-              <a:rPr lang="en-US" dirty="0"/>
               <a:t> </a:t>
             </a:r>
             <a:r>
-              <a:rPr lang="en-US" dirty="0" err="1"/>
-              <a:t>schreiben</a:t>
+              <a:rPr lang="de-CH" i="1" dirty="0" err="1">
+                <a:effectLst/>
+              </a:rPr>
+              <a:t>PersonHeader</a:t>
+            </a:r>
+            <a:r>
+              <a:rPr lang="de-CH" dirty="0"/>
+              <a:t>() {</a:t>
+            </a:r>
+          </a:p>
+          <a:p>
+            <a:pPr marL="285750" indent="-285750">
+              <a:buFont typeface="Arial" panose="020B0604020202020204" pitchFamily="34" charset="0"/>
+              <a:buChar char="•"/>
+            </a:pPr>
+            <a:r>
+              <a:rPr lang="de-CH" sz="1400" b="1" kern="1200" dirty="0" err="1">
+                <a:solidFill>
+                  <a:schemeClr val="tx1"/>
+                </a:solidFill>
+                <a:effectLst/>
+                <a:latin typeface="Open Sans Semibold" panose="020B0706030804020204" pitchFamily="34" charset="0"/>
+                <a:ea typeface="Open Sans Semibold" panose="020B0706030804020204" pitchFamily="34" charset="0"/>
+                <a:cs typeface="Open Sans Semibold" panose="020B0706030804020204" pitchFamily="34" charset="0"/>
+              </a:rPr>
+              <a:t>const</a:t>
+            </a:r>
+            <a:r>
+              <a:rPr lang="de-CH" sz="1400" b="1" kern="1200" dirty="0">
+                <a:solidFill>
+                  <a:schemeClr val="tx1"/>
+                </a:solidFill>
+                <a:effectLst/>
+                <a:latin typeface="Open Sans Semibold" panose="020B0706030804020204" pitchFamily="34" charset="0"/>
+                <a:ea typeface="Open Sans Semibold" panose="020B0706030804020204" pitchFamily="34" charset="0"/>
+                <a:cs typeface="Open Sans Semibold" panose="020B0706030804020204" pitchFamily="34" charset="0"/>
+              </a:rPr>
+              <a:t> </a:t>
+            </a:r>
+            <a:r>
+              <a:rPr lang="de-CH" i="1" dirty="0" err="1">
+                <a:effectLst/>
+              </a:rPr>
+              <a:t>PersonRow</a:t>
+            </a:r>
+            <a:r>
+              <a:rPr lang="de-CH" i="1" dirty="0">
+                <a:effectLst/>
+              </a:rPr>
+              <a:t> </a:t>
+            </a:r>
+            <a:r>
+              <a:rPr lang="de-CH" dirty="0"/>
+              <a:t>= (</a:t>
+            </a:r>
+            <a:r>
+              <a:rPr lang="de-CH" dirty="0" err="1"/>
+              <a:t>props</a:t>
+            </a:r>
+            <a:r>
+              <a:rPr lang="de-CH"/>
+              <a:t>) =&gt; {</a:t>
             </a:r>
             <a:endParaRPr lang="de-CH" dirty="0"/>
           </a:p>
@@ -1798,7 +2731,7 @@
           <a:p>
             <a:fld id="{112C3873-BA08-40A5-BDCC-B6406E6CD40B}" type="slidenum">
               <a:rPr lang="de-DE" smtClean="0"/>
-              <a:t>3</a:t>
+              <a:t>26</a:t>
             </a:fld>
             <a:endParaRPr lang="de-DE"/>
           </a:p>
@@ -1807,7 +2740,259 @@
     </p:spTree>
     <p:extLst>
       <p:ext uri="{BB962C8B-B14F-4D97-AF65-F5344CB8AC3E}">
-        <p14:creationId xmlns:p14="http://schemas.microsoft.com/office/powerpoint/2010/main" val="1206456471"/>
+        <p14:creationId xmlns:p14="http://schemas.microsoft.com/office/powerpoint/2010/main" val="1046332241"/>
+      </p:ext>
+    </p:extLst>
+  </p:cSld>
+  <p:clrMapOvr>
+    <a:masterClrMapping/>
+  </p:clrMapOvr>
+</p:notes>
+</file>
+
+<file path=ppt/notesSlides/notesSlide27.xml><?xml version="1.0" encoding="utf-8"?>
+<p:notes xmlns:a="http://schemas.openxmlformats.org/drawingml/2006/main" xmlns:r="http://schemas.openxmlformats.org/officeDocument/2006/relationships" xmlns:p="http://schemas.openxmlformats.org/presentationml/2006/main">
+  <p:cSld>
+    <p:spTree>
+      <p:nvGrpSpPr>
+        <p:cNvPr id="1" name=""/>
+        <p:cNvGrpSpPr/>
+        <p:nvPr/>
+      </p:nvGrpSpPr>
+      <p:grpSpPr>
+        <a:xfrm>
+          <a:off x="0" y="0"/>
+          <a:ext cx="0" cy="0"/>
+          <a:chOff x="0" y="0"/>
+          <a:chExt cx="0" cy="0"/>
+        </a:xfrm>
+      </p:grpSpPr>
+      <p:sp>
+        <p:nvSpPr>
+          <p:cNvPr id="2" name="Folienbildplatzhalter 1"/>
+          <p:cNvSpPr>
+            <a:spLocks noGrp="1" noRot="1" noChangeAspect="1"/>
+          </p:cNvSpPr>
+          <p:nvPr>
+            <p:ph type="sldImg"/>
+          </p:nvPr>
+        </p:nvSpPr>
+        <p:spPr/>
+      </p:sp>
+      <p:sp>
+        <p:nvSpPr>
+          <p:cNvPr id="3" name="Notizenplatzhalter 2"/>
+          <p:cNvSpPr>
+            <a:spLocks noGrp="1"/>
+          </p:cNvSpPr>
+          <p:nvPr>
+            <p:ph type="body" idx="1"/>
+          </p:nvPr>
+        </p:nvSpPr>
+        <p:spPr/>
+        <p:txBody>
+          <a:bodyPr/>
+          <a:lstStyle/>
+          <a:p>
+            <a:endParaRPr lang="de-CH"/>
+          </a:p>
+        </p:txBody>
+      </p:sp>
+      <p:sp>
+        <p:nvSpPr>
+          <p:cNvPr id="4" name="Foliennummernplatzhalter 3"/>
+          <p:cNvSpPr>
+            <a:spLocks noGrp="1"/>
+          </p:cNvSpPr>
+          <p:nvPr>
+            <p:ph type="sldNum" sz="quarter" idx="10"/>
+          </p:nvPr>
+        </p:nvSpPr>
+        <p:spPr/>
+        <p:txBody>
+          <a:bodyPr/>
+          <a:lstStyle/>
+          <a:p>
+            <a:fld id="{112C3873-BA08-40A5-BDCC-B6406E6CD40B}" type="slidenum">
+              <a:rPr lang="de-DE" smtClean="0"/>
+              <a:t>27</a:t>
+            </a:fld>
+            <a:endParaRPr lang="de-DE"/>
+          </a:p>
+        </p:txBody>
+      </p:sp>
+    </p:spTree>
+    <p:extLst>
+      <p:ext uri="{BB962C8B-B14F-4D97-AF65-F5344CB8AC3E}">
+        <p14:creationId xmlns:p14="http://schemas.microsoft.com/office/powerpoint/2010/main" val="3611292749"/>
+      </p:ext>
+    </p:extLst>
+  </p:cSld>
+  <p:clrMapOvr>
+    <a:masterClrMapping/>
+  </p:clrMapOvr>
+</p:notes>
+</file>
+
+<file path=ppt/notesSlides/notesSlide28.xml><?xml version="1.0" encoding="utf-8"?>
+<p:notes xmlns:a="http://schemas.openxmlformats.org/drawingml/2006/main" xmlns:r="http://schemas.openxmlformats.org/officeDocument/2006/relationships" xmlns:p="http://schemas.openxmlformats.org/presentationml/2006/main">
+  <p:cSld>
+    <p:spTree>
+      <p:nvGrpSpPr>
+        <p:cNvPr id="1" name=""/>
+        <p:cNvGrpSpPr/>
+        <p:nvPr/>
+      </p:nvGrpSpPr>
+      <p:grpSpPr>
+        <a:xfrm>
+          <a:off x="0" y="0"/>
+          <a:ext cx="0" cy="0"/>
+          <a:chOff x="0" y="0"/>
+          <a:chExt cx="0" cy="0"/>
+        </a:xfrm>
+      </p:grpSpPr>
+      <p:sp>
+        <p:nvSpPr>
+          <p:cNvPr id="2" name="Folienbildplatzhalter 1"/>
+          <p:cNvSpPr>
+            <a:spLocks noGrp="1" noRot="1" noChangeAspect="1"/>
+          </p:cNvSpPr>
+          <p:nvPr>
+            <p:ph type="sldImg"/>
+          </p:nvPr>
+        </p:nvSpPr>
+        <p:spPr/>
+      </p:sp>
+      <p:sp>
+        <p:nvSpPr>
+          <p:cNvPr id="3" name="Notizenplatzhalter 2"/>
+          <p:cNvSpPr>
+            <a:spLocks noGrp="1"/>
+          </p:cNvSpPr>
+          <p:nvPr>
+            <p:ph type="body" idx="1"/>
+          </p:nvPr>
+        </p:nvSpPr>
+        <p:spPr/>
+        <p:txBody>
+          <a:bodyPr/>
+          <a:lstStyle/>
+          <a:p>
+            <a:endParaRPr lang="de-CH"/>
+          </a:p>
+        </p:txBody>
+      </p:sp>
+      <p:sp>
+        <p:nvSpPr>
+          <p:cNvPr id="4" name="Foliennummernplatzhalter 3"/>
+          <p:cNvSpPr>
+            <a:spLocks noGrp="1"/>
+          </p:cNvSpPr>
+          <p:nvPr>
+            <p:ph type="sldNum" sz="quarter" idx="10"/>
+          </p:nvPr>
+        </p:nvSpPr>
+        <p:spPr/>
+        <p:txBody>
+          <a:bodyPr/>
+          <a:lstStyle/>
+          <a:p>
+            <a:fld id="{112C3873-BA08-40A5-BDCC-B6406E6CD40B}" type="slidenum">
+              <a:rPr lang="de-DE" smtClean="0"/>
+              <a:t>28</a:t>
+            </a:fld>
+            <a:endParaRPr lang="de-DE"/>
+          </a:p>
+        </p:txBody>
+      </p:sp>
+    </p:spTree>
+    <p:extLst>
+      <p:ext uri="{BB962C8B-B14F-4D97-AF65-F5344CB8AC3E}">
+        <p14:creationId xmlns:p14="http://schemas.microsoft.com/office/powerpoint/2010/main" val="3893666520"/>
+      </p:ext>
+    </p:extLst>
+  </p:cSld>
+  <p:clrMapOvr>
+    <a:masterClrMapping/>
+  </p:clrMapOvr>
+</p:notes>
+</file>
+
+<file path=ppt/notesSlides/notesSlide29.xml><?xml version="1.0" encoding="utf-8"?>
+<p:notes xmlns:a="http://schemas.openxmlformats.org/drawingml/2006/main" xmlns:r="http://schemas.openxmlformats.org/officeDocument/2006/relationships" xmlns:p="http://schemas.openxmlformats.org/presentationml/2006/main">
+  <p:cSld>
+    <p:spTree>
+      <p:nvGrpSpPr>
+        <p:cNvPr id="1" name=""/>
+        <p:cNvGrpSpPr/>
+        <p:nvPr/>
+      </p:nvGrpSpPr>
+      <p:grpSpPr>
+        <a:xfrm>
+          <a:off x="0" y="0"/>
+          <a:ext cx="0" cy="0"/>
+          <a:chOff x="0" y="0"/>
+          <a:chExt cx="0" cy="0"/>
+        </a:xfrm>
+      </p:grpSpPr>
+      <p:sp>
+        <p:nvSpPr>
+          <p:cNvPr id="2" name="Folienbildplatzhalter 1"/>
+          <p:cNvSpPr>
+            <a:spLocks noGrp="1" noRot="1" noChangeAspect="1"/>
+          </p:cNvSpPr>
+          <p:nvPr>
+            <p:ph type="sldImg"/>
+          </p:nvPr>
+        </p:nvSpPr>
+        <p:spPr/>
+      </p:sp>
+      <p:sp>
+        <p:nvSpPr>
+          <p:cNvPr id="3" name="Notizenplatzhalter 2"/>
+          <p:cNvSpPr>
+            <a:spLocks noGrp="1"/>
+          </p:cNvSpPr>
+          <p:nvPr>
+            <p:ph type="body" idx="1"/>
+          </p:nvPr>
+        </p:nvSpPr>
+        <p:spPr/>
+        <p:txBody>
+          <a:bodyPr/>
+          <a:lstStyle/>
+          <a:p>
+            <a:endParaRPr lang="de-CH"/>
+          </a:p>
+        </p:txBody>
+      </p:sp>
+      <p:sp>
+        <p:nvSpPr>
+          <p:cNvPr id="4" name="Foliennummernplatzhalter 3"/>
+          <p:cNvSpPr>
+            <a:spLocks noGrp="1"/>
+          </p:cNvSpPr>
+          <p:nvPr>
+            <p:ph type="sldNum" sz="quarter" idx="10"/>
+          </p:nvPr>
+        </p:nvSpPr>
+        <p:spPr/>
+        <p:txBody>
+          <a:bodyPr/>
+          <a:lstStyle/>
+          <a:p>
+            <a:fld id="{112C3873-BA08-40A5-BDCC-B6406E6CD40B}" type="slidenum">
+              <a:rPr lang="de-DE" smtClean="0"/>
+              <a:t>29</a:t>
+            </a:fld>
+            <a:endParaRPr lang="de-DE"/>
+          </a:p>
+        </p:txBody>
+      </p:sp>
+    </p:spTree>
+    <p:extLst>
+      <p:ext uri="{BB962C8B-B14F-4D97-AF65-F5344CB8AC3E}">
+        <p14:creationId xmlns:p14="http://schemas.microsoft.com/office/powerpoint/2010/main" val="1053655168"/>
       </p:ext>
     </p:extLst>
   </p:cSld>
@@ -1861,6 +3046,137 @@
           <a:bodyPr/>
           <a:lstStyle/>
           <a:p>
+            <a:r>
+              <a:rPr lang="en-US" dirty="0"/>
+              <a:t>JSX </a:t>
+            </a:r>
+            <a:r>
+              <a:rPr lang="en-US" dirty="0" err="1"/>
+              <a:t>wird</a:t>
+            </a:r>
+            <a:r>
+              <a:rPr lang="en-US" dirty="0"/>
+              <a:t> </a:t>
+            </a:r>
+            <a:r>
+              <a:rPr lang="en-US" dirty="0" err="1"/>
+              <a:t>zu</a:t>
+            </a:r>
+            <a:r>
+              <a:rPr lang="en-US" dirty="0"/>
+              <a:t> </a:t>
+            </a:r>
+            <a:r>
+              <a:rPr lang="en-US" dirty="0" err="1"/>
+              <a:t>Javascript</a:t>
+            </a:r>
+            <a:r>
+              <a:rPr lang="en-US" dirty="0"/>
+              <a:t> </a:t>
+            </a:r>
+            <a:r>
+              <a:rPr lang="en-US" dirty="0" err="1"/>
+              <a:t>übersetzt</a:t>
+            </a:r>
+            <a:endParaRPr lang="en-US" dirty="0"/>
+          </a:p>
+          <a:p>
+            <a:r>
+              <a:rPr lang="en-US" dirty="0">
+                <a:sym typeface="Wingdings" panose="05000000000000000000" pitchFamily="2" charset="2"/>
+              </a:rPr>
+              <a:t> </a:t>
+            </a:r>
+            <a:r>
+              <a:rPr lang="en-US" dirty="0" err="1"/>
+              <a:t>React.createElement</a:t>
+            </a:r>
+            <a:endParaRPr lang="en-US" dirty="0"/>
+          </a:p>
+          <a:p>
+            <a:endParaRPr lang="en-US" dirty="0"/>
+          </a:p>
+          <a:p>
+            <a:r>
+              <a:rPr lang="en-US" dirty="0" err="1"/>
+              <a:t>Benötigt</a:t>
+            </a:r>
+            <a:r>
+              <a:rPr lang="en-US" dirty="0"/>
+              <a:t> </a:t>
+            </a:r>
+            <a:r>
+              <a:rPr lang="en-US" dirty="0" err="1"/>
+              <a:t>darum</a:t>
+            </a:r>
+            <a:endParaRPr lang="en-US" dirty="0"/>
+          </a:p>
+          <a:p>
+            <a:r>
+              <a:rPr lang="en-US" sz="1400" b="1" kern="1200" dirty="0">
+                <a:solidFill>
+                  <a:schemeClr val="tx1"/>
+                </a:solidFill>
+                <a:effectLst/>
+                <a:latin typeface="Open Sans Semibold" panose="020B0706030804020204" pitchFamily="34" charset="0"/>
+                <a:ea typeface="Open Sans Semibold" panose="020B0706030804020204" pitchFamily="34" charset="0"/>
+                <a:cs typeface="Open Sans Semibold" panose="020B0706030804020204" pitchFamily="34" charset="0"/>
+              </a:rPr>
+              <a:t>import </a:t>
+            </a:r>
+            <a:r>
+              <a:rPr lang="en-US" dirty="0"/>
+              <a:t>React </a:t>
+            </a:r>
+            <a:r>
+              <a:rPr lang="en-US" sz="1400" b="1" kern="1200" dirty="0">
+                <a:solidFill>
+                  <a:schemeClr val="tx1"/>
+                </a:solidFill>
+                <a:effectLst/>
+                <a:latin typeface="Open Sans Semibold" panose="020B0706030804020204" pitchFamily="34" charset="0"/>
+                <a:ea typeface="Open Sans Semibold" panose="020B0706030804020204" pitchFamily="34" charset="0"/>
+                <a:cs typeface="Open Sans Semibold" panose="020B0706030804020204" pitchFamily="34" charset="0"/>
+              </a:rPr>
+              <a:t>from 'react'</a:t>
+            </a:r>
+            <a:r>
+              <a:rPr lang="en-US" dirty="0"/>
+              <a:t>;</a:t>
+            </a:r>
+          </a:p>
+          <a:p>
+            <a:endParaRPr lang="en-US" dirty="0"/>
+          </a:p>
+          <a:p>
+            <a:r>
+              <a:rPr lang="en-US" dirty="0" err="1"/>
+              <a:t>Innerhalb</a:t>
+            </a:r>
+            <a:r>
+              <a:rPr lang="en-US" dirty="0"/>
+              <a:t> von {} </a:t>
+            </a:r>
+            <a:r>
+              <a:rPr lang="en-US" dirty="0" err="1"/>
+              <a:t>kann</a:t>
+            </a:r>
+            <a:r>
+              <a:rPr lang="en-US" dirty="0"/>
+              <a:t> man </a:t>
+            </a:r>
+            <a:r>
+              <a:rPr lang="en-US" dirty="0" err="1"/>
+              <a:t>Javascript</a:t>
+            </a:r>
+            <a:r>
+              <a:rPr lang="en-US" dirty="0"/>
+              <a:t> </a:t>
+            </a:r>
+            <a:r>
+              <a:rPr lang="en-US" dirty="0" err="1"/>
+              <a:t>schreiben</a:t>
+            </a:r>
             <a:endParaRPr lang="de-CH" dirty="0"/>
           </a:p>
         </p:txBody>
@@ -1882,7 +3198,7 @@
           <a:p>
             <a:fld id="{112C3873-BA08-40A5-BDCC-B6406E6CD40B}" type="slidenum">
               <a:rPr lang="de-DE" smtClean="0"/>
-              <a:t>5</a:t>
+              <a:t>3</a:t>
             </a:fld>
             <a:endParaRPr lang="de-DE"/>
           </a:p>
@@ -1891,7 +3207,1049 @@
     </p:spTree>
     <p:extLst>
       <p:ext uri="{BB962C8B-B14F-4D97-AF65-F5344CB8AC3E}">
-        <p14:creationId xmlns:p14="http://schemas.microsoft.com/office/powerpoint/2010/main" val="3511438466"/>
+        <p14:creationId xmlns:p14="http://schemas.microsoft.com/office/powerpoint/2010/main" val="1206456471"/>
+      </p:ext>
+    </p:extLst>
+  </p:cSld>
+  <p:clrMapOvr>
+    <a:masterClrMapping/>
+  </p:clrMapOvr>
+</p:notes>
+</file>
+
+<file path=ppt/notesSlides/notesSlide30.xml><?xml version="1.0" encoding="utf-8"?>
+<p:notes xmlns:a="http://schemas.openxmlformats.org/drawingml/2006/main" xmlns:r="http://schemas.openxmlformats.org/officeDocument/2006/relationships" xmlns:p="http://schemas.openxmlformats.org/presentationml/2006/main">
+  <p:cSld>
+    <p:spTree>
+      <p:nvGrpSpPr>
+        <p:cNvPr id="1" name=""/>
+        <p:cNvGrpSpPr/>
+        <p:nvPr/>
+      </p:nvGrpSpPr>
+      <p:grpSpPr>
+        <a:xfrm>
+          <a:off x="0" y="0"/>
+          <a:ext cx="0" cy="0"/>
+          <a:chOff x="0" y="0"/>
+          <a:chExt cx="0" cy="0"/>
+        </a:xfrm>
+      </p:grpSpPr>
+      <p:sp>
+        <p:nvSpPr>
+          <p:cNvPr id="2" name="Folienbildplatzhalter 1"/>
+          <p:cNvSpPr>
+            <a:spLocks noGrp="1" noRot="1" noChangeAspect="1"/>
+          </p:cNvSpPr>
+          <p:nvPr>
+            <p:ph type="sldImg"/>
+          </p:nvPr>
+        </p:nvSpPr>
+        <p:spPr/>
+      </p:sp>
+      <p:sp>
+        <p:nvSpPr>
+          <p:cNvPr id="3" name="Notizenplatzhalter 2"/>
+          <p:cNvSpPr>
+            <a:spLocks noGrp="1"/>
+          </p:cNvSpPr>
+          <p:nvPr>
+            <p:ph type="body" idx="1"/>
+          </p:nvPr>
+        </p:nvSpPr>
+        <p:spPr/>
+        <p:txBody>
+          <a:bodyPr/>
+          <a:lstStyle/>
+          <a:p>
+            <a:endParaRPr lang="de-CH"/>
+          </a:p>
+        </p:txBody>
+      </p:sp>
+      <p:sp>
+        <p:nvSpPr>
+          <p:cNvPr id="4" name="Foliennummernplatzhalter 3"/>
+          <p:cNvSpPr>
+            <a:spLocks noGrp="1"/>
+          </p:cNvSpPr>
+          <p:nvPr>
+            <p:ph type="sldNum" sz="quarter" idx="10"/>
+          </p:nvPr>
+        </p:nvSpPr>
+        <p:spPr/>
+        <p:txBody>
+          <a:bodyPr/>
+          <a:lstStyle/>
+          <a:p>
+            <a:fld id="{112C3873-BA08-40A5-BDCC-B6406E6CD40B}" type="slidenum">
+              <a:rPr lang="de-DE" smtClean="0"/>
+              <a:t>30</a:t>
+            </a:fld>
+            <a:endParaRPr lang="de-DE"/>
+          </a:p>
+        </p:txBody>
+      </p:sp>
+    </p:spTree>
+    <p:extLst>
+      <p:ext uri="{BB962C8B-B14F-4D97-AF65-F5344CB8AC3E}">
+        <p14:creationId xmlns:p14="http://schemas.microsoft.com/office/powerpoint/2010/main" val="621052653"/>
+      </p:ext>
+    </p:extLst>
+  </p:cSld>
+  <p:clrMapOvr>
+    <a:masterClrMapping/>
+  </p:clrMapOvr>
+</p:notes>
+</file>
+
+<file path=ppt/notesSlides/notesSlide31.xml><?xml version="1.0" encoding="utf-8"?>
+<p:notes xmlns:a="http://schemas.openxmlformats.org/drawingml/2006/main" xmlns:r="http://schemas.openxmlformats.org/officeDocument/2006/relationships" xmlns:p="http://schemas.openxmlformats.org/presentationml/2006/main">
+  <p:cSld>
+    <p:spTree>
+      <p:nvGrpSpPr>
+        <p:cNvPr id="1" name=""/>
+        <p:cNvGrpSpPr/>
+        <p:nvPr/>
+      </p:nvGrpSpPr>
+      <p:grpSpPr>
+        <a:xfrm>
+          <a:off x="0" y="0"/>
+          <a:ext cx="0" cy="0"/>
+          <a:chOff x="0" y="0"/>
+          <a:chExt cx="0" cy="0"/>
+        </a:xfrm>
+      </p:grpSpPr>
+      <p:sp>
+        <p:nvSpPr>
+          <p:cNvPr id="2" name="Folienbildplatzhalter 1"/>
+          <p:cNvSpPr>
+            <a:spLocks noGrp="1" noRot="1" noChangeAspect="1"/>
+          </p:cNvSpPr>
+          <p:nvPr>
+            <p:ph type="sldImg"/>
+          </p:nvPr>
+        </p:nvSpPr>
+        <p:spPr/>
+      </p:sp>
+      <p:sp>
+        <p:nvSpPr>
+          <p:cNvPr id="3" name="Notizenplatzhalter 2"/>
+          <p:cNvSpPr>
+            <a:spLocks noGrp="1"/>
+          </p:cNvSpPr>
+          <p:nvPr>
+            <p:ph type="body" idx="1"/>
+          </p:nvPr>
+        </p:nvSpPr>
+        <p:spPr/>
+        <p:txBody>
+          <a:bodyPr/>
+          <a:lstStyle/>
+          <a:p>
+            <a:endParaRPr lang="de-CH"/>
+          </a:p>
+        </p:txBody>
+      </p:sp>
+      <p:sp>
+        <p:nvSpPr>
+          <p:cNvPr id="4" name="Foliennummernplatzhalter 3"/>
+          <p:cNvSpPr>
+            <a:spLocks noGrp="1"/>
+          </p:cNvSpPr>
+          <p:nvPr>
+            <p:ph type="sldNum" sz="quarter" idx="10"/>
+          </p:nvPr>
+        </p:nvSpPr>
+        <p:spPr/>
+        <p:txBody>
+          <a:bodyPr/>
+          <a:lstStyle/>
+          <a:p>
+            <a:fld id="{112C3873-BA08-40A5-BDCC-B6406E6CD40B}" type="slidenum">
+              <a:rPr lang="de-DE" smtClean="0"/>
+              <a:t>31</a:t>
+            </a:fld>
+            <a:endParaRPr lang="de-DE"/>
+          </a:p>
+        </p:txBody>
+      </p:sp>
+    </p:spTree>
+    <p:extLst>
+      <p:ext uri="{BB962C8B-B14F-4D97-AF65-F5344CB8AC3E}">
+        <p14:creationId xmlns:p14="http://schemas.microsoft.com/office/powerpoint/2010/main" val="1464658065"/>
+      </p:ext>
+    </p:extLst>
+  </p:cSld>
+  <p:clrMapOvr>
+    <a:masterClrMapping/>
+  </p:clrMapOvr>
+</p:notes>
+</file>
+
+<file path=ppt/notesSlides/notesSlide32.xml><?xml version="1.0" encoding="utf-8"?>
+<p:notes xmlns:a="http://schemas.openxmlformats.org/drawingml/2006/main" xmlns:r="http://schemas.openxmlformats.org/officeDocument/2006/relationships" xmlns:p="http://schemas.openxmlformats.org/presentationml/2006/main">
+  <p:cSld>
+    <p:spTree>
+      <p:nvGrpSpPr>
+        <p:cNvPr id="1" name=""/>
+        <p:cNvGrpSpPr/>
+        <p:nvPr/>
+      </p:nvGrpSpPr>
+      <p:grpSpPr>
+        <a:xfrm>
+          <a:off x="0" y="0"/>
+          <a:ext cx="0" cy="0"/>
+          <a:chOff x="0" y="0"/>
+          <a:chExt cx="0" cy="0"/>
+        </a:xfrm>
+      </p:grpSpPr>
+      <p:sp>
+        <p:nvSpPr>
+          <p:cNvPr id="2" name="Folienbildplatzhalter 1"/>
+          <p:cNvSpPr>
+            <a:spLocks noGrp="1" noRot="1" noChangeAspect="1"/>
+          </p:cNvSpPr>
+          <p:nvPr>
+            <p:ph type="sldImg"/>
+          </p:nvPr>
+        </p:nvSpPr>
+        <p:spPr/>
+      </p:sp>
+      <p:sp>
+        <p:nvSpPr>
+          <p:cNvPr id="3" name="Notizenplatzhalter 2"/>
+          <p:cNvSpPr>
+            <a:spLocks noGrp="1"/>
+          </p:cNvSpPr>
+          <p:nvPr>
+            <p:ph type="body" idx="1"/>
+          </p:nvPr>
+        </p:nvSpPr>
+        <p:spPr/>
+        <p:txBody>
+          <a:bodyPr/>
+          <a:lstStyle/>
+          <a:p>
+            <a:endParaRPr lang="de-CH"/>
+          </a:p>
+        </p:txBody>
+      </p:sp>
+      <p:sp>
+        <p:nvSpPr>
+          <p:cNvPr id="4" name="Foliennummernplatzhalter 3"/>
+          <p:cNvSpPr>
+            <a:spLocks noGrp="1"/>
+          </p:cNvSpPr>
+          <p:nvPr>
+            <p:ph type="sldNum" sz="quarter" idx="10"/>
+          </p:nvPr>
+        </p:nvSpPr>
+        <p:spPr/>
+        <p:txBody>
+          <a:bodyPr/>
+          <a:lstStyle/>
+          <a:p>
+            <a:fld id="{112C3873-BA08-40A5-BDCC-B6406E6CD40B}" type="slidenum">
+              <a:rPr lang="de-DE" smtClean="0"/>
+              <a:t>32</a:t>
+            </a:fld>
+            <a:endParaRPr lang="de-DE"/>
+          </a:p>
+        </p:txBody>
+      </p:sp>
+    </p:spTree>
+    <p:extLst>
+      <p:ext uri="{BB962C8B-B14F-4D97-AF65-F5344CB8AC3E}">
+        <p14:creationId xmlns:p14="http://schemas.microsoft.com/office/powerpoint/2010/main" val="1483757219"/>
+      </p:ext>
+    </p:extLst>
+  </p:cSld>
+  <p:clrMapOvr>
+    <a:masterClrMapping/>
+  </p:clrMapOvr>
+</p:notes>
+</file>
+
+<file path=ppt/notesSlides/notesSlide33.xml><?xml version="1.0" encoding="utf-8"?>
+<p:notes xmlns:a="http://schemas.openxmlformats.org/drawingml/2006/main" xmlns:r="http://schemas.openxmlformats.org/officeDocument/2006/relationships" xmlns:p="http://schemas.openxmlformats.org/presentationml/2006/main">
+  <p:cSld>
+    <p:spTree>
+      <p:nvGrpSpPr>
+        <p:cNvPr id="1" name=""/>
+        <p:cNvGrpSpPr/>
+        <p:nvPr/>
+      </p:nvGrpSpPr>
+      <p:grpSpPr>
+        <a:xfrm>
+          <a:off x="0" y="0"/>
+          <a:ext cx="0" cy="0"/>
+          <a:chOff x="0" y="0"/>
+          <a:chExt cx="0" cy="0"/>
+        </a:xfrm>
+      </p:grpSpPr>
+      <p:sp>
+        <p:nvSpPr>
+          <p:cNvPr id="2" name="Folienbildplatzhalter 1"/>
+          <p:cNvSpPr>
+            <a:spLocks noGrp="1" noRot="1" noChangeAspect="1"/>
+          </p:cNvSpPr>
+          <p:nvPr>
+            <p:ph type="sldImg"/>
+          </p:nvPr>
+        </p:nvSpPr>
+        <p:spPr/>
+      </p:sp>
+      <p:sp>
+        <p:nvSpPr>
+          <p:cNvPr id="3" name="Notizenplatzhalter 2"/>
+          <p:cNvSpPr>
+            <a:spLocks noGrp="1"/>
+          </p:cNvSpPr>
+          <p:nvPr>
+            <p:ph type="body" idx="1"/>
+          </p:nvPr>
+        </p:nvSpPr>
+        <p:spPr/>
+        <p:txBody>
+          <a:bodyPr/>
+          <a:lstStyle/>
+          <a:p>
+            <a:endParaRPr lang="de-CH"/>
+          </a:p>
+        </p:txBody>
+      </p:sp>
+      <p:sp>
+        <p:nvSpPr>
+          <p:cNvPr id="4" name="Foliennummernplatzhalter 3"/>
+          <p:cNvSpPr>
+            <a:spLocks noGrp="1"/>
+          </p:cNvSpPr>
+          <p:nvPr>
+            <p:ph type="sldNum" sz="quarter" idx="10"/>
+          </p:nvPr>
+        </p:nvSpPr>
+        <p:spPr/>
+        <p:txBody>
+          <a:bodyPr/>
+          <a:lstStyle/>
+          <a:p>
+            <a:fld id="{112C3873-BA08-40A5-BDCC-B6406E6CD40B}" type="slidenum">
+              <a:rPr lang="de-DE" smtClean="0"/>
+              <a:t>33</a:t>
+            </a:fld>
+            <a:endParaRPr lang="de-DE"/>
+          </a:p>
+        </p:txBody>
+      </p:sp>
+    </p:spTree>
+    <p:extLst>
+      <p:ext uri="{BB962C8B-B14F-4D97-AF65-F5344CB8AC3E}">
+        <p14:creationId xmlns:p14="http://schemas.microsoft.com/office/powerpoint/2010/main" val="4142808587"/>
+      </p:ext>
+    </p:extLst>
+  </p:cSld>
+  <p:clrMapOvr>
+    <a:masterClrMapping/>
+  </p:clrMapOvr>
+</p:notes>
+</file>
+
+<file path=ppt/notesSlides/notesSlide34.xml><?xml version="1.0" encoding="utf-8"?>
+<p:notes xmlns:a="http://schemas.openxmlformats.org/drawingml/2006/main" xmlns:r="http://schemas.openxmlformats.org/officeDocument/2006/relationships" xmlns:p="http://schemas.openxmlformats.org/presentationml/2006/main">
+  <p:cSld>
+    <p:spTree>
+      <p:nvGrpSpPr>
+        <p:cNvPr id="1" name=""/>
+        <p:cNvGrpSpPr/>
+        <p:nvPr/>
+      </p:nvGrpSpPr>
+      <p:grpSpPr>
+        <a:xfrm>
+          <a:off x="0" y="0"/>
+          <a:ext cx="0" cy="0"/>
+          <a:chOff x="0" y="0"/>
+          <a:chExt cx="0" cy="0"/>
+        </a:xfrm>
+      </p:grpSpPr>
+      <p:sp>
+        <p:nvSpPr>
+          <p:cNvPr id="2" name="Folienbildplatzhalter 1"/>
+          <p:cNvSpPr>
+            <a:spLocks noGrp="1" noRot="1" noChangeAspect="1"/>
+          </p:cNvSpPr>
+          <p:nvPr>
+            <p:ph type="sldImg"/>
+          </p:nvPr>
+        </p:nvSpPr>
+        <p:spPr/>
+      </p:sp>
+      <p:sp>
+        <p:nvSpPr>
+          <p:cNvPr id="3" name="Notizenplatzhalter 2"/>
+          <p:cNvSpPr>
+            <a:spLocks noGrp="1"/>
+          </p:cNvSpPr>
+          <p:nvPr>
+            <p:ph type="body" idx="1"/>
+          </p:nvPr>
+        </p:nvSpPr>
+        <p:spPr/>
+        <p:txBody>
+          <a:bodyPr/>
+          <a:lstStyle/>
+          <a:p>
+            <a:r>
+              <a:rPr lang="de-CH" dirty="0" err="1"/>
+              <a:t>React</a:t>
+            </a:r>
+            <a:r>
+              <a:rPr lang="de-CH" dirty="0"/>
+              <a:t> </a:t>
+            </a:r>
+            <a:r>
+              <a:rPr lang="de-CH" dirty="0" err="1"/>
+              <a:t>Materialize</a:t>
+            </a:r>
+            <a:endParaRPr lang="de-CH" dirty="0"/>
+          </a:p>
+          <a:p>
+            <a:pPr marL="285750" indent="-285750">
+              <a:buFont typeface="Arial" panose="020B0604020202020204" pitchFamily="34" charset="0"/>
+              <a:buChar char="•"/>
+            </a:pPr>
+            <a:r>
+              <a:rPr lang="de-CH" dirty="0"/>
+              <a:t>Nächste Folien</a:t>
+            </a:r>
+          </a:p>
+          <a:p>
+            <a:pPr marL="285750" indent="-285750">
+              <a:buFont typeface="Arial" panose="020B0604020202020204" pitchFamily="34" charset="0"/>
+              <a:buChar char="•"/>
+            </a:pPr>
+            <a:endParaRPr lang="de-CH" dirty="0"/>
+          </a:p>
+          <a:p>
+            <a:pPr marL="0" indent="0">
+              <a:buFont typeface="Arial" panose="020B0604020202020204" pitchFamily="34" charset="0"/>
+              <a:buNone/>
+            </a:pPr>
+            <a:r>
+              <a:rPr lang="de-CH" dirty="0" err="1"/>
+              <a:t>Materialize</a:t>
+            </a:r>
+            <a:endParaRPr lang="de-CH" dirty="0"/>
+          </a:p>
+          <a:p>
+            <a:pPr marL="285750" indent="-285750">
+              <a:buFont typeface="Arial" panose="020B0604020202020204" pitchFamily="34" charset="0"/>
+              <a:buChar char="•"/>
+            </a:pPr>
+            <a:r>
+              <a:rPr lang="de-CH" dirty="0"/>
+              <a:t>Von Google</a:t>
+            </a:r>
+          </a:p>
+          <a:p>
+            <a:pPr marL="285750" indent="-285750">
+              <a:buFont typeface="Arial" panose="020B0604020202020204" pitchFamily="34" charset="0"/>
+              <a:buChar char="•"/>
+            </a:pPr>
+            <a:r>
+              <a:rPr lang="de-CH" dirty="0"/>
+              <a:t>CSS -&gt; Color</a:t>
+            </a:r>
+            <a:br>
+              <a:rPr lang="de-CH" dirty="0"/>
+            </a:br>
+            <a:r>
+              <a:rPr lang="en-US" sz="1400" b="0" i="0" kern="1200" dirty="0">
+                <a:solidFill>
+                  <a:schemeClr val="tx1"/>
+                </a:solidFill>
+                <a:effectLst/>
+                <a:latin typeface="Open Sans Semibold" panose="020B0706030804020204" pitchFamily="34" charset="0"/>
+                <a:ea typeface="Open Sans Semibold" panose="020B0706030804020204" pitchFamily="34" charset="0"/>
+                <a:cs typeface="Open Sans Semibold" panose="020B0706030804020204" pitchFamily="34" charset="0"/>
+              </a:rPr>
+              <a:t>To apply a text color, just append </a:t>
+            </a:r>
+            <a:r>
+              <a:rPr lang="en-US" dirty="0"/>
+              <a:t>-text</a:t>
+            </a:r>
+            <a:r>
+              <a:rPr lang="en-US" sz="1400" b="0" i="0" kern="1200" dirty="0">
+                <a:solidFill>
+                  <a:schemeClr val="tx1"/>
+                </a:solidFill>
+                <a:effectLst/>
+                <a:latin typeface="Open Sans Semibold" panose="020B0706030804020204" pitchFamily="34" charset="0"/>
+                <a:ea typeface="Open Sans Semibold" panose="020B0706030804020204" pitchFamily="34" charset="0"/>
+                <a:cs typeface="Open Sans Semibold" panose="020B0706030804020204" pitchFamily="34" charset="0"/>
+              </a:rPr>
+              <a:t> to the color class</a:t>
+            </a:r>
+          </a:p>
+          <a:p>
+            <a:pPr marL="285750" indent="-285750">
+              <a:buFont typeface="Arial" panose="020B0604020202020204" pitchFamily="34" charset="0"/>
+              <a:buChar char="•"/>
+            </a:pPr>
+            <a:r>
+              <a:rPr lang="de-CH" dirty="0"/>
+              <a:t>CSS -&gt; Helpers</a:t>
+            </a:r>
+          </a:p>
+          <a:p>
+            <a:endParaRPr lang="de-CH" dirty="0"/>
+          </a:p>
+        </p:txBody>
+      </p:sp>
+      <p:sp>
+        <p:nvSpPr>
+          <p:cNvPr id="4" name="Foliennummernplatzhalter 3"/>
+          <p:cNvSpPr>
+            <a:spLocks noGrp="1"/>
+          </p:cNvSpPr>
+          <p:nvPr>
+            <p:ph type="sldNum" sz="quarter" idx="5"/>
+          </p:nvPr>
+        </p:nvSpPr>
+        <p:spPr/>
+        <p:txBody>
+          <a:bodyPr/>
+          <a:lstStyle/>
+          <a:p>
+            <a:fld id="{112C3873-BA08-40A5-BDCC-B6406E6CD40B}" type="slidenum">
+              <a:rPr lang="de-DE" smtClean="0"/>
+              <a:t>34</a:t>
+            </a:fld>
+            <a:endParaRPr lang="de-DE"/>
+          </a:p>
+        </p:txBody>
+      </p:sp>
+    </p:spTree>
+    <p:extLst>
+      <p:ext uri="{BB962C8B-B14F-4D97-AF65-F5344CB8AC3E}">
+        <p14:creationId xmlns:p14="http://schemas.microsoft.com/office/powerpoint/2010/main" val="3330508288"/>
+      </p:ext>
+    </p:extLst>
+  </p:cSld>
+  <p:clrMapOvr>
+    <a:masterClrMapping/>
+  </p:clrMapOvr>
+</p:notes>
+</file>
+
+<file path=ppt/notesSlides/notesSlide35.xml><?xml version="1.0" encoding="utf-8"?>
+<p:notes xmlns:a="http://schemas.openxmlformats.org/drawingml/2006/main" xmlns:r="http://schemas.openxmlformats.org/officeDocument/2006/relationships" xmlns:p="http://schemas.openxmlformats.org/presentationml/2006/main">
+  <p:cSld>
+    <p:spTree>
+      <p:nvGrpSpPr>
+        <p:cNvPr id="1" name=""/>
+        <p:cNvGrpSpPr/>
+        <p:nvPr/>
+      </p:nvGrpSpPr>
+      <p:grpSpPr>
+        <a:xfrm>
+          <a:off x="0" y="0"/>
+          <a:ext cx="0" cy="0"/>
+          <a:chOff x="0" y="0"/>
+          <a:chExt cx="0" cy="0"/>
+        </a:xfrm>
+      </p:grpSpPr>
+      <p:sp>
+        <p:nvSpPr>
+          <p:cNvPr id="2" name="Folienbildplatzhalter 1"/>
+          <p:cNvSpPr>
+            <a:spLocks noGrp="1" noRot="1" noChangeAspect="1"/>
+          </p:cNvSpPr>
+          <p:nvPr>
+            <p:ph type="sldImg"/>
+          </p:nvPr>
+        </p:nvSpPr>
+        <p:spPr/>
+      </p:sp>
+      <p:sp>
+        <p:nvSpPr>
+          <p:cNvPr id="3" name="Notizenplatzhalter 2"/>
+          <p:cNvSpPr>
+            <a:spLocks noGrp="1"/>
+          </p:cNvSpPr>
+          <p:nvPr>
+            <p:ph type="body" idx="1"/>
+          </p:nvPr>
+        </p:nvSpPr>
+        <p:spPr/>
+        <p:txBody>
+          <a:bodyPr/>
+          <a:lstStyle/>
+          <a:p>
+            <a:endParaRPr lang="de-CH"/>
+          </a:p>
+        </p:txBody>
+      </p:sp>
+      <p:sp>
+        <p:nvSpPr>
+          <p:cNvPr id="4" name="Foliennummernplatzhalter 3"/>
+          <p:cNvSpPr>
+            <a:spLocks noGrp="1"/>
+          </p:cNvSpPr>
+          <p:nvPr>
+            <p:ph type="sldNum" sz="quarter" idx="10"/>
+          </p:nvPr>
+        </p:nvSpPr>
+        <p:spPr/>
+        <p:txBody>
+          <a:bodyPr/>
+          <a:lstStyle/>
+          <a:p>
+            <a:fld id="{112C3873-BA08-40A5-BDCC-B6406E6CD40B}" type="slidenum">
+              <a:rPr lang="de-DE" smtClean="0"/>
+              <a:t>35</a:t>
+            </a:fld>
+            <a:endParaRPr lang="de-DE"/>
+          </a:p>
+        </p:txBody>
+      </p:sp>
+    </p:spTree>
+    <p:extLst>
+      <p:ext uri="{BB962C8B-B14F-4D97-AF65-F5344CB8AC3E}">
+        <p14:creationId xmlns:p14="http://schemas.microsoft.com/office/powerpoint/2010/main" val="4289238511"/>
+      </p:ext>
+    </p:extLst>
+  </p:cSld>
+  <p:clrMapOvr>
+    <a:masterClrMapping/>
+  </p:clrMapOvr>
+</p:notes>
+</file>
+
+<file path=ppt/notesSlides/notesSlide36.xml><?xml version="1.0" encoding="utf-8"?>
+<p:notes xmlns:a="http://schemas.openxmlformats.org/drawingml/2006/main" xmlns:r="http://schemas.openxmlformats.org/officeDocument/2006/relationships" xmlns:p="http://schemas.openxmlformats.org/presentationml/2006/main">
+  <p:cSld>
+    <p:spTree>
+      <p:nvGrpSpPr>
+        <p:cNvPr id="1" name=""/>
+        <p:cNvGrpSpPr/>
+        <p:nvPr/>
+      </p:nvGrpSpPr>
+      <p:grpSpPr>
+        <a:xfrm>
+          <a:off x="0" y="0"/>
+          <a:ext cx="0" cy="0"/>
+          <a:chOff x="0" y="0"/>
+          <a:chExt cx="0" cy="0"/>
+        </a:xfrm>
+      </p:grpSpPr>
+      <p:sp>
+        <p:nvSpPr>
+          <p:cNvPr id="2" name="Folienbildplatzhalter 1"/>
+          <p:cNvSpPr>
+            <a:spLocks noGrp="1" noRot="1" noChangeAspect="1"/>
+          </p:cNvSpPr>
+          <p:nvPr>
+            <p:ph type="sldImg"/>
+          </p:nvPr>
+        </p:nvSpPr>
+        <p:spPr/>
+      </p:sp>
+      <p:sp>
+        <p:nvSpPr>
+          <p:cNvPr id="3" name="Notizenplatzhalter 2"/>
+          <p:cNvSpPr>
+            <a:spLocks noGrp="1"/>
+          </p:cNvSpPr>
+          <p:nvPr>
+            <p:ph type="body" idx="1"/>
+          </p:nvPr>
+        </p:nvSpPr>
+        <p:spPr/>
+        <p:txBody>
+          <a:bodyPr/>
+          <a:lstStyle/>
+          <a:p>
+            <a:endParaRPr lang="de-CH"/>
+          </a:p>
+        </p:txBody>
+      </p:sp>
+      <p:sp>
+        <p:nvSpPr>
+          <p:cNvPr id="4" name="Foliennummernplatzhalter 3"/>
+          <p:cNvSpPr>
+            <a:spLocks noGrp="1"/>
+          </p:cNvSpPr>
+          <p:nvPr>
+            <p:ph type="sldNum" sz="quarter" idx="10"/>
+          </p:nvPr>
+        </p:nvSpPr>
+        <p:spPr/>
+        <p:txBody>
+          <a:bodyPr/>
+          <a:lstStyle/>
+          <a:p>
+            <a:fld id="{112C3873-BA08-40A5-BDCC-B6406E6CD40B}" type="slidenum">
+              <a:rPr lang="de-DE" smtClean="0"/>
+              <a:t>36</a:t>
+            </a:fld>
+            <a:endParaRPr lang="de-DE"/>
+          </a:p>
+        </p:txBody>
+      </p:sp>
+    </p:spTree>
+    <p:extLst>
+      <p:ext uri="{BB962C8B-B14F-4D97-AF65-F5344CB8AC3E}">
+        <p14:creationId xmlns:p14="http://schemas.microsoft.com/office/powerpoint/2010/main" val="948597824"/>
+      </p:ext>
+    </p:extLst>
+  </p:cSld>
+  <p:clrMapOvr>
+    <a:masterClrMapping/>
+  </p:clrMapOvr>
+</p:notes>
+</file>
+
+<file path=ppt/notesSlides/notesSlide37.xml><?xml version="1.0" encoding="utf-8"?>
+<p:notes xmlns:a="http://schemas.openxmlformats.org/drawingml/2006/main" xmlns:r="http://schemas.openxmlformats.org/officeDocument/2006/relationships" xmlns:p="http://schemas.openxmlformats.org/presentationml/2006/main">
+  <p:cSld>
+    <p:spTree>
+      <p:nvGrpSpPr>
+        <p:cNvPr id="1" name=""/>
+        <p:cNvGrpSpPr/>
+        <p:nvPr/>
+      </p:nvGrpSpPr>
+      <p:grpSpPr>
+        <a:xfrm>
+          <a:off x="0" y="0"/>
+          <a:ext cx="0" cy="0"/>
+          <a:chOff x="0" y="0"/>
+          <a:chExt cx="0" cy="0"/>
+        </a:xfrm>
+      </p:grpSpPr>
+      <p:sp>
+        <p:nvSpPr>
+          <p:cNvPr id="2" name="Folienbildplatzhalter 1"/>
+          <p:cNvSpPr>
+            <a:spLocks noGrp="1" noRot="1" noChangeAspect="1"/>
+          </p:cNvSpPr>
+          <p:nvPr>
+            <p:ph type="sldImg"/>
+          </p:nvPr>
+        </p:nvSpPr>
+        <p:spPr/>
+      </p:sp>
+      <p:sp>
+        <p:nvSpPr>
+          <p:cNvPr id="3" name="Notizenplatzhalter 2"/>
+          <p:cNvSpPr>
+            <a:spLocks noGrp="1"/>
+          </p:cNvSpPr>
+          <p:nvPr>
+            <p:ph type="body" idx="1"/>
+          </p:nvPr>
+        </p:nvSpPr>
+        <p:spPr/>
+        <p:txBody>
+          <a:bodyPr/>
+          <a:lstStyle/>
+          <a:p>
+            <a:endParaRPr lang="de-CH"/>
+          </a:p>
+        </p:txBody>
+      </p:sp>
+      <p:sp>
+        <p:nvSpPr>
+          <p:cNvPr id="4" name="Foliennummernplatzhalter 3"/>
+          <p:cNvSpPr>
+            <a:spLocks noGrp="1"/>
+          </p:cNvSpPr>
+          <p:nvPr>
+            <p:ph type="sldNum" sz="quarter" idx="10"/>
+          </p:nvPr>
+        </p:nvSpPr>
+        <p:spPr/>
+        <p:txBody>
+          <a:bodyPr/>
+          <a:lstStyle/>
+          <a:p>
+            <a:fld id="{112C3873-BA08-40A5-BDCC-B6406E6CD40B}" type="slidenum">
+              <a:rPr lang="de-DE" smtClean="0"/>
+              <a:t>37</a:t>
+            </a:fld>
+            <a:endParaRPr lang="de-DE"/>
+          </a:p>
+        </p:txBody>
+      </p:sp>
+    </p:spTree>
+    <p:extLst>
+      <p:ext uri="{BB962C8B-B14F-4D97-AF65-F5344CB8AC3E}">
+        <p14:creationId xmlns:p14="http://schemas.microsoft.com/office/powerpoint/2010/main" val="2963704268"/>
+      </p:ext>
+    </p:extLst>
+  </p:cSld>
+  <p:clrMapOvr>
+    <a:masterClrMapping/>
+  </p:clrMapOvr>
+</p:notes>
+</file>
+
+<file path=ppt/notesSlides/notesSlide38.xml><?xml version="1.0" encoding="utf-8"?>
+<p:notes xmlns:a="http://schemas.openxmlformats.org/drawingml/2006/main" xmlns:r="http://schemas.openxmlformats.org/officeDocument/2006/relationships" xmlns:p="http://schemas.openxmlformats.org/presentationml/2006/main">
+  <p:cSld>
+    <p:spTree>
+      <p:nvGrpSpPr>
+        <p:cNvPr id="1" name=""/>
+        <p:cNvGrpSpPr/>
+        <p:nvPr/>
+      </p:nvGrpSpPr>
+      <p:grpSpPr>
+        <a:xfrm>
+          <a:off x="0" y="0"/>
+          <a:ext cx="0" cy="0"/>
+          <a:chOff x="0" y="0"/>
+          <a:chExt cx="0" cy="0"/>
+        </a:xfrm>
+      </p:grpSpPr>
+      <p:sp>
+        <p:nvSpPr>
+          <p:cNvPr id="2" name="Folienbildplatzhalter 1"/>
+          <p:cNvSpPr>
+            <a:spLocks noGrp="1" noRot="1" noChangeAspect="1"/>
+          </p:cNvSpPr>
+          <p:nvPr>
+            <p:ph type="sldImg"/>
+          </p:nvPr>
+        </p:nvSpPr>
+        <p:spPr/>
+      </p:sp>
+      <p:sp>
+        <p:nvSpPr>
+          <p:cNvPr id="3" name="Notizenplatzhalter 2"/>
+          <p:cNvSpPr>
+            <a:spLocks noGrp="1"/>
+          </p:cNvSpPr>
+          <p:nvPr>
+            <p:ph type="body" idx="1"/>
+          </p:nvPr>
+        </p:nvSpPr>
+        <p:spPr/>
+        <p:txBody>
+          <a:bodyPr/>
+          <a:lstStyle/>
+          <a:p>
+            <a:endParaRPr lang="de-CH"/>
+          </a:p>
+        </p:txBody>
+      </p:sp>
+      <p:sp>
+        <p:nvSpPr>
+          <p:cNvPr id="4" name="Foliennummernplatzhalter 3"/>
+          <p:cNvSpPr>
+            <a:spLocks noGrp="1"/>
+          </p:cNvSpPr>
+          <p:nvPr>
+            <p:ph type="sldNum" sz="quarter" idx="10"/>
+          </p:nvPr>
+        </p:nvSpPr>
+        <p:spPr/>
+        <p:txBody>
+          <a:bodyPr/>
+          <a:lstStyle/>
+          <a:p>
+            <a:fld id="{112C3873-BA08-40A5-BDCC-B6406E6CD40B}" type="slidenum">
+              <a:rPr lang="de-DE" smtClean="0"/>
+              <a:t>38</a:t>
+            </a:fld>
+            <a:endParaRPr lang="de-DE"/>
+          </a:p>
+        </p:txBody>
+      </p:sp>
+    </p:spTree>
+    <p:extLst>
+      <p:ext uri="{BB962C8B-B14F-4D97-AF65-F5344CB8AC3E}">
+        <p14:creationId xmlns:p14="http://schemas.microsoft.com/office/powerpoint/2010/main" val="1798852594"/>
+      </p:ext>
+    </p:extLst>
+  </p:cSld>
+  <p:clrMapOvr>
+    <a:masterClrMapping/>
+  </p:clrMapOvr>
+</p:notes>
+</file>
+
+<file path=ppt/notesSlides/notesSlide39.xml><?xml version="1.0" encoding="utf-8"?>
+<p:notes xmlns:a="http://schemas.openxmlformats.org/drawingml/2006/main" xmlns:r="http://schemas.openxmlformats.org/officeDocument/2006/relationships" xmlns:p="http://schemas.openxmlformats.org/presentationml/2006/main">
+  <p:cSld>
+    <p:spTree>
+      <p:nvGrpSpPr>
+        <p:cNvPr id="1" name=""/>
+        <p:cNvGrpSpPr/>
+        <p:nvPr/>
+      </p:nvGrpSpPr>
+      <p:grpSpPr>
+        <a:xfrm>
+          <a:off x="0" y="0"/>
+          <a:ext cx="0" cy="0"/>
+          <a:chOff x="0" y="0"/>
+          <a:chExt cx="0" cy="0"/>
+        </a:xfrm>
+      </p:grpSpPr>
+      <p:sp>
+        <p:nvSpPr>
+          <p:cNvPr id="2" name="Folienbildplatzhalter 1"/>
+          <p:cNvSpPr>
+            <a:spLocks noGrp="1" noRot="1" noChangeAspect="1"/>
+          </p:cNvSpPr>
+          <p:nvPr>
+            <p:ph type="sldImg"/>
+          </p:nvPr>
+        </p:nvSpPr>
+        <p:spPr/>
+      </p:sp>
+      <p:sp>
+        <p:nvSpPr>
+          <p:cNvPr id="3" name="Notizenplatzhalter 2"/>
+          <p:cNvSpPr>
+            <a:spLocks noGrp="1"/>
+          </p:cNvSpPr>
+          <p:nvPr>
+            <p:ph type="body" idx="1"/>
+          </p:nvPr>
+        </p:nvSpPr>
+        <p:spPr/>
+        <p:txBody>
+          <a:bodyPr/>
+          <a:lstStyle/>
+          <a:p>
+            <a:pPr marL="285750" indent="-285750">
+              <a:buFont typeface="Arial" panose="020B0604020202020204" pitchFamily="34" charset="0"/>
+              <a:buChar char="•"/>
+            </a:pPr>
+            <a:r>
+              <a:rPr lang="de-CH" dirty="0"/>
+              <a:t>Überholende Responses (</a:t>
+            </a:r>
+            <a:r>
+              <a:rPr lang="de-CH" dirty="0" err="1"/>
+              <a:t>switchMap</a:t>
+            </a:r>
+            <a:r>
+              <a:rPr lang="de-CH" dirty="0"/>
+              <a:t>)</a:t>
+            </a:r>
+            <a:br>
+              <a:rPr lang="de-CH" dirty="0"/>
+            </a:br>
+            <a:r>
+              <a:rPr lang="de-CH" dirty="0"/>
+              <a:t>Zeigen in </a:t>
+            </a:r>
+            <a:r>
+              <a:rPr lang="de-CH" dirty="0" err="1"/>
+              <a:t>Developerkonsole</a:t>
+            </a:r>
+            <a:endParaRPr lang="de-CH" dirty="0"/>
+          </a:p>
+          <a:p>
+            <a:pPr marL="285750" marR="0" lvl="0" indent="-285750" algn="l" defTabSz="914400" rtl="0" eaLnBrk="1" fontAlgn="auto" latinLnBrk="0" hangingPunct="1">
+              <a:lnSpc>
+                <a:spcPct val="100000"/>
+              </a:lnSpc>
+              <a:spcBef>
+                <a:spcPts val="0"/>
+              </a:spcBef>
+              <a:spcAft>
+                <a:spcPts val="0"/>
+              </a:spcAft>
+              <a:buClrTx/>
+              <a:buSzTx/>
+              <a:buFont typeface="Arial" panose="020B0604020202020204" pitchFamily="34" charset="0"/>
+              <a:buChar char="•"/>
+              <a:tabLst/>
+              <a:defRPr/>
+            </a:pPr>
+            <a:r>
+              <a:rPr lang="de-CH" dirty="0"/>
+              <a:t>Eingabe entprellen (</a:t>
+            </a:r>
+            <a:r>
+              <a:rPr lang="de-CH" dirty="0" err="1"/>
+              <a:t>debounceTime</a:t>
+            </a:r>
+            <a:r>
+              <a:rPr lang="de-CH" dirty="0"/>
+              <a:t>)</a:t>
+            </a:r>
+            <a:br>
+              <a:rPr lang="de-CH" dirty="0"/>
+            </a:br>
+            <a:r>
+              <a:rPr lang="de-CH" dirty="0"/>
+              <a:t>Zeigen in </a:t>
+            </a:r>
+            <a:r>
+              <a:rPr lang="de-CH"/>
+              <a:t>Developerkonsole</a:t>
+            </a:r>
+            <a:endParaRPr lang="de-CH" dirty="0"/>
+          </a:p>
+          <a:p>
+            <a:pPr marL="285750" indent="-285750">
+              <a:buFont typeface="Arial" panose="020B0604020202020204" pitchFamily="34" charset="0"/>
+              <a:buChar char="•"/>
+            </a:pPr>
+            <a:r>
+              <a:rPr lang="de-CH" dirty="0"/>
+              <a:t>Fehler vom REST-Server abfangen</a:t>
+            </a:r>
+            <a:br>
+              <a:rPr lang="de-CH" dirty="0"/>
+            </a:br>
+            <a:r>
+              <a:rPr lang="de-CH" dirty="0"/>
+              <a:t>Die Eingabe «</a:t>
+            </a:r>
+            <a:r>
+              <a:rPr lang="de-CH" dirty="0" err="1"/>
+              <a:t>error</a:t>
+            </a:r>
+            <a:r>
+              <a:rPr lang="de-CH" dirty="0"/>
+              <a:t>» erzeugt einen Fehler</a:t>
+            </a:r>
+          </a:p>
+          <a:p>
+            <a:endParaRPr lang="de-CH" dirty="0"/>
+          </a:p>
+        </p:txBody>
+      </p:sp>
+      <p:sp>
+        <p:nvSpPr>
+          <p:cNvPr id="4" name="Foliennummernplatzhalter 3"/>
+          <p:cNvSpPr>
+            <a:spLocks noGrp="1"/>
+          </p:cNvSpPr>
+          <p:nvPr>
+            <p:ph type="sldNum" sz="quarter" idx="10"/>
+          </p:nvPr>
+        </p:nvSpPr>
+        <p:spPr/>
+        <p:txBody>
+          <a:bodyPr/>
+          <a:lstStyle/>
+          <a:p>
+            <a:fld id="{112C3873-BA08-40A5-BDCC-B6406E6CD40B}" type="slidenum">
+              <a:rPr lang="de-DE" smtClean="0"/>
+              <a:t>39</a:t>
+            </a:fld>
+            <a:endParaRPr lang="de-DE"/>
+          </a:p>
+        </p:txBody>
+      </p:sp>
+    </p:spTree>
+    <p:extLst>
+      <p:ext uri="{BB962C8B-B14F-4D97-AF65-F5344CB8AC3E}">
+        <p14:creationId xmlns:p14="http://schemas.microsoft.com/office/powerpoint/2010/main" val="639037262"/>
       </p:ext>
     </p:extLst>
   </p:cSld>
@@ -1945,23 +4303,7 @@
           <a:bodyPr/>
           <a:lstStyle/>
           <a:p>
-            <a:r>
-              <a:rPr lang="en-US" dirty="0" err="1"/>
-              <a:t>Hinweis</a:t>
-            </a:r>
-            <a:r>
-              <a:rPr lang="en-US" dirty="0"/>
-              <a:t> auf </a:t>
-            </a:r>
-            <a:r>
-              <a:rPr lang="en-US" dirty="0" err="1"/>
-              <a:t>rotierendes</a:t>
-            </a:r>
-            <a:r>
-              <a:rPr lang="en-US" dirty="0"/>
-              <a:t> Image</a:t>
-            </a:r>
-            <a:endParaRPr lang="de-CH" dirty="0"/>
+            <a:endParaRPr lang="de-CH"/>
           </a:p>
         </p:txBody>
       </p:sp>
@@ -1982,7 +4324,7 @@
           <a:p>
             <a:fld id="{112C3873-BA08-40A5-BDCC-B6406E6CD40B}" type="slidenum">
               <a:rPr lang="de-DE" smtClean="0"/>
-              <a:t>6</a:t>
+              <a:t>4</a:t>
             </a:fld>
             <a:endParaRPr lang="de-DE"/>
           </a:p>
@@ -1991,7 +4333,511 @@
     </p:spTree>
     <p:extLst>
       <p:ext uri="{BB962C8B-B14F-4D97-AF65-F5344CB8AC3E}">
-        <p14:creationId xmlns:p14="http://schemas.microsoft.com/office/powerpoint/2010/main" val="1361348824"/>
+        <p14:creationId xmlns:p14="http://schemas.microsoft.com/office/powerpoint/2010/main" val="259936470"/>
+      </p:ext>
+    </p:extLst>
+  </p:cSld>
+  <p:clrMapOvr>
+    <a:masterClrMapping/>
+  </p:clrMapOvr>
+</p:notes>
+</file>
+
+<file path=ppt/notesSlides/notesSlide40.xml><?xml version="1.0" encoding="utf-8"?>
+<p:notes xmlns:a="http://schemas.openxmlformats.org/drawingml/2006/main" xmlns:r="http://schemas.openxmlformats.org/officeDocument/2006/relationships" xmlns:p="http://schemas.openxmlformats.org/presentationml/2006/main">
+  <p:cSld>
+    <p:spTree>
+      <p:nvGrpSpPr>
+        <p:cNvPr id="1" name=""/>
+        <p:cNvGrpSpPr/>
+        <p:nvPr/>
+      </p:nvGrpSpPr>
+      <p:grpSpPr>
+        <a:xfrm>
+          <a:off x="0" y="0"/>
+          <a:ext cx="0" cy="0"/>
+          <a:chOff x="0" y="0"/>
+          <a:chExt cx="0" cy="0"/>
+        </a:xfrm>
+      </p:grpSpPr>
+      <p:sp>
+        <p:nvSpPr>
+          <p:cNvPr id="2" name="Folienbildplatzhalter 1"/>
+          <p:cNvSpPr>
+            <a:spLocks noGrp="1" noRot="1" noChangeAspect="1"/>
+          </p:cNvSpPr>
+          <p:nvPr>
+            <p:ph type="sldImg"/>
+          </p:nvPr>
+        </p:nvSpPr>
+        <p:spPr/>
+      </p:sp>
+      <p:sp>
+        <p:nvSpPr>
+          <p:cNvPr id="3" name="Notizenplatzhalter 2"/>
+          <p:cNvSpPr>
+            <a:spLocks noGrp="1"/>
+          </p:cNvSpPr>
+          <p:nvPr>
+            <p:ph type="body" idx="1"/>
+          </p:nvPr>
+        </p:nvSpPr>
+        <p:spPr/>
+        <p:txBody>
+          <a:bodyPr/>
+          <a:lstStyle/>
+          <a:p>
+            <a:endParaRPr lang="de-CH"/>
+          </a:p>
+        </p:txBody>
+      </p:sp>
+      <p:sp>
+        <p:nvSpPr>
+          <p:cNvPr id="4" name="Foliennummernplatzhalter 3"/>
+          <p:cNvSpPr>
+            <a:spLocks noGrp="1"/>
+          </p:cNvSpPr>
+          <p:nvPr>
+            <p:ph type="sldNum" sz="quarter" idx="10"/>
+          </p:nvPr>
+        </p:nvSpPr>
+        <p:spPr/>
+        <p:txBody>
+          <a:bodyPr/>
+          <a:lstStyle/>
+          <a:p>
+            <a:fld id="{112C3873-BA08-40A5-BDCC-B6406E6CD40B}" type="slidenum">
+              <a:rPr lang="de-DE" smtClean="0"/>
+              <a:t>40</a:t>
+            </a:fld>
+            <a:endParaRPr lang="de-DE"/>
+          </a:p>
+        </p:txBody>
+      </p:sp>
+    </p:spTree>
+    <p:extLst>
+      <p:ext uri="{BB962C8B-B14F-4D97-AF65-F5344CB8AC3E}">
+        <p14:creationId xmlns:p14="http://schemas.microsoft.com/office/powerpoint/2010/main" val="3639452077"/>
+      </p:ext>
+    </p:extLst>
+  </p:cSld>
+  <p:clrMapOvr>
+    <a:masterClrMapping/>
+  </p:clrMapOvr>
+</p:notes>
+</file>
+
+<file path=ppt/notesSlides/notesSlide41.xml><?xml version="1.0" encoding="utf-8"?>
+<p:notes xmlns:a="http://schemas.openxmlformats.org/drawingml/2006/main" xmlns:r="http://schemas.openxmlformats.org/officeDocument/2006/relationships" xmlns:p="http://schemas.openxmlformats.org/presentationml/2006/main">
+  <p:cSld>
+    <p:spTree>
+      <p:nvGrpSpPr>
+        <p:cNvPr id="1" name=""/>
+        <p:cNvGrpSpPr/>
+        <p:nvPr/>
+      </p:nvGrpSpPr>
+      <p:grpSpPr>
+        <a:xfrm>
+          <a:off x="0" y="0"/>
+          <a:ext cx="0" cy="0"/>
+          <a:chOff x="0" y="0"/>
+          <a:chExt cx="0" cy="0"/>
+        </a:xfrm>
+      </p:grpSpPr>
+      <p:sp>
+        <p:nvSpPr>
+          <p:cNvPr id="2" name="Folienbildplatzhalter 1"/>
+          <p:cNvSpPr>
+            <a:spLocks noGrp="1" noRot="1" noChangeAspect="1"/>
+          </p:cNvSpPr>
+          <p:nvPr>
+            <p:ph type="sldImg"/>
+          </p:nvPr>
+        </p:nvSpPr>
+        <p:spPr/>
+      </p:sp>
+      <p:sp>
+        <p:nvSpPr>
+          <p:cNvPr id="3" name="Notizenplatzhalter 2"/>
+          <p:cNvSpPr>
+            <a:spLocks noGrp="1"/>
+          </p:cNvSpPr>
+          <p:nvPr>
+            <p:ph type="body" idx="1"/>
+          </p:nvPr>
+        </p:nvSpPr>
+        <p:spPr/>
+        <p:txBody>
+          <a:bodyPr/>
+          <a:lstStyle/>
+          <a:p>
+            <a:endParaRPr lang="de-CH"/>
+          </a:p>
+        </p:txBody>
+      </p:sp>
+      <p:sp>
+        <p:nvSpPr>
+          <p:cNvPr id="4" name="Foliennummernplatzhalter 3"/>
+          <p:cNvSpPr>
+            <a:spLocks noGrp="1"/>
+          </p:cNvSpPr>
+          <p:nvPr>
+            <p:ph type="sldNum" sz="quarter" idx="10"/>
+          </p:nvPr>
+        </p:nvSpPr>
+        <p:spPr/>
+        <p:txBody>
+          <a:bodyPr/>
+          <a:lstStyle/>
+          <a:p>
+            <a:fld id="{112C3873-BA08-40A5-BDCC-B6406E6CD40B}" type="slidenum">
+              <a:rPr lang="de-DE" smtClean="0"/>
+              <a:t>41</a:t>
+            </a:fld>
+            <a:endParaRPr lang="de-DE"/>
+          </a:p>
+        </p:txBody>
+      </p:sp>
+    </p:spTree>
+    <p:extLst>
+      <p:ext uri="{BB962C8B-B14F-4D97-AF65-F5344CB8AC3E}">
+        <p14:creationId xmlns:p14="http://schemas.microsoft.com/office/powerpoint/2010/main" val="982365611"/>
+      </p:ext>
+    </p:extLst>
+  </p:cSld>
+  <p:clrMapOvr>
+    <a:masterClrMapping/>
+  </p:clrMapOvr>
+</p:notes>
+</file>
+
+<file path=ppt/notesSlides/notesSlide42.xml><?xml version="1.0" encoding="utf-8"?>
+<p:notes xmlns:a="http://schemas.openxmlformats.org/drawingml/2006/main" xmlns:r="http://schemas.openxmlformats.org/officeDocument/2006/relationships" xmlns:p="http://schemas.openxmlformats.org/presentationml/2006/main">
+  <p:cSld>
+    <p:spTree>
+      <p:nvGrpSpPr>
+        <p:cNvPr id="1" name=""/>
+        <p:cNvGrpSpPr/>
+        <p:nvPr/>
+      </p:nvGrpSpPr>
+      <p:grpSpPr>
+        <a:xfrm>
+          <a:off x="0" y="0"/>
+          <a:ext cx="0" cy="0"/>
+          <a:chOff x="0" y="0"/>
+          <a:chExt cx="0" cy="0"/>
+        </a:xfrm>
+      </p:grpSpPr>
+      <p:sp>
+        <p:nvSpPr>
+          <p:cNvPr id="2" name="Folienbildplatzhalter 1"/>
+          <p:cNvSpPr>
+            <a:spLocks noGrp="1" noRot="1" noChangeAspect="1"/>
+          </p:cNvSpPr>
+          <p:nvPr>
+            <p:ph type="sldImg"/>
+          </p:nvPr>
+        </p:nvSpPr>
+        <p:spPr/>
+      </p:sp>
+      <p:sp>
+        <p:nvSpPr>
+          <p:cNvPr id="3" name="Notizenplatzhalter 2"/>
+          <p:cNvSpPr>
+            <a:spLocks noGrp="1"/>
+          </p:cNvSpPr>
+          <p:nvPr>
+            <p:ph type="body" idx="1"/>
+          </p:nvPr>
+        </p:nvSpPr>
+        <p:spPr/>
+        <p:txBody>
+          <a:bodyPr/>
+          <a:lstStyle/>
+          <a:p>
+            <a:endParaRPr lang="de-CH"/>
+          </a:p>
+        </p:txBody>
+      </p:sp>
+      <p:sp>
+        <p:nvSpPr>
+          <p:cNvPr id="4" name="Foliennummernplatzhalter 3"/>
+          <p:cNvSpPr>
+            <a:spLocks noGrp="1"/>
+          </p:cNvSpPr>
+          <p:nvPr>
+            <p:ph type="sldNum" sz="quarter" idx="10"/>
+          </p:nvPr>
+        </p:nvSpPr>
+        <p:spPr/>
+        <p:txBody>
+          <a:bodyPr/>
+          <a:lstStyle/>
+          <a:p>
+            <a:fld id="{112C3873-BA08-40A5-BDCC-B6406E6CD40B}" type="slidenum">
+              <a:rPr lang="de-DE" smtClean="0"/>
+              <a:t>42</a:t>
+            </a:fld>
+            <a:endParaRPr lang="de-DE"/>
+          </a:p>
+        </p:txBody>
+      </p:sp>
+    </p:spTree>
+    <p:extLst>
+      <p:ext uri="{BB962C8B-B14F-4D97-AF65-F5344CB8AC3E}">
+        <p14:creationId xmlns:p14="http://schemas.microsoft.com/office/powerpoint/2010/main" val="4129084223"/>
+      </p:ext>
+    </p:extLst>
+  </p:cSld>
+  <p:clrMapOvr>
+    <a:masterClrMapping/>
+  </p:clrMapOvr>
+</p:notes>
+</file>
+
+<file path=ppt/notesSlides/notesSlide43.xml><?xml version="1.0" encoding="utf-8"?>
+<p:notes xmlns:a="http://schemas.openxmlformats.org/drawingml/2006/main" xmlns:r="http://schemas.openxmlformats.org/officeDocument/2006/relationships" xmlns:p="http://schemas.openxmlformats.org/presentationml/2006/main">
+  <p:cSld>
+    <p:spTree>
+      <p:nvGrpSpPr>
+        <p:cNvPr id="1" name=""/>
+        <p:cNvGrpSpPr/>
+        <p:nvPr/>
+      </p:nvGrpSpPr>
+      <p:grpSpPr>
+        <a:xfrm>
+          <a:off x="0" y="0"/>
+          <a:ext cx="0" cy="0"/>
+          <a:chOff x="0" y="0"/>
+          <a:chExt cx="0" cy="0"/>
+        </a:xfrm>
+      </p:grpSpPr>
+      <p:sp>
+        <p:nvSpPr>
+          <p:cNvPr id="2" name="Folienbildplatzhalter 1"/>
+          <p:cNvSpPr>
+            <a:spLocks noGrp="1" noRot="1" noChangeAspect="1"/>
+          </p:cNvSpPr>
+          <p:nvPr>
+            <p:ph type="sldImg"/>
+          </p:nvPr>
+        </p:nvSpPr>
+        <p:spPr/>
+      </p:sp>
+      <p:sp>
+        <p:nvSpPr>
+          <p:cNvPr id="3" name="Notizenplatzhalter 2"/>
+          <p:cNvSpPr>
+            <a:spLocks noGrp="1"/>
+          </p:cNvSpPr>
+          <p:nvPr>
+            <p:ph type="body" idx="1"/>
+          </p:nvPr>
+        </p:nvSpPr>
+        <p:spPr/>
+        <p:txBody>
+          <a:bodyPr/>
+          <a:lstStyle/>
+          <a:p>
+            <a:endParaRPr lang="de-CH"/>
+          </a:p>
+        </p:txBody>
+      </p:sp>
+      <p:sp>
+        <p:nvSpPr>
+          <p:cNvPr id="4" name="Foliennummernplatzhalter 3"/>
+          <p:cNvSpPr>
+            <a:spLocks noGrp="1"/>
+          </p:cNvSpPr>
+          <p:nvPr>
+            <p:ph type="sldNum" sz="quarter" idx="10"/>
+          </p:nvPr>
+        </p:nvSpPr>
+        <p:spPr/>
+        <p:txBody>
+          <a:bodyPr/>
+          <a:lstStyle/>
+          <a:p>
+            <a:fld id="{112C3873-BA08-40A5-BDCC-B6406E6CD40B}" type="slidenum">
+              <a:rPr lang="de-DE" smtClean="0"/>
+              <a:t>43</a:t>
+            </a:fld>
+            <a:endParaRPr lang="de-DE"/>
+          </a:p>
+        </p:txBody>
+      </p:sp>
+    </p:spTree>
+    <p:extLst>
+      <p:ext uri="{BB962C8B-B14F-4D97-AF65-F5344CB8AC3E}">
+        <p14:creationId xmlns:p14="http://schemas.microsoft.com/office/powerpoint/2010/main" val="2184214813"/>
+      </p:ext>
+    </p:extLst>
+  </p:cSld>
+  <p:clrMapOvr>
+    <a:masterClrMapping/>
+  </p:clrMapOvr>
+</p:notes>
+</file>
+
+<file path=ppt/notesSlides/notesSlide44.xml><?xml version="1.0" encoding="utf-8"?>
+<p:notes xmlns:a="http://schemas.openxmlformats.org/drawingml/2006/main" xmlns:r="http://schemas.openxmlformats.org/officeDocument/2006/relationships" xmlns:p="http://schemas.openxmlformats.org/presentationml/2006/main">
+  <p:cSld>
+    <p:spTree>
+      <p:nvGrpSpPr>
+        <p:cNvPr id="1" name=""/>
+        <p:cNvGrpSpPr/>
+        <p:nvPr/>
+      </p:nvGrpSpPr>
+      <p:grpSpPr>
+        <a:xfrm>
+          <a:off x="0" y="0"/>
+          <a:ext cx="0" cy="0"/>
+          <a:chOff x="0" y="0"/>
+          <a:chExt cx="0" cy="0"/>
+        </a:xfrm>
+      </p:grpSpPr>
+      <p:sp>
+        <p:nvSpPr>
+          <p:cNvPr id="2" name="Folienbildplatzhalter 1"/>
+          <p:cNvSpPr>
+            <a:spLocks noGrp="1" noRot="1" noChangeAspect="1"/>
+          </p:cNvSpPr>
+          <p:nvPr>
+            <p:ph type="sldImg"/>
+          </p:nvPr>
+        </p:nvSpPr>
+        <p:spPr/>
+      </p:sp>
+      <p:sp>
+        <p:nvSpPr>
+          <p:cNvPr id="3" name="Notizenplatzhalter 2"/>
+          <p:cNvSpPr>
+            <a:spLocks noGrp="1"/>
+          </p:cNvSpPr>
+          <p:nvPr>
+            <p:ph type="body" idx="1"/>
+          </p:nvPr>
+        </p:nvSpPr>
+        <p:spPr/>
+        <p:txBody>
+          <a:bodyPr/>
+          <a:lstStyle/>
+          <a:p>
+            <a:endParaRPr lang="de-CH"/>
+          </a:p>
+        </p:txBody>
+      </p:sp>
+      <p:sp>
+        <p:nvSpPr>
+          <p:cNvPr id="4" name="Foliennummernplatzhalter 3"/>
+          <p:cNvSpPr>
+            <a:spLocks noGrp="1"/>
+          </p:cNvSpPr>
+          <p:nvPr>
+            <p:ph type="sldNum" sz="quarter" idx="10"/>
+          </p:nvPr>
+        </p:nvSpPr>
+        <p:spPr/>
+        <p:txBody>
+          <a:bodyPr/>
+          <a:lstStyle/>
+          <a:p>
+            <a:fld id="{112C3873-BA08-40A5-BDCC-B6406E6CD40B}" type="slidenum">
+              <a:rPr lang="de-DE" smtClean="0"/>
+              <a:t>44</a:t>
+            </a:fld>
+            <a:endParaRPr lang="de-DE"/>
+          </a:p>
+        </p:txBody>
+      </p:sp>
+    </p:spTree>
+    <p:extLst>
+      <p:ext uri="{BB962C8B-B14F-4D97-AF65-F5344CB8AC3E}">
+        <p14:creationId xmlns:p14="http://schemas.microsoft.com/office/powerpoint/2010/main" val="2897821601"/>
+      </p:ext>
+    </p:extLst>
+  </p:cSld>
+  <p:clrMapOvr>
+    <a:masterClrMapping/>
+  </p:clrMapOvr>
+</p:notes>
+</file>
+
+<file path=ppt/notesSlides/notesSlide45.xml><?xml version="1.0" encoding="utf-8"?>
+<p:notes xmlns:a="http://schemas.openxmlformats.org/drawingml/2006/main" xmlns:r="http://schemas.openxmlformats.org/officeDocument/2006/relationships" xmlns:p="http://schemas.openxmlformats.org/presentationml/2006/main">
+  <p:cSld>
+    <p:spTree>
+      <p:nvGrpSpPr>
+        <p:cNvPr id="1" name=""/>
+        <p:cNvGrpSpPr/>
+        <p:nvPr/>
+      </p:nvGrpSpPr>
+      <p:grpSpPr>
+        <a:xfrm>
+          <a:off x="0" y="0"/>
+          <a:ext cx="0" cy="0"/>
+          <a:chOff x="0" y="0"/>
+          <a:chExt cx="0" cy="0"/>
+        </a:xfrm>
+      </p:grpSpPr>
+      <p:sp>
+        <p:nvSpPr>
+          <p:cNvPr id="2" name="Folienbildplatzhalter 1"/>
+          <p:cNvSpPr>
+            <a:spLocks noGrp="1" noRot="1" noChangeAspect="1"/>
+          </p:cNvSpPr>
+          <p:nvPr>
+            <p:ph type="sldImg"/>
+          </p:nvPr>
+        </p:nvSpPr>
+        <p:spPr/>
+      </p:sp>
+      <p:sp>
+        <p:nvSpPr>
+          <p:cNvPr id="3" name="Notizenplatzhalter 2"/>
+          <p:cNvSpPr>
+            <a:spLocks noGrp="1"/>
+          </p:cNvSpPr>
+          <p:nvPr>
+            <p:ph type="body" idx="1"/>
+          </p:nvPr>
+        </p:nvSpPr>
+        <p:spPr/>
+        <p:txBody>
+          <a:bodyPr/>
+          <a:lstStyle/>
+          <a:p>
+            <a:endParaRPr lang="de-CH"/>
+          </a:p>
+        </p:txBody>
+      </p:sp>
+      <p:sp>
+        <p:nvSpPr>
+          <p:cNvPr id="4" name="Foliennummernplatzhalter 3"/>
+          <p:cNvSpPr>
+            <a:spLocks noGrp="1"/>
+          </p:cNvSpPr>
+          <p:nvPr>
+            <p:ph type="sldNum" sz="quarter" idx="10"/>
+          </p:nvPr>
+        </p:nvSpPr>
+        <p:spPr/>
+        <p:txBody>
+          <a:bodyPr/>
+          <a:lstStyle/>
+          <a:p>
+            <a:fld id="{112C3873-BA08-40A5-BDCC-B6406E6CD40B}" type="slidenum">
+              <a:rPr lang="de-DE" smtClean="0"/>
+              <a:t>45</a:t>
+            </a:fld>
+            <a:endParaRPr lang="de-DE"/>
+          </a:p>
+        </p:txBody>
+      </p:sp>
+    </p:spTree>
+    <p:extLst>
+      <p:ext uri="{BB962C8B-B14F-4D97-AF65-F5344CB8AC3E}">
+        <p14:creationId xmlns:p14="http://schemas.microsoft.com/office/powerpoint/2010/main" val="2437103434"/>
       </p:ext>
     </p:extLst>
   </p:cSld>
@@ -2045,14 +4891,6 @@
           <a:bodyPr/>
           <a:lstStyle/>
           <a:p>
-            <a:r>
-              <a:rPr lang="en-US" dirty="0"/>
-              <a:t>Index.js und App.js </a:t>
-            </a:r>
-            <a:r>
-              <a:rPr lang="en-US" dirty="0" err="1"/>
-              <a:t>zeigen</a:t>
-            </a:r>
             <a:endParaRPr lang="de-CH" dirty="0"/>
           </a:p>
         </p:txBody>
@@ -2074,7 +4912,7 @@
           <a:p>
             <a:fld id="{112C3873-BA08-40A5-BDCC-B6406E6CD40B}" type="slidenum">
               <a:rPr lang="de-DE" smtClean="0"/>
-              <a:t>7</a:t>
+              <a:t>5</a:t>
             </a:fld>
             <a:endParaRPr lang="de-DE"/>
           </a:p>
@@ -2083,7 +4921,7 @@
     </p:spTree>
     <p:extLst>
       <p:ext uri="{BB962C8B-B14F-4D97-AF65-F5344CB8AC3E}">
-        <p14:creationId xmlns:p14="http://schemas.microsoft.com/office/powerpoint/2010/main" val="2933065391"/>
+        <p14:creationId xmlns:p14="http://schemas.microsoft.com/office/powerpoint/2010/main" val="3511438466"/>
       </p:ext>
     </p:extLst>
   </p:cSld>
@@ -2137,6 +4975,22 @@
           <a:bodyPr/>
           <a:lstStyle/>
           <a:p>
+            <a:r>
+              <a:rPr lang="en-US" dirty="0" err="1"/>
+              <a:t>Hinweis</a:t>
+            </a:r>
+            <a:r>
+              <a:rPr lang="en-US" dirty="0"/>
+              <a:t> auf </a:t>
+            </a:r>
+            <a:r>
+              <a:rPr lang="en-US" dirty="0" err="1"/>
+              <a:t>rotierendes</a:t>
+            </a:r>
+            <a:r>
+              <a:rPr lang="en-US" dirty="0"/>
+              <a:t> Image</a:t>
+            </a:r>
             <a:endParaRPr lang="de-CH" dirty="0"/>
           </a:p>
         </p:txBody>
@@ -2158,7 +5012,7 @@
           <a:p>
             <a:fld id="{112C3873-BA08-40A5-BDCC-B6406E6CD40B}" type="slidenum">
               <a:rPr lang="de-DE" smtClean="0"/>
-              <a:t>8</a:t>
+              <a:t>6</a:t>
             </a:fld>
             <a:endParaRPr lang="de-DE"/>
           </a:p>
@@ -2167,7 +5021,7 @@
     </p:spTree>
     <p:extLst>
       <p:ext uri="{BB962C8B-B14F-4D97-AF65-F5344CB8AC3E}">
-        <p14:creationId xmlns:p14="http://schemas.microsoft.com/office/powerpoint/2010/main" val="2419765975"/>
+        <p14:creationId xmlns:p14="http://schemas.microsoft.com/office/powerpoint/2010/main" val="1361348824"/>
       </p:ext>
     </p:extLst>
   </p:cSld>
@@ -2221,6 +5075,20 @@
           <a:bodyPr/>
           <a:lstStyle/>
           <a:p>
+            <a:r>
+              <a:rPr lang="en-US" dirty="0"/>
+              <a:t>Index.js und App.js </a:t>
+            </a:r>
+            <a:r>
+              <a:rPr lang="en-US" dirty="0" err="1" smtClean="0"/>
+              <a:t>zeigen</a:t>
+            </a:r>
+            <a:endParaRPr lang="en-US" dirty="0" smtClean="0"/>
+          </a:p>
+          <a:p>
+            <a:endParaRPr lang="en-US" dirty="0" smtClean="0"/>
+          </a:p>
+          <a:p>
             <a:endParaRPr lang="de-CH" dirty="0"/>
           </a:p>
         </p:txBody>
@@ -2242,7 +5110,7 @@
           <a:p>
             <a:fld id="{112C3873-BA08-40A5-BDCC-B6406E6CD40B}" type="slidenum">
               <a:rPr lang="de-DE" smtClean="0"/>
-              <a:t>10</a:t>
+              <a:t>7</a:t>
             </a:fld>
             <a:endParaRPr lang="de-DE"/>
           </a:p>
@@ -2251,7 +5119,7 @@
     </p:spTree>
     <p:extLst>
       <p:ext uri="{BB962C8B-B14F-4D97-AF65-F5344CB8AC3E}">
-        <p14:creationId xmlns:p14="http://schemas.microsoft.com/office/powerpoint/2010/main" val="1696525970"/>
+        <p14:creationId xmlns:p14="http://schemas.microsoft.com/office/powerpoint/2010/main" val="2933065391"/>
       </p:ext>
     </p:extLst>
   </p:cSld>
@@ -2305,12 +5173,6 @@
           <a:bodyPr/>
           <a:lstStyle/>
           <a:p>
-            <a:endParaRPr lang="en-US" dirty="0"/>
-          </a:p>
-          <a:p>
-            <a:endParaRPr lang="en-US" dirty="0"/>
-          </a:p>
-          <a:p>
             <a:endParaRPr lang="de-CH" dirty="0"/>
           </a:p>
         </p:txBody>
@@ -2332,7 +5194,7 @@
           <a:p>
             <a:fld id="{112C3873-BA08-40A5-BDCC-B6406E6CD40B}" type="slidenum">
               <a:rPr lang="de-DE" smtClean="0"/>
-              <a:t>13</a:t>
+              <a:t>8</a:t>
             </a:fld>
             <a:endParaRPr lang="de-DE"/>
           </a:p>
@@ -2341,7 +5203,7 @@
     </p:spTree>
     <p:extLst>
       <p:ext uri="{BB962C8B-B14F-4D97-AF65-F5344CB8AC3E}">
-        <p14:creationId xmlns:p14="http://schemas.microsoft.com/office/powerpoint/2010/main" val="4067862726"/>
+        <p14:creationId xmlns:p14="http://schemas.microsoft.com/office/powerpoint/2010/main" val="2419765975"/>
       </p:ext>
     </p:extLst>
   </p:cSld>
@@ -2395,7 +5257,7 @@
           <a:bodyPr/>
           <a:lstStyle/>
           <a:p>
-            <a:endParaRPr lang="de-CH" dirty="0"/>
+            <a:endParaRPr lang="de-CH"/>
           </a:p>
         </p:txBody>
       </p:sp>
@@ -2416,7 +5278,7 @@
           <a:p>
             <a:fld id="{112C3873-BA08-40A5-BDCC-B6406E6CD40B}" type="slidenum">
               <a:rPr lang="de-DE" smtClean="0"/>
-              <a:t>14</a:t>
+              <a:t>9</a:t>
             </a:fld>
             <a:endParaRPr lang="de-DE"/>
           </a:p>
@@ -2425,7 +5287,7 @@
     </p:spTree>
     <p:extLst>
       <p:ext uri="{BB962C8B-B14F-4D97-AF65-F5344CB8AC3E}">
-        <p14:creationId xmlns:p14="http://schemas.microsoft.com/office/powerpoint/2010/main" val="2914502647"/>
+        <p14:creationId xmlns:p14="http://schemas.microsoft.com/office/powerpoint/2010/main" val="1589668860"/>
       </p:ext>
     </p:extLst>
   </p:cSld>
@@ -3032,7 +5894,7 @@
           <a:p>
             <a:fld id="{3B23B96D-9616-4176-AEF6-AF1317711023}" type="datetime1">
               <a:rPr lang="de-DE" smtClean="0"/>
-              <a:t>16.11.2018</a:t>
+              <a:t>19.11.2018</a:t>
             </a:fld>
             <a:endParaRPr lang="de-DE"/>
           </a:p>
@@ -3210,7 +6072,7 @@
           <a:p>
             <a:fld id="{0D71886E-8C9D-4E97-9EB5-D99BA89A8533}" type="datetime1">
               <a:rPr lang="de-DE" smtClean="0"/>
-              <a:t>16.11.2018</a:t>
+              <a:t>19.11.2018</a:t>
             </a:fld>
             <a:endParaRPr lang="de-DE"/>
           </a:p>
@@ -3351,7 +6213,7 @@
           <a:p>
             <a:fld id="{8DBF69B3-62E3-4AF4-971E-1AB7F9FB69DD}" type="datetime1">
               <a:rPr lang="de-DE" smtClean="0"/>
-              <a:t>16.11.2018</a:t>
+              <a:t>19.11.2018</a:t>
             </a:fld>
             <a:endParaRPr lang="de-DE"/>
           </a:p>
@@ -3635,7 +6497,7 @@
           <a:p>
             <a:fld id="{F898127A-2E85-486B-8AA5-E90E3CCEC0E9}" type="datetime1">
               <a:rPr lang="de-DE" smtClean="0"/>
-              <a:t>16.11.2018</a:t>
+              <a:t>19.11.2018</a:t>
             </a:fld>
             <a:endParaRPr lang="de-DE"/>
           </a:p>
@@ -4273,7 +7135,7 @@
           <a:p>
             <a:fld id="{A4FEDFCE-8709-4D76-8036-EE5278C2237F}" type="datetime1">
               <a:rPr lang="de-DE" smtClean="0"/>
-              <a:t>16.11.2018</a:t>
+              <a:t>19.11.2018</a:t>
             </a:fld>
             <a:endParaRPr lang="de-DE"/>
           </a:p>
@@ -4407,7 +7269,7 @@
           <a:p>
             <a:fld id="{48352B5A-167D-4ED6-B7C9-BDA647A8BA51}" type="datetime1">
               <a:rPr lang="de-DE" smtClean="0"/>
-              <a:t>16.11.2018</a:t>
+              <a:t>19.11.2018</a:t>
             </a:fld>
             <a:endParaRPr lang="de-DE"/>
           </a:p>
@@ -4597,7 +7459,7 @@
           <a:p>
             <a:fld id="{F782B8C6-A2A3-4B66-A839-DF7B16517350}" type="datetime1">
               <a:rPr lang="de-DE" smtClean="0"/>
-              <a:t>16.11.2018</a:t>
+              <a:t>19.11.2018</a:t>
             </a:fld>
             <a:endParaRPr lang="de-DE"/>
           </a:p>
@@ -4988,7 +7850,7 @@
           <a:p>
             <a:fld id="{649D13A7-6296-4A54-8C64-66A02EB71342}" type="datetime1">
               <a:rPr lang="de-DE" smtClean="0"/>
-              <a:t>16.11.2018</a:t>
+              <a:t>19.11.2018</a:t>
             </a:fld>
             <a:endParaRPr lang="de-DE"/>
           </a:p>
@@ -5527,7 +8389,7 @@
           <a:p>
             <a:fld id="{ED7E8129-6AB0-4316-89DD-05AD9ABD1F9D}" type="datetime1">
               <a:rPr lang="de-DE" smtClean="0"/>
-              <a:t>16.11.2018</a:t>
+              <a:t>19.11.2018</a:t>
             </a:fld>
             <a:endParaRPr lang="de-DE"/>
           </a:p>
@@ -5644,7 +8506,7 @@
           <a:p>
             <a:fld id="{4FD0AE75-8AA0-449D-989F-B1E818A5B67A}" type="datetime1">
               <a:rPr lang="de-DE" smtClean="0"/>
-              <a:t>16.11.2018</a:t>
+              <a:t>19.11.2018</a:t>
             </a:fld>
             <a:endParaRPr lang="de-DE"/>
           </a:p>
@@ -5739,7 +8601,7 @@
           <a:p>
             <a:fld id="{455D07A7-0ED1-4138-9FBD-0F4825E4365D}" type="datetime1">
               <a:rPr lang="de-DE" smtClean="0"/>
-              <a:t>16.11.2018</a:t>
+              <a:t>19.11.2018</a:t>
             </a:fld>
             <a:endParaRPr lang="de-DE"/>
           </a:p>
@@ -5834,7 +8696,7 @@
           <a:p>
             <a:fld id="{6A743ADA-15EC-46F2-B124-7B3EABB341FC}" type="datetime1">
               <a:rPr lang="de-DE" smtClean="0"/>
-              <a:t>16.11.2018</a:t>
+              <a:t>19.11.2018</a:t>
             </a:fld>
             <a:endParaRPr lang="de-DE"/>
           </a:p>
@@ -6253,7 +9115,7 @@
           <a:p>
             <a:fld id="{34F16289-DF57-4F0A-9158-80987495B444}" type="datetime1">
               <a:rPr lang="de-DE" smtClean="0"/>
-              <a:t>16.11.2018</a:t>
+              <a:t>19.11.2018</a:t>
             </a:fld>
             <a:endParaRPr lang="de-DE"/>
           </a:p>
@@ -6489,7 +9351,7 @@
           <a:p>
             <a:fld id="{30694A65-3AA1-42B9-B750-09273D0D99B8}" type="datetime1">
               <a:rPr lang="de-DE" smtClean="0"/>
-              <a:t>16.11.2018</a:t>
+              <a:t>19.11.2018</a:t>
             </a:fld>
             <a:endParaRPr lang="de-DE"/>
           </a:p>
@@ -7158,7 +10020,7 @@
           <p:cNvPr id="1026" name="Picture 2" descr="Bildergebnis fÃ¼r react">
             <a:extLst>
               <a:ext uri="{FF2B5EF4-FFF2-40B4-BE49-F238E27FC236}">
-                <a16:creationId xmlns:a16="http://schemas.microsoft.com/office/drawing/2014/main" xmlns="" id="{829FFD09-EFA1-4ACA-886F-A45FA7CD87D4}"/>
+                <a16:creationId xmlns="" xmlns:a16="http://schemas.microsoft.com/office/drawing/2014/main" id="{829FFD09-EFA1-4ACA-886F-A45FA7CD87D4}"/>
               </a:ext>
             </a:extLst>
           </p:cNvPr>
@@ -7168,7 +10030,7 @@
           <p:nvPr/>
         </p:nvPicPr>
         <p:blipFill>
-          <a:blip r:embed="rId2" cstate="print">
+          <a:blip r:embed="rId3" cstate="print">
             <a:extLst>
               <a:ext uri="{28A0092B-C50C-407E-A947-70E740481C1C}">
                 <a14:useLocalDpi xmlns:a14="http://schemas.microsoft.com/office/drawing/2010/main" val="0"/>
@@ -7205,7 +10067,7 @@
           <p:cNvPr id="1030" name="Picture 6" descr="Bildergebnis fÃ¼r react materialize">
             <a:extLst>
               <a:ext uri="{FF2B5EF4-FFF2-40B4-BE49-F238E27FC236}">
-                <a16:creationId xmlns:a16="http://schemas.microsoft.com/office/drawing/2014/main" xmlns="" id="{8C0A3339-03B8-4017-9609-4DC76A731DE0}"/>
+                <a16:creationId xmlns="" xmlns:a16="http://schemas.microsoft.com/office/drawing/2014/main" id="{8C0A3339-03B8-4017-9609-4DC76A731DE0}"/>
               </a:ext>
             </a:extLst>
           </p:cNvPr>
@@ -7215,7 +10077,7 @@
           <p:nvPr/>
         </p:nvPicPr>
         <p:blipFill>
-          <a:blip r:embed="rId3">
+          <a:blip r:embed="rId4">
             <a:extLst>
               <a:ext uri="{28A0092B-C50C-407E-A947-70E740481C1C}">
                 <a14:useLocalDpi xmlns:a14="http://schemas.microsoft.com/office/drawing/2010/main" val="0"/>
@@ -7252,7 +10114,7 @@
           <p:cNvPr id="1032" name="Picture 8" descr="Bildergebnis fÃ¼r materialize">
             <a:extLst>
               <a:ext uri="{FF2B5EF4-FFF2-40B4-BE49-F238E27FC236}">
-                <a16:creationId xmlns:a16="http://schemas.microsoft.com/office/drawing/2014/main" xmlns="" id="{6B3A1825-2670-4778-8FC5-43386939DBE3}"/>
+                <a16:creationId xmlns="" xmlns:a16="http://schemas.microsoft.com/office/drawing/2014/main" id="{6B3A1825-2670-4778-8FC5-43386939DBE3}"/>
               </a:ext>
             </a:extLst>
           </p:cNvPr>
@@ -7262,7 +10124,7 @@
           <p:nvPr/>
         </p:nvPicPr>
         <p:blipFill>
-          <a:blip r:embed="rId4">
+          <a:blip r:embed="rId5">
             <a:extLst>
               <a:ext uri="{28A0092B-C50C-407E-A947-70E740481C1C}">
                 <a14:useLocalDpi xmlns:a14="http://schemas.microsoft.com/office/drawing/2010/main" val="0"/>
@@ -7299,7 +10161,7 @@
           <p:cNvPr id="1034" name="Picture 10" descr="Bildergebnis fÃ¼r rxjs">
             <a:extLst>
               <a:ext uri="{FF2B5EF4-FFF2-40B4-BE49-F238E27FC236}">
-                <a16:creationId xmlns:a16="http://schemas.microsoft.com/office/drawing/2014/main" xmlns="" id="{FF2589F7-8232-43CB-9B06-B819D249AC90}"/>
+                <a16:creationId xmlns="" xmlns:a16="http://schemas.microsoft.com/office/drawing/2014/main" id="{FF2589F7-8232-43CB-9B06-B819D249AC90}"/>
               </a:ext>
             </a:extLst>
           </p:cNvPr>
@@ -7309,7 +10171,7 @@
           <p:nvPr/>
         </p:nvPicPr>
         <p:blipFill>
-          <a:blip r:embed="rId5">
+          <a:blip r:embed="rId6">
             <a:extLst>
               <a:ext uri="{28A0092B-C50C-407E-A947-70E740481C1C}">
                 <a14:useLocalDpi xmlns:a14="http://schemas.microsoft.com/office/drawing/2010/main" val="0"/>
@@ -7376,7 +10238,7 @@
           <p:cNvPr id="2" name="Titel 1">
             <a:extLst>
               <a:ext uri="{FF2B5EF4-FFF2-40B4-BE49-F238E27FC236}">
-                <a16:creationId xmlns:a16="http://schemas.microsoft.com/office/drawing/2014/main" xmlns="" id="{BA34701A-BEAC-49CD-BE66-3678A5922648}"/>
+                <a16:creationId xmlns="" xmlns:a16="http://schemas.microsoft.com/office/drawing/2014/main" id="{BA34701A-BEAC-49CD-BE66-3678A5922648}"/>
               </a:ext>
             </a:extLst>
           </p:cNvPr>
@@ -7404,7 +10266,7 @@
           <p:cNvPr id="3" name="Datumsplatzhalter 2">
             <a:extLst>
               <a:ext uri="{FF2B5EF4-FFF2-40B4-BE49-F238E27FC236}">
-                <a16:creationId xmlns:a16="http://schemas.microsoft.com/office/drawing/2014/main" xmlns="" id="{A98B22DE-91CA-4FD7-9560-30BC27F3C26D}"/>
+                <a16:creationId xmlns="" xmlns:a16="http://schemas.microsoft.com/office/drawing/2014/main" id="{A98B22DE-91CA-4FD7-9560-30BC27F3C26D}"/>
               </a:ext>
             </a:extLst>
           </p:cNvPr>
@@ -7422,7 +10284,7 @@
           <a:p>
             <a:fld id="{48352B5A-167D-4ED6-B7C9-BDA647A8BA51}" type="datetime1">
               <a:rPr lang="de-DE" smtClean="0"/>
-              <a:t>16.11.2018</a:t>
+              <a:t>19.11.2018</a:t>
             </a:fld>
             <a:endParaRPr lang="de-DE"/>
           </a:p>
@@ -7433,7 +10295,7 @@
           <p:cNvPr id="4" name="Fußzeilenplatzhalter 3">
             <a:extLst>
               <a:ext uri="{FF2B5EF4-FFF2-40B4-BE49-F238E27FC236}">
-                <a16:creationId xmlns:a16="http://schemas.microsoft.com/office/drawing/2014/main" xmlns="" id="{391BBEE9-CD7F-4B7C-B0BA-020F00E6EF6F}"/>
+                <a16:creationId xmlns="" xmlns:a16="http://schemas.microsoft.com/office/drawing/2014/main" id="{391BBEE9-CD7F-4B7C-B0BA-020F00E6EF6F}"/>
               </a:ext>
             </a:extLst>
           </p:cNvPr>
@@ -7462,7 +10324,7 @@
           <p:cNvPr id="5" name="Foliennummernplatzhalter 4">
             <a:extLst>
               <a:ext uri="{FF2B5EF4-FFF2-40B4-BE49-F238E27FC236}">
-                <a16:creationId xmlns:a16="http://schemas.microsoft.com/office/drawing/2014/main" xmlns="" id="{B876E68C-B4E2-47B9-9FBD-9F8AFF68225E}"/>
+                <a16:creationId xmlns="" xmlns:a16="http://schemas.microsoft.com/office/drawing/2014/main" id="{B876E68C-B4E2-47B9-9FBD-9F8AFF68225E}"/>
               </a:ext>
             </a:extLst>
           </p:cNvPr>
@@ -7491,7 +10353,7 @@
           <p:cNvPr id="6" name="Inhaltsplatzhalter 5">
             <a:extLst>
               <a:ext uri="{FF2B5EF4-FFF2-40B4-BE49-F238E27FC236}">
-                <a16:creationId xmlns:a16="http://schemas.microsoft.com/office/drawing/2014/main" xmlns="" id="{AEBB1BB3-98D3-4463-AEE3-F6E5690771E9}"/>
+                <a16:creationId xmlns="" xmlns:a16="http://schemas.microsoft.com/office/drawing/2014/main" id="{AEBB1BB3-98D3-4463-AEE3-F6E5690771E9}"/>
               </a:ext>
             </a:extLst>
           </p:cNvPr>
@@ -7615,7 +10477,7 @@
           <p:cNvPr id="2" name="Titel 1">
             <a:extLst>
               <a:ext uri="{FF2B5EF4-FFF2-40B4-BE49-F238E27FC236}">
-                <a16:creationId xmlns:a16="http://schemas.microsoft.com/office/drawing/2014/main" xmlns="" id="{738C37EF-4C5F-4AA5-99A0-0F366D81A037}"/>
+                <a16:creationId xmlns="" xmlns:a16="http://schemas.microsoft.com/office/drawing/2014/main" id="{738C37EF-4C5F-4AA5-99A0-0F366D81A037}"/>
               </a:ext>
             </a:extLst>
           </p:cNvPr>
@@ -7643,7 +10505,7 @@
           <p:cNvPr id="3" name="Datumsplatzhalter 2">
             <a:extLst>
               <a:ext uri="{FF2B5EF4-FFF2-40B4-BE49-F238E27FC236}">
-                <a16:creationId xmlns:a16="http://schemas.microsoft.com/office/drawing/2014/main" xmlns="" id="{E1C0CD2F-49CF-42A9-8438-801CE1CBBA71}"/>
+                <a16:creationId xmlns="" xmlns:a16="http://schemas.microsoft.com/office/drawing/2014/main" id="{E1C0CD2F-49CF-42A9-8438-801CE1CBBA71}"/>
               </a:ext>
             </a:extLst>
           </p:cNvPr>
@@ -7661,7 +10523,7 @@
           <a:p>
             <a:fld id="{48352B5A-167D-4ED6-B7C9-BDA647A8BA51}" type="datetime1">
               <a:rPr lang="de-DE" smtClean="0"/>
-              <a:t>16.11.2018</a:t>
+              <a:t>19.11.2018</a:t>
             </a:fld>
             <a:endParaRPr lang="de-DE"/>
           </a:p>
@@ -7672,7 +10534,7 @@
           <p:cNvPr id="4" name="Fußzeilenplatzhalter 3">
             <a:extLst>
               <a:ext uri="{FF2B5EF4-FFF2-40B4-BE49-F238E27FC236}">
-                <a16:creationId xmlns:a16="http://schemas.microsoft.com/office/drawing/2014/main" xmlns="" id="{7F57B273-F13C-4F69-89F8-68317B43542F}"/>
+                <a16:creationId xmlns="" xmlns:a16="http://schemas.microsoft.com/office/drawing/2014/main" id="{7F57B273-F13C-4F69-89F8-68317B43542F}"/>
               </a:ext>
             </a:extLst>
           </p:cNvPr>
@@ -7701,7 +10563,7 @@
           <p:cNvPr id="5" name="Foliennummernplatzhalter 4">
             <a:extLst>
               <a:ext uri="{FF2B5EF4-FFF2-40B4-BE49-F238E27FC236}">
-                <a16:creationId xmlns:a16="http://schemas.microsoft.com/office/drawing/2014/main" xmlns="" id="{835CFF78-1AAA-4EF5-9E9A-24C4BBBDE859}"/>
+                <a16:creationId xmlns="" xmlns:a16="http://schemas.microsoft.com/office/drawing/2014/main" id="{835CFF78-1AAA-4EF5-9E9A-24C4BBBDE859}"/>
               </a:ext>
             </a:extLst>
           </p:cNvPr>
@@ -7730,7 +10592,7 @@
           <p:cNvPr id="7" name="Inhaltsplatzhalter 6">
             <a:extLst>
               <a:ext uri="{FF2B5EF4-FFF2-40B4-BE49-F238E27FC236}">
-                <a16:creationId xmlns:a16="http://schemas.microsoft.com/office/drawing/2014/main" xmlns="" id="{43CE9483-8950-486B-B41D-7A66F10224C7}"/>
+                <a16:creationId xmlns="" xmlns:a16="http://schemas.microsoft.com/office/drawing/2014/main" id="{43CE9483-8950-486B-B41D-7A66F10224C7}"/>
               </a:ext>
             </a:extLst>
           </p:cNvPr>
@@ -7742,7 +10604,7 @@
           </p:nvPr>
         </p:nvPicPr>
         <p:blipFill>
-          <a:blip r:embed="rId2"/>
+          <a:blip r:embed="rId3"/>
           <a:stretch>
             <a:fillRect/>
           </a:stretch>
@@ -7792,7 +10654,7 @@
           <p:cNvPr id="2" name="Titel 1">
             <a:extLst>
               <a:ext uri="{FF2B5EF4-FFF2-40B4-BE49-F238E27FC236}">
-                <a16:creationId xmlns:a16="http://schemas.microsoft.com/office/drawing/2014/main" xmlns="" id="{E6CF5AC9-4037-40B1-9918-570F8D4A5BC8}"/>
+                <a16:creationId xmlns="" xmlns:a16="http://schemas.microsoft.com/office/drawing/2014/main" id="{E6CF5AC9-4037-40B1-9918-570F8D4A5BC8}"/>
               </a:ext>
             </a:extLst>
           </p:cNvPr>
@@ -7824,7 +10686,7 @@
           <p:cNvPr id="3" name="Datumsplatzhalter 2">
             <a:extLst>
               <a:ext uri="{FF2B5EF4-FFF2-40B4-BE49-F238E27FC236}">
-                <a16:creationId xmlns:a16="http://schemas.microsoft.com/office/drawing/2014/main" xmlns="" id="{A705C0B8-C520-4633-A9A6-72F6195A5A9E}"/>
+                <a16:creationId xmlns="" xmlns:a16="http://schemas.microsoft.com/office/drawing/2014/main" id="{A705C0B8-C520-4633-A9A6-72F6195A5A9E}"/>
               </a:ext>
             </a:extLst>
           </p:cNvPr>
@@ -7842,7 +10704,7 @@
           <a:p>
             <a:fld id="{48352B5A-167D-4ED6-B7C9-BDA647A8BA51}" type="datetime1">
               <a:rPr lang="de-DE" smtClean="0"/>
-              <a:t>16.11.2018</a:t>
+              <a:t>19.11.2018</a:t>
             </a:fld>
             <a:endParaRPr lang="de-DE"/>
           </a:p>
@@ -7853,7 +10715,7 @@
           <p:cNvPr id="4" name="Fußzeilenplatzhalter 3">
             <a:extLst>
               <a:ext uri="{FF2B5EF4-FFF2-40B4-BE49-F238E27FC236}">
-                <a16:creationId xmlns:a16="http://schemas.microsoft.com/office/drawing/2014/main" xmlns="" id="{B466A057-EB10-46B8-97E0-99320985902F}"/>
+                <a16:creationId xmlns="" xmlns:a16="http://schemas.microsoft.com/office/drawing/2014/main" id="{B466A057-EB10-46B8-97E0-99320985902F}"/>
               </a:ext>
             </a:extLst>
           </p:cNvPr>
@@ -7882,7 +10744,7 @@
           <p:cNvPr id="5" name="Foliennummernplatzhalter 4">
             <a:extLst>
               <a:ext uri="{FF2B5EF4-FFF2-40B4-BE49-F238E27FC236}">
-                <a16:creationId xmlns:a16="http://schemas.microsoft.com/office/drawing/2014/main" xmlns="" id="{9673468D-A9D3-4D74-BE6E-8B5ECEB59B48}"/>
+                <a16:creationId xmlns="" xmlns:a16="http://schemas.microsoft.com/office/drawing/2014/main" id="{9673468D-A9D3-4D74-BE6E-8B5ECEB59B48}"/>
               </a:ext>
             </a:extLst>
           </p:cNvPr>
@@ -7911,7 +10773,7 @@
           <p:cNvPr id="6" name="Inhaltsplatzhalter 5">
             <a:extLst>
               <a:ext uri="{FF2B5EF4-FFF2-40B4-BE49-F238E27FC236}">
-                <a16:creationId xmlns:a16="http://schemas.microsoft.com/office/drawing/2014/main" xmlns="" id="{D821D71A-5EC1-4867-9139-31BF6502F1B6}"/>
+                <a16:creationId xmlns="" xmlns:a16="http://schemas.microsoft.com/office/drawing/2014/main" id="{D821D71A-5EC1-4867-9139-31BF6502F1B6}"/>
               </a:ext>
             </a:extLst>
           </p:cNvPr>
@@ -8102,7 +10964,7 @@
           <p:cNvPr id="2" name="Titel 1">
             <a:extLst>
               <a:ext uri="{FF2B5EF4-FFF2-40B4-BE49-F238E27FC236}">
-                <a16:creationId xmlns:a16="http://schemas.microsoft.com/office/drawing/2014/main" xmlns="" id="{2D7D460E-0B2B-44FD-B746-194A16BD830D}"/>
+                <a16:creationId xmlns="" xmlns:a16="http://schemas.microsoft.com/office/drawing/2014/main" id="{2D7D460E-0B2B-44FD-B746-194A16BD830D}"/>
               </a:ext>
             </a:extLst>
           </p:cNvPr>
@@ -8131,7 +10993,7 @@
           <p:cNvPr id="3" name="Datumsplatzhalter 2">
             <a:extLst>
               <a:ext uri="{FF2B5EF4-FFF2-40B4-BE49-F238E27FC236}">
-                <a16:creationId xmlns:a16="http://schemas.microsoft.com/office/drawing/2014/main" xmlns="" id="{828DC8B8-5366-41F8-8AFA-7871829A0908}"/>
+                <a16:creationId xmlns="" xmlns:a16="http://schemas.microsoft.com/office/drawing/2014/main" id="{828DC8B8-5366-41F8-8AFA-7871829A0908}"/>
               </a:ext>
             </a:extLst>
           </p:cNvPr>
@@ -8149,7 +11011,7 @@
           <a:p>
             <a:fld id="{48352B5A-167D-4ED6-B7C9-BDA647A8BA51}" type="datetime1">
               <a:rPr lang="de-DE" smtClean="0"/>
-              <a:t>16.11.2018</a:t>
+              <a:t>19.11.2018</a:t>
             </a:fld>
             <a:endParaRPr lang="de-DE"/>
           </a:p>
@@ -8160,7 +11022,7 @@
           <p:cNvPr id="4" name="Fußzeilenplatzhalter 3">
             <a:extLst>
               <a:ext uri="{FF2B5EF4-FFF2-40B4-BE49-F238E27FC236}">
-                <a16:creationId xmlns:a16="http://schemas.microsoft.com/office/drawing/2014/main" xmlns="" id="{BD971EBA-44D6-4477-93E3-1B788DADD575}"/>
+                <a16:creationId xmlns="" xmlns:a16="http://schemas.microsoft.com/office/drawing/2014/main" id="{BD971EBA-44D6-4477-93E3-1B788DADD575}"/>
               </a:ext>
             </a:extLst>
           </p:cNvPr>
@@ -8189,7 +11051,7 @@
           <p:cNvPr id="5" name="Foliennummernplatzhalter 4">
             <a:extLst>
               <a:ext uri="{FF2B5EF4-FFF2-40B4-BE49-F238E27FC236}">
-                <a16:creationId xmlns:a16="http://schemas.microsoft.com/office/drawing/2014/main" xmlns="" id="{91167899-16A0-4E9B-9BB8-2EC81AE3C4A3}"/>
+                <a16:creationId xmlns="" xmlns:a16="http://schemas.microsoft.com/office/drawing/2014/main" id="{91167899-16A0-4E9B-9BB8-2EC81AE3C4A3}"/>
               </a:ext>
             </a:extLst>
           </p:cNvPr>
@@ -8218,7 +11080,7 @@
           <p:cNvPr id="6" name="Inhaltsplatzhalter 5">
             <a:extLst>
               <a:ext uri="{FF2B5EF4-FFF2-40B4-BE49-F238E27FC236}">
-                <a16:creationId xmlns:a16="http://schemas.microsoft.com/office/drawing/2014/main" xmlns="" id="{C2EAF9B5-C30D-4536-A717-867AA1D17456}"/>
+                <a16:creationId xmlns="" xmlns:a16="http://schemas.microsoft.com/office/drawing/2014/main" id="{C2EAF9B5-C30D-4536-A717-867AA1D17456}"/>
               </a:ext>
             </a:extLst>
           </p:cNvPr>
@@ -8426,7 +11288,7 @@
           <p:cNvPr id="2" name="Titel 1">
             <a:extLst>
               <a:ext uri="{FF2B5EF4-FFF2-40B4-BE49-F238E27FC236}">
-                <a16:creationId xmlns:a16="http://schemas.microsoft.com/office/drawing/2014/main" xmlns="" id="{CC5FCD01-D151-4722-B663-67C4B09833C6}"/>
+                <a16:creationId xmlns="" xmlns:a16="http://schemas.microsoft.com/office/drawing/2014/main" id="{CC5FCD01-D151-4722-B663-67C4B09833C6}"/>
               </a:ext>
             </a:extLst>
           </p:cNvPr>
@@ -8458,7 +11320,7 @@
           <p:cNvPr id="3" name="Datumsplatzhalter 2">
             <a:extLst>
               <a:ext uri="{FF2B5EF4-FFF2-40B4-BE49-F238E27FC236}">
-                <a16:creationId xmlns:a16="http://schemas.microsoft.com/office/drawing/2014/main" xmlns="" id="{6F5E496F-46F7-40D4-8DF1-34867D27C2A8}"/>
+                <a16:creationId xmlns="" xmlns:a16="http://schemas.microsoft.com/office/drawing/2014/main" id="{6F5E496F-46F7-40D4-8DF1-34867D27C2A8}"/>
               </a:ext>
             </a:extLst>
           </p:cNvPr>
@@ -8476,7 +11338,7 @@
           <a:p>
             <a:fld id="{48352B5A-167D-4ED6-B7C9-BDA647A8BA51}" type="datetime1">
               <a:rPr lang="de-DE" smtClean="0"/>
-              <a:t>16.11.2018</a:t>
+              <a:t>19.11.2018</a:t>
             </a:fld>
             <a:endParaRPr lang="de-DE"/>
           </a:p>
@@ -8487,7 +11349,7 @@
           <p:cNvPr id="4" name="Fußzeilenplatzhalter 3">
             <a:extLst>
               <a:ext uri="{FF2B5EF4-FFF2-40B4-BE49-F238E27FC236}">
-                <a16:creationId xmlns:a16="http://schemas.microsoft.com/office/drawing/2014/main" xmlns="" id="{C33CAF55-8754-4CFB-95A7-9C9B82305AAD}"/>
+                <a16:creationId xmlns="" xmlns:a16="http://schemas.microsoft.com/office/drawing/2014/main" id="{C33CAF55-8754-4CFB-95A7-9C9B82305AAD}"/>
               </a:ext>
             </a:extLst>
           </p:cNvPr>
@@ -8516,7 +11378,7 @@
           <p:cNvPr id="5" name="Foliennummernplatzhalter 4">
             <a:extLst>
               <a:ext uri="{FF2B5EF4-FFF2-40B4-BE49-F238E27FC236}">
-                <a16:creationId xmlns:a16="http://schemas.microsoft.com/office/drawing/2014/main" xmlns="" id="{EA1DA399-D052-4008-BB2B-6404DF71964D}"/>
+                <a16:creationId xmlns="" xmlns:a16="http://schemas.microsoft.com/office/drawing/2014/main" id="{EA1DA399-D052-4008-BB2B-6404DF71964D}"/>
               </a:ext>
             </a:extLst>
           </p:cNvPr>
@@ -8545,7 +11407,7 @@
           <p:cNvPr id="6" name="Inhaltsplatzhalter 5">
             <a:extLst>
               <a:ext uri="{FF2B5EF4-FFF2-40B4-BE49-F238E27FC236}">
-                <a16:creationId xmlns:a16="http://schemas.microsoft.com/office/drawing/2014/main" xmlns="" id="{A424F6E6-7EE3-42CE-986A-0D3257FB18D1}"/>
+                <a16:creationId xmlns="" xmlns:a16="http://schemas.microsoft.com/office/drawing/2014/main" id="{A424F6E6-7EE3-42CE-986A-0D3257FB18D1}"/>
               </a:ext>
             </a:extLst>
           </p:cNvPr>
@@ -9014,7 +11876,7 @@
           <p:cNvPr id="2" name="Titel 1">
             <a:extLst>
               <a:ext uri="{FF2B5EF4-FFF2-40B4-BE49-F238E27FC236}">
-                <a16:creationId xmlns:a16="http://schemas.microsoft.com/office/drawing/2014/main" xmlns="" id="{8EFFCF8E-A530-400B-B812-958F5DB05ADA}"/>
+                <a16:creationId xmlns="" xmlns:a16="http://schemas.microsoft.com/office/drawing/2014/main" id="{8EFFCF8E-A530-400B-B812-958F5DB05ADA}"/>
               </a:ext>
             </a:extLst>
           </p:cNvPr>
@@ -9043,7 +11905,7 @@
           <p:cNvPr id="3" name="Datumsplatzhalter 2">
             <a:extLst>
               <a:ext uri="{FF2B5EF4-FFF2-40B4-BE49-F238E27FC236}">
-                <a16:creationId xmlns:a16="http://schemas.microsoft.com/office/drawing/2014/main" xmlns="" id="{8A2ACF77-5D94-4A87-859F-F880C8049340}"/>
+                <a16:creationId xmlns="" xmlns:a16="http://schemas.microsoft.com/office/drawing/2014/main" id="{8A2ACF77-5D94-4A87-859F-F880C8049340}"/>
               </a:ext>
             </a:extLst>
           </p:cNvPr>
@@ -9061,7 +11923,7 @@
           <a:p>
             <a:fld id="{48352B5A-167D-4ED6-B7C9-BDA647A8BA51}" type="datetime1">
               <a:rPr lang="de-DE" smtClean="0"/>
-              <a:t>16.11.2018</a:t>
+              <a:t>19.11.2018</a:t>
             </a:fld>
             <a:endParaRPr lang="de-DE"/>
           </a:p>
@@ -9072,7 +11934,7 @@
           <p:cNvPr id="4" name="Fußzeilenplatzhalter 3">
             <a:extLst>
               <a:ext uri="{FF2B5EF4-FFF2-40B4-BE49-F238E27FC236}">
-                <a16:creationId xmlns:a16="http://schemas.microsoft.com/office/drawing/2014/main" xmlns="" id="{BCE989C0-DCC8-4DE1-8016-5BDAC15115EB}"/>
+                <a16:creationId xmlns="" xmlns:a16="http://schemas.microsoft.com/office/drawing/2014/main" id="{BCE989C0-DCC8-4DE1-8016-5BDAC15115EB}"/>
               </a:ext>
             </a:extLst>
           </p:cNvPr>
@@ -9101,7 +11963,7 @@
           <p:cNvPr id="5" name="Foliennummernplatzhalter 4">
             <a:extLst>
               <a:ext uri="{FF2B5EF4-FFF2-40B4-BE49-F238E27FC236}">
-                <a16:creationId xmlns:a16="http://schemas.microsoft.com/office/drawing/2014/main" xmlns="" id="{E0AE29E5-FDEA-4EBC-A598-E69E4995CB24}"/>
+                <a16:creationId xmlns="" xmlns:a16="http://schemas.microsoft.com/office/drawing/2014/main" id="{E0AE29E5-FDEA-4EBC-A598-E69E4995CB24}"/>
               </a:ext>
             </a:extLst>
           </p:cNvPr>
@@ -9130,7 +11992,7 @@
           <p:cNvPr id="6" name="Inhaltsplatzhalter 5">
             <a:extLst>
               <a:ext uri="{FF2B5EF4-FFF2-40B4-BE49-F238E27FC236}">
-                <a16:creationId xmlns:a16="http://schemas.microsoft.com/office/drawing/2014/main" xmlns="" id="{E16E596C-A5F8-47FA-9BFB-EBB60E45B8F1}"/>
+                <a16:creationId xmlns="" xmlns:a16="http://schemas.microsoft.com/office/drawing/2014/main" id="{E16E596C-A5F8-47FA-9BFB-EBB60E45B8F1}"/>
               </a:ext>
             </a:extLst>
           </p:cNvPr>
@@ -9575,7 +12437,7 @@
           <p:cNvPr id="2" name="Titel 1">
             <a:extLst>
               <a:ext uri="{FF2B5EF4-FFF2-40B4-BE49-F238E27FC236}">
-                <a16:creationId xmlns:a16="http://schemas.microsoft.com/office/drawing/2014/main" xmlns="" id="{BA34701A-BEAC-49CD-BE66-3678A5922648}"/>
+                <a16:creationId xmlns="" xmlns:a16="http://schemas.microsoft.com/office/drawing/2014/main" id="{BA34701A-BEAC-49CD-BE66-3678A5922648}"/>
               </a:ext>
             </a:extLst>
           </p:cNvPr>
@@ -9603,7 +12465,7 @@
           <p:cNvPr id="3" name="Datumsplatzhalter 2">
             <a:extLst>
               <a:ext uri="{FF2B5EF4-FFF2-40B4-BE49-F238E27FC236}">
-                <a16:creationId xmlns:a16="http://schemas.microsoft.com/office/drawing/2014/main" xmlns="" id="{A98B22DE-91CA-4FD7-9560-30BC27F3C26D}"/>
+                <a16:creationId xmlns="" xmlns:a16="http://schemas.microsoft.com/office/drawing/2014/main" id="{A98B22DE-91CA-4FD7-9560-30BC27F3C26D}"/>
               </a:ext>
             </a:extLst>
           </p:cNvPr>
@@ -9621,7 +12483,7 @@
           <a:p>
             <a:fld id="{48352B5A-167D-4ED6-B7C9-BDA647A8BA51}" type="datetime1">
               <a:rPr lang="de-DE" smtClean="0"/>
-              <a:t>16.11.2018</a:t>
+              <a:t>19.11.2018</a:t>
             </a:fld>
             <a:endParaRPr lang="de-DE"/>
           </a:p>
@@ -9632,7 +12494,7 @@
           <p:cNvPr id="4" name="Fußzeilenplatzhalter 3">
             <a:extLst>
               <a:ext uri="{FF2B5EF4-FFF2-40B4-BE49-F238E27FC236}">
-                <a16:creationId xmlns:a16="http://schemas.microsoft.com/office/drawing/2014/main" xmlns="" id="{391BBEE9-CD7F-4B7C-B0BA-020F00E6EF6F}"/>
+                <a16:creationId xmlns="" xmlns:a16="http://schemas.microsoft.com/office/drawing/2014/main" id="{391BBEE9-CD7F-4B7C-B0BA-020F00E6EF6F}"/>
               </a:ext>
             </a:extLst>
           </p:cNvPr>
@@ -9661,7 +12523,7 @@
           <p:cNvPr id="5" name="Foliennummernplatzhalter 4">
             <a:extLst>
               <a:ext uri="{FF2B5EF4-FFF2-40B4-BE49-F238E27FC236}">
-                <a16:creationId xmlns:a16="http://schemas.microsoft.com/office/drawing/2014/main" xmlns="" id="{B876E68C-B4E2-47B9-9FBD-9F8AFF68225E}"/>
+                <a16:creationId xmlns="" xmlns:a16="http://schemas.microsoft.com/office/drawing/2014/main" id="{B876E68C-B4E2-47B9-9FBD-9F8AFF68225E}"/>
               </a:ext>
             </a:extLst>
           </p:cNvPr>
@@ -9690,7 +12552,7 @@
           <p:cNvPr id="6" name="Inhaltsplatzhalter 5">
             <a:extLst>
               <a:ext uri="{FF2B5EF4-FFF2-40B4-BE49-F238E27FC236}">
-                <a16:creationId xmlns:a16="http://schemas.microsoft.com/office/drawing/2014/main" xmlns="" id="{AEBB1BB3-98D3-4463-AEE3-F6E5690771E9}"/>
+                <a16:creationId xmlns="" xmlns:a16="http://schemas.microsoft.com/office/drawing/2014/main" id="{AEBB1BB3-98D3-4463-AEE3-F6E5690771E9}"/>
               </a:ext>
             </a:extLst>
           </p:cNvPr>
@@ -9912,7 +12774,7 @@
           <a:p>
             <a:fld id="{48352B5A-167D-4ED6-B7C9-BDA647A8BA51}" type="datetime1">
               <a:rPr lang="de-DE" smtClean="0"/>
-              <a:t>16.11.2018</a:t>
+              <a:t>19.11.2018</a:t>
             </a:fld>
             <a:endParaRPr lang="de-DE"/>
           </a:p>
@@ -10191,7 +13053,7 @@
           <p:cNvPr id="2" name="Titel 1">
             <a:extLst>
               <a:ext uri="{FF2B5EF4-FFF2-40B4-BE49-F238E27FC236}">
-                <a16:creationId xmlns:a16="http://schemas.microsoft.com/office/drawing/2014/main" xmlns="" id="{2D7D460E-0B2B-44FD-B746-194A16BD830D}"/>
+                <a16:creationId xmlns="" xmlns:a16="http://schemas.microsoft.com/office/drawing/2014/main" id="{2D7D460E-0B2B-44FD-B746-194A16BD830D}"/>
               </a:ext>
             </a:extLst>
           </p:cNvPr>
@@ -10219,7 +13081,7 @@
           <p:cNvPr id="3" name="Datumsplatzhalter 2">
             <a:extLst>
               <a:ext uri="{FF2B5EF4-FFF2-40B4-BE49-F238E27FC236}">
-                <a16:creationId xmlns:a16="http://schemas.microsoft.com/office/drawing/2014/main" xmlns="" id="{828DC8B8-5366-41F8-8AFA-7871829A0908}"/>
+                <a16:creationId xmlns="" xmlns:a16="http://schemas.microsoft.com/office/drawing/2014/main" id="{828DC8B8-5366-41F8-8AFA-7871829A0908}"/>
               </a:ext>
             </a:extLst>
           </p:cNvPr>
@@ -10237,7 +13099,7 @@
           <a:p>
             <a:fld id="{48352B5A-167D-4ED6-B7C9-BDA647A8BA51}" type="datetime1">
               <a:rPr lang="de-DE" smtClean="0"/>
-              <a:t>16.11.2018</a:t>
+              <a:t>19.11.2018</a:t>
             </a:fld>
             <a:endParaRPr lang="de-DE"/>
           </a:p>
@@ -10248,7 +13110,7 @@
           <p:cNvPr id="4" name="Fußzeilenplatzhalter 3">
             <a:extLst>
               <a:ext uri="{FF2B5EF4-FFF2-40B4-BE49-F238E27FC236}">
-                <a16:creationId xmlns:a16="http://schemas.microsoft.com/office/drawing/2014/main" xmlns="" id="{BD971EBA-44D6-4477-93E3-1B788DADD575}"/>
+                <a16:creationId xmlns="" xmlns:a16="http://schemas.microsoft.com/office/drawing/2014/main" id="{BD971EBA-44D6-4477-93E3-1B788DADD575}"/>
               </a:ext>
             </a:extLst>
           </p:cNvPr>
@@ -10277,7 +13139,7 @@
           <p:cNvPr id="5" name="Foliennummernplatzhalter 4">
             <a:extLst>
               <a:ext uri="{FF2B5EF4-FFF2-40B4-BE49-F238E27FC236}">
-                <a16:creationId xmlns:a16="http://schemas.microsoft.com/office/drawing/2014/main" xmlns="" id="{91167899-16A0-4E9B-9BB8-2EC81AE3C4A3}"/>
+                <a16:creationId xmlns="" xmlns:a16="http://schemas.microsoft.com/office/drawing/2014/main" id="{91167899-16A0-4E9B-9BB8-2EC81AE3C4A3}"/>
               </a:ext>
             </a:extLst>
           </p:cNvPr>
@@ -10306,7 +13168,7 @@
           <p:cNvPr id="6" name="Inhaltsplatzhalter 5">
             <a:extLst>
               <a:ext uri="{FF2B5EF4-FFF2-40B4-BE49-F238E27FC236}">
-                <a16:creationId xmlns:a16="http://schemas.microsoft.com/office/drawing/2014/main" xmlns="" id="{C2EAF9B5-C30D-4536-A717-867AA1D17456}"/>
+                <a16:creationId xmlns="" xmlns:a16="http://schemas.microsoft.com/office/drawing/2014/main" id="{C2EAF9B5-C30D-4536-A717-867AA1D17456}"/>
               </a:ext>
             </a:extLst>
           </p:cNvPr>
@@ -10421,7 +13283,7 @@
           <p:cNvPr id="2" name="Titel 1">
             <a:extLst>
               <a:ext uri="{FF2B5EF4-FFF2-40B4-BE49-F238E27FC236}">
-                <a16:creationId xmlns:a16="http://schemas.microsoft.com/office/drawing/2014/main" xmlns="" id="{8114A889-83B6-40F0-B935-DCD9702CEACD}"/>
+                <a16:creationId xmlns="" xmlns:a16="http://schemas.microsoft.com/office/drawing/2014/main" id="{8114A889-83B6-40F0-B935-DCD9702CEACD}"/>
               </a:ext>
             </a:extLst>
           </p:cNvPr>
@@ -10449,7 +13311,7 @@
           <p:cNvPr id="3" name="Datumsplatzhalter 2">
             <a:extLst>
               <a:ext uri="{FF2B5EF4-FFF2-40B4-BE49-F238E27FC236}">
-                <a16:creationId xmlns:a16="http://schemas.microsoft.com/office/drawing/2014/main" xmlns="" id="{F89389F1-AFAC-4D9A-9486-7B3544E4FF6D}"/>
+                <a16:creationId xmlns="" xmlns:a16="http://schemas.microsoft.com/office/drawing/2014/main" id="{F89389F1-AFAC-4D9A-9486-7B3544E4FF6D}"/>
               </a:ext>
             </a:extLst>
           </p:cNvPr>
@@ -10467,7 +13329,7 @@
           <a:p>
             <a:fld id="{48352B5A-167D-4ED6-B7C9-BDA647A8BA51}" type="datetime1">
               <a:rPr lang="de-DE" smtClean="0"/>
-              <a:t>16.11.2018</a:t>
+              <a:t>19.11.2018</a:t>
             </a:fld>
             <a:endParaRPr lang="de-DE"/>
           </a:p>
@@ -10478,7 +13340,7 @@
           <p:cNvPr id="4" name="Fußzeilenplatzhalter 3">
             <a:extLst>
               <a:ext uri="{FF2B5EF4-FFF2-40B4-BE49-F238E27FC236}">
-                <a16:creationId xmlns:a16="http://schemas.microsoft.com/office/drawing/2014/main" xmlns="" id="{9F17CDFF-C508-4955-98A7-5D2E28C34B42}"/>
+                <a16:creationId xmlns="" xmlns:a16="http://schemas.microsoft.com/office/drawing/2014/main" id="{9F17CDFF-C508-4955-98A7-5D2E28C34B42}"/>
               </a:ext>
             </a:extLst>
           </p:cNvPr>
@@ -10507,7 +13369,7 @@
           <p:cNvPr id="5" name="Foliennummernplatzhalter 4">
             <a:extLst>
               <a:ext uri="{FF2B5EF4-FFF2-40B4-BE49-F238E27FC236}">
-                <a16:creationId xmlns:a16="http://schemas.microsoft.com/office/drawing/2014/main" xmlns="" id="{810D8EC7-F317-4347-B4EE-CB89484C6E86}"/>
+                <a16:creationId xmlns="" xmlns:a16="http://schemas.microsoft.com/office/drawing/2014/main" id="{810D8EC7-F317-4347-B4EE-CB89484C6E86}"/>
               </a:ext>
             </a:extLst>
           </p:cNvPr>
@@ -10536,7 +13398,7 @@
           <p:cNvPr id="6" name="Inhaltsplatzhalter 5">
             <a:extLst>
               <a:ext uri="{FF2B5EF4-FFF2-40B4-BE49-F238E27FC236}">
-                <a16:creationId xmlns:a16="http://schemas.microsoft.com/office/drawing/2014/main" xmlns="" id="{2664D975-EAE2-4ADB-A844-D88FA8C3AAB5}"/>
+                <a16:creationId xmlns="" xmlns:a16="http://schemas.microsoft.com/office/drawing/2014/main" id="{2664D975-EAE2-4ADB-A844-D88FA8C3AAB5}"/>
               </a:ext>
             </a:extLst>
           </p:cNvPr>
@@ -10642,7 +13504,7 @@
           <p:cNvPr id="2" name="Titel 1">
             <a:extLst>
               <a:ext uri="{FF2B5EF4-FFF2-40B4-BE49-F238E27FC236}">
-                <a16:creationId xmlns:a16="http://schemas.microsoft.com/office/drawing/2014/main" xmlns="" id="{9045F3A0-10BD-46BB-A599-99C99D083471}"/>
+                <a16:creationId xmlns="" xmlns:a16="http://schemas.microsoft.com/office/drawing/2014/main" id="{9045F3A0-10BD-46BB-A599-99C99D083471}"/>
               </a:ext>
             </a:extLst>
           </p:cNvPr>
@@ -10670,7 +13532,7 @@
           <p:cNvPr id="3" name="Datumsplatzhalter 2">
             <a:extLst>
               <a:ext uri="{FF2B5EF4-FFF2-40B4-BE49-F238E27FC236}">
-                <a16:creationId xmlns:a16="http://schemas.microsoft.com/office/drawing/2014/main" xmlns="" id="{CE9F0A6B-49CE-4AD7-BF97-45CE42D685C7}"/>
+                <a16:creationId xmlns="" xmlns:a16="http://schemas.microsoft.com/office/drawing/2014/main" id="{CE9F0A6B-49CE-4AD7-BF97-45CE42D685C7}"/>
               </a:ext>
             </a:extLst>
           </p:cNvPr>
@@ -10688,7 +13550,7 @@
           <a:p>
             <a:fld id="{48352B5A-167D-4ED6-B7C9-BDA647A8BA51}" type="datetime1">
               <a:rPr lang="de-DE" smtClean="0"/>
-              <a:t>16.11.2018</a:t>
+              <a:t>19.11.2018</a:t>
             </a:fld>
             <a:endParaRPr lang="de-DE"/>
           </a:p>
@@ -10699,7 +13561,7 @@
           <p:cNvPr id="4" name="Fußzeilenplatzhalter 3">
             <a:extLst>
               <a:ext uri="{FF2B5EF4-FFF2-40B4-BE49-F238E27FC236}">
-                <a16:creationId xmlns:a16="http://schemas.microsoft.com/office/drawing/2014/main" xmlns="" id="{E6903670-E149-44F7-B376-AD678C4A47C4}"/>
+                <a16:creationId xmlns="" xmlns:a16="http://schemas.microsoft.com/office/drawing/2014/main" id="{E6903670-E149-44F7-B376-AD678C4A47C4}"/>
               </a:ext>
             </a:extLst>
           </p:cNvPr>
@@ -10728,7 +13590,7 @@
           <p:cNvPr id="5" name="Foliennummernplatzhalter 4">
             <a:extLst>
               <a:ext uri="{FF2B5EF4-FFF2-40B4-BE49-F238E27FC236}">
-                <a16:creationId xmlns:a16="http://schemas.microsoft.com/office/drawing/2014/main" xmlns="" id="{8AD18758-662B-449F-A0E9-6DFE7F50233D}"/>
+                <a16:creationId xmlns="" xmlns:a16="http://schemas.microsoft.com/office/drawing/2014/main" id="{8AD18758-662B-449F-A0E9-6DFE7F50233D}"/>
               </a:ext>
             </a:extLst>
           </p:cNvPr>
@@ -10757,7 +13619,7 @@
           <p:cNvPr id="6" name="Inhaltsplatzhalter 5">
             <a:extLst>
               <a:ext uri="{FF2B5EF4-FFF2-40B4-BE49-F238E27FC236}">
-                <a16:creationId xmlns:a16="http://schemas.microsoft.com/office/drawing/2014/main" xmlns="" id="{06BD01D8-02D5-427E-8BC7-18B2822F01C0}"/>
+                <a16:creationId xmlns="" xmlns:a16="http://schemas.microsoft.com/office/drawing/2014/main" id="{06BD01D8-02D5-427E-8BC7-18B2822F01C0}"/>
               </a:ext>
             </a:extLst>
           </p:cNvPr>
@@ -10851,11 +13713,7 @@
             </a:r>
             <a:r>
               <a:rPr lang="de-CH" smtClean="0"/>
-              <a:t>github.com/markusborer/ReactKurs</a:t>
-            </a:r>
-            <a:r>
-              <a:rPr lang="de-CH" smtClean="0"/>
-              <a:t>Zuerich</a:t>
+              <a:t>github.com/markusborer/ReactKursZuerich</a:t>
             </a:r>
             <a:endParaRPr lang="de-CH" dirty="0"/>
           </a:p>
@@ -10896,7 +13754,7 @@
           <p:cNvPr id="2" name="Titel 1">
             <a:extLst>
               <a:ext uri="{FF2B5EF4-FFF2-40B4-BE49-F238E27FC236}">
-                <a16:creationId xmlns:a16="http://schemas.microsoft.com/office/drawing/2014/main" xmlns="" id="{8114A889-83B6-40F0-B935-DCD9702CEACD}"/>
+                <a16:creationId xmlns="" xmlns:a16="http://schemas.microsoft.com/office/drawing/2014/main" id="{8114A889-83B6-40F0-B935-DCD9702CEACD}"/>
               </a:ext>
             </a:extLst>
           </p:cNvPr>
@@ -10924,7 +13782,7 @@
           <p:cNvPr id="3" name="Datumsplatzhalter 2">
             <a:extLst>
               <a:ext uri="{FF2B5EF4-FFF2-40B4-BE49-F238E27FC236}">
-                <a16:creationId xmlns:a16="http://schemas.microsoft.com/office/drawing/2014/main" xmlns="" id="{F89389F1-AFAC-4D9A-9486-7B3544E4FF6D}"/>
+                <a16:creationId xmlns="" xmlns:a16="http://schemas.microsoft.com/office/drawing/2014/main" id="{F89389F1-AFAC-4D9A-9486-7B3544E4FF6D}"/>
               </a:ext>
             </a:extLst>
           </p:cNvPr>
@@ -10942,7 +13800,7 @@
           <a:p>
             <a:fld id="{48352B5A-167D-4ED6-B7C9-BDA647A8BA51}" type="datetime1">
               <a:rPr lang="de-DE" smtClean="0"/>
-              <a:t>16.11.2018</a:t>
+              <a:t>19.11.2018</a:t>
             </a:fld>
             <a:endParaRPr lang="de-DE"/>
           </a:p>
@@ -10953,7 +13811,7 @@
           <p:cNvPr id="4" name="Fußzeilenplatzhalter 3">
             <a:extLst>
               <a:ext uri="{FF2B5EF4-FFF2-40B4-BE49-F238E27FC236}">
-                <a16:creationId xmlns:a16="http://schemas.microsoft.com/office/drawing/2014/main" xmlns="" id="{9F17CDFF-C508-4955-98A7-5D2E28C34B42}"/>
+                <a16:creationId xmlns="" xmlns:a16="http://schemas.microsoft.com/office/drawing/2014/main" id="{9F17CDFF-C508-4955-98A7-5D2E28C34B42}"/>
               </a:ext>
             </a:extLst>
           </p:cNvPr>
@@ -10982,7 +13840,7 @@
           <p:cNvPr id="5" name="Foliennummernplatzhalter 4">
             <a:extLst>
               <a:ext uri="{FF2B5EF4-FFF2-40B4-BE49-F238E27FC236}">
-                <a16:creationId xmlns:a16="http://schemas.microsoft.com/office/drawing/2014/main" xmlns="" id="{810D8EC7-F317-4347-B4EE-CB89484C6E86}"/>
+                <a16:creationId xmlns="" xmlns:a16="http://schemas.microsoft.com/office/drawing/2014/main" id="{810D8EC7-F317-4347-B4EE-CB89484C6E86}"/>
               </a:ext>
             </a:extLst>
           </p:cNvPr>
@@ -11011,7 +13869,7 @@
           <p:cNvPr id="6" name="Inhaltsplatzhalter 5">
             <a:extLst>
               <a:ext uri="{FF2B5EF4-FFF2-40B4-BE49-F238E27FC236}">
-                <a16:creationId xmlns:a16="http://schemas.microsoft.com/office/drawing/2014/main" xmlns="" id="{2664D975-EAE2-4ADB-A844-D88FA8C3AAB5}"/>
+                <a16:creationId xmlns="" xmlns:a16="http://schemas.microsoft.com/office/drawing/2014/main" id="{2664D975-EAE2-4ADB-A844-D88FA8C3AAB5}"/>
               </a:ext>
             </a:extLst>
           </p:cNvPr>
@@ -11124,7 +13982,7 @@
           <p:cNvPr id="2" name="Titel 1">
             <a:extLst>
               <a:ext uri="{FF2B5EF4-FFF2-40B4-BE49-F238E27FC236}">
-                <a16:creationId xmlns:a16="http://schemas.microsoft.com/office/drawing/2014/main" xmlns="" id="{FA5F42C6-C15B-4AB1-AC38-87A61B061B0B}"/>
+                <a16:creationId xmlns="" xmlns:a16="http://schemas.microsoft.com/office/drawing/2014/main" id="{FA5F42C6-C15B-4AB1-AC38-87A61B061B0B}"/>
               </a:ext>
             </a:extLst>
           </p:cNvPr>
@@ -11152,7 +14010,7 @@
           <p:cNvPr id="3" name="Datumsplatzhalter 2">
             <a:extLst>
               <a:ext uri="{FF2B5EF4-FFF2-40B4-BE49-F238E27FC236}">
-                <a16:creationId xmlns:a16="http://schemas.microsoft.com/office/drawing/2014/main" xmlns="" id="{4E6255DE-0A56-4109-ACC5-BA5C4F79D8DE}"/>
+                <a16:creationId xmlns="" xmlns:a16="http://schemas.microsoft.com/office/drawing/2014/main" id="{4E6255DE-0A56-4109-ACC5-BA5C4F79D8DE}"/>
               </a:ext>
             </a:extLst>
           </p:cNvPr>
@@ -11170,7 +14028,7 @@
           <a:p>
             <a:fld id="{48352B5A-167D-4ED6-B7C9-BDA647A8BA51}" type="datetime1">
               <a:rPr lang="de-DE" smtClean="0"/>
-              <a:t>16.11.2018</a:t>
+              <a:t>19.11.2018</a:t>
             </a:fld>
             <a:endParaRPr lang="de-DE"/>
           </a:p>
@@ -11181,7 +14039,7 @@
           <p:cNvPr id="4" name="Fußzeilenplatzhalter 3">
             <a:extLst>
               <a:ext uri="{FF2B5EF4-FFF2-40B4-BE49-F238E27FC236}">
-                <a16:creationId xmlns:a16="http://schemas.microsoft.com/office/drawing/2014/main" xmlns="" id="{CEA3FD5D-A34C-4841-A301-FFBE7EFCDC67}"/>
+                <a16:creationId xmlns="" xmlns:a16="http://schemas.microsoft.com/office/drawing/2014/main" id="{CEA3FD5D-A34C-4841-A301-FFBE7EFCDC67}"/>
               </a:ext>
             </a:extLst>
           </p:cNvPr>
@@ -11210,7 +14068,7 @@
           <p:cNvPr id="5" name="Foliennummernplatzhalter 4">
             <a:extLst>
               <a:ext uri="{FF2B5EF4-FFF2-40B4-BE49-F238E27FC236}">
-                <a16:creationId xmlns:a16="http://schemas.microsoft.com/office/drawing/2014/main" xmlns="" id="{0821F331-1B94-4270-896F-3B1091A91C6D}"/>
+                <a16:creationId xmlns="" xmlns:a16="http://schemas.microsoft.com/office/drawing/2014/main" id="{0821F331-1B94-4270-896F-3B1091A91C6D}"/>
               </a:ext>
             </a:extLst>
           </p:cNvPr>
@@ -11239,7 +14097,7 @@
           <p:cNvPr id="6" name="Inhaltsplatzhalter 5">
             <a:extLst>
               <a:ext uri="{FF2B5EF4-FFF2-40B4-BE49-F238E27FC236}">
-                <a16:creationId xmlns:a16="http://schemas.microsoft.com/office/drawing/2014/main" xmlns="" id="{82760570-9908-40F7-993E-62534B26D7BF}"/>
+                <a16:creationId xmlns="" xmlns:a16="http://schemas.microsoft.com/office/drawing/2014/main" id="{82760570-9908-40F7-993E-62534B26D7BF}"/>
               </a:ext>
             </a:extLst>
           </p:cNvPr>
@@ -11276,7 +14134,7 @@
           <p:cNvPr id="1028" name="Picture 4" descr="Mockup">
             <a:extLst>
               <a:ext uri="{FF2B5EF4-FFF2-40B4-BE49-F238E27FC236}">
-                <a16:creationId xmlns:a16="http://schemas.microsoft.com/office/drawing/2014/main" xmlns="" id="{8B33C41F-8E00-48F0-8932-C9E1FA4DA62B}"/>
+                <a16:creationId xmlns="" xmlns:a16="http://schemas.microsoft.com/office/drawing/2014/main" id="{8B33C41F-8E00-48F0-8932-C9E1FA4DA62B}"/>
               </a:ext>
             </a:extLst>
           </p:cNvPr>
@@ -11286,7 +14144,7 @@
           <p:nvPr/>
         </p:nvPicPr>
         <p:blipFill>
-          <a:blip r:embed="rId2">
+          <a:blip r:embed="rId3">
             <a:extLst>
               <a:ext uri="{28A0092B-C50C-407E-A947-70E740481C1C}">
                 <a14:useLocalDpi xmlns:a14="http://schemas.microsoft.com/office/drawing/2010/main" val="0"/>
@@ -11323,7 +14181,7 @@
           <p:cNvPr id="1030" name="Picture 6" descr="Component diagram">
             <a:extLst>
               <a:ext uri="{FF2B5EF4-FFF2-40B4-BE49-F238E27FC236}">
-                <a16:creationId xmlns:a16="http://schemas.microsoft.com/office/drawing/2014/main" xmlns="" id="{38DEA208-EA46-43A6-B459-0CDD64DF25B5}"/>
+                <a16:creationId xmlns="" xmlns:a16="http://schemas.microsoft.com/office/drawing/2014/main" id="{38DEA208-EA46-43A6-B459-0CDD64DF25B5}"/>
               </a:ext>
             </a:extLst>
           </p:cNvPr>
@@ -11333,7 +14191,7 @@
           <p:nvPr/>
         </p:nvPicPr>
         <p:blipFill>
-          <a:blip r:embed="rId3">
+          <a:blip r:embed="rId4">
             <a:extLst>
               <a:ext uri="{28A0092B-C50C-407E-A947-70E740481C1C}">
                 <a14:useLocalDpi xmlns:a14="http://schemas.microsoft.com/office/drawing/2010/main" val="0"/>
@@ -11400,7 +14258,7 @@
           <p:cNvPr id="2" name="Titel 1">
             <a:extLst>
               <a:ext uri="{FF2B5EF4-FFF2-40B4-BE49-F238E27FC236}">
-                <a16:creationId xmlns:a16="http://schemas.microsoft.com/office/drawing/2014/main" xmlns="" id="{60445BEB-B600-4E73-BA54-81023233D665}"/>
+                <a16:creationId xmlns="" xmlns:a16="http://schemas.microsoft.com/office/drawing/2014/main" id="{60445BEB-B600-4E73-BA54-81023233D665}"/>
               </a:ext>
             </a:extLst>
           </p:cNvPr>
@@ -11428,7 +14286,7 @@
           <p:cNvPr id="3" name="Datumsplatzhalter 2">
             <a:extLst>
               <a:ext uri="{FF2B5EF4-FFF2-40B4-BE49-F238E27FC236}">
-                <a16:creationId xmlns:a16="http://schemas.microsoft.com/office/drawing/2014/main" xmlns="" id="{D8B3BFA1-DD7E-4145-83C0-686491EC7620}"/>
+                <a16:creationId xmlns="" xmlns:a16="http://schemas.microsoft.com/office/drawing/2014/main" id="{D8B3BFA1-DD7E-4145-83C0-686491EC7620}"/>
               </a:ext>
             </a:extLst>
           </p:cNvPr>
@@ -11446,7 +14304,7 @@
           <a:p>
             <a:fld id="{48352B5A-167D-4ED6-B7C9-BDA647A8BA51}" type="datetime1">
               <a:rPr lang="de-DE" smtClean="0"/>
-              <a:t>16.11.2018</a:t>
+              <a:t>19.11.2018</a:t>
             </a:fld>
             <a:endParaRPr lang="de-DE"/>
           </a:p>
@@ -11457,7 +14315,7 @@
           <p:cNvPr id="4" name="Fußzeilenplatzhalter 3">
             <a:extLst>
               <a:ext uri="{FF2B5EF4-FFF2-40B4-BE49-F238E27FC236}">
-                <a16:creationId xmlns:a16="http://schemas.microsoft.com/office/drawing/2014/main" xmlns="" id="{0167984B-7CFC-4FC8-8B6E-A6C9B0BE23A9}"/>
+                <a16:creationId xmlns="" xmlns:a16="http://schemas.microsoft.com/office/drawing/2014/main" id="{0167984B-7CFC-4FC8-8B6E-A6C9B0BE23A9}"/>
               </a:ext>
             </a:extLst>
           </p:cNvPr>
@@ -11486,7 +14344,7 @@
           <p:cNvPr id="5" name="Foliennummernplatzhalter 4">
             <a:extLst>
               <a:ext uri="{FF2B5EF4-FFF2-40B4-BE49-F238E27FC236}">
-                <a16:creationId xmlns:a16="http://schemas.microsoft.com/office/drawing/2014/main" xmlns="" id="{B5F602B5-61AD-4317-BEDB-62E6B8CD0F7B}"/>
+                <a16:creationId xmlns="" xmlns:a16="http://schemas.microsoft.com/office/drawing/2014/main" id="{B5F602B5-61AD-4317-BEDB-62E6B8CD0F7B}"/>
               </a:ext>
             </a:extLst>
           </p:cNvPr>
@@ -11515,7 +14373,7 @@
           <p:cNvPr id="6" name="Inhaltsplatzhalter 5">
             <a:extLst>
               <a:ext uri="{FF2B5EF4-FFF2-40B4-BE49-F238E27FC236}">
-                <a16:creationId xmlns:a16="http://schemas.microsoft.com/office/drawing/2014/main" xmlns="" id="{493D623C-F8B1-42CA-BF0E-ED66943C91EF}"/>
+                <a16:creationId xmlns="" xmlns:a16="http://schemas.microsoft.com/office/drawing/2014/main" id="{493D623C-F8B1-42CA-BF0E-ED66943C91EF}"/>
               </a:ext>
             </a:extLst>
           </p:cNvPr>
@@ -11587,7 +14445,7 @@
           <p:cNvPr id="2" name="Titel 1">
             <a:extLst>
               <a:ext uri="{FF2B5EF4-FFF2-40B4-BE49-F238E27FC236}">
-                <a16:creationId xmlns:a16="http://schemas.microsoft.com/office/drawing/2014/main" xmlns="" id="{60445BEB-B600-4E73-BA54-81023233D665}"/>
+                <a16:creationId xmlns="" xmlns:a16="http://schemas.microsoft.com/office/drawing/2014/main" id="{60445BEB-B600-4E73-BA54-81023233D665}"/>
               </a:ext>
             </a:extLst>
           </p:cNvPr>
@@ -11615,7 +14473,7 @@
           <p:cNvPr id="3" name="Datumsplatzhalter 2">
             <a:extLst>
               <a:ext uri="{FF2B5EF4-FFF2-40B4-BE49-F238E27FC236}">
-                <a16:creationId xmlns:a16="http://schemas.microsoft.com/office/drawing/2014/main" xmlns="" id="{D8B3BFA1-DD7E-4145-83C0-686491EC7620}"/>
+                <a16:creationId xmlns="" xmlns:a16="http://schemas.microsoft.com/office/drawing/2014/main" id="{D8B3BFA1-DD7E-4145-83C0-686491EC7620}"/>
               </a:ext>
             </a:extLst>
           </p:cNvPr>
@@ -11633,7 +14491,7 @@
           <a:p>
             <a:fld id="{48352B5A-167D-4ED6-B7C9-BDA647A8BA51}" type="datetime1">
               <a:rPr lang="de-DE" smtClean="0"/>
-              <a:t>16.11.2018</a:t>
+              <a:t>19.11.2018</a:t>
             </a:fld>
             <a:endParaRPr lang="de-DE"/>
           </a:p>
@@ -11644,7 +14502,7 @@
           <p:cNvPr id="4" name="Fußzeilenplatzhalter 3">
             <a:extLst>
               <a:ext uri="{FF2B5EF4-FFF2-40B4-BE49-F238E27FC236}">
-                <a16:creationId xmlns:a16="http://schemas.microsoft.com/office/drawing/2014/main" xmlns="" id="{0167984B-7CFC-4FC8-8B6E-A6C9B0BE23A9}"/>
+                <a16:creationId xmlns="" xmlns:a16="http://schemas.microsoft.com/office/drawing/2014/main" id="{0167984B-7CFC-4FC8-8B6E-A6C9B0BE23A9}"/>
               </a:ext>
             </a:extLst>
           </p:cNvPr>
@@ -11673,7 +14531,7 @@
           <p:cNvPr id="5" name="Foliennummernplatzhalter 4">
             <a:extLst>
               <a:ext uri="{FF2B5EF4-FFF2-40B4-BE49-F238E27FC236}">
-                <a16:creationId xmlns:a16="http://schemas.microsoft.com/office/drawing/2014/main" xmlns="" id="{B5F602B5-61AD-4317-BEDB-62E6B8CD0F7B}"/>
+                <a16:creationId xmlns="" xmlns:a16="http://schemas.microsoft.com/office/drawing/2014/main" id="{B5F602B5-61AD-4317-BEDB-62E6B8CD0F7B}"/>
               </a:ext>
             </a:extLst>
           </p:cNvPr>
@@ -11702,7 +14560,7 @@
           <p:cNvPr id="6" name="Inhaltsplatzhalter 5">
             <a:extLst>
               <a:ext uri="{FF2B5EF4-FFF2-40B4-BE49-F238E27FC236}">
-                <a16:creationId xmlns:a16="http://schemas.microsoft.com/office/drawing/2014/main" xmlns="" id="{493D623C-F8B1-42CA-BF0E-ED66943C91EF}"/>
+                <a16:creationId xmlns="" xmlns:a16="http://schemas.microsoft.com/office/drawing/2014/main" id="{493D623C-F8B1-42CA-BF0E-ED66943C91EF}"/>
               </a:ext>
             </a:extLst>
           </p:cNvPr>
@@ -11831,7 +14689,7 @@
           <p:cNvPr id="2" name="Titel 1">
             <a:extLst>
               <a:ext uri="{FF2B5EF4-FFF2-40B4-BE49-F238E27FC236}">
-                <a16:creationId xmlns:a16="http://schemas.microsoft.com/office/drawing/2014/main" xmlns="" id="{60445BEB-B600-4E73-BA54-81023233D665}"/>
+                <a16:creationId xmlns="" xmlns:a16="http://schemas.microsoft.com/office/drawing/2014/main" id="{60445BEB-B600-4E73-BA54-81023233D665}"/>
               </a:ext>
             </a:extLst>
           </p:cNvPr>
@@ -11864,7 +14722,7 @@
           <p:cNvPr id="3" name="Datumsplatzhalter 2">
             <a:extLst>
               <a:ext uri="{FF2B5EF4-FFF2-40B4-BE49-F238E27FC236}">
-                <a16:creationId xmlns:a16="http://schemas.microsoft.com/office/drawing/2014/main" xmlns="" id="{D8B3BFA1-DD7E-4145-83C0-686491EC7620}"/>
+                <a16:creationId xmlns="" xmlns:a16="http://schemas.microsoft.com/office/drawing/2014/main" id="{D8B3BFA1-DD7E-4145-83C0-686491EC7620}"/>
               </a:ext>
             </a:extLst>
           </p:cNvPr>
@@ -11882,7 +14740,7 @@
           <a:p>
             <a:fld id="{48352B5A-167D-4ED6-B7C9-BDA647A8BA51}" type="datetime1">
               <a:rPr lang="de-DE" smtClean="0"/>
-              <a:t>16.11.2018</a:t>
+              <a:t>19.11.2018</a:t>
             </a:fld>
             <a:endParaRPr lang="de-DE"/>
           </a:p>
@@ -11893,7 +14751,7 @@
           <p:cNvPr id="4" name="Fußzeilenplatzhalter 3">
             <a:extLst>
               <a:ext uri="{FF2B5EF4-FFF2-40B4-BE49-F238E27FC236}">
-                <a16:creationId xmlns:a16="http://schemas.microsoft.com/office/drawing/2014/main" xmlns="" id="{0167984B-7CFC-4FC8-8B6E-A6C9B0BE23A9}"/>
+                <a16:creationId xmlns="" xmlns:a16="http://schemas.microsoft.com/office/drawing/2014/main" id="{0167984B-7CFC-4FC8-8B6E-A6C9B0BE23A9}"/>
               </a:ext>
             </a:extLst>
           </p:cNvPr>
@@ -11922,7 +14780,7 @@
           <p:cNvPr id="5" name="Foliennummernplatzhalter 4">
             <a:extLst>
               <a:ext uri="{FF2B5EF4-FFF2-40B4-BE49-F238E27FC236}">
-                <a16:creationId xmlns:a16="http://schemas.microsoft.com/office/drawing/2014/main" xmlns="" id="{B5F602B5-61AD-4317-BEDB-62E6B8CD0F7B}"/>
+                <a16:creationId xmlns="" xmlns:a16="http://schemas.microsoft.com/office/drawing/2014/main" id="{B5F602B5-61AD-4317-BEDB-62E6B8CD0F7B}"/>
               </a:ext>
             </a:extLst>
           </p:cNvPr>
@@ -11951,7 +14809,7 @@
           <p:cNvPr id="6" name="Inhaltsplatzhalter 5">
             <a:extLst>
               <a:ext uri="{FF2B5EF4-FFF2-40B4-BE49-F238E27FC236}">
-                <a16:creationId xmlns:a16="http://schemas.microsoft.com/office/drawing/2014/main" xmlns="" id="{493D623C-F8B1-42CA-BF0E-ED66943C91EF}"/>
+                <a16:creationId xmlns="" xmlns:a16="http://schemas.microsoft.com/office/drawing/2014/main" id="{493D623C-F8B1-42CA-BF0E-ED66943C91EF}"/>
               </a:ext>
             </a:extLst>
           </p:cNvPr>
@@ -12185,7 +15043,7 @@
           <p:cNvPr id="2" name="Titel 1">
             <a:extLst>
               <a:ext uri="{FF2B5EF4-FFF2-40B4-BE49-F238E27FC236}">
-                <a16:creationId xmlns:a16="http://schemas.microsoft.com/office/drawing/2014/main" xmlns="" id="{1965F34C-A37F-4A07-B422-E02148B3CF68}"/>
+                <a16:creationId xmlns="" xmlns:a16="http://schemas.microsoft.com/office/drawing/2014/main" id="{1965F34C-A37F-4A07-B422-E02148B3CF68}"/>
               </a:ext>
             </a:extLst>
           </p:cNvPr>
@@ -12217,7 +15075,7 @@
           <p:cNvPr id="3" name="Datumsplatzhalter 2">
             <a:extLst>
               <a:ext uri="{FF2B5EF4-FFF2-40B4-BE49-F238E27FC236}">
-                <a16:creationId xmlns:a16="http://schemas.microsoft.com/office/drawing/2014/main" xmlns="" id="{B4CE55F6-D463-4FA0-B8CB-BB9A5B8026CA}"/>
+                <a16:creationId xmlns="" xmlns:a16="http://schemas.microsoft.com/office/drawing/2014/main" id="{B4CE55F6-D463-4FA0-B8CB-BB9A5B8026CA}"/>
               </a:ext>
             </a:extLst>
           </p:cNvPr>
@@ -12235,7 +15093,7 @@
           <a:p>
             <a:fld id="{48352B5A-167D-4ED6-B7C9-BDA647A8BA51}" type="datetime1">
               <a:rPr lang="de-DE" smtClean="0"/>
-              <a:t>16.11.2018</a:t>
+              <a:t>19.11.2018</a:t>
             </a:fld>
             <a:endParaRPr lang="de-DE"/>
           </a:p>
@@ -12246,7 +15104,7 @@
           <p:cNvPr id="4" name="Fußzeilenplatzhalter 3">
             <a:extLst>
               <a:ext uri="{FF2B5EF4-FFF2-40B4-BE49-F238E27FC236}">
-                <a16:creationId xmlns:a16="http://schemas.microsoft.com/office/drawing/2014/main" xmlns="" id="{86811DE6-7668-4BF4-B8AB-FFE31BE96BBA}"/>
+                <a16:creationId xmlns="" xmlns:a16="http://schemas.microsoft.com/office/drawing/2014/main" id="{86811DE6-7668-4BF4-B8AB-FFE31BE96BBA}"/>
               </a:ext>
             </a:extLst>
           </p:cNvPr>
@@ -12275,7 +15133,7 @@
           <p:cNvPr id="5" name="Foliennummernplatzhalter 4">
             <a:extLst>
               <a:ext uri="{FF2B5EF4-FFF2-40B4-BE49-F238E27FC236}">
-                <a16:creationId xmlns:a16="http://schemas.microsoft.com/office/drawing/2014/main" xmlns="" id="{FB6E3806-A2BB-4703-A959-FD9EDBDC7569}"/>
+                <a16:creationId xmlns="" xmlns:a16="http://schemas.microsoft.com/office/drawing/2014/main" id="{FB6E3806-A2BB-4703-A959-FD9EDBDC7569}"/>
               </a:ext>
             </a:extLst>
           </p:cNvPr>
@@ -12304,7 +15162,7 @@
           <p:cNvPr id="6" name="Inhaltsplatzhalter 5">
             <a:extLst>
               <a:ext uri="{FF2B5EF4-FFF2-40B4-BE49-F238E27FC236}">
-                <a16:creationId xmlns:a16="http://schemas.microsoft.com/office/drawing/2014/main" xmlns="" id="{8F986CC3-59F8-4C03-ADEE-82E24430968D}"/>
+                <a16:creationId xmlns="" xmlns:a16="http://schemas.microsoft.com/office/drawing/2014/main" id="{8F986CC3-59F8-4C03-ADEE-82E24430968D}"/>
               </a:ext>
             </a:extLst>
           </p:cNvPr>
@@ -12437,7 +15295,7 @@
           <p:cNvPr id="2" name="Titel 1">
             <a:extLst>
               <a:ext uri="{FF2B5EF4-FFF2-40B4-BE49-F238E27FC236}">
-                <a16:creationId xmlns:a16="http://schemas.microsoft.com/office/drawing/2014/main" xmlns="" id="{DCB7235A-BAC6-49B0-AEDE-E3B8B4622E3F}"/>
+                <a16:creationId xmlns="" xmlns:a16="http://schemas.microsoft.com/office/drawing/2014/main" id="{DCB7235A-BAC6-49B0-AEDE-E3B8B4622E3F}"/>
               </a:ext>
             </a:extLst>
           </p:cNvPr>
@@ -12465,7 +15323,7 @@
           <p:cNvPr id="3" name="Datumsplatzhalter 2">
             <a:extLst>
               <a:ext uri="{FF2B5EF4-FFF2-40B4-BE49-F238E27FC236}">
-                <a16:creationId xmlns:a16="http://schemas.microsoft.com/office/drawing/2014/main" xmlns="" id="{0CB49738-F632-4907-8E92-AD776493516C}"/>
+                <a16:creationId xmlns="" xmlns:a16="http://schemas.microsoft.com/office/drawing/2014/main" id="{0CB49738-F632-4907-8E92-AD776493516C}"/>
               </a:ext>
             </a:extLst>
           </p:cNvPr>
@@ -12483,7 +15341,7 @@
           <a:p>
             <a:fld id="{48352B5A-167D-4ED6-B7C9-BDA647A8BA51}" type="datetime1">
               <a:rPr lang="de-DE" smtClean="0"/>
-              <a:t>16.11.2018</a:t>
+              <a:t>19.11.2018</a:t>
             </a:fld>
             <a:endParaRPr lang="de-DE"/>
           </a:p>
@@ -12494,7 +15352,7 @@
           <p:cNvPr id="4" name="Fußzeilenplatzhalter 3">
             <a:extLst>
               <a:ext uri="{FF2B5EF4-FFF2-40B4-BE49-F238E27FC236}">
-                <a16:creationId xmlns:a16="http://schemas.microsoft.com/office/drawing/2014/main" xmlns="" id="{4DF40370-9183-4666-8FF7-9C999A902F4E}"/>
+                <a16:creationId xmlns="" xmlns:a16="http://schemas.microsoft.com/office/drawing/2014/main" id="{4DF40370-9183-4666-8FF7-9C999A902F4E}"/>
               </a:ext>
             </a:extLst>
           </p:cNvPr>
@@ -12523,7 +15381,7 @@
           <p:cNvPr id="5" name="Foliennummernplatzhalter 4">
             <a:extLst>
               <a:ext uri="{FF2B5EF4-FFF2-40B4-BE49-F238E27FC236}">
-                <a16:creationId xmlns:a16="http://schemas.microsoft.com/office/drawing/2014/main" xmlns="" id="{D91484F6-BA96-4C29-BDA8-61210E9AD368}"/>
+                <a16:creationId xmlns="" xmlns:a16="http://schemas.microsoft.com/office/drawing/2014/main" id="{D91484F6-BA96-4C29-BDA8-61210E9AD368}"/>
               </a:ext>
             </a:extLst>
           </p:cNvPr>
@@ -12552,7 +15410,7 @@
           <p:cNvPr id="6" name="Inhaltsplatzhalter 5">
             <a:extLst>
               <a:ext uri="{FF2B5EF4-FFF2-40B4-BE49-F238E27FC236}">
-                <a16:creationId xmlns:a16="http://schemas.microsoft.com/office/drawing/2014/main" xmlns="" id="{2C7CE1A3-A239-4DAF-A9DD-B2206F7DD54A}"/>
+                <a16:creationId xmlns="" xmlns:a16="http://schemas.microsoft.com/office/drawing/2014/main" id="{2C7CE1A3-A239-4DAF-A9DD-B2206F7DD54A}"/>
               </a:ext>
             </a:extLst>
           </p:cNvPr>
@@ -12642,7 +15500,7 @@
           <p:cNvPr id="2" name="Titel 1">
             <a:extLst>
               <a:ext uri="{FF2B5EF4-FFF2-40B4-BE49-F238E27FC236}">
-                <a16:creationId xmlns:a16="http://schemas.microsoft.com/office/drawing/2014/main" xmlns="" id="{6B8A5EBB-8FB9-439E-B5A5-F96794C00D3A}"/>
+                <a16:creationId xmlns="" xmlns:a16="http://schemas.microsoft.com/office/drawing/2014/main" id="{6B8A5EBB-8FB9-439E-B5A5-F96794C00D3A}"/>
               </a:ext>
             </a:extLst>
           </p:cNvPr>
@@ -12678,7 +15536,7 @@
           <p:cNvPr id="3" name="Datumsplatzhalter 2">
             <a:extLst>
               <a:ext uri="{FF2B5EF4-FFF2-40B4-BE49-F238E27FC236}">
-                <a16:creationId xmlns:a16="http://schemas.microsoft.com/office/drawing/2014/main" xmlns="" id="{3522AF67-7FB9-4350-9E6B-26E058BF03A3}"/>
+                <a16:creationId xmlns="" xmlns:a16="http://schemas.microsoft.com/office/drawing/2014/main" id="{3522AF67-7FB9-4350-9E6B-26E058BF03A3}"/>
               </a:ext>
             </a:extLst>
           </p:cNvPr>
@@ -12696,7 +15554,7 @@
           <a:p>
             <a:fld id="{48352B5A-167D-4ED6-B7C9-BDA647A8BA51}" type="datetime1">
               <a:rPr lang="de-DE" smtClean="0"/>
-              <a:t>16.11.2018</a:t>
+              <a:t>19.11.2018</a:t>
             </a:fld>
             <a:endParaRPr lang="de-DE"/>
           </a:p>
@@ -12707,7 +15565,7 @@
           <p:cNvPr id="4" name="Fußzeilenplatzhalter 3">
             <a:extLst>
               <a:ext uri="{FF2B5EF4-FFF2-40B4-BE49-F238E27FC236}">
-                <a16:creationId xmlns:a16="http://schemas.microsoft.com/office/drawing/2014/main" xmlns="" id="{CAC3D92B-7B14-4158-8275-1B69DB5EB42F}"/>
+                <a16:creationId xmlns="" xmlns:a16="http://schemas.microsoft.com/office/drawing/2014/main" id="{CAC3D92B-7B14-4158-8275-1B69DB5EB42F}"/>
               </a:ext>
             </a:extLst>
           </p:cNvPr>
@@ -12736,7 +15594,7 @@
           <p:cNvPr id="5" name="Foliennummernplatzhalter 4">
             <a:extLst>
               <a:ext uri="{FF2B5EF4-FFF2-40B4-BE49-F238E27FC236}">
-                <a16:creationId xmlns:a16="http://schemas.microsoft.com/office/drawing/2014/main" xmlns="" id="{D2A0D301-7423-491D-B88A-00284B5CDA01}"/>
+                <a16:creationId xmlns="" xmlns:a16="http://schemas.microsoft.com/office/drawing/2014/main" id="{D2A0D301-7423-491D-B88A-00284B5CDA01}"/>
               </a:ext>
             </a:extLst>
           </p:cNvPr>
@@ -12765,7 +15623,7 @@
           <p:cNvPr id="6" name="Inhaltsplatzhalter 5">
             <a:extLst>
               <a:ext uri="{FF2B5EF4-FFF2-40B4-BE49-F238E27FC236}">
-                <a16:creationId xmlns:a16="http://schemas.microsoft.com/office/drawing/2014/main" xmlns="" id="{BF43011D-4F7C-459A-9721-FCA2C94E49ED}"/>
+                <a16:creationId xmlns="" xmlns:a16="http://schemas.microsoft.com/office/drawing/2014/main" id="{BF43011D-4F7C-459A-9721-FCA2C94E49ED}"/>
               </a:ext>
             </a:extLst>
           </p:cNvPr>
@@ -12916,7 +15774,7 @@
           <p:cNvPr id="2" name="Titel 1">
             <a:extLst>
               <a:ext uri="{FF2B5EF4-FFF2-40B4-BE49-F238E27FC236}">
-                <a16:creationId xmlns:a16="http://schemas.microsoft.com/office/drawing/2014/main" xmlns="" id="{CCA05B1B-E1C2-4E9F-B6DA-CE4B98CEC947}"/>
+                <a16:creationId xmlns="" xmlns:a16="http://schemas.microsoft.com/office/drawing/2014/main" id="{CCA05B1B-E1C2-4E9F-B6DA-CE4B98CEC947}"/>
               </a:ext>
             </a:extLst>
           </p:cNvPr>
@@ -12945,7 +15803,7 @@
           <p:cNvPr id="3" name="Datumsplatzhalter 2">
             <a:extLst>
               <a:ext uri="{FF2B5EF4-FFF2-40B4-BE49-F238E27FC236}">
-                <a16:creationId xmlns:a16="http://schemas.microsoft.com/office/drawing/2014/main" xmlns="" id="{A1AEC51A-A8E5-4C20-8CCD-3E7462159340}"/>
+                <a16:creationId xmlns="" xmlns:a16="http://schemas.microsoft.com/office/drawing/2014/main" id="{A1AEC51A-A8E5-4C20-8CCD-3E7462159340}"/>
               </a:ext>
             </a:extLst>
           </p:cNvPr>
@@ -12963,7 +15821,7 @@
           <a:p>
             <a:fld id="{48352B5A-167D-4ED6-B7C9-BDA647A8BA51}" type="datetime1">
               <a:rPr lang="de-DE" smtClean="0"/>
-              <a:t>16.11.2018</a:t>
+              <a:t>19.11.2018</a:t>
             </a:fld>
             <a:endParaRPr lang="de-DE"/>
           </a:p>
@@ -12974,7 +15832,7 @@
           <p:cNvPr id="4" name="Fußzeilenplatzhalter 3">
             <a:extLst>
               <a:ext uri="{FF2B5EF4-FFF2-40B4-BE49-F238E27FC236}">
-                <a16:creationId xmlns:a16="http://schemas.microsoft.com/office/drawing/2014/main" xmlns="" id="{C58DE1F8-A56E-4272-937F-4EBCD7C5A773}"/>
+                <a16:creationId xmlns="" xmlns:a16="http://schemas.microsoft.com/office/drawing/2014/main" id="{C58DE1F8-A56E-4272-937F-4EBCD7C5A773}"/>
               </a:ext>
             </a:extLst>
           </p:cNvPr>
@@ -13003,7 +15861,7 @@
           <p:cNvPr id="5" name="Foliennummernplatzhalter 4">
             <a:extLst>
               <a:ext uri="{FF2B5EF4-FFF2-40B4-BE49-F238E27FC236}">
-                <a16:creationId xmlns:a16="http://schemas.microsoft.com/office/drawing/2014/main" xmlns="" id="{9661B9BC-E21D-4BDF-89FB-988166B5DD10}"/>
+                <a16:creationId xmlns="" xmlns:a16="http://schemas.microsoft.com/office/drawing/2014/main" id="{9661B9BC-E21D-4BDF-89FB-988166B5DD10}"/>
               </a:ext>
             </a:extLst>
           </p:cNvPr>
@@ -13032,7 +15890,7 @@
           <p:cNvPr id="6" name="Inhaltsplatzhalter 5">
             <a:extLst>
               <a:ext uri="{FF2B5EF4-FFF2-40B4-BE49-F238E27FC236}">
-                <a16:creationId xmlns:a16="http://schemas.microsoft.com/office/drawing/2014/main" xmlns="" id="{FD4182D0-A7EC-4DAA-A304-CBEF38E9CCCD}"/>
+                <a16:creationId xmlns="" xmlns:a16="http://schemas.microsoft.com/office/drawing/2014/main" id="{FD4182D0-A7EC-4DAA-A304-CBEF38E9CCCD}"/>
               </a:ext>
             </a:extLst>
           </p:cNvPr>
@@ -13488,7 +16346,7 @@
           <p:cNvPr id="2" name="Titel 1">
             <a:extLst>
               <a:ext uri="{FF2B5EF4-FFF2-40B4-BE49-F238E27FC236}">
-                <a16:creationId xmlns:a16="http://schemas.microsoft.com/office/drawing/2014/main" xmlns="" id="{4DD1A517-2153-47AD-B381-44E3461F919C}"/>
+                <a16:creationId xmlns="" xmlns:a16="http://schemas.microsoft.com/office/drawing/2014/main" id="{4DD1A517-2153-47AD-B381-44E3461F919C}"/>
               </a:ext>
             </a:extLst>
           </p:cNvPr>
@@ -13516,7 +16374,7 @@
           <p:cNvPr id="3" name="Datumsplatzhalter 2">
             <a:extLst>
               <a:ext uri="{FF2B5EF4-FFF2-40B4-BE49-F238E27FC236}">
-                <a16:creationId xmlns:a16="http://schemas.microsoft.com/office/drawing/2014/main" xmlns="" id="{2084E62A-4B7D-4721-B9B8-855809566781}"/>
+                <a16:creationId xmlns="" xmlns:a16="http://schemas.microsoft.com/office/drawing/2014/main" id="{2084E62A-4B7D-4721-B9B8-855809566781}"/>
               </a:ext>
             </a:extLst>
           </p:cNvPr>
@@ -13534,7 +16392,7 @@
           <a:p>
             <a:fld id="{48352B5A-167D-4ED6-B7C9-BDA647A8BA51}" type="datetime1">
               <a:rPr lang="de-DE" smtClean="0"/>
-              <a:t>16.11.2018</a:t>
+              <a:t>19.11.2018</a:t>
             </a:fld>
             <a:endParaRPr lang="de-DE"/>
           </a:p>
@@ -13545,7 +16403,7 @@
           <p:cNvPr id="4" name="Fußzeilenplatzhalter 3">
             <a:extLst>
               <a:ext uri="{FF2B5EF4-FFF2-40B4-BE49-F238E27FC236}">
-                <a16:creationId xmlns:a16="http://schemas.microsoft.com/office/drawing/2014/main" xmlns="" id="{756ED2BE-EEA0-46D0-B68B-FDA9D1F8BB5B}"/>
+                <a16:creationId xmlns="" xmlns:a16="http://schemas.microsoft.com/office/drawing/2014/main" id="{756ED2BE-EEA0-46D0-B68B-FDA9D1F8BB5B}"/>
               </a:ext>
             </a:extLst>
           </p:cNvPr>
@@ -13574,7 +16432,7 @@
           <p:cNvPr id="5" name="Foliennummernplatzhalter 4">
             <a:extLst>
               <a:ext uri="{FF2B5EF4-FFF2-40B4-BE49-F238E27FC236}">
-                <a16:creationId xmlns:a16="http://schemas.microsoft.com/office/drawing/2014/main" xmlns="" id="{5B806AB8-19DE-49A2-9336-B72C363851F3}"/>
+                <a16:creationId xmlns="" xmlns:a16="http://schemas.microsoft.com/office/drawing/2014/main" id="{5B806AB8-19DE-49A2-9336-B72C363851F3}"/>
               </a:ext>
             </a:extLst>
           </p:cNvPr>
@@ -13603,7 +16461,7 @@
           <p:cNvPr id="6" name="Inhaltsplatzhalter 5">
             <a:extLst>
               <a:ext uri="{FF2B5EF4-FFF2-40B4-BE49-F238E27FC236}">
-                <a16:creationId xmlns:a16="http://schemas.microsoft.com/office/drawing/2014/main" xmlns="" id="{F5428315-4404-44E6-B96A-F577554B8540}"/>
+                <a16:creationId xmlns="" xmlns:a16="http://schemas.microsoft.com/office/drawing/2014/main" id="{F5428315-4404-44E6-B96A-F577554B8540}"/>
               </a:ext>
             </a:extLst>
           </p:cNvPr>
@@ -13751,7 +16609,7 @@
           <p:cNvPr id="2" name="Titel 1">
             <a:extLst>
               <a:ext uri="{FF2B5EF4-FFF2-40B4-BE49-F238E27FC236}">
-                <a16:creationId xmlns:a16="http://schemas.microsoft.com/office/drawing/2014/main" xmlns="" id="{0C0DB3E2-4658-409F-B031-17E1A0B0F337}"/>
+                <a16:creationId xmlns="" xmlns:a16="http://schemas.microsoft.com/office/drawing/2014/main" id="{0C0DB3E2-4658-409F-B031-17E1A0B0F337}"/>
               </a:ext>
             </a:extLst>
           </p:cNvPr>
@@ -13808,7 +16666,7 @@
           <p:cNvPr id="3" name="Datumsplatzhalter 2">
             <a:extLst>
               <a:ext uri="{FF2B5EF4-FFF2-40B4-BE49-F238E27FC236}">
-                <a16:creationId xmlns:a16="http://schemas.microsoft.com/office/drawing/2014/main" xmlns="" id="{780E1921-AE6D-41E3-A590-2E62A1F457D8}"/>
+                <a16:creationId xmlns="" xmlns:a16="http://schemas.microsoft.com/office/drawing/2014/main" id="{780E1921-AE6D-41E3-A590-2E62A1F457D8}"/>
               </a:ext>
             </a:extLst>
           </p:cNvPr>
@@ -13826,7 +16684,7 @@
           <a:p>
             <a:fld id="{48352B5A-167D-4ED6-B7C9-BDA647A8BA51}" type="datetime1">
               <a:rPr lang="de-DE" smtClean="0"/>
-              <a:t>16.11.2018</a:t>
+              <a:t>19.11.2018</a:t>
             </a:fld>
             <a:endParaRPr lang="de-DE"/>
           </a:p>
@@ -13837,7 +16695,7 @@
           <p:cNvPr id="4" name="Fußzeilenplatzhalter 3">
             <a:extLst>
               <a:ext uri="{FF2B5EF4-FFF2-40B4-BE49-F238E27FC236}">
-                <a16:creationId xmlns:a16="http://schemas.microsoft.com/office/drawing/2014/main" xmlns="" id="{6A8CDA32-906C-4021-8502-E9D836DB1471}"/>
+                <a16:creationId xmlns="" xmlns:a16="http://schemas.microsoft.com/office/drawing/2014/main" id="{6A8CDA32-906C-4021-8502-E9D836DB1471}"/>
               </a:ext>
             </a:extLst>
           </p:cNvPr>
@@ -13866,7 +16724,7 @@
           <p:cNvPr id="5" name="Foliennummernplatzhalter 4">
             <a:extLst>
               <a:ext uri="{FF2B5EF4-FFF2-40B4-BE49-F238E27FC236}">
-                <a16:creationId xmlns:a16="http://schemas.microsoft.com/office/drawing/2014/main" xmlns="" id="{2ACACBEF-72CB-446C-8EC8-42019FF03A7E}"/>
+                <a16:creationId xmlns="" xmlns:a16="http://schemas.microsoft.com/office/drawing/2014/main" id="{2ACACBEF-72CB-446C-8EC8-42019FF03A7E}"/>
               </a:ext>
             </a:extLst>
           </p:cNvPr>
@@ -13895,7 +16753,7 @@
           <p:cNvPr id="6" name="Inhaltsplatzhalter 5">
             <a:extLst>
               <a:ext uri="{FF2B5EF4-FFF2-40B4-BE49-F238E27FC236}">
-                <a16:creationId xmlns:a16="http://schemas.microsoft.com/office/drawing/2014/main" xmlns="" id="{905A3F6F-EEE0-400F-98F9-C2A6B8C37984}"/>
+                <a16:creationId xmlns="" xmlns:a16="http://schemas.microsoft.com/office/drawing/2014/main" id="{905A3F6F-EEE0-400F-98F9-C2A6B8C37984}"/>
               </a:ext>
             </a:extLst>
           </p:cNvPr>
@@ -14038,7 +16896,7 @@
           <p:cNvPr id="2" name="Titel 1">
             <a:extLst>
               <a:ext uri="{FF2B5EF4-FFF2-40B4-BE49-F238E27FC236}">
-                <a16:creationId xmlns:a16="http://schemas.microsoft.com/office/drawing/2014/main" xmlns="" id="{9533BD00-316B-40FA-977C-893D5D393A76}"/>
+                <a16:creationId xmlns="" xmlns:a16="http://schemas.microsoft.com/office/drawing/2014/main" id="{9533BD00-316B-40FA-977C-893D5D393A76}"/>
               </a:ext>
             </a:extLst>
           </p:cNvPr>
@@ -14066,7 +16924,7 @@
           <p:cNvPr id="3" name="Datumsplatzhalter 2">
             <a:extLst>
               <a:ext uri="{FF2B5EF4-FFF2-40B4-BE49-F238E27FC236}">
-                <a16:creationId xmlns:a16="http://schemas.microsoft.com/office/drawing/2014/main" xmlns="" id="{6EBC6BBC-72FB-4DA9-83A3-BCEC3C0AECB3}"/>
+                <a16:creationId xmlns="" xmlns:a16="http://schemas.microsoft.com/office/drawing/2014/main" id="{6EBC6BBC-72FB-4DA9-83A3-BCEC3C0AECB3}"/>
               </a:ext>
             </a:extLst>
           </p:cNvPr>
@@ -14084,7 +16942,7 @@
           <a:p>
             <a:fld id="{48352B5A-167D-4ED6-B7C9-BDA647A8BA51}" type="datetime1">
               <a:rPr lang="de-DE" smtClean="0"/>
-              <a:t>16.11.2018</a:t>
+              <a:t>19.11.2018</a:t>
             </a:fld>
             <a:endParaRPr lang="de-DE"/>
           </a:p>
@@ -14095,7 +16953,7 @@
           <p:cNvPr id="4" name="Fußzeilenplatzhalter 3">
             <a:extLst>
               <a:ext uri="{FF2B5EF4-FFF2-40B4-BE49-F238E27FC236}">
-                <a16:creationId xmlns:a16="http://schemas.microsoft.com/office/drawing/2014/main" xmlns="" id="{C5F02BA4-B103-41B2-B9F3-2934F1261141}"/>
+                <a16:creationId xmlns="" xmlns:a16="http://schemas.microsoft.com/office/drawing/2014/main" id="{C5F02BA4-B103-41B2-B9F3-2934F1261141}"/>
               </a:ext>
             </a:extLst>
           </p:cNvPr>
@@ -14124,7 +16982,7 @@
           <p:cNvPr id="5" name="Foliennummernplatzhalter 4">
             <a:extLst>
               <a:ext uri="{FF2B5EF4-FFF2-40B4-BE49-F238E27FC236}">
-                <a16:creationId xmlns:a16="http://schemas.microsoft.com/office/drawing/2014/main" xmlns="" id="{015305BA-6C1B-447C-B141-8E67770F3F86}"/>
+                <a16:creationId xmlns="" xmlns:a16="http://schemas.microsoft.com/office/drawing/2014/main" id="{015305BA-6C1B-447C-B141-8E67770F3F86}"/>
               </a:ext>
             </a:extLst>
           </p:cNvPr>
@@ -14153,7 +17011,7 @@
           <p:cNvPr id="6" name="Inhaltsplatzhalter 5">
             <a:extLst>
               <a:ext uri="{FF2B5EF4-FFF2-40B4-BE49-F238E27FC236}">
-                <a16:creationId xmlns:a16="http://schemas.microsoft.com/office/drawing/2014/main" xmlns="" id="{413DFB83-345C-4C3B-A1B6-E0902922A307}"/>
+                <a16:creationId xmlns="" xmlns:a16="http://schemas.microsoft.com/office/drawing/2014/main" id="{413DFB83-345C-4C3B-A1B6-E0902922A307}"/>
               </a:ext>
             </a:extLst>
           </p:cNvPr>
@@ -14238,7 +17096,7 @@
           <p:cNvPr id="2" name="Titel 1">
             <a:extLst>
               <a:ext uri="{FF2B5EF4-FFF2-40B4-BE49-F238E27FC236}">
-                <a16:creationId xmlns:a16="http://schemas.microsoft.com/office/drawing/2014/main" xmlns="" id="{30A540A0-C8A6-46EA-8802-C4C8D5242D8D}"/>
+                <a16:creationId xmlns="" xmlns:a16="http://schemas.microsoft.com/office/drawing/2014/main" id="{30A540A0-C8A6-46EA-8802-C4C8D5242D8D}"/>
               </a:ext>
             </a:extLst>
           </p:cNvPr>
@@ -14267,7 +17125,7 @@
           <p:cNvPr id="3" name="Datumsplatzhalter 2">
             <a:extLst>
               <a:ext uri="{FF2B5EF4-FFF2-40B4-BE49-F238E27FC236}">
-                <a16:creationId xmlns:a16="http://schemas.microsoft.com/office/drawing/2014/main" xmlns="" id="{F3710C85-F4FD-4A17-984A-CECC517D32F7}"/>
+                <a16:creationId xmlns="" xmlns:a16="http://schemas.microsoft.com/office/drawing/2014/main" id="{F3710C85-F4FD-4A17-984A-CECC517D32F7}"/>
               </a:ext>
             </a:extLst>
           </p:cNvPr>
@@ -14285,7 +17143,7 @@
           <a:p>
             <a:fld id="{48352B5A-167D-4ED6-B7C9-BDA647A8BA51}" type="datetime1">
               <a:rPr lang="de-DE" smtClean="0"/>
-              <a:t>16.11.2018</a:t>
+              <a:t>19.11.2018</a:t>
             </a:fld>
             <a:endParaRPr lang="de-DE"/>
           </a:p>
@@ -14296,7 +17154,7 @@
           <p:cNvPr id="4" name="Fußzeilenplatzhalter 3">
             <a:extLst>
               <a:ext uri="{FF2B5EF4-FFF2-40B4-BE49-F238E27FC236}">
-                <a16:creationId xmlns:a16="http://schemas.microsoft.com/office/drawing/2014/main" xmlns="" id="{2544BC0C-039F-4A6F-BD17-236D6C97C710}"/>
+                <a16:creationId xmlns="" xmlns:a16="http://schemas.microsoft.com/office/drawing/2014/main" id="{2544BC0C-039F-4A6F-BD17-236D6C97C710}"/>
               </a:ext>
             </a:extLst>
           </p:cNvPr>
@@ -14325,7 +17183,7 @@
           <p:cNvPr id="5" name="Foliennummernplatzhalter 4">
             <a:extLst>
               <a:ext uri="{FF2B5EF4-FFF2-40B4-BE49-F238E27FC236}">
-                <a16:creationId xmlns:a16="http://schemas.microsoft.com/office/drawing/2014/main" xmlns="" id="{71734ADA-FA6A-4C87-BB3E-EEE4AF141F43}"/>
+                <a16:creationId xmlns="" xmlns:a16="http://schemas.microsoft.com/office/drawing/2014/main" id="{71734ADA-FA6A-4C87-BB3E-EEE4AF141F43}"/>
               </a:ext>
             </a:extLst>
           </p:cNvPr>
@@ -14354,7 +17212,7 @@
           <p:cNvPr id="6" name="Inhaltsplatzhalter 5">
             <a:extLst>
               <a:ext uri="{FF2B5EF4-FFF2-40B4-BE49-F238E27FC236}">
-                <a16:creationId xmlns:a16="http://schemas.microsoft.com/office/drawing/2014/main" xmlns="" id="{10BF290A-0581-4BFE-80A9-84AECB370DBF}"/>
+                <a16:creationId xmlns="" xmlns:a16="http://schemas.microsoft.com/office/drawing/2014/main" id="{10BF290A-0581-4BFE-80A9-84AECB370DBF}"/>
               </a:ext>
             </a:extLst>
           </p:cNvPr>
@@ -14468,7 +17326,7 @@
           <p:cNvPr id="2" name="Titel 1">
             <a:extLst>
               <a:ext uri="{FF2B5EF4-FFF2-40B4-BE49-F238E27FC236}">
-                <a16:creationId xmlns:a16="http://schemas.microsoft.com/office/drawing/2014/main" xmlns="" id="{277D5125-1CDF-4B89-92F2-B5700CF89541}"/>
+                <a16:creationId xmlns="" xmlns:a16="http://schemas.microsoft.com/office/drawing/2014/main" id="{277D5125-1CDF-4B89-92F2-B5700CF89541}"/>
               </a:ext>
             </a:extLst>
           </p:cNvPr>
@@ -14496,7 +17354,7 @@
           <p:cNvPr id="3" name="Datumsplatzhalter 2">
             <a:extLst>
               <a:ext uri="{FF2B5EF4-FFF2-40B4-BE49-F238E27FC236}">
-                <a16:creationId xmlns:a16="http://schemas.microsoft.com/office/drawing/2014/main" xmlns="" id="{69914CF5-DFA4-4959-9A4F-60788B72D493}"/>
+                <a16:creationId xmlns="" xmlns:a16="http://schemas.microsoft.com/office/drawing/2014/main" id="{69914CF5-DFA4-4959-9A4F-60788B72D493}"/>
               </a:ext>
             </a:extLst>
           </p:cNvPr>
@@ -14514,7 +17372,7 @@
           <a:p>
             <a:fld id="{48352B5A-167D-4ED6-B7C9-BDA647A8BA51}" type="datetime1">
               <a:rPr lang="de-DE" smtClean="0"/>
-              <a:t>16.11.2018</a:t>
+              <a:t>19.11.2018</a:t>
             </a:fld>
             <a:endParaRPr lang="de-DE"/>
           </a:p>
@@ -14525,7 +17383,7 @@
           <p:cNvPr id="4" name="Fußzeilenplatzhalter 3">
             <a:extLst>
               <a:ext uri="{FF2B5EF4-FFF2-40B4-BE49-F238E27FC236}">
-                <a16:creationId xmlns:a16="http://schemas.microsoft.com/office/drawing/2014/main" xmlns="" id="{9645914B-8D7E-459B-B671-C63BD11EC31F}"/>
+                <a16:creationId xmlns="" xmlns:a16="http://schemas.microsoft.com/office/drawing/2014/main" id="{9645914B-8D7E-459B-B671-C63BD11EC31F}"/>
               </a:ext>
             </a:extLst>
           </p:cNvPr>
@@ -14554,7 +17412,7 @@
           <p:cNvPr id="5" name="Foliennummernplatzhalter 4">
             <a:extLst>
               <a:ext uri="{FF2B5EF4-FFF2-40B4-BE49-F238E27FC236}">
-                <a16:creationId xmlns:a16="http://schemas.microsoft.com/office/drawing/2014/main" xmlns="" id="{C5C4F5C6-296E-4E85-A8AB-353D72F30178}"/>
+                <a16:creationId xmlns="" xmlns:a16="http://schemas.microsoft.com/office/drawing/2014/main" id="{C5C4F5C6-296E-4E85-A8AB-353D72F30178}"/>
               </a:ext>
             </a:extLst>
           </p:cNvPr>
@@ -14583,7 +17441,7 @@
           <p:cNvPr id="6" name="Inhaltsplatzhalter 5">
             <a:extLst>
               <a:ext uri="{FF2B5EF4-FFF2-40B4-BE49-F238E27FC236}">
-                <a16:creationId xmlns:a16="http://schemas.microsoft.com/office/drawing/2014/main" xmlns="" id="{B9B1320D-DC29-4B11-985D-CF9752F11BAA}"/>
+                <a16:creationId xmlns="" xmlns:a16="http://schemas.microsoft.com/office/drawing/2014/main" id="{B9B1320D-DC29-4B11-985D-CF9752F11BAA}"/>
               </a:ext>
             </a:extLst>
           </p:cNvPr>
@@ -14611,7 +17469,7 @@
           <a:p>
             <a:r>
               <a:rPr lang="de-CH" dirty="0">
-                <a:hlinkClick r:id="rId2"/>
+                <a:hlinkClick r:id="rId3"/>
               </a:rPr>
               <a:t>https://github.com/facebook/react-devtools</a:t>
             </a:r>
@@ -14629,7 +17487,7 @@
           <a:p>
             <a:r>
               <a:rPr lang="de-CH" dirty="0">
-                <a:hlinkClick r:id="rId3"/>
+                <a:hlinkClick r:id="rId4"/>
               </a:rPr>
               <a:t>https://www.reactsight.com/</a:t>
             </a:r>
@@ -14671,7 +17529,7 @@
           <p:cNvPr id="2" name="Titel 1">
             <a:extLst>
               <a:ext uri="{FF2B5EF4-FFF2-40B4-BE49-F238E27FC236}">
-                <a16:creationId xmlns:a16="http://schemas.microsoft.com/office/drawing/2014/main" xmlns="" id="{16FC8DF1-C9D7-46E3-83D6-5072C1A46605}"/>
+                <a16:creationId xmlns="" xmlns:a16="http://schemas.microsoft.com/office/drawing/2014/main" id="{16FC8DF1-C9D7-46E3-83D6-5072C1A46605}"/>
               </a:ext>
             </a:extLst>
           </p:cNvPr>
@@ -14700,7 +17558,7 @@
           <p:cNvPr id="3" name="Datumsplatzhalter 2">
             <a:extLst>
               <a:ext uri="{FF2B5EF4-FFF2-40B4-BE49-F238E27FC236}">
-                <a16:creationId xmlns:a16="http://schemas.microsoft.com/office/drawing/2014/main" xmlns="" id="{3D29B4A2-9112-46E2-AA35-B3CB5AFF7FB6}"/>
+                <a16:creationId xmlns="" xmlns:a16="http://schemas.microsoft.com/office/drawing/2014/main" id="{3D29B4A2-9112-46E2-AA35-B3CB5AFF7FB6}"/>
               </a:ext>
             </a:extLst>
           </p:cNvPr>
@@ -14718,7 +17576,7 @@
           <a:p>
             <a:fld id="{48352B5A-167D-4ED6-B7C9-BDA647A8BA51}" type="datetime1">
               <a:rPr lang="de-DE" smtClean="0"/>
-              <a:t>16.11.2018</a:t>
+              <a:t>19.11.2018</a:t>
             </a:fld>
             <a:endParaRPr lang="de-DE"/>
           </a:p>
@@ -14729,7 +17587,7 @@
           <p:cNvPr id="4" name="Fußzeilenplatzhalter 3">
             <a:extLst>
               <a:ext uri="{FF2B5EF4-FFF2-40B4-BE49-F238E27FC236}">
-                <a16:creationId xmlns:a16="http://schemas.microsoft.com/office/drawing/2014/main" xmlns="" id="{1F00B392-37C3-409D-917C-7E7A0603372C}"/>
+                <a16:creationId xmlns="" xmlns:a16="http://schemas.microsoft.com/office/drawing/2014/main" id="{1F00B392-37C3-409D-917C-7E7A0603372C}"/>
               </a:ext>
             </a:extLst>
           </p:cNvPr>
@@ -14758,7 +17616,7 @@
           <p:cNvPr id="5" name="Foliennummernplatzhalter 4">
             <a:extLst>
               <a:ext uri="{FF2B5EF4-FFF2-40B4-BE49-F238E27FC236}">
-                <a16:creationId xmlns:a16="http://schemas.microsoft.com/office/drawing/2014/main" xmlns="" id="{69765797-2376-47D0-ABE6-C28137DD464F}"/>
+                <a16:creationId xmlns="" xmlns:a16="http://schemas.microsoft.com/office/drawing/2014/main" id="{69765797-2376-47D0-ABE6-C28137DD464F}"/>
               </a:ext>
             </a:extLst>
           </p:cNvPr>
@@ -14787,7 +17645,7 @@
           <p:cNvPr id="6" name="Inhaltsplatzhalter 5">
             <a:extLst>
               <a:ext uri="{FF2B5EF4-FFF2-40B4-BE49-F238E27FC236}">
-                <a16:creationId xmlns:a16="http://schemas.microsoft.com/office/drawing/2014/main" xmlns="" id="{F9AC3082-6207-4087-95E7-935FE808DBE8}"/>
+                <a16:creationId xmlns="" xmlns:a16="http://schemas.microsoft.com/office/drawing/2014/main" id="{F9AC3082-6207-4087-95E7-935FE808DBE8}"/>
               </a:ext>
             </a:extLst>
           </p:cNvPr>
@@ -14815,7 +17673,7 @@
           <p:cNvPr id="7" name="Picture 6" descr="Bildergebnis fÃ¼r react materialize">
             <a:extLst>
               <a:ext uri="{FF2B5EF4-FFF2-40B4-BE49-F238E27FC236}">
-                <a16:creationId xmlns:a16="http://schemas.microsoft.com/office/drawing/2014/main" xmlns="" id="{C0CAFA2A-AE5B-40CE-8397-6FBCA589B343}"/>
+                <a16:creationId xmlns="" xmlns:a16="http://schemas.microsoft.com/office/drawing/2014/main" id="{C0CAFA2A-AE5B-40CE-8397-6FBCA589B343}"/>
               </a:ext>
             </a:extLst>
           </p:cNvPr>
@@ -14825,7 +17683,7 @@
           <p:nvPr/>
         </p:nvPicPr>
         <p:blipFill>
-          <a:blip r:embed="rId2">
+          <a:blip r:embed="rId3">
             <a:extLst>
               <a:ext uri="{28A0092B-C50C-407E-A947-70E740481C1C}">
                 <a14:useLocalDpi xmlns:a14="http://schemas.microsoft.com/office/drawing/2010/main" val="0"/>
@@ -14862,7 +17720,7 @@
           <p:cNvPr id="8" name="Picture 8" descr="Bildergebnis fÃ¼r materialize">
             <a:extLst>
               <a:ext uri="{FF2B5EF4-FFF2-40B4-BE49-F238E27FC236}">
-                <a16:creationId xmlns:a16="http://schemas.microsoft.com/office/drawing/2014/main" xmlns="" id="{B892D75F-C42F-4019-BCA1-3C83CB54BA7E}"/>
+                <a16:creationId xmlns="" xmlns:a16="http://schemas.microsoft.com/office/drawing/2014/main" id="{B892D75F-C42F-4019-BCA1-3C83CB54BA7E}"/>
               </a:ext>
             </a:extLst>
           </p:cNvPr>
@@ -14872,7 +17730,7 @@
           <p:nvPr/>
         </p:nvPicPr>
         <p:blipFill>
-          <a:blip r:embed="rId3">
+          <a:blip r:embed="rId4">
             <a:extLst>
               <a:ext uri="{28A0092B-C50C-407E-A947-70E740481C1C}">
                 <a14:useLocalDpi xmlns:a14="http://schemas.microsoft.com/office/drawing/2010/main" val="0"/>
@@ -14939,7 +17797,7 @@
           <p:cNvPr id="2" name="Titel 1">
             <a:extLst>
               <a:ext uri="{FF2B5EF4-FFF2-40B4-BE49-F238E27FC236}">
-                <a16:creationId xmlns:a16="http://schemas.microsoft.com/office/drawing/2014/main" xmlns="" id="{1A25A864-1786-4EAE-83DC-AD86345D66E2}"/>
+                <a16:creationId xmlns="" xmlns:a16="http://schemas.microsoft.com/office/drawing/2014/main" id="{1A25A864-1786-4EAE-83DC-AD86345D66E2}"/>
               </a:ext>
             </a:extLst>
           </p:cNvPr>
@@ -14968,7 +17826,7 @@
           <p:cNvPr id="3" name="Datumsplatzhalter 2">
             <a:extLst>
               <a:ext uri="{FF2B5EF4-FFF2-40B4-BE49-F238E27FC236}">
-                <a16:creationId xmlns:a16="http://schemas.microsoft.com/office/drawing/2014/main" xmlns="" id="{8DA016BA-19C7-4468-ABCD-518C3F0BD787}"/>
+                <a16:creationId xmlns="" xmlns:a16="http://schemas.microsoft.com/office/drawing/2014/main" id="{8DA016BA-19C7-4468-ABCD-518C3F0BD787}"/>
               </a:ext>
             </a:extLst>
           </p:cNvPr>
@@ -14986,7 +17844,7 @@
           <a:p>
             <a:fld id="{48352B5A-167D-4ED6-B7C9-BDA647A8BA51}" type="datetime1">
               <a:rPr lang="de-DE" smtClean="0"/>
-              <a:t>16.11.2018</a:t>
+              <a:t>19.11.2018</a:t>
             </a:fld>
             <a:endParaRPr lang="de-DE"/>
           </a:p>
@@ -14997,7 +17855,7 @@
           <p:cNvPr id="4" name="Fußzeilenplatzhalter 3">
             <a:extLst>
               <a:ext uri="{FF2B5EF4-FFF2-40B4-BE49-F238E27FC236}">
-                <a16:creationId xmlns:a16="http://schemas.microsoft.com/office/drawing/2014/main" xmlns="" id="{373631AC-2D09-4E6D-A934-48A22CD70B6E}"/>
+                <a16:creationId xmlns="" xmlns:a16="http://schemas.microsoft.com/office/drawing/2014/main" id="{373631AC-2D09-4E6D-A934-48A22CD70B6E}"/>
               </a:ext>
             </a:extLst>
           </p:cNvPr>
@@ -15026,7 +17884,7 @@
           <p:cNvPr id="5" name="Foliennummernplatzhalter 4">
             <a:extLst>
               <a:ext uri="{FF2B5EF4-FFF2-40B4-BE49-F238E27FC236}">
-                <a16:creationId xmlns:a16="http://schemas.microsoft.com/office/drawing/2014/main" xmlns="" id="{16434493-4DEC-4E9D-B3BD-BA4B31CFD913}"/>
+                <a16:creationId xmlns="" xmlns:a16="http://schemas.microsoft.com/office/drawing/2014/main" id="{16434493-4DEC-4E9D-B3BD-BA4B31CFD913}"/>
               </a:ext>
             </a:extLst>
           </p:cNvPr>
@@ -15055,7 +17913,7 @@
           <p:cNvPr id="6" name="Inhaltsplatzhalter 5">
             <a:extLst>
               <a:ext uri="{FF2B5EF4-FFF2-40B4-BE49-F238E27FC236}">
-                <a16:creationId xmlns:a16="http://schemas.microsoft.com/office/drawing/2014/main" xmlns="" id="{7FF67B39-8F9A-47D2-8D82-0D3EE900B7EA}"/>
+                <a16:creationId xmlns="" xmlns:a16="http://schemas.microsoft.com/office/drawing/2014/main" id="{7FF67B39-8F9A-47D2-8D82-0D3EE900B7EA}"/>
               </a:ext>
             </a:extLst>
           </p:cNvPr>
@@ -15178,7 +18036,7 @@
           <p:cNvPr id="2" name="Titel 1">
             <a:extLst>
               <a:ext uri="{FF2B5EF4-FFF2-40B4-BE49-F238E27FC236}">
-                <a16:creationId xmlns:a16="http://schemas.microsoft.com/office/drawing/2014/main" xmlns="" id="{62B5B1FC-38B6-4AAF-A0D4-8343E72B8BB2}"/>
+                <a16:creationId xmlns="" xmlns:a16="http://schemas.microsoft.com/office/drawing/2014/main" id="{62B5B1FC-38B6-4AAF-A0D4-8343E72B8BB2}"/>
               </a:ext>
             </a:extLst>
           </p:cNvPr>
@@ -15206,7 +18064,7 @@
           <p:cNvPr id="3" name="Datumsplatzhalter 2">
             <a:extLst>
               <a:ext uri="{FF2B5EF4-FFF2-40B4-BE49-F238E27FC236}">
-                <a16:creationId xmlns:a16="http://schemas.microsoft.com/office/drawing/2014/main" xmlns="" id="{35FE2A4F-14D1-453C-8962-28768FDAA94C}"/>
+                <a16:creationId xmlns="" xmlns:a16="http://schemas.microsoft.com/office/drawing/2014/main" id="{35FE2A4F-14D1-453C-8962-28768FDAA94C}"/>
               </a:ext>
             </a:extLst>
           </p:cNvPr>
@@ -15224,7 +18082,7 @@
           <a:p>
             <a:fld id="{48352B5A-167D-4ED6-B7C9-BDA647A8BA51}" type="datetime1">
               <a:rPr lang="de-DE" smtClean="0"/>
-              <a:t>16.11.2018</a:t>
+              <a:t>19.11.2018</a:t>
             </a:fld>
             <a:endParaRPr lang="de-DE"/>
           </a:p>
@@ -15235,7 +18093,7 @@
           <p:cNvPr id="4" name="Fußzeilenplatzhalter 3">
             <a:extLst>
               <a:ext uri="{FF2B5EF4-FFF2-40B4-BE49-F238E27FC236}">
-                <a16:creationId xmlns:a16="http://schemas.microsoft.com/office/drawing/2014/main" xmlns="" id="{69FE2911-271E-4781-8E8D-C6FD249EA02E}"/>
+                <a16:creationId xmlns="" xmlns:a16="http://schemas.microsoft.com/office/drawing/2014/main" id="{69FE2911-271E-4781-8E8D-C6FD249EA02E}"/>
               </a:ext>
             </a:extLst>
           </p:cNvPr>
@@ -15264,7 +18122,7 @@
           <p:cNvPr id="5" name="Foliennummernplatzhalter 4">
             <a:extLst>
               <a:ext uri="{FF2B5EF4-FFF2-40B4-BE49-F238E27FC236}">
-                <a16:creationId xmlns:a16="http://schemas.microsoft.com/office/drawing/2014/main" xmlns="" id="{7974A4C8-7622-4904-A311-5A2D3F872085}"/>
+                <a16:creationId xmlns="" xmlns:a16="http://schemas.microsoft.com/office/drawing/2014/main" id="{7974A4C8-7622-4904-A311-5A2D3F872085}"/>
               </a:ext>
             </a:extLst>
           </p:cNvPr>
@@ -15293,7 +18151,7 @@
           <p:cNvPr id="6" name="Inhaltsplatzhalter 5">
             <a:extLst>
               <a:ext uri="{FF2B5EF4-FFF2-40B4-BE49-F238E27FC236}">
-                <a16:creationId xmlns:a16="http://schemas.microsoft.com/office/drawing/2014/main" xmlns="" id="{8506262F-A1F1-43B6-BB5D-766A37FB0DDF}"/>
+                <a16:creationId xmlns="" xmlns:a16="http://schemas.microsoft.com/office/drawing/2014/main" id="{8506262F-A1F1-43B6-BB5D-766A37FB0DDF}"/>
               </a:ext>
             </a:extLst>
           </p:cNvPr>
@@ -15422,7 +18280,7 @@
           <p:cNvPr id="2" name="Titel 1">
             <a:extLst>
               <a:ext uri="{FF2B5EF4-FFF2-40B4-BE49-F238E27FC236}">
-                <a16:creationId xmlns:a16="http://schemas.microsoft.com/office/drawing/2014/main" xmlns="" id="{0A1A6049-CD7F-4D8C-A11D-F46161BD0A61}"/>
+                <a16:creationId xmlns="" xmlns:a16="http://schemas.microsoft.com/office/drawing/2014/main" id="{0A1A6049-CD7F-4D8C-A11D-F46161BD0A61}"/>
               </a:ext>
             </a:extLst>
           </p:cNvPr>
@@ -15455,7 +18313,7 @@
           <p:cNvPr id="3" name="Datumsplatzhalter 2">
             <a:extLst>
               <a:ext uri="{FF2B5EF4-FFF2-40B4-BE49-F238E27FC236}">
-                <a16:creationId xmlns:a16="http://schemas.microsoft.com/office/drawing/2014/main" xmlns="" id="{C3E5D1B8-CD55-4D78-A71B-0EFAD8E431E8}"/>
+                <a16:creationId xmlns="" xmlns:a16="http://schemas.microsoft.com/office/drawing/2014/main" id="{C3E5D1B8-CD55-4D78-A71B-0EFAD8E431E8}"/>
               </a:ext>
             </a:extLst>
           </p:cNvPr>
@@ -15473,7 +18331,7 @@
           <a:p>
             <a:fld id="{48352B5A-167D-4ED6-B7C9-BDA647A8BA51}" type="datetime1">
               <a:rPr lang="de-DE" smtClean="0"/>
-              <a:t>16.11.2018</a:t>
+              <a:t>19.11.2018</a:t>
             </a:fld>
             <a:endParaRPr lang="de-DE"/>
           </a:p>
@@ -15484,7 +18342,7 @@
           <p:cNvPr id="4" name="Fußzeilenplatzhalter 3">
             <a:extLst>
               <a:ext uri="{FF2B5EF4-FFF2-40B4-BE49-F238E27FC236}">
-                <a16:creationId xmlns:a16="http://schemas.microsoft.com/office/drawing/2014/main" xmlns="" id="{CC69CD03-791F-46AA-BBED-D1E057D848A0}"/>
+                <a16:creationId xmlns="" xmlns:a16="http://schemas.microsoft.com/office/drawing/2014/main" id="{CC69CD03-791F-46AA-BBED-D1E057D848A0}"/>
               </a:ext>
             </a:extLst>
           </p:cNvPr>
@@ -15513,7 +18371,7 @@
           <p:cNvPr id="5" name="Foliennummernplatzhalter 4">
             <a:extLst>
               <a:ext uri="{FF2B5EF4-FFF2-40B4-BE49-F238E27FC236}">
-                <a16:creationId xmlns:a16="http://schemas.microsoft.com/office/drawing/2014/main" xmlns="" id="{F4D3FB05-A4EF-447C-B998-F59D03904616}"/>
+                <a16:creationId xmlns="" xmlns:a16="http://schemas.microsoft.com/office/drawing/2014/main" id="{F4D3FB05-A4EF-447C-B998-F59D03904616}"/>
               </a:ext>
             </a:extLst>
           </p:cNvPr>
@@ -15542,7 +18400,7 @@
           <p:cNvPr id="6" name="Inhaltsplatzhalter 5">
             <a:extLst>
               <a:ext uri="{FF2B5EF4-FFF2-40B4-BE49-F238E27FC236}">
-                <a16:creationId xmlns:a16="http://schemas.microsoft.com/office/drawing/2014/main" xmlns="" id="{B543C937-A1EB-4404-B13C-FE733E7C6AB0}"/>
+                <a16:creationId xmlns="" xmlns:a16="http://schemas.microsoft.com/office/drawing/2014/main" id="{B543C937-A1EB-4404-B13C-FE733E7C6AB0}"/>
               </a:ext>
             </a:extLst>
           </p:cNvPr>
@@ -15738,7 +18596,7 @@
           <p:cNvPr id="2" name="Titel 1">
             <a:extLst>
               <a:ext uri="{FF2B5EF4-FFF2-40B4-BE49-F238E27FC236}">
-                <a16:creationId xmlns:a16="http://schemas.microsoft.com/office/drawing/2014/main" xmlns="" id="{46B71E06-6B08-43AE-A9C8-F9B142FB28CB}"/>
+                <a16:creationId xmlns="" xmlns:a16="http://schemas.microsoft.com/office/drawing/2014/main" id="{46B71E06-6B08-43AE-A9C8-F9B142FB28CB}"/>
               </a:ext>
             </a:extLst>
           </p:cNvPr>
@@ -15766,7 +18624,7 @@
           <p:cNvPr id="3" name="Datumsplatzhalter 2">
             <a:extLst>
               <a:ext uri="{FF2B5EF4-FFF2-40B4-BE49-F238E27FC236}">
-                <a16:creationId xmlns:a16="http://schemas.microsoft.com/office/drawing/2014/main" xmlns="" id="{7DA43725-4CCB-4CF7-B561-C2455E37B695}"/>
+                <a16:creationId xmlns="" xmlns:a16="http://schemas.microsoft.com/office/drawing/2014/main" id="{7DA43725-4CCB-4CF7-B561-C2455E37B695}"/>
               </a:ext>
             </a:extLst>
           </p:cNvPr>
@@ -15784,7 +18642,7 @@
           <a:p>
             <a:fld id="{48352B5A-167D-4ED6-B7C9-BDA647A8BA51}" type="datetime1">
               <a:rPr lang="de-DE" smtClean="0"/>
-              <a:t>16.11.2018</a:t>
+              <a:t>19.11.2018</a:t>
             </a:fld>
             <a:endParaRPr lang="de-DE"/>
           </a:p>
@@ -15795,7 +18653,7 @@
           <p:cNvPr id="4" name="Fußzeilenplatzhalter 3">
             <a:extLst>
               <a:ext uri="{FF2B5EF4-FFF2-40B4-BE49-F238E27FC236}">
-                <a16:creationId xmlns:a16="http://schemas.microsoft.com/office/drawing/2014/main" xmlns="" id="{10B0C594-04E2-4D69-B149-A140EDB73CB9}"/>
+                <a16:creationId xmlns="" xmlns:a16="http://schemas.microsoft.com/office/drawing/2014/main" id="{10B0C594-04E2-4D69-B149-A140EDB73CB9}"/>
               </a:ext>
             </a:extLst>
           </p:cNvPr>
@@ -15824,7 +18682,7 @@
           <p:cNvPr id="5" name="Foliennummernplatzhalter 4">
             <a:extLst>
               <a:ext uri="{FF2B5EF4-FFF2-40B4-BE49-F238E27FC236}">
-                <a16:creationId xmlns:a16="http://schemas.microsoft.com/office/drawing/2014/main" xmlns="" id="{CB7B5591-8305-4064-885D-68FF19B8D5AF}"/>
+                <a16:creationId xmlns="" xmlns:a16="http://schemas.microsoft.com/office/drawing/2014/main" id="{CB7B5591-8305-4064-885D-68FF19B8D5AF}"/>
               </a:ext>
             </a:extLst>
           </p:cNvPr>
@@ -15853,7 +18711,7 @@
           <p:cNvPr id="6" name="Inhaltsplatzhalter 5">
             <a:extLst>
               <a:ext uri="{FF2B5EF4-FFF2-40B4-BE49-F238E27FC236}">
-                <a16:creationId xmlns:a16="http://schemas.microsoft.com/office/drawing/2014/main" xmlns="" id="{7804FF59-5423-4D10-A437-717C62ABF253}"/>
+                <a16:creationId xmlns="" xmlns:a16="http://schemas.microsoft.com/office/drawing/2014/main" id="{7804FF59-5423-4D10-A437-717C62ABF253}"/>
               </a:ext>
             </a:extLst>
           </p:cNvPr>
@@ -16393,7 +19251,7 @@
           <p:cNvPr id="2" name="Titel 1">
             <a:extLst>
               <a:ext uri="{FF2B5EF4-FFF2-40B4-BE49-F238E27FC236}">
-                <a16:creationId xmlns:a16="http://schemas.microsoft.com/office/drawing/2014/main" xmlns="" id="{8042B2D6-B688-4F1D-84D9-EDA826C78953}"/>
+                <a16:creationId xmlns="" xmlns:a16="http://schemas.microsoft.com/office/drawing/2014/main" id="{8042B2D6-B688-4F1D-84D9-EDA826C78953}"/>
               </a:ext>
             </a:extLst>
           </p:cNvPr>
@@ -16421,7 +19279,7 @@
           <p:cNvPr id="3" name="Datumsplatzhalter 2">
             <a:extLst>
               <a:ext uri="{FF2B5EF4-FFF2-40B4-BE49-F238E27FC236}">
-                <a16:creationId xmlns:a16="http://schemas.microsoft.com/office/drawing/2014/main" xmlns="" id="{3ACE59C4-9F78-442E-B097-940CD623DDA4}"/>
+                <a16:creationId xmlns="" xmlns:a16="http://schemas.microsoft.com/office/drawing/2014/main" id="{3ACE59C4-9F78-442E-B097-940CD623DDA4}"/>
               </a:ext>
             </a:extLst>
           </p:cNvPr>
@@ -16439,7 +19297,7 @@
           <a:p>
             <a:fld id="{48352B5A-167D-4ED6-B7C9-BDA647A8BA51}" type="datetime1">
               <a:rPr lang="de-DE" smtClean="0"/>
-              <a:t>16.11.2018</a:t>
+              <a:t>19.11.2018</a:t>
             </a:fld>
             <a:endParaRPr lang="de-DE"/>
           </a:p>
@@ -16450,7 +19308,7 @@
           <p:cNvPr id="4" name="Fußzeilenplatzhalter 3">
             <a:extLst>
               <a:ext uri="{FF2B5EF4-FFF2-40B4-BE49-F238E27FC236}">
-                <a16:creationId xmlns:a16="http://schemas.microsoft.com/office/drawing/2014/main" xmlns="" id="{F52C1658-D4C8-4A3A-B9BC-86F6FBA0F7D1}"/>
+                <a16:creationId xmlns="" xmlns:a16="http://schemas.microsoft.com/office/drawing/2014/main" id="{F52C1658-D4C8-4A3A-B9BC-86F6FBA0F7D1}"/>
               </a:ext>
             </a:extLst>
           </p:cNvPr>
@@ -16479,7 +19337,7 @@
           <p:cNvPr id="5" name="Foliennummernplatzhalter 4">
             <a:extLst>
               <a:ext uri="{FF2B5EF4-FFF2-40B4-BE49-F238E27FC236}">
-                <a16:creationId xmlns:a16="http://schemas.microsoft.com/office/drawing/2014/main" xmlns="" id="{F43F19DB-E8A2-43A6-AC7E-DCD86348DAC2}"/>
+                <a16:creationId xmlns="" xmlns:a16="http://schemas.microsoft.com/office/drawing/2014/main" id="{F43F19DB-E8A2-43A6-AC7E-DCD86348DAC2}"/>
               </a:ext>
             </a:extLst>
           </p:cNvPr>
@@ -16508,7 +19366,7 @@
           <p:cNvPr id="6" name="Inhaltsplatzhalter 5">
             <a:extLst>
               <a:ext uri="{FF2B5EF4-FFF2-40B4-BE49-F238E27FC236}">
-                <a16:creationId xmlns:a16="http://schemas.microsoft.com/office/drawing/2014/main" xmlns="" id="{E0F22198-5871-4C94-93BB-9B27AED95ADE}"/>
+                <a16:creationId xmlns="" xmlns:a16="http://schemas.microsoft.com/office/drawing/2014/main" id="{E0F22198-5871-4C94-93BB-9B27AED95ADE}"/>
               </a:ext>
             </a:extLst>
           </p:cNvPr>
@@ -16634,7 +19492,7 @@
           <p:cNvPr id="2" name="Titel 1">
             <a:extLst>
               <a:ext uri="{FF2B5EF4-FFF2-40B4-BE49-F238E27FC236}">
-                <a16:creationId xmlns:a16="http://schemas.microsoft.com/office/drawing/2014/main" xmlns="" id="{13093AFF-9982-4D9C-9691-6A5C95B724A4}"/>
+                <a16:creationId xmlns="" xmlns:a16="http://schemas.microsoft.com/office/drawing/2014/main" id="{13093AFF-9982-4D9C-9691-6A5C95B724A4}"/>
               </a:ext>
             </a:extLst>
           </p:cNvPr>
@@ -16662,7 +19520,7 @@
           <p:cNvPr id="3" name="Datumsplatzhalter 2">
             <a:extLst>
               <a:ext uri="{FF2B5EF4-FFF2-40B4-BE49-F238E27FC236}">
-                <a16:creationId xmlns:a16="http://schemas.microsoft.com/office/drawing/2014/main" xmlns="" id="{05E33F24-E000-4573-8CB2-9728D363B7A7}"/>
+                <a16:creationId xmlns="" xmlns:a16="http://schemas.microsoft.com/office/drawing/2014/main" id="{05E33F24-E000-4573-8CB2-9728D363B7A7}"/>
               </a:ext>
             </a:extLst>
           </p:cNvPr>
@@ -16680,7 +19538,7 @@
           <a:p>
             <a:fld id="{48352B5A-167D-4ED6-B7C9-BDA647A8BA51}" type="datetime1">
               <a:rPr lang="de-DE" smtClean="0"/>
-              <a:t>16.11.2018</a:t>
+              <a:t>19.11.2018</a:t>
             </a:fld>
             <a:endParaRPr lang="de-DE"/>
           </a:p>
@@ -16691,7 +19549,7 @@
           <p:cNvPr id="4" name="Fußzeilenplatzhalter 3">
             <a:extLst>
               <a:ext uri="{FF2B5EF4-FFF2-40B4-BE49-F238E27FC236}">
-                <a16:creationId xmlns:a16="http://schemas.microsoft.com/office/drawing/2014/main" xmlns="" id="{000A925A-FD0A-4D78-AC6A-542A4745A732}"/>
+                <a16:creationId xmlns="" xmlns:a16="http://schemas.microsoft.com/office/drawing/2014/main" id="{000A925A-FD0A-4D78-AC6A-542A4745A732}"/>
               </a:ext>
             </a:extLst>
           </p:cNvPr>
@@ -16720,7 +19578,7 @@
           <p:cNvPr id="5" name="Foliennummernplatzhalter 4">
             <a:extLst>
               <a:ext uri="{FF2B5EF4-FFF2-40B4-BE49-F238E27FC236}">
-                <a16:creationId xmlns:a16="http://schemas.microsoft.com/office/drawing/2014/main" xmlns="" id="{FA2E024D-F892-4351-926C-DB54CEF5947F}"/>
+                <a16:creationId xmlns="" xmlns:a16="http://schemas.microsoft.com/office/drawing/2014/main" id="{FA2E024D-F892-4351-926C-DB54CEF5947F}"/>
               </a:ext>
             </a:extLst>
           </p:cNvPr>
@@ -16749,7 +19607,7 @@
           <p:cNvPr id="6" name="Inhaltsplatzhalter 5">
             <a:extLst>
               <a:ext uri="{FF2B5EF4-FFF2-40B4-BE49-F238E27FC236}">
-                <a16:creationId xmlns:a16="http://schemas.microsoft.com/office/drawing/2014/main" xmlns="" id="{8E1140B5-A34B-4D01-ABD5-596BE1B079E2}"/>
+                <a16:creationId xmlns="" xmlns:a16="http://schemas.microsoft.com/office/drawing/2014/main" id="{8E1140B5-A34B-4D01-ABD5-596BE1B079E2}"/>
               </a:ext>
             </a:extLst>
           </p:cNvPr>
@@ -16813,7 +19671,7 @@
           <p:cNvPr id="2" name="Titel 1">
             <a:extLst>
               <a:ext uri="{FF2B5EF4-FFF2-40B4-BE49-F238E27FC236}">
-                <a16:creationId xmlns:a16="http://schemas.microsoft.com/office/drawing/2014/main" xmlns="" id="{E9B35454-1B7A-4569-83B8-3FB8AD200E0A}"/>
+                <a16:creationId xmlns="" xmlns:a16="http://schemas.microsoft.com/office/drawing/2014/main" id="{E9B35454-1B7A-4569-83B8-3FB8AD200E0A}"/>
               </a:ext>
             </a:extLst>
           </p:cNvPr>
@@ -16841,7 +19699,7 @@
           <p:cNvPr id="3" name="Datumsplatzhalter 2">
             <a:extLst>
               <a:ext uri="{FF2B5EF4-FFF2-40B4-BE49-F238E27FC236}">
-                <a16:creationId xmlns:a16="http://schemas.microsoft.com/office/drawing/2014/main" xmlns="" id="{6E1A6C03-37BC-4379-8658-907529B6B3EC}"/>
+                <a16:creationId xmlns="" xmlns:a16="http://schemas.microsoft.com/office/drawing/2014/main" id="{6E1A6C03-37BC-4379-8658-907529B6B3EC}"/>
               </a:ext>
             </a:extLst>
           </p:cNvPr>
@@ -16859,7 +19717,7 @@
           <a:p>
             <a:fld id="{48352B5A-167D-4ED6-B7C9-BDA647A8BA51}" type="datetime1">
               <a:rPr lang="de-DE" smtClean="0"/>
-              <a:t>16.11.2018</a:t>
+              <a:t>19.11.2018</a:t>
             </a:fld>
             <a:endParaRPr lang="de-DE"/>
           </a:p>
@@ -16870,7 +19728,7 @@
           <p:cNvPr id="4" name="Fußzeilenplatzhalter 3">
             <a:extLst>
               <a:ext uri="{FF2B5EF4-FFF2-40B4-BE49-F238E27FC236}">
-                <a16:creationId xmlns:a16="http://schemas.microsoft.com/office/drawing/2014/main" xmlns="" id="{A5217030-2252-4148-A2CE-3B187F8FEFBF}"/>
+                <a16:creationId xmlns="" xmlns:a16="http://schemas.microsoft.com/office/drawing/2014/main" id="{A5217030-2252-4148-A2CE-3B187F8FEFBF}"/>
               </a:ext>
             </a:extLst>
           </p:cNvPr>
@@ -16899,7 +19757,7 @@
           <p:cNvPr id="5" name="Foliennummernplatzhalter 4">
             <a:extLst>
               <a:ext uri="{FF2B5EF4-FFF2-40B4-BE49-F238E27FC236}">
-                <a16:creationId xmlns:a16="http://schemas.microsoft.com/office/drawing/2014/main" xmlns="" id="{1C505F7D-B47C-4579-8695-2FFC1C43940A}"/>
+                <a16:creationId xmlns="" xmlns:a16="http://schemas.microsoft.com/office/drawing/2014/main" id="{1C505F7D-B47C-4579-8695-2FFC1C43940A}"/>
               </a:ext>
             </a:extLst>
           </p:cNvPr>
@@ -16928,7 +19786,7 @@
           <p:cNvPr id="6" name="Inhaltsplatzhalter 5">
             <a:extLst>
               <a:ext uri="{FF2B5EF4-FFF2-40B4-BE49-F238E27FC236}">
-                <a16:creationId xmlns:a16="http://schemas.microsoft.com/office/drawing/2014/main" xmlns="" id="{184380C6-5408-4921-A602-0EC77F90E7B8}"/>
+                <a16:creationId xmlns="" xmlns:a16="http://schemas.microsoft.com/office/drawing/2014/main" id="{184380C6-5408-4921-A602-0EC77F90E7B8}"/>
               </a:ext>
             </a:extLst>
           </p:cNvPr>
@@ -16982,7 +19840,7 @@
           <a:p>
             <a:r>
               <a:rPr lang="en-US" dirty="0">
-                <a:hlinkClick r:id="rId2"/>
+                <a:hlinkClick r:id="rId3"/>
               </a:rPr>
               <a:t>http://localhost:3000/</a:t>
             </a:r>
@@ -17028,7 +19886,7 @@
           <p:cNvPr id="2" name="Titel 1">
             <a:extLst>
               <a:ext uri="{FF2B5EF4-FFF2-40B4-BE49-F238E27FC236}">
-                <a16:creationId xmlns:a16="http://schemas.microsoft.com/office/drawing/2014/main" xmlns="" id="{FB3D4AA2-6BD9-4FAA-BD20-ACECFEE17743}"/>
+                <a16:creationId xmlns="" xmlns:a16="http://schemas.microsoft.com/office/drawing/2014/main" id="{FB3D4AA2-6BD9-4FAA-BD20-ACECFEE17743}"/>
               </a:ext>
             </a:extLst>
           </p:cNvPr>
@@ -17057,7 +19915,7 @@
           <p:cNvPr id="3" name="Datumsplatzhalter 2">
             <a:extLst>
               <a:ext uri="{FF2B5EF4-FFF2-40B4-BE49-F238E27FC236}">
-                <a16:creationId xmlns:a16="http://schemas.microsoft.com/office/drawing/2014/main" xmlns="" id="{ADE5015B-EB6F-4AE0-9B1D-F5BAD3EA3B7F}"/>
+                <a16:creationId xmlns="" xmlns:a16="http://schemas.microsoft.com/office/drawing/2014/main" id="{ADE5015B-EB6F-4AE0-9B1D-F5BAD3EA3B7F}"/>
               </a:ext>
             </a:extLst>
           </p:cNvPr>
@@ -17075,7 +19933,7 @@
           <a:p>
             <a:fld id="{48352B5A-167D-4ED6-B7C9-BDA647A8BA51}" type="datetime1">
               <a:rPr lang="de-DE" smtClean="0"/>
-              <a:t>16.11.2018</a:t>
+              <a:t>19.11.2018</a:t>
             </a:fld>
             <a:endParaRPr lang="de-DE"/>
           </a:p>
@@ -17086,7 +19944,7 @@
           <p:cNvPr id="4" name="Fußzeilenplatzhalter 3">
             <a:extLst>
               <a:ext uri="{FF2B5EF4-FFF2-40B4-BE49-F238E27FC236}">
-                <a16:creationId xmlns:a16="http://schemas.microsoft.com/office/drawing/2014/main" xmlns="" id="{CCF7C28A-F2DB-4863-8F13-4477C4B7C84C}"/>
+                <a16:creationId xmlns="" xmlns:a16="http://schemas.microsoft.com/office/drawing/2014/main" id="{CCF7C28A-F2DB-4863-8F13-4477C4B7C84C}"/>
               </a:ext>
             </a:extLst>
           </p:cNvPr>
@@ -17115,7 +19973,7 @@
           <p:cNvPr id="5" name="Foliennummernplatzhalter 4">
             <a:extLst>
               <a:ext uri="{FF2B5EF4-FFF2-40B4-BE49-F238E27FC236}">
-                <a16:creationId xmlns:a16="http://schemas.microsoft.com/office/drawing/2014/main" xmlns="" id="{1097CC81-6880-47A7-9EE7-930694B470BE}"/>
+                <a16:creationId xmlns="" xmlns:a16="http://schemas.microsoft.com/office/drawing/2014/main" id="{1097CC81-6880-47A7-9EE7-930694B470BE}"/>
               </a:ext>
             </a:extLst>
           </p:cNvPr>
@@ -17144,7 +20002,7 @@
           <p:cNvPr id="10" name="Picture 10" descr="Bildergebnis fÃ¼r rxjs">
             <a:extLst>
               <a:ext uri="{FF2B5EF4-FFF2-40B4-BE49-F238E27FC236}">
-                <a16:creationId xmlns:a16="http://schemas.microsoft.com/office/drawing/2014/main" xmlns="" id="{9D988982-CD7A-4A00-A911-4E9132A2F7C0}"/>
+                <a16:creationId xmlns="" xmlns:a16="http://schemas.microsoft.com/office/drawing/2014/main" id="{9D988982-CD7A-4A00-A911-4E9132A2F7C0}"/>
               </a:ext>
             </a:extLst>
           </p:cNvPr>
@@ -17156,7 +20014,7 @@
           </p:nvPr>
         </p:nvPicPr>
         <p:blipFill>
-          <a:blip r:embed="rId2">
+          <a:blip r:embed="rId3">
             <a:extLst>
               <a:ext uri="{28A0092B-C50C-407E-A947-70E740481C1C}">
                 <a14:useLocalDpi xmlns:a14="http://schemas.microsoft.com/office/drawing/2010/main" val="0"/>
@@ -17223,7 +20081,7 @@
           <p:cNvPr id="2" name="Titel 1">
             <a:extLst>
               <a:ext uri="{FF2B5EF4-FFF2-40B4-BE49-F238E27FC236}">
-                <a16:creationId xmlns:a16="http://schemas.microsoft.com/office/drawing/2014/main" xmlns="" id="{1EC1F6A3-D60E-48E5-9AA4-4E872481BC05}"/>
+                <a16:creationId xmlns="" xmlns:a16="http://schemas.microsoft.com/office/drawing/2014/main" id="{1EC1F6A3-D60E-48E5-9AA4-4E872481BC05}"/>
               </a:ext>
             </a:extLst>
           </p:cNvPr>
@@ -17251,7 +20109,7 @@
           <p:cNvPr id="3" name="Datumsplatzhalter 2">
             <a:extLst>
               <a:ext uri="{FF2B5EF4-FFF2-40B4-BE49-F238E27FC236}">
-                <a16:creationId xmlns:a16="http://schemas.microsoft.com/office/drawing/2014/main" xmlns="" id="{3DFFD4F3-1638-466E-AACB-ABDE62105A15}"/>
+                <a16:creationId xmlns="" xmlns:a16="http://schemas.microsoft.com/office/drawing/2014/main" id="{3DFFD4F3-1638-466E-AACB-ABDE62105A15}"/>
               </a:ext>
             </a:extLst>
           </p:cNvPr>
@@ -17269,7 +20127,7 @@
           <a:p>
             <a:fld id="{48352B5A-167D-4ED6-B7C9-BDA647A8BA51}" type="datetime1">
               <a:rPr lang="de-DE" smtClean="0"/>
-              <a:t>16.11.2018</a:t>
+              <a:t>19.11.2018</a:t>
             </a:fld>
             <a:endParaRPr lang="de-DE"/>
           </a:p>
@@ -17280,7 +20138,7 @@
           <p:cNvPr id="4" name="Fußzeilenplatzhalter 3">
             <a:extLst>
               <a:ext uri="{FF2B5EF4-FFF2-40B4-BE49-F238E27FC236}">
-                <a16:creationId xmlns:a16="http://schemas.microsoft.com/office/drawing/2014/main" xmlns="" id="{9AB1FFA2-EA78-4D6E-9262-7A4B584827ED}"/>
+                <a16:creationId xmlns="" xmlns:a16="http://schemas.microsoft.com/office/drawing/2014/main" id="{9AB1FFA2-EA78-4D6E-9262-7A4B584827ED}"/>
               </a:ext>
             </a:extLst>
           </p:cNvPr>
@@ -17309,7 +20167,7 @@
           <p:cNvPr id="5" name="Foliennummernplatzhalter 4">
             <a:extLst>
               <a:ext uri="{FF2B5EF4-FFF2-40B4-BE49-F238E27FC236}">
-                <a16:creationId xmlns:a16="http://schemas.microsoft.com/office/drawing/2014/main" xmlns="" id="{28EF831B-FEE4-49A2-B7D8-22E4A667F8B7}"/>
+                <a16:creationId xmlns="" xmlns:a16="http://schemas.microsoft.com/office/drawing/2014/main" id="{28EF831B-FEE4-49A2-B7D8-22E4A667F8B7}"/>
               </a:ext>
             </a:extLst>
           </p:cNvPr>
@@ -17338,7 +20196,7 @@
           <p:cNvPr id="6" name="Inhaltsplatzhalter 5">
             <a:extLst>
               <a:ext uri="{FF2B5EF4-FFF2-40B4-BE49-F238E27FC236}">
-                <a16:creationId xmlns:a16="http://schemas.microsoft.com/office/drawing/2014/main" xmlns="" id="{48BC2F46-4D0A-48ED-8F41-F0736182EC8F}"/>
+                <a16:creationId xmlns="" xmlns:a16="http://schemas.microsoft.com/office/drawing/2014/main" id="{48BC2F46-4D0A-48ED-8F41-F0736182EC8F}"/>
               </a:ext>
             </a:extLst>
           </p:cNvPr>
@@ -17360,7 +20218,7 @@
             </a:r>
             <a:r>
               <a:rPr lang="de-CH" dirty="0">
-                <a:hlinkClick r:id="rId2"/>
+                <a:hlinkClick r:id="rId3"/>
               </a:rPr>
               <a:t>https://rxjs-dev.firebaseapp.com/</a:t>
             </a:r>
@@ -17370,62 +20228,62 @@
             <a:r>
               <a:rPr lang="de-CH" dirty="0"/>
               <a:t>Alte Dokumentation:	</a:t>
-            </a:r>
-            <a:r>
-              <a:rPr lang="de-CH" dirty="0">
-                <a:hlinkClick r:id="rId3"/>
-              </a:rPr>
-              <a:t>http://reactivex.io/rxjs/identifiers.html</a:t>
-            </a:r>
-            <a:endParaRPr lang="de-CH" dirty="0"/>
-          </a:p>
-          <a:p>
-            <a:r>
-              <a:rPr lang="de-CH" dirty="0" err="1"/>
-              <a:t>RxFiddle</a:t>
-            </a:r>
-            <a:r>
-              <a:rPr lang="de-CH" dirty="0"/>
-              <a:t>:			</a:t>
-            </a:r>
-            <a:r>
-              <a:rPr lang="de-CH" dirty="0">
-                <a:hlinkClick r:id="rId3"/>
-              </a:rPr>
-              <a:t>http://rxfiddle.net</a:t>
-            </a:r>
-            <a:endParaRPr lang="de-CH" dirty="0"/>
-          </a:p>
-          <a:p>
-            <a:r>
-              <a:rPr lang="de-CH" dirty="0" err="1"/>
-              <a:t>Rx</a:t>
-            </a:r>
-            <a:r>
-              <a:rPr lang="de-CH" dirty="0"/>
-              <a:t> Visualizer:		</a:t>
             </a:r>
             <a:r>
               <a:rPr lang="de-CH" dirty="0">
                 <a:hlinkClick r:id="rId4"/>
               </a:rPr>
-              <a:t>https://rxviz.com/</a:t>
+              <a:t>http://reactivex.io/rxjs/identifiers.html</a:t>
             </a:r>
             <a:endParaRPr lang="de-CH" dirty="0"/>
           </a:p>
           <a:p>
+            <a:r>
+              <a:rPr lang="de-CH" dirty="0" err="1"/>
+              <a:t>RxFiddle</a:t>
+            </a:r>
+            <a:r>
+              <a:rPr lang="de-CH" dirty="0"/>
+              <a:t>:			</a:t>
+            </a:r>
+            <a:r>
+              <a:rPr lang="de-CH" dirty="0">
+                <a:hlinkClick r:id="rId4"/>
+              </a:rPr>
+              <a:t>http://rxfiddle.net</a:t>
+            </a:r>
             <a:endParaRPr lang="de-CH" dirty="0"/>
           </a:p>
           <a:p>
             <a:r>
-              <a:rPr lang="de-CH" dirty="0"/>
-              <a:t>Von Version 5 zu 6 gab es wesentliche Änderungen!</a:t>
-            </a:r>
-          </a:p>
-          <a:p>
+              <a:rPr lang="de-CH" dirty="0" err="1"/>
+              <a:t>Rx</a:t>
+            </a:r>
+            <a:r>
+              <a:rPr lang="de-CH" dirty="0"/>
+              <a:t> Visualizer:		</a:t>
+            </a:r>
             <a:r>
               <a:rPr lang="de-CH" dirty="0">
                 <a:hlinkClick r:id="rId5"/>
+              </a:rPr>
+              <a:t>https://rxviz.com/</a:t>
+            </a:r>
+            <a:endParaRPr lang="de-CH" dirty="0"/>
+          </a:p>
+          <a:p>
+            <a:endParaRPr lang="de-CH" dirty="0"/>
+          </a:p>
+          <a:p>
+            <a:r>
+              <a:rPr lang="de-CH" dirty="0"/>
+              <a:t>Von Version 5 zu 6 gab es wesentliche Änderungen!</a:t>
+            </a:r>
+          </a:p>
+          <a:p>
+            <a:r>
+              <a:rPr lang="de-CH" dirty="0">
+                <a:hlinkClick r:id="rId6"/>
               </a:rPr>
               <a:t>https://rxjs-dev.firebaseapp.com/guide/v6/migration</a:t>
             </a:r>
@@ -17471,7 +20329,7 @@
           <p:cNvPr id="2" name="Titel 1">
             <a:extLst>
               <a:ext uri="{FF2B5EF4-FFF2-40B4-BE49-F238E27FC236}">
-                <a16:creationId xmlns:a16="http://schemas.microsoft.com/office/drawing/2014/main" xmlns="" id="{5493C864-B4B9-4F72-A5D1-F65D4A81C2B0}"/>
+                <a16:creationId xmlns="" xmlns:a16="http://schemas.microsoft.com/office/drawing/2014/main" id="{5493C864-B4B9-4F72-A5D1-F65D4A81C2B0}"/>
               </a:ext>
             </a:extLst>
           </p:cNvPr>
@@ -17507,7 +20365,7 @@
           <p:cNvPr id="3" name="Datumsplatzhalter 2">
             <a:extLst>
               <a:ext uri="{FF2B5EF4-FFF2-40B4-BE49-F238E27FC236}">
-                <a16:creationId xmlns:a16="http://schemas.microsoft.com/office/drawing/2014/main" xmlns="" id="{E91327A1-5FF2-4162-9433-E4A9AD0AB1D8}"/>
+                <a16:creationId xmlns="" xmlns:a16="http://schemas.microsoft.com/office/drawing/2014/main" id="{E91327A1-5FF2-4162-9433-E4A9AD0AB1D8}"/>
               </a:ext>
             </a:extLst>
           </p:cNvPr>
@@ -17525,7 +20383,7 @@
           <a:p>
             <a:fld id="{48352B5A-167D-4ED6-B7C9-BDA647A8BA51}" type="datetime1">
               <a:rPr lang="de-DE" smtClean="0"/>
-              <a:t>16.11.2018</a:t>
+              <a:t>19.11.2018</a:t>
             </a:fld>
             <a:endParaRPr lang="de-DE"/>
           </a:p>
@@ -17536,7 +20394,7 @@
           <p:cNvPr id="4" name="Fußzeilenplatzhalter 3">
             <a:extLst>
               <a:ext uri="{FF2B5EF4-FFF2-40B4-BE49-F238E27FC236}">
-                <a16:creationId xmlns:a16="http://schemas.microsoft.com/office/drawing/2014/main" xmlns="" id="{5D4980EE-C21A-4B7F-BC44-95D7CC9C35E2}"/>
+                <a16:creationId xmlns="" xmlns:a16="http://schemas.microsoft.com/office/drawing/2014/main" id="{5D4980EE-C21A-4B7F-BC44-95D7CC9C35E2}"/>
               </a:ext>
             </a:extLst>
           </p:cNvPr>
@@ -17565,7 +20423,7 @@
           <p:cNvPr id="5" name="Foliennummernplatzhalter 4">
             <a:extLst>
               <a:ext uri="{FF2B5EF4-FFF2-40B4-BE49-F238E27FC236}">
-                <a16:creationId xmlns:a16="http://schemas.microsoft.com/office/drawing/2014/main" xmlns="" id="{43F570F3-D7A2-4F32-9AF2-B0E110754C4A}"/>
+                <a16:creationId xmlns="" xmlns:a16="http://schemas.microsoft.com/office/drawing/2014/main" id="{43F570F3-D7A2-4F32-9AF2-B0E110754C4A}"/>
               </a:ext>
             </a:extLst>
           </p:cNvPr>
@@ -17594,7 +20452,7 @@
           <p:cNvPr id="6" name="Inhaltsplatzhalter 5">
             <a:extLst>
               <a:ext uri="{FF2B5EF4-FFF2-40B4-BE49-F238E27FC236}">
-                <a16:creationId xmlns:a16="http://schemas.microsoft.com/office/drawing/2014/main" xmlns="" id="{E8BBDEE2-A1D6-4ED4-A0D4-9BDA25857ECB}"/>
+                <a16:creationId xmlns="" xmlns:a16="http://schemas.microsoft.com/office/drawing/2014/main" id="{E8BBDEE2-A1D6-4ED4-A0D4-9BDA25857ECB}"/>
               </a:ext>
             </a:extLst>
           </p:cNvPr>
@@ -17756,7 +20614,7 @@
           <p:cNvPr id="2" name="Titel 1">
             <a:extLst>
               <a:ext uri="{FF2B5EF4-FFF2-40B4-BE49-F238E27FC236}">
-                <a16:creationId xmlns:a16="http://schemas.microsoft.com/office/drawing/2014/main" xmlns="" id="{A956DF2D-9DFB-4045-A6BB-F0750051A097}"/>
+                <a16:creationId xmlns="" xmlns:a16="http://schemas.microsoft.com/office/drawing/2014/main" id="{A956DF2D-9DFB-4045-A6BB-F0750051A097}"/>
               </a:ext>
             </a:extLst>
           </p:cNvPr>
@@ -17784,7 +20642,7 @@
           <p:cNvPr id="3" name="Datumsplatzhalter 2">
             <a:extLst>
               <a:ext uri="{FF2B5EF4-FFF2-40B4-BE49-F238E27FC236}">
-                <a16:creationId xmlns:a16="http://schemas.microsoft.com/office/drawing/2014/main" xmlns="" id="{8291FF45-07B6-4F55-8B9B-5BDE48170F89}"/>
+                <a16:creationId xmlns="" xmlns:a16="http://schemas.microsoft.com/office/drawing/2014/main" id="{8291FF45-07B6-4F55-8B9B-5BDE48170F89}"/>
               </a:ext>
             </a:extLst>
           </p:cNvPr>
@@ -17802,7 +20660,7 @@
           <a:p>
             <a:fld id="{48352B5A-167D-4ED6-B7C9-BDA647A8BA51}" type="datetime1">
               <a:rPr lang="de-DE" smtClean="0"/>
-              <a:t>16.11.2018</a:t>
+              <a:t>19.11.2018</a:t>
             </a:fld>
             <a:endParaRPr lang="de-DE"/>
           </a:p>
@@ -17813,7 +20671,7 @@
           <p:cNvPr id="4" name="Fußzeilenplatzhalter 3">
             <a:extLst>
               <a:ext uri="{FF2B5EF4-FFF2-40B4-BE49-F238E27FC236}">
-                <a16:creationId xmlns:a16="http://schemas.microsoft.com/office/drawing/2014/main" xmlns="" id="{8619D27E-B93C-4701-9A84-02AA58BDC899}"/>
+                <a16:creationId xmlns="" xmlns:a16="http://schemas.microsoft.com/office/drawing/2014/main" id="{8619D27E-B93C-4701-9A84-02AA58BDC899}"/>
               </a:ext>
             </a:extLst>
           </p:cNvPr>
@@ -17842,7 +20700,7 @@
           <p:cNvPr id="5" name="Foliennummernplatzhalter 4">
             <a:extLst>
               <a:ext uri="{FF2B5EF4-FFF2-40B4-BE49-F238E27FC236}">
-                <a16:creationId xmlns:a16="http://schemas.microsoft.com/office/drawing/2014/main" xmlns="" id="{8664D8E7-A42C-464E-9B7F-76B706DD6B67}"/>
+                <a16:creationId xmlns="" xmlns:a16="http://schemas.microsoft.com/office/drawing/2014/main" id="{8664D8E7-A42C-464E-9B7F-76B706DD6B67}"/>
               </a:ext>
             </a:extLst>
           </p:cNvPr>
@@ -17871,7 +20729,7 @@
           <p:cNvPr id="6" name="Inhaltsplatzhalter 5">
             <a:extLst>
               <a:ext uri="{FF2B5EF4-FFF2-40B4-BE49-F238E27FC236}">
-                <a16:creationId xmlns:a16="http://schemas.microsoft.com/office/drawing/2014/main" xmlns="" id="{81BB93A8-BC51-435F-8D7C-F98C8F80D605}"/>
+                <a16:creationId xmlns="" xmlns:a16="http://schemas.microsoft.com/office/drawing/2014/main" id="{81BB93A8-BC51-435F-8D7C-F98C8F80D605}"/>
               </a:ext>
             </a:extLst>
           </p:cNvPr>
@@ -18034,7 +20892,7 @@
           <p:cNvPr id="2" name="Titel 1">
             <a:extLst>
               <a:ext uri="{FF2B5EF4-FFF2-40B4-BE49-F238E27FC236}">
-                <a16:creationId xmlns:a16="http://schemas.microsoft.com/office/drawing/2014/main" xmlns="" id="{3D9E3DB6-E079-4155-89D5-D19C3244F995}"/>
+                <a16:creationId xmlns="" xmlns:a16="http://schemas.microsoft.com/office/drawing/2014/main" id="{3D9E3DB6-E079-4155-89D5-D19C3244F995}"/>
               </a:ext>
             </a:extLst>
           </p:cNvPr>
@@ -18062,7 +20920,7 @@
           <p:cNvPr id="3" name="Datumsplatzhalter 2">
             <a:extLst>
               <a:ext uri="{FF2B5EF4-FFF2-40B4-BE49-F238E27FC236}">
-                <a16:creationId xmlns:a16="http://schemas.microsoft.com/office/drawing/2014/main" xmlns="" id="{DCB6844D-F535-4539-88F3-C4117BF62275}"/>
+                <a16:creationId xmlns="" xmlns:a16="http://schemas.microsoft.com/office/drawing/2014/main" id="{DCB6844D-F535-4539-88F3-C4117BF62275}"/>
               </a:ext>
             </a:extLst>
           </p:cNvPr>
@@ -18080,7 +20938,7 @@
           <a:p>
             <a:fld id="{48352B5A-167D-4ED6-B7C9-BDA647A8BA51}" type="datetime1">
               <a:rPr lang="de-DE" smtClean="0"/>
-              <a:t>16.11.2018</a:t>
+              <a:t>19.11.2018</a:t>
             </a:fld>
             <a:endParaRPr lang="de-DE"/>
           </a:p>
@@ -18091,7 +20949,7 @@
           <p:cNvPr id="4" name="Fußzeilenplatzhalter 3">
             <a:extLst>
               <a:ext uri="{FF2B5EF4-FFF2-40B4-BE49-F238E27FC236}">
-                <a16:creationId xmlns:a16="http://schemas.microsoft.com/office/drawing/2014/main" xmlns="" id="{746D5D54-CC5C-46C6-B201-B8FB7846A6C2}"/>
+                <a16:creationId xmlns="" xmlns:a16="http://schemas.microsoft.com/office/drawing/2014/main" id="{746D5D54-CC5C-46C6-B201-B8FB7846A6C2}"/>
               </a:ext>
             </a:extLst>
           </p:cNvPr>
@@ -18120,7 +20978,7 @@
           <p:cNvPr id="5" name="Foliennummernplatzhalter 4">
             <a:extLst>
               <a:ext uri="{FF2B5EF4-FFF2-40B4-BE49-F238E27FC236}">
-                <a16:creationId xmlns:a16="http://schemas.microsoft.com/office/drawing/2014/main" xmlns="" id="{02A68321-6735-447E-BFEB-F6BAD059A0BB}"/>
+                <a16:creationId xmlns="" xmlns:a16="http://schemas.microsoft.com/office/drawing/2014/main" id="{02A68321-6735-447E-BFEB-F6BAD059A0BB}"/>
               </a:ext>
             </a:extLst>
           </p:cNvPr>
@@ -18149,7 +21007,7 @@
           <p:cNvPr id="6" name="Inhaltsplatzhalter 5">
             <a:extLst>
               <a:ext uri="{FF2B5EF4-FFF2-40B4-BE49-F238E27FC236}">
-                <a16:creationId xmlns:a16="http://schemas.microsoft.com/office/drawing/2014/main" xmlns="" id="{C3CF6BD0-1B5A-4AC1-B6BD-184F310F4BD8}"/>
+                <a16:creationId xmlns="" xmlns:a16="http://schemas.microsoft.com/office/drawing/2014/main" id="{C3CF6BD0-1B5A-4AC1-B6BD-184F310F4BD8}"/>
               </a:ext>
             </a:extLst>
           </p:cNvPr>
@@ -18668,7 +21526,7 @@
           <p:cNvPr id="2" name="Titel 1">
             <a:extLst>
               <a:ext uri="{FF2B5EF4-FFF2-40B4-BE49-F238E27FC236}">
-                <a16:creationId xmlns:a16="http://schemas.microsoft.com/office/drawing/2014/main" xmlns="" id="{ED2502C0-07E1-4EF7-8B9F-7CC88DD45A42}"/>
+                <a16:creationId xmlns="" xmlns:a16="http://schemas.microsoft.com/office/drawing/2014/main" id="{ED2502C0-07E1-4EF7-8B9F-7CC88DD45A42}"/>
               </a:ext>
             </a:extLst>
           </p:cNvPr>
@@ -18697,7 +21555,7 @@
           <p:cNvPr id="3" name="Datumsplatzhalter 2">
             <a:extLst>
               <a:ext uri="{FF2B5EF4-FFF2-40B4-BE49-F238E27FC236}">
-                <a16:creationId xmlns:a16="http://schemas.microsoft.com/office/drawing/2014/main" xmlns="" id="{21B703D7-08E5-4A11-BE2A-3D91F63A4D2F}"/>
+                <a16:creationId xmlns="" xmlns:a16="http://schemas.microsoft.com/office/drawing/2014/main" id="{21B703D7-08E5-4A11-BE2A-3D91F63A4D2F}"/>
               </a:ext>
             </a:extLst>
           </p:cNvPr>
@@ -18715,7 +21573,7 @@
           <a:p>
             <a:fld id="{48352B5A-167D-4ED6-B7C9-BDA647A8BA51}" type="datetime1">
               <a:rPr lang="de-DE" smtClean="0"/>
-              <a:t>16.11.2018</a:t>
+              <a:t>19.11.2018</a:t>
             </a:fld>
             <a:endParaRPr lang="de-DE"/>
           </a:p>
@@ -18726,7 +21584,7 @@
           <p:cNvPr id="4" name="Fußzeilenplatzhalter 3">
             <a:extLst>
               <a:ext uri="{FF2B5EF4-FFF2-40B4-BE49-F238E27FC236}">
-                <a16:creationId xmlns:a16="http://schemas.microsoft.com/office/drawing/2014/main" xmlns="" id="{2799829B-12F3-499F-8EFF-EBEADA63D668}"/>
+                <a16:creationId xmlns="" xmlns:a16="http://schemas.microsoft.com/office/drawing/2014/main" id="{2799829B-12F3-499F-8EFF-EBEADA63D668}"/>
               </a:ext>
             </a:extLst>
           </p:cNvPr>
@@ -18755,7 +21613,7 @@
           <p:cNvPr id="5" name="Foliennummernplatzhalter 4">
             <a:extLst>
               <a:ext uri="{FF2B5EF4-FFF2-40B4-BE49-F238E27FC236}">
-                <a16:creationId xmlns:a16="http://schemas.microsoft.com/office/drawing/2014/main" xmlns="" id="{13FBF7CA-0F71-4E12-818C-DAB213A78389}"/>
+                <a16:creationId xmlns="" xmlns:a16="http://schemas.microsoft.com/office/drawing/2014/main" id="{13FBF7CA-0F71-4E12-818C-DAB213A78389}"/>
               </a:ext>
             </a:extLst>
           </p:cNvPr>
@@ -18784,7 +21642,7 @@
           <p:cNvPr id="6" name="Inhaltsplatzhalter 5">
             <a:extLst>
               <a:ext uri="{FF2B5EF4-FFF2-40B4-BE49-F238E27FC236}">
-                <a16:creationId xmlns:a16="http://schemas.microsoft.com/office/drawing/2014/main" xmlns="" id="{652C66CB-1B0F-48B3-A59F-0EA6FE9A8A90}"/>
+                <a16:creationId xmlns="" xmlns:a16="http://schemas.microsoft.com/office/drawing/2014/main" id="{652C66CB-1B0F-48B3-A59F-0EA6FE9A8A90}"/>
               </a:ext>
             </a:extLst>
           </p:cNvPr>
@@ -18901,7 +21759,7 @@
           <a:p>
             <a:fld id="{48352B5A-167D-4ED6-B7C9-BDA647A8BA51}" type="datetime1">
               <a:rPr lang="de-DE" smtClean="0"/>
-              <a:t>16.11.2018</a:t>
+              <a:t>19.11.2018</a:t>
             </a:fld>
             <a:endParaRPr lang="de-DE"/>
           </a:p>
@@ -19290,7 +22148,7 @@
           <a:p>
             <a:fld id="{48352B5A-167D-4ED6-B7C9-BDA647A8BA51}" type="datetime1">
               <a:rPr lang="de-DE" smtClean="0"/>
-              <a:t>16.11.2018</a:t>
+              <a:t>19.11.2018</a:t>
             </a:fld>
             <a:endParaRPr lang="de-DE"/>
           </a:p>
@@ -19557,7 +22415,7 @@
           <p:cNvPr id="2" name="Titel 1">
             <a:extLst>
               <a:ext uri="{FF2B5EF4-FFF2-40B4-BE49-F238E27FC236}">
-                <a16:creationId xmlns:a16="http://schemas.microsoft.com/office/drawing/2014/main" xmlns="" id="{BA34701A-BEAC-49CD-BE66-3678A5922648}"/>
+                <a16:creationId xmlns="" xmlns:a16="http://schemas.microsoft.com/office/drawing/2014/main" id="{BA34701A-BEAC-49CD-BE66-3678A5922648}"/>
               </a:ext>
             </a:extLst>
           </p:cNvPr>
@@ -19585,7 +22443,7 @@
           <p:cNvPr id="3" name="Datumsplatzhalter 2">
             <a:extLst>
               <a:ext uri="{FF2B5EF4-FFF2-40B4-BE49-F238E27FC236}">
-                <a16:creationId xmlns:a16="http://schemas.microsoft.com/office/drawing/2014/main" xmlns="" id="{A98B22DE-91CA-4FD7-9560-30BC27F3C26D}"/>
+                <a16:creationId xmlns="" xmlns:a16="http://schemas.microsoft.com/office/drawing/2014/main" id="{A98B22DE-91CA-4FD7-9560-30BC27F3C26D}"/>
               </a:ext>
             </a:extLst>
           </p:cNvPr>
@@ -19603,7 +22461,7 @@
           <a:p>
             <a:fld id="{48352B5A-167D-4ED6-B7C9-BDA647A8BA51}" type="datetime1">
               <a:rPr lang="de-DE" smtClean="0"/>
-              <a:t>16.11.2018</a:t>
+              <a:t>19.11.2018</a:t>
             </a:fld>
             <a:endParaRPr lang="de-DE"/>
           </a:p>
@@ -19614,7 +22472,7 @@
           <p:cNvPr id="4" name="Fußzeilenplatzhalter 3">
             <a:extLst>
               <a:ext uri="{FF2B5EF4-FFF2-40B4-BE49-F238E27FC236}">
-                <a16:creationId xmlns:a16="http://schemas.microsoft.com/office/drawing/2014/main" xmlns="" id="{391BBEE9-CD7F-4B7C-B0BA-020F00E6EF6F}"/>
+                <a16:creationId xmlns="" xmlns:a16="http://schemas.microsoft.com/office/drawing/2014/main" id="{391BBEE9-CD7F-4B7C-B0BA-020F00E6EF6F}"/>
               </a:ext>
             </a:extLst>
           </p:cNvPr>
@@ -19643,7 +22501,7 @@
           <p:cNvPr id="5" name="Foliennummernplatzhalter 4">
             <a:extLst>
               <a:ext uri="{FF2B5EF4-FFF2-40B4-BE49-F238E27FC236}">
-                <a16:creationId xmlns:a16="http://schemas.microsoft.com/office/drawing/2014/main" xmlns="" id="{B876E68C-B4E2-47B9-9FBD-9F8AFF68225E}"/>
+                <a16:creationId xmlns="" xmlns:a16="http://schemas.microsoft.com/office/drawing/2014/main" id="{B876E68C-B4E2-47B9-9FBD-9F8AFF68225E}"/>
               </a:ext>
             </a:extLst>
           </p:cNvPr>
@@ -19672,7 +22530,7 @@
           <p:cNvPr id="6" name="Inhaltsplatzhalter 5">
             <a:extLst>
               <a:ext uri="{FF2B5EF4-FFF2-40B4-BE49-F238E27FC236}">
-                <a16:creationId xmlns:a16="http://schemas.microsoft.com/office/drawing/2014/main" xmlns="" id="{AEBB1BB3-98D3-4463-AEE3-F6E5690771E9}"/>
+                <a16:creationId xmlns="" xmlns:a16="http://schemas.microsoft.com/office/drawing/2014/main" id="{AEBB1BB3-98D3-4463-AEE3-F6E5690771E9}"/>
               </a:ext>
             </a:extLst>
           </p:cNvPr>
@@ -19795,7 +22653,15 @@
             </a:r>
             <a:r>
               <a:rPr lang="de-CH" dirty="0"/>
-              <a:t>&gt; können mehrere Elemente gruppiert werden ohne zusätzliche Elemente zu kreieren</a:t>
+              <a:t>&gt; </a:t>
+            </a:r>
+            <a:r>
+              <a:rPr lang="de-CH" dirty="0" smtClean="0"/>
+              <a:t>resp. &lt;&gt; können </a:t>
+            </a:r>
+            <a:r>
+              <a:rPr lang="de-CH" dirty="0"/>
+              <a:t>mehrere Elemente gruppiert werden ohne zusätzliche Elemente zu kreieren</a:t>
             </a:r>
           </a:p>
         </p:txBody>
@@ -19835,7 +22701,7 @@
           <p:cNvPr id="2" name="Titel 1">
             <a:extLst>
               <a:ext uri="{FF2B5EF4-FFF2-40B4-BE49-F238E27FC236}">
-                <a16:creationId xmlns:a16="http://schemas.microsoft.com/office/drawing/2014/main" xmlns="" id="{BA34701A-BEAC-49CD-BE66-3678A5922648}"/>
+                <a16:creationId xmlns="" xmlns:a16="http://schemas.microsoft.com/office/drawing/2014/main" id="{BA34701A-BEAC-49CD-BE66-3678A5922648}"/>
               </a:ext>
             </a:extLst>
           </p:cNvPr>
@@ -19863,7 +22729,7 @@
           <p:cNvPr id="3" name="Datumsplatzhalter 2">
             <a:extLst>
               <a:ext uri="{FF2B5EF4-FFF2-40B4-BE49-F238E27FC236}">
-                <a16:creationId xmlns:a16="http://schemas.microsoft.com/office/drawing/2014/main" xmlns="" id="{A98B22DE-91CA-4FD7-9560-30BC27F3C26D}"/>
+                <a16:creationId xmlns="" xmlns:a16="http://schemas.microsoft.com/office/drawing/2014/main" id="{A98B22DE-91CA-4FD7-9560-30BC27F3C26D}"/>
               </a:ext>
             </a:extLst>
           </p:cNvPr>
@@ -19881,7 +22747,7 @@
           <a:p>
             <a:fld id="{48352B5A-167D-4ED6-B7C9-BDA647A8BA51}" type="datetime1">
               <a:rPr lang="de-DE" smtClean="0"/>
-              <a:t>16.11.2018</a:t>
+              <a:t>19.11.2018</a:t>
             </a:fld>
             <a:endParaRPr lang="de-DE"/>
           </a:p>
@@ -19892,7 +22758,7 @@
           <p:cNvPr id="4" name="Fußzeilenplatzhalter 3">
             <a:extLst>
               <a:ext uri="{FF2B5EF4-FFF2-40B4-BE49-F238E27FC236}">
-                <a16:creationId xmlns:a16="http://schemas.microsoft.com/office/drawing/2014/main" xmlns="" id="{391BBEE9-CD7F-4B7C-B0BA-020F00E6EF6F}"/>
+                <a16:creationId xmlns="" xmlns:a16="http://schemas.microsoft.com/office/drawing/2014/main" id="{391BBEE9-CD7F-4B7C-B0BA-020F00E6EF6F}"/>
               </a:ext>
             </a:extLst>
           </p:cNvPr>
@@ -19921,7 +22787,7 @@
           <p:cNvPr id="5" name="Foliennummernplatzhalter 4">
             <a:extLst>
               <a:ext uri="{FF2B5EF4-FFF2-40B4-BE49-F238E27FC236}">
-                <a16:creationId xmlns:a16="http://schemas.microsoft.com/office/drawing/2014/main" xmlns="" id="{B876E68C-B4E2-47B9-9FBD-9F8AFF68225E}"/>
+                <a16:creationId xmlns="" xmlns:a16="http://schemas.microsoft.com/office/drawing/2014/main" id="{B876E68C-B4E2-47B9-9FBD-9F8AFF68225E}"/>
               </a:ext>
             </a:extLst>
           </p:cNvPr>
@@ -19950,7 +22816,7 @@
           <p:cNvPr id="6" name="Inhaltsplatzhalter 5">
             <a:extLst>
               <a:ext uri="{FF2B5EF4-FFF2-40B4-BE49-F238E27FC236}">
-                <a16:creationId xmlns:a16="http://schemas.microsoft.com/office/drawing/2014/main" xmlns="" id="{AEBB1BB3-98D3-4463-AEE3-F6E5690771E9}"/>
+                <a16:creationId xmlns="" xmlns:a16="http://schemas.microsoft.com/office/drawing/2014/main" id="{AEBB1BB3-98D3-4463-AEE3-F6E5690771E9}"/>
               </a:ext>
             </a:extLst>
           </p:cNvPr>
@@ -20074,7 +22940,7 @@
           <p:cNvPr id="2" name="Titel 1">
             <a:extLst>
               <a:ext uri="{FF2B5EF4-FFF2-40B4-BE49-F238E27FC236}">
-                <a16:creationId xmlns:a16="http://schemas.microsoft.com/office/drawing/2014/main" xmlns="" id="{71B70DF6-1D5A-4021-BBA4-93A076BA4C39}"/>
+                <a16:creationId xmlns="" xmlns:a16="http://schemas.microsoft.com/office/drawing/2014/main" id="{71B70DF6-1D5A-4021-BBA4-93A076BA4C39}"/>
               </a:ext>
             </a:extLst>
           </p:cNvPr>
@@ -20102,7 +22968,7 @@
           <p:cNvPr id="3" name="Datumsplatzhalter 2">
             <a:extLst>
               <a:ext uri="{FF2B5EF4-FFF2-40B4-BE49-F238E27FC236}">
-                <a16:creationId xmlns:a16="http://schemas.microsoft.com/office/drawing/2014/main" xmlns="" id="{083857BC-A23E-45C2-8967-CF0BE36D0720}"/>
+                <a16:creationId xmlns="" xmlns:a16="http://schemas.microsoft.com/office/drawing/2014/main" id="{083857BC-A23E-45C2-8967-CF0BE36D0720}"/>
               </a:ext>
             </a:extLst>
           </p:cNvPr>
@@ -20120,7 +22986,7 @@
           <a:p>
             <a:fld id="{48352B5A-167D-4ED6-B7C9-BDA647A8BA51}" type="datetime1">
               <a:rPr lang="de-DE" smtClean="0"/>
-              <a:t>16.11.2018</a:t>
+              <a:t>19.11.2018</a:t>
             </a:fld>
             <a:endParaRPr lang="de-DE"/>
           </a:p>
@@ -20131,7 +22997,7 @@
           <p:cNvPr id="4" name="Fußzeilenplatzhalter 3">
             <a:extLst>
               <a:ext uri="{FF2B5EF4-FFF2-40B4-BE49-F238E27FC236}">
-                <a16:creationId xmlns:a16="http://schemas.microsoft.com/office/drawing/2014/main" xmlns="" id="{153CECAC-5EE5-45E6-8061-D8AAF9F27440}"/>
+                <a16:creationId xmlns="" xmlns:a16="http://schemas.microsoft.com/office/drawing/2014/main" id="{153CECAC-5EE5-45E6-8061-D8AAF9F27440}"/>
               </a:ext>
             </a:extLst>
           </p:cNvPr>
@@ -20160,7 +23026,7 @@
           <p:cNvPr id="5" name="Foliennummernplatzhalter 4">
             <a:extLst>
               <a:ext uri="{FF2B5EF4-FFF2-40B4-BE49-F238E27FC236}">
-                <a16:creationId xmlns:a16="http://schemas.microsoft.com/office/drawing/2014/main" xmlns="" id="{7D7BA7DF-07D9-4172-A3A9-8DB27B19F9B0}"/>
+                <a16:creationId xmlns="" xmlns:a16="http://schemas.microsoft.com/office/drawing/2014/main" id="{7D7BA7DF-07D9-4172-A3A9-8DB27B19F9B0}"/>
               </a:ext>
             </a:extLst>
           </p:cNvPr>
@@ -20189,7 +23055,7 @@
           <p:cNvPr id="6" name="Inhaltsplatzhalter 5">
             <a:extLst>
               <a:ext uri="{FF2B5EF4-FFF2-40B4-BE49-F238E27FC236}">
-                <a16:creationId xmlns:a16="http://schemas.microsoft.com/office/drawing/2014/main" xmlns="" id="{C1267438-BD90-451C-A230-CC7E3660375A}"/>
+                <a16:creationId xmlns="" xmlns:a16="http://schemas.microsoft.com/office/drawing/2014/main" id="{C1267438-BD90-451C-A230-CC7E3660375A}"/>
               </a:ext>
             </a:extLst>
           </p:cNvPr>
@@ -20905,4 +23771,265 @@
   <a:objectDefaults/>
   <a:extraClrSchemeLst/>
 </a:theme>
+</file>
+
+<file path=ppt/theme/theme3.xml><?xml version="1.0" encoding="utf-8"?>
+<a:theme xmlns:a="http://schemas.openxmlformats.org/drawingml/2006/main" name="Office Theme">
+  <a:themeElements>
+    <a:clrScheme name="Office">
+      <a:dk1>
+        <a:sysClr val="windowText" lastClr="000000"/>
+      </a:dk1>
+      <a:lt1>
+        <a:sysClr val="window" lastClr="FFFFFF"/>
+      </a:lt1>
+      <a:dk2>
+        <a:srgbClr val="44546A"/>
+      </a:dk2>
+      <a:lt2>
+        <a:srgbClr val="E7E6E6"/>
+      </a:lt2>
+      <a:accent1>
+        <a:srgbClr val="5B9BD5"/>
+      </a:accent1>
+      <a:accent2>
+        <a:srgbClr val="ED7D31"/>
+      </a:accent2>
+      <a:accent3>
+        <a:srgbClr val="A5A5A5"/>
+      </a:accent3>
+      <a:accent4>
+        <a:srgbClr val="FFC000"/>
+      </a:accent4>
+      <a:accent5>
+        <a:srgbClr val="4472C4"/>
+      </a:accent5>
+      <a:accent6>
+        <a:srgbClr val="70AD47"/>
+      </a:accent6>
+      <a:hlink>
+        <a:srgbClr val="0563C1"/>
+      </a:hlink>
+      <a:folHlink>
+        <a:srgbClr val="954F72"/>
+      </a:folHlink>
+    </a:clrScheme>
+    <a:fontScheme name="Office">
+      <a:majorFont>
+        <a:latin typeface="Calibri Light" panose="020F0302020204030204"/>
+        <a:ea typeface=""/>
+        <a:cs typeface=""/>
+        <a:font script="Jpan" typeface="ＭＳ Ｐゴシック"/>
+        <a:font script="Hang" typeface="맑은 고딕"/>
+        <a:font script="Hans" typeface="宋体"/>
+        <a:font script="Hant" typeface="新細明體"/>
+        <a:font script="Arab" typeface="Times New Roman"/>
+        <a:font script="Hebr" typeface="Times New Roman"/>
+        <a:font script="Thai" typeface="Angsana New"/>
+        <a:font script="Ethi" typeface="Nyala"/>
+        <a:font script="Beng" typeface="Vrinda"/>
+        <a:font script="Gujr" typeface="Shruti"/>
+        <a:font script="Khmr" typeface="MoolBoran"/>
+        <a:font script="Knda" typeface="Tunga"/>
+        <a:font script="Guru" typeface="Raavi"/>
+        <a:font script="Cans" typeface="Euphemia"/>
+        <a:font script="Cher" typeface="Plantagenet Cherokee"/>
+        <a:font script="Yiii" typeface="Microsoft Yi Baiti"/>
+        <a:font script="Tibt" typeface="Microsoft Himalaya"/>
+        <a:font script="Thaa" typeface="MV Boli"/>
+        <a:font script="Deva" typeface="Mangal"/>
+        <a:font script="Telu" typeface="Gautami"/>
+        <a:font script="Taml" typeface="Latha"/>
+        <a:font script="Syrc" typeface="Estrangelo Edessa"/>
+        <a:font script="Orya" typeface="Kalinga"/>
+        <a:font script="Mlym" typeface="Kartika"/>
+        <a:font script="Laoo" typeface="DokChampa"/>
+        <a:font script="Sinh" typeface="Iskoola Pota"/>
+        <a:font script="Mong" typeface="Mongolian Baiti"/>
+        <a:font script="Viet" typeface="Times New Roman"/>
+        <a:font script="Uigh" typeface="Microsoft Uighur"/>
+        <a:font script="Geor" typeface="Sylfaen"/>
+      </a:majorFont>
+      <a:minorFont>
+        <a:latin typeface="Calibri" panose="020F0502020204030204"/>
+        <a:ea typeface=""/>
+        <a:cs typeface=""/>
+        <a:font script="Jpan" typeface="ＭＳ Ｐゴシック"/>
+        <a:font script="Hang" typeface="맑은 고딕"/>
+        <a:font script="Hans" typeface="宋体"/>
+        <a:font script="Hant" typeface="新細明體"/>
+        <a:font script="Arab" typeface="Arial"/>
+        <a:font script="Hebr" typeface="Arial"/>
+        <a:font script="Thai" typeface="Cordia New"/>
+        <a:font script="Ethi" typeface="Nyala"/>
+        <a:font script="Beng" typeface="Vrinda"/>
+        <a:font script="Gujr" typeface="Shruti"/>
+        <a:font script="Khmr" typeface="DaunPenh"/>
+        <a:font script="Knda" typeface="Tunga"/>
+        <a:font script="Guru" typeface="Raavi"/>
+        <a:font script="Cans" typeface="Euphemia"/>
+        <a:font script="Cher" typeface="Plantagenet Cherokee"/>
+        <a:font script="Yiii" typeface="Microsoft Yi Baiti"/>
+        <a:font script="Tibt" typeface="Microsoft Himalaya"/>
+        <a:font script="Thaa" typeface="MV Boli"/>
+        <a:font script="Deva" typeface="Mangal"/>
+        <a:font script="Telu" typeface="Gautami"/>
+        <a:font script="Taml" typeface="Latha"/>
+        <a:font script="Syrc" typeface="Estrangelo Edessa"/>
+        <a:font script="Orya" typeface="Kalinga"/>
+        <a:font script="Mlym" typeface="Kartika"/>
+        <a:font script="Laoo" typeface="DokChampa"/>
+        <a:font script="Sinh" typeface="Iskoola Pota"/>
+        <a:font script="Mong" typeface="Mongolian Baiti"/>
+        <a:font script="Viet" typeface="Arial"/>
+        <a:font script="Uigh" typeface="Microsoft Uighur"/>
+        <a:font script="Geor" typeface="Sylfaen"/>
+      </a:minorFont>
+    </a:fontScheme>
+    <a:fmtScheme name="Office">
+      <a:fillStyleLst>
+        <a:solidFill>
+          <a:schemeClr val="phClr"/>
+        </a:solidFill>
+        <a:gradFill rotWithShape="1">
+          <a:gsLst>
+            <a:gs pos="0">
+              <a:schemeClr val="phClr">
+                <a:lumMod val="110000"/>
+                <a:satMod val="105000"/>
+                <a:tint val="67000"/>
+              </a:schemeClr>
+            </a:gs>
+            <a:gs pos="50000">
+              <a:schemeClr val="phClr">
+                <a:lumMod val="105000"/>
+                <a:satMod val="103000"/>
+                <a:tint val="73000"/>
+              </a:schemeClr>
+            </a:gs>
+            <a:gs pos="100000">
+              <a:schemeClr val="phClr">
+                <a:lumMod val="105000"/>
+                <a:satMod val="109000"/>
+                <a:tint val="81000"/>
+              </a:schemeClr>
+            </a:gs>
+          </a:gsLst>
+          <a:lin ang="5400000" scaled="0"/>
+        </a:gradFill>
+        <a:gradFill rotWithShape="1">
+          <a:gsLst>
+            <a:gs pos="0">
+              <a:schemeClr val="phClr">
+                <a:satMod val="103000"/>
+                <a:lumMod val="102000"/>
+                <a:tint val="94000"/>
+              </a:schemeClr>
+            </a:gs>
+            <a:gs pos="50000">
+              <a:schemeClr val="phClr">
+                <a:satMod val="110000"/>
+                <a:lumMod val="100000"/>
+                <a:shade val="100000"/>
+              </a:schemeClr>
+            </a:gs>
+            <a:gs pos="100000">
+              <a:schemeClr val="phClr">
+                <a:lumMod val="99000"/>
+                <a:satMod val="120000"/>
+                <a:shade val="78000"/>
+              </a:schemeClr>
+            </a:gs>
+          </a:gsLst>
+          <a:lin ang="5400000" scaled="0"/>
+        </a:gradFill>
+      </a:fillStyleLst>
+      <a:lnStyleLst>
+        <a:ln w="6350" cap="flat" cmpd="sng" algn="ctr">
+          <a:solidFill>
+            <a:schemeClr val="phClr"/>
+          </a:solidFill>
+          <a:prstDash val="solid"/>
+          <a:miter lim="800000"/>
+        </a:ln>
+        <a:ln w="12700" cap="flat" cmpd="sng" algn="ctr">
+          <a:solidFill>
+            <a:schemeClr val="phClr"/>
+          </a:solidFill>
+          <a:prstDash val="solid"/>
+          <a:miter lim="800000"/>
+        </a:ln>
+        <a:ln w="19050" cap="flat" cmpd="sng" algn="ctr">
+          <a:solidFill>
+            <a:schemeClr val="phClr"/>
+          </a:solidFill>
+          <a:prstDash val="solid"/>
+          <a:miter lim="800000"/>
+        </a:ln>
+      </a:lnStyleLst>
+      <a:effectStyleLst>
+        <a:effectStyle>
+          <a:effectLst/>
+        </a:effectStyle>
+        <a:effectStyle>
+          <a:effectLst/>
+        </a:effectStyle>
+        <a:effectStyle>
+          <a:effectLst>
+            <a:outerShdw blurRad="57150" dist="19050" dir="5400000" algn="ctr" rotWithShape="0">
+              <a:srgbClr val="000000">
+                <a:alpha val="63000"/>
+              </a:srgbClr>
+            </a:outerShdw>
+          </a:effectLst>
+        </a:effectStyle>
+      </a:effectStyleLst>
+      <a:bgFillStyleLst>
+        <a:solidFill>
+          <a:schemeClr val="phClr"/>
+        </a:solidFill>
+        <a:solidFill>
+          <a:schemeClr val="phClr">
+            <a:tint val="95000"/>
+            <a:satMod val="170000"/>
+          </a:schemeClr>
+        </a:solidFill>
+        <a:gradFill rotWithShape="1">
+          <a:gsLst>
+            <a:gs pos="0">
+              <a:schemeClr val="phClr">
+                <a:tint val="93000"/>
+                <a:satMod val="150000"/>
+                <a:shade val="98000"/>
+                <a:lumMod val="102000"/>
+              </a:schemeClr>
+            </a:gs>
+            <a:gs pos="50000">
+              <a:schemeClr val="phClr">
+                <a:tint val="98000"/>
+                <a:satMod val="130000"/>
+                <a:shade val="90000"/>
+                <a:lumMod val="103000"/>
+              </a:schemeClr>
+            </a:gs>
+            <a:gs pos="100000">
+              <a:schemeClr val="phClr">
+                <a:shade val="63000"/>
+                <a:satMod val="120000"/>
+              </a:schemeClr>
+            </a:gs>
+          </a:gsLst>
+          <a:lin ang="5400000" scaled="0"/>
+        </a:gradFill>
+      </a:bgFillStyleLst>
+    </a:fmtScheme>
+  </a:themeElements>
+  <a:objectDefaults/>
+  <a:extraClrSchemeLst/>
+  <a:extLst>
+    <a:ext uri="{05A4C25C-085E-4340-85A3-A5531E510DB2}">
+      <thm15:themeFamily xmlns:thm15="http://schemas.microsoft.com/office/thememl/2012/main" name="Office Theme" id="{62F939B6-93AF-4DB8-9C6B-D6C7DFDC589F}" vid="{4A3C46E8-61CC-4603-A589-7422A47A8E4A}"/>
+    </a:ext>
+  </a:extLst>
+</a:theme>
 </file>